--- a/bachelor/kolloquium.pptx
+++ b/bachelor/kolloquium.pptx
@@ -5,35 +5,39 @@
     <p:sldMasterId id="2147483655" r:id="rId3"/>
   </p:sldMasterIdLst>
   <p:notesMasterIdLst>
-    <p:notesMasterId r:id="rId27"/>
+    <p:notesMasterId r:id="rId31"/>
   </p:notesMasterIdLst>
   <p:handoutMasterIdLst>
-    <p:handoutMasterId r:id="rId28"/>
+    <p:handoutMasterId r:id="rId32"/>
   </p:handoutMasterIdLst>
   <p:sldIdLst>
     <p:sldId id="257" r:id="rId4"/>
     <p:sldId id="281" r:id="rId5"/>
     <p:sldId id="282" r:id="rId6"/>
-    <p:sldId id="280" r:id="rId7"/>
-    <p:sldId id="277" r:id="rId8"/>
-    <p:sldId id="258" r:id="rId9"/>
-    <p:sldId id="259" r:id="rId10"/>
-    <p:sldId id="260" r:id="rId11"/>
-    <p:sldId id="261" r:id="rId12"/>
-    <p:sldId id="262" r:id="rId13"/>
-    <p:sldId id="276" r:id="rId14"/>
-    <p:sldId id="264" r:id="rId15"/>
-    <p:sldId id="284" r:id="rId16"/>
-    <p:sldId id="286" r:id="rId17"/>
-    <p:sldId id="285" r:id="rId18"/>
-    <p:sldId id="269" r:id="rId19"/>
-    <p:sldId id="278" r:id="rId20"/>
-    <p:sldId id="273" r:id="rId21"/>
-    <p:sldId id="274" r:id="rId22"/>
-    <p:sldId id="275" r:id="rId23"/>
-    <p:sldId id="283" r:id="rId24"/>
-    <p:sldId id="287" r:id="rId25"/>
-    <p:sldId id="272" r:id="rId26"/>
+    <p:sldId id="277" r:id="rId7"/>
+    <p:sldId id="289" r:id="rId8"/>
+    <p:sldId id="260" r:id="rId9"/>
+    <p:sldId id="261" r:id="rId10"/>
+    <p:sldId id="276" r:id="rId11"/>
+    <p:sldId id="264" r:id="rId12"/>
+    <p:sldId id="284" r:id="rId13"/>
+    <p:sldId id="286" r:id="rId14"/>
+    <p:sldId id="285" r:id="rId15"/>
+    <p:sldId id="278" r:id="rId16"/>
+    <p:sldId id="288" r:id="rId17"/>
+    <p:sldId id="290" r:id="rId18"/>
+    <p:sldId id="274" r:id="rId19"/>
+    <p:sldId id="291" r:id="rId20"/>
+    <p:sldId id="283" r:id="rId21"/>
+    <p:sldId id="287" r:id="rId22"/>
+    <p:sldId id="272" r:id="rId23"/>
+    <p:sldId id="280" r:id="rId24"/>
+    <p:sldId id="258" r:id="rId25"/>
+    <p:sldId id="259" r:id="rId26"/>
+    <p:sldId id="262" r:id="rId27"/>
+    <p:sldId id="269" r:id="rId28"/>
+    <p:sldId id="273" r:id="rId29"/>
+    <p:sldId id="275" r:id="rId30"/>
   </p:sldIdLst>
   <p:sldSz cx="12192000" cy="6858000"/>
   <p:notesSz cx="6858000" cy="9144000"/>
@@ -249,7 +253,7 @@
           <a:p>
             <a:fld id="{BBD87DEA-88C7-7A42-91BE-619EBB13BEE9}" type="datetime1">
               <a:rPr lang="de-DE" smtClean="0"/>
-              <a:t>16.09.19</a:t>
+              <a:t>22.09.19</a:t>
             </a:fld>
             <a:endParaRPr lang="de-DE"/>
           </a:p>
@@ -427,7 +431,7 @@
           <a:p>
             <a:fld id="{16B1017B-A3BB-844B-ADCA-29BE2BF7ADF1}" type="datetime1">
               <a:rPr lang="de-DE" smtClean="0"/>
-              <a:t>16.09.19</a:t>
+              <a:t>22.09.19</a:t>
             </a:fld>
             <a:endParaRPr lang="de-DE"/>
           </a:p>
@@ -789,7 +793,7 @@
           <a:p>
             <a:fld id="{5359629F-E229-8749-ADCC-A6A59F042E97}" type="datetime1">
               <a:rPr lang="de-DE" smtClean="0"/>
-              <a:t>16.09.19</a:t>
+              <a:t>22.09.19</a:t>
             </a:fld>
             <a:endParaRPr lang="de-DE"/>
           </a:p>
@@ -873,7 +877,7 @@
           <a:p>
             <a:fld id="{16B1017B-A3BB-844B-ADCA-29BE2BF7ADF1}" type="datetime1">
               <a:rPr lang="de-DE" smtClean="0"/>
-              <a:t>16.09.19</a:t>
+              <a:t>22.09.19</a:t>
             </a:fld>
             <a:endParaRPr lang="de-DE"/>
           </a:p>
@@ -896,7 +900,7 @@
           <a:p>
             <a:fld id="{62F64374-0C28-4B03-AAD9-AD8CE0DB8BAE}" type="slidenum">
               <a:rPr lang="de-DE" smtClean="0"/>
-              <a:t>6</a:t>
+              <a:t>3</a:t>
             </a:fld>
             <a:endParaRPr lang="de-DE"/>
           </a:p>
@@ -905,7 +909,7 @@
     </p:spTree>
     <p:extLst>
       <p:ext uri="{BB962C8B-B14F-4D97-AF65-F5344CB8AC3E}">
-        <p14:creationId xmlns:p14="http://schemas.microsoft.com/office/powerpoint/2010/main" val="2956699454"/>
+        <p14:creationId xmlns:p14="http://schemas.microsoft.com/office/powerpoint/2010/main" val="877164951"/>
       </p:ext>
     </p:extLst>
   </p:cSld>
@@ -980,7 +984,7 @@
           <a:p>
             <a:fld id="{16B1017B-A3BB-844B-ADCA-29BE2BF7ADF1}" type="datetime1">
               <a:rPr lang="de-DE" smtClean="0"/>
-              <a:t>16.09.19</a:t>
+              <a:t>22.09.19</a:t>
             </a:fld>
             <a:endParaRPr lang="de-DE"/>
           </a:p>
@@ -1003,7 +1007,7 @@
           <a:p>
             <a:fld id="{62F64374-0C28-4B03-AAD9-AD8CE0DB8BAE}" type="slidenum">
               <a:rPr lang="de-DE" smtClean="0"/>
-              <a:t>10</a:t>
+              <a:t>18</a:t>
             </a:fld>
             <a:endParaRPr lang="de-DE"/>
           </a:p>
@@ -1012,7 +1016,7 @@
     </p:spTree>
     <p:extLst>
       <p:ext uri="{BB962C8B-B14F-4D97-AF65-F5344CB8AC3E}">
-        <p14:creationId xmlns:p14="http://schemas.microsoft.com/office/powerpoint/2010/main" val="3623590810"/>
+        <p14:creationId xmlns:p14="http://schemas.microsoft.com/office/powerpoint/2010/main" val="61937129"/>
       </p:ext>
     </p:extLst>
   </p:cSld>
@@ -1087,7 +1091,7 @@
           <a:p>
             <a:fld id="{16B1017B-A3BB-844B-ADCA-29BE2BF7ADF1}" type="datetime1">
               <a:rPr lang="de-DE" smtClean="0"/>
-              <a:t>16.09.19</a:t>
+              <a:t>22.09.19</a:t>
             </a:fld>
             <a:endParaRPr lang="de-DE"/>
           </a:p>
@@ -1110,7 +1114,7 @@
           <a:p>
             <a:fld id="{62F64374-0C28-4B03-AAD9-AD8CE0DB8BAE}" type="slidenum">
               <a:rPr lang="de-DE" smtClean="0"/>
-              <a:t>16</a:t>
+              <a:t>20</a:t>
             </a:fld>
             <a:endParaRPr lang="de-DE"/>
           </a:p>
@@ -1119,7 +1123,7 @@
     </p:spTree>
     <p:extLst>
       <p:ext uri="{BB962C8B-B14F-4D97-AF65-F5344CB8AC3E}">
-        <p14:creationId xmlns:p14="http://schemas.microsoft.com/office/powerpoint/2010/main" val="1383496319"/>
+        <p14:creationId xmlns:p14="http://schemas.microsoft.com/office/powerpoint/2010/main" val="479964482"/>
       </p:ext>
     </p:extLst>
   </p:cSld>
@@ -1194,7 +1198,7 @@
           <a:p>
             <a:fld id="{16B1017B-A3BB-844B-ADCA-29BE2BF7ADF1}" type="datetime1">
               <a:rPr lang="de-DE" smtClean="0"/>
-              <a:t>16.09.19</a:t>
+              <a:t>22.09.19</a:t>
             </a:fld>
             <a:endParaRPr lang="de-DE"/>
           </a:p>
@@ -1217,7 +1221,7 @@
           <a:p>
             <a:fld id="{62F64374-0C28-4B03-AAD9-AD8CE0DB8BAE}" type="slidenum">
               <a:rPr lang="de-DE" smtClean="0"/>
-              <a:t>18</a:t>
+              <a:t>22</a:t>
             </a:fld>
             <a:endParaRPr lang="de-DE"/>
           </a:p>
@@ -1226,7 +1230,7 @@
     </p:spTree>
     <p:extLst>
       <p:ext uri="{BB962C8B-B14F-4D97-AF65-F5344CB8AC3E}">
-        <p14:creationId xmlns:p14="http://schemas.microsoft.com/office/powerpoint/2010/main" val="671745450"/>
+        <p14:creationId xmlns:p14="http://schemas.microsoft.com/office/powerpoint/2010/main" val="2956699454"/>
       </p:ext>
     </p:extLst>
   </p:cSld>
@@ -1301,7 +1305,7 @@
           <a:p>
             <a:fld id="{16B1017B-A3BB-844B-ADCA-29BE2BF7ADF1}" type="datetime1">
               <a:rPr lang="de-DE" smtClean="0"/>
-              <a:t>16.09.19</a:t>
+              <a:t>22.09.19</a:t>
             </a:fld>
             <a:endParaRPr lang="de-DE"/>
           </a:p>
@@ -1324,7 +1328,7 @@
           <a:p>
             <a:fld id="{62F64374-0C28-4B03-AAD9-AD8CE0DB8BAE}" type="slidenum">
               <a:rPr lang="de-DE" smtClean="0"/>
-              <a:t>21</a:t>
+              <a:t>24</a:t>
             </a:fld>
             <a:endParaRPr lang="de-DE"/>
           </a:p>
@@ -1333,7 +1337,7 @@
     </p:spTree>
     <p:extLst>
       <p:ext uri="{BB962C8B-B14F-4D97-AF65-F5344CB8AC3E}">
-        <p14:creationId xmlns:p14="http://schemas.microsoft.com/office/powerpoint/2010/main" val="61937129"/>
+        <p14:creationId xmlns:p14="http://schemas.microsoft.com/office/powerpoint/2010/main" val="3623590810"/>
       </p:ext>
     </p:extLst>
   </p:cSld>
@@ -1408,7 +1412,7 @@
           <a:p>
             <a:fld id="{16B1017B-A3BB-844B-ADCA-29BE2BF7ADF1}" type="datetime1">
               <a:rPr lang="de-DE" smtClean="0"/>
-              <a:t>16.09.19</a:t>
+              <a:t>22.09.19</a:t>
             </a:fld>
             <a:endParaRPr lang="de-DE"/>
           </a:p>
@@ -1431,7 +1435,7 @@
           <a:p>
             <a:fld id="{62F64374-0C28-4B03-AAD9-AD8CE0DB8BAE}" type="slidenum">
               <a:rPr lang="de-DE" smtClean="0"/>
-              <a:t>23</a:t>
+              <a:t>25</a:t>
             </a:fld>
             <a:endParaRPr lang="de-DE"/>
           </a:p>
@@ -1440,7 +1444,114 @@
     </p:spTree>
     <p:extLst>
       <p:ext uri="{BB962C8B-B14F-4D97-AF65-F5344CB8AC3E}">
-        <p14:creationId xmlns:p14="http://schemas.microsoft.com/office/powerpoint/2010/main" val="479964482"/>
+        <p14:creationId xmlns:p14="http://schemas.microsoft.com/office/powerpoint/2010/main" val="1383496319"/>
+      </p:ext>
+    </p:extLst>
+  </p:cSld>
+  <p:clrMapOvr>
+    <a:masterClrMapping/>
+  </p:clrMapOvr>
+</p:notes>
+</file>
+
+<file path=ppt/notesSlides/notesSlide8.xml><?xml version="1.0" encoding="utf-8"?>
+<p:notes xmlns:a="http://schemas.openxmlformats.org/drawingml/2006/main" xmlns:r="http://schemas.openxmlformats.org/officeDocument/2006/relationships" xmlns:p="http://schemas.openxmlformats.org/presentationml/2006/main">
+  <p:cSld>
+    <p:spTree>
+      <p:nvGrpSpPr>
+        <p:cNvPr id="1" name=""/>
+        <p:cNvGrpSpPr/>
+        <p:nvPr/>
+      </p:nvGrpSpPr>
+      <p:grpSpPr>
+        <a:xfrm>
+          <a:off x="0" y="0"/>
+          <a:ext cx="0" cy="0"/>
+          <a:chOff x="0" y="0"/>
+          <a:chExt cx="0" cy="0"/>
+        </a:xfrm>
+      </p:grpSpPr>
+      <p:sp>
+        <p:nvSpPr>
+          <p:cNvPr id="2" name="Folienbildplatzhalter 1"/>
+          <p:cNvSpPr>
+            <a:spLocks noGrp="1" noRot="1" noChangeAspect="1"/>
+          </p:cNvSpPr>
+          <p:nvPr>
+            <p:ph type="sldImg"/>
+          </p:nvPr>
+        </p:nvSpPr>
+        <p:spPr/>
+      </p:sp>
+      <p:sp>
+        <p:nvSpPr>
+          <p:cNvPr id="3" name="Notizenplatzhalter 2"/>
+          <p:cNvSpPr>
+            <a:spLocks noGrp="1"/>
+          </p:cNvSpPr>
+          <p:nvPr>
+            <p:ph type="body" idx="1"/>
+          </p:nvPr>
+        </p:nvSpPr>
+        <p:spPr/>
+        <p:txBody>
+          <a:bodyPr/>
+          <a:lstStyle/>
+          <a:p>
+            <a:endParaRPr lang="de-DE" dirty="0"/>
+          </a:p>
+        </p:txBody>
+      </p:sp>
+      <p:sp>
+        <p:nvSpPr>
+          <p:cNvPr id="4" name="Datumsplatzhalter 3"/>
+          <p:cNvSpPr>
+            <a:spLocks noGrp="1"/>
+          </p:cNvSpPr>
+          <p:nvPr>
+            <p:ph type="dt" idx="1"/>
+          </p:nvPr>
+        </p:nvSpPr>
+        <p:spPr/>
+        <p:txBody>
+          <a:bodyPr/>
+          <a:lstStyle/>
+          <a:p>
+            <a:fld id="{16B1017B-A3BB-844B-ADCA-29BE2BF7ADF1}" type="datetime1">
+              <a:rPr lang="de-DE" smtClean="0"/>
+              <a:t>22.09.19</a:t>
+            </a:fld>
+            <a:endParaRPr lang="de-DE"/>
+          </a:p>
+        </p:txBody>
+      </p:sp>
+      <p:sp>
+        <p:nvSpPr>
+          <p:cNvPr id="5" name="Foliennummernplatzhalter 4"/>
+          <p:cNvSpPr>
+            <a:spLocks noGrp="1"/>
+          </p:cNvSpPr>
+          <p:nvPr>
+            <p:ph type="sldNum" sz="quarter" idx="5"/>
+          </p:nvPr>
+        </p:nvSpPr>
+        <p:spPr/>
+        <p:txBody>
+          <a:bodyPr/>
+          <a:lstStyle/>
+          <a:p>
+            <a:fld id="{62F64374-0C28-4B03-AAD9-AD8CE0DB8BAE}" type="slidenum">
+              <a:rPr lang="de-DE" smtClean="0"/>
+              <a:t>26</a:t>
+            </a:fld>
+            <a:endParaRPr lang="de-DE"/>
+          </a:p>
+        </p:txBody>
+      </p:sp>
+    </p:spTree>
+    <p:extLst>
+      <p:ext uri="{BB962C8B-B14F-4D97-AF65-F5344CB8AC3E}">
+        <p14:creationId xmlns:p14="http://schemas.microsoft.com/office/powerpoint/2010/main" val="671745450"/>
       </p:ext>
     </p:extLst>
   </p:cSld>
@@ -4372,7 +4483,7 @@
           <p:cNvPr id="2" name="Titel 1">
             <a:extLst>
               <a:ext uri="{FF2B5EF4-FFF2-40B4-BE49-F238E27FC236}">
-                <a16:creationId xmlns:a16="http://schemas.microsoft.com/office/drawing/2014/main" id="{89C3DDEC-AE1A-AA4A-AD6C-93563954AC25}"/>
+                <a16:creationId xmlns:a16="http://schemas.microsoft.com/office/drawing/2014/main" id="{2492AD53-96E2-0B45-811F-EA4AA69BE975}"/>
               </a:ext>
             </a:extLst>
           </p:cNvPr>
@@ -4390,7 +4501,7 @@
           <a:p>
             <a:r>
               <a:rPr lang="de-DE" dirty="0"/>
-              <a:t>Trainingsparameter</a:t>
+              <a:t>HS-gamma</a:t>
             </a:r>
           </a:p>
         </p:txBody>
@@ -4400,7 +4511,7 @@
           <p:cNvPr id="3" name="Datumsplatzhalter 2">
             <a:extLst>
               <a:ext uri="{FF2B5EF4-FFF2-40B4-BE49-F238E27FC236}">
-                <a16:creationId xmlns:a16="http://schemas.microsoft.com/office/drawing/2014/main" id="{7C73244A-B9A4-2C41-8621-62A0F8CEB6E6}"/>
+                <a16:creationId xmlns:a16="http://schemas.microsoft.com/office/drawing/2014/main" id="{03994EA4-DD05-7341-9AF8-D3A29F1281B4}"/>
               </a:ext>
             </a:extLst>
           </p:cNvPr>
@@ -4429,7 +4540,7 @@
           <p:cNvPr id="4" name="Foliennummernplatzhalter 3">
             <a:extLst>
               <a:ext uri="{FF2B5EF4-FFF2-40B4-BE49-F238E27FC236}">
-                <a16:creationId xmlns:a16="http://schemas.microsoft.com/office/drawing/2014/main" id="{1697AECB-0285-B44E-802C-2D2C7120F347}"/>
+                <a16:creationId xmlns:a16="http://schemas.microsoft.com/office/drawing/2014/main" id="{C65CC91A-4A5F-BF40-AFEE-904E3C234B83}"/>
               </a:ext>
             </a:extLst>
           </p:cNvPr>
@@ -4459,7 +4570,7 @@
           <p:cNvPr id="5" name="Textplatzhalter 4">
             <a:extLst>
               <a:ext uri="{FF2B5EF4-FFF2-40B4-BE49-F238E27FC236}">
-                <a16:creationId xmlns:a16="http://schemas.microsoft.com/office/drawing/2014/main" id="{D04DCF65-C636-7648-A6B9-685CB378150C}"/>
+                <a16:creationId xmlns:a16="http://schemas.microsoft.com/office/drawing/2014/main" id="{1C7DB3A8-38A5-FF4B-BD1C-C441DFC3B018}"/>
               </a:ext>
             </a:extLst>
           </p:cNvPr>
@@ -4472,8 +4583,8 @@
         </p:nvSpPr>
         <p:spPr>
           <a:xfrm>
-            <a:off x="91580" y="1219201"/>
-            <a:ext cx="5654770" cy="5198760"/>
+            <a:off x="91579" y="3537283"/>
+            <a:ext cx="8416515" cy="2880677"/>
           </a:xfrm>
         </p:spPr>
         <p:txBody>
@@ -4482,75 +4593,33 @@
           <a:p>
             <a:r>
               <a:rPr lang="de-DE" dirty="0"/>
-              <a:t>Hyperparameter wurden </a:t>
+              <a:t>Das Netzwerk bestimmte:</a:t>
+            </a:r>
+          </a:p>
+          <a:p>
+            <a:pPr lvl="1"/>
+            <a:r>
+              <a:rPr lang="de-DE" dirty="0"/>
+              <a:t>alle Evaluationsdaten in einem ca. 5m x 20m großen </a:t>
             </a:r>
             <a:r>
               <a:rPr lang="de-DE" b="1" dirty="0"/>
-              <a:t>übernommen</a:t>
-            </a:r>
-            <a:r>
-              <a:rPr lang="de-DE" dirty="0"/>
-              <a:t> bzw. </a:t>
+              <a:t>Teilbereich</a:t>
+            </a:r>
+          </a:p>
+          <a:p>
+            <a:pPr lvl="1"/>
+            <a:r>
+              <a:rPr lang="de-DE" dirty="0"/>
+              <a:t>Die Orientierung als die Aufnahmerichtung </a:t>
             </a:r>
             <a:r>
               <a:rPr lang="de-DE" b="1" dirty="0"/>
-              <a:t>gleichermaßen bestimmt</a:t>
-            </a:r>
-            <a:r>
-              <a:rPr lang="de-DE" dirty="0"/>
-              <a:t> oder </a:t>
-            </a:r>
-            <a:r>
-              <a:rPr lang="de-DE" b="1" dirty="0"/>
-              <a:t>im selben Verhältnis </a:t>
-            </a:r>
-            <a:r>
-              <a:rPr lang="de-DE" dirty="0"/>
-              <a:t>zum Datensatz </a:t>
-            </a:r>
-            <a:r>
-              <a:rPr lang="de-DE" b="1" dirty="0"/>
-              <a:t>gewählt</a:t>
-            </a:r>
-            <a:r>
-              <a:rPr lang="de-DE" dirty="0"/>
-              <a:t>.</a:t>
+              <a:t>der horizontalen Strecken</a:t>
             </a:r>
           </a:p>
           <a:p>
             <a:endParaRPr lang="de-DE" dirty="0"/>
-          </a:p>
-          <a:p>
-            <a:r>
-              <a:rPr lang="de-DE" dirty="0"/>
-              <a:t>Hyperparameter Beta wurde wie empfohlen via </a:t>
-            </a:r>
-            <a:r>
-              <a:rPr lang="de-DE" i="1" dirty="0" err="1"/>
-              <a:t>Grid</a:t>
-            </a:r>
-            <a:r>
-              <a:rPr lang="de-DE" i="1" dirty="0"/>
-              <a:t>-Search </a:t>
-            </a:r>
-            <a:r>
-              <a:rPr lang="de-DE" dirty="0"/>
-              <a:t>bestimmt</a:t>
-            </a:r>
-          </a:p>
-          <a:p>
-            <a:pPr lvl="1"/>
-            <a:r>
-              <a:rPr lang="de-DE" dirty="0"/>
-              <a:t>Trainiert und Evaluiert mit realen Daten</a:t>
-            </a:r>
-          </a:p>
-          <a:p>
-            <a:pPr lvl="1"/>
-            <a:r>
-              <a:rPr lang="de-DE" dirty="0"/>
-              <a:t>Ergebnis dient als Referenzwert</a:t>
-            </a:r>
           </a:p>
         </p:txBody>
       </p:sp>
@@ -4559,7 +4628,42 @@
           <p:cNvPr id="7" name="Grafik 6">
             <a:extLst>
               <a:ext uri="{FF2B5EF4-FFF2-40B4-BE49-F238E27FC236}">
-                <a16:creationId xmlns:a16="http://schemas.microsoft.com/office/drawing/2014/main" id="{E98785E3-916B-BC4E-AB45-ED9BFFBE16FA}"/>
+                <a16:creationId xmlns:a16="http://schemas.microsoft.com/office/drawing/2014/main" id="{FEB2E393-B67C-2743-9513-521311D30366}"/>
+              </a:ext>
+            </a:extLst>
+          </p:cNvPr>
+          <p:cNvPicPr>
+            <a:picLocks noChangeAspect="1"/>
+          </p:cNvPicPr>
+          <p:nvPr/>
+        </p:nvPicPr>
+        <p:blipFill>
+          <a:blip r:embed="rId2">
+            <a:extLst>
+              <a:ext uri="{28A0092B-C50C-407E-A947-70E740481C1C}">
+                <a14:useLocalDpi xmlns:a14="http://schemas.microsoft.com/office/drawing/2010/main" val="0"/>
+              </a:ext>
+            </a:extLst>
+          </a:blip>
+          <a:srcRect/>
+          <a:stretch/>
+        </p:blipFill>
+        <p:spPr>
+          <a:xfrm>
+            <a:off x="8516163" y="893139"/>
+            <a:ext cx="3501762" cy="5511800"/>
+          </a:xfrm>
+          <a:prstGeom prst="rect">
+            <a:avLst/>
+          </a:prstGeom>
+        </p:spPr>
+      </p:pic>
+      <p:pic>
+        <p:nvPicPr>
+          <p:cNvPr id="9" name="Grafik 8">
+            <a:extLst>
+              <a:ext uri="{FF2B5EF4-FFF2-40B4-BE49-F238E27FC236}">
+                <a16:creationId xmlns:a16="http://schemas.microsoft.com/office/drawing/2014/main" id="{03643C37-3228-704D-9B09-5BD08D64FC1D}"/>
               </a:ext>
             </a:extLst>
           </p:cNvPr>
@@ -4576,14 +4680,13 @@
               </a:ext>
             </a:extLst>
           </a:blip>
-          <a:stretch>
-            <a:fillRect/>
-          </a:stretch>
+          <a:srcRect/>
+          <a:stretch/>
         </p:blipFill>
         <p:spPr>
           <a:xfrm>
-            <a:off x="5746349" y="1366125"/>
-            <a:ext cx="6279645" cy="4904912"/>
+            <a:off x="570457" y="1439257"/>
+            <a:ext cx="7458759" cy="1756162"/>
           </a:xfrm>
           <a:prstGeom prst="rect">
             <a:avLst/>
@@ -4592,10 +4695,10 @@
       </p:pic>
       <p:sp>
         <p:nvSpPr>
-          <p:cNvPr id="8" name="Rechteck 7">
-            <a:extLst>
-              <a:ext uri="{FF2B5EF4-FFF2-40B4-BE49-F238E27FC236}">
-                <a16:creationId xmlns:a16="http://schemas.microsoft.com/office/drawing/2014/main" id="{C468D75A-022F-C443-8AB4-318FF525505B}"/>
+          <p:cNvPr id="10" name="Rechteck 9">
+            <a:extLst>
+              <a:ext uri="{FF2B5EF4-FFF2-40B4-BE49-F238E27FC236}">
+                <a16:creationId xmlns:a16="http://schemas.microsoft.com/office/drawing/2014/main" id="{806BB677-ADB6-AD43-8AB5-AE3134D56692}"/>
               </a:ext>
             </a:extLst>
           </p:cNvPr>
@@ -4604,8 +4707,8 @@
         </p:nvSpPr>
         <p:spPr>
           <a:xfrm>
-            <a:off x="7112738" y="6521393"/>
-            <a:ext cx="3002268" cy="336608"/>
+            <a:off x="8261498" y="6521393"/>
+            <a:ext cx="1853508" cy="336608"/>
           </a:xfrm>
           <a:prstGeom prst="rect">
             <a:avLst/>
@@ -4644,10 +4747,95 @@
           </a:p>
         </p:txBody>
       </p:sp>
+      <p:sp>
+        <p:nvSpPr>
+          <p:cNvPr id="11" name="Textfeld 10">
+            <a:extLst>
+              <a:ext uri="{FF2B5EF4-FFF2-40B4-BE49-F238E27FC236}">
+                <a16:creationId xmlns:a16="http://schemas.microsoft.com/office/drawing/2014/main" id="{1ED927EF-9B17-0A44-9391-09C16888C6C3}"/>
+              </a:ext>
+            </a:extLst>
+          </p:cNvPr>
+          <p:cNvSpPr txBox="1"/>
+          <p:nvPr/>
+        </p:nvSpPr>
+        <p:spPr>
+          <a:xfrm>
+            <a:off x="2775606" y="1033253"/>
+            <a:ext cx="3048459" cy="369332"/>
+          </a:xfrm>
+          <a:prstGeom prst="rect">
+            <a:avLst/>
+          </a:prstGeom>
+          <a:noFill/>
+        </p:spPr>
+        <p:txBody>
+          <a:bodyPr wrap="square" rtlCol="0">
+            <a:spAutoFit/>
+          </a:bodyPr>
+          <a:lstStyle/>
+          <a:p>
+            <a:r>
+              <a:rPr lang="de-DE" i="1" dirty="0"/>
+              <a:t>Referenzwert: 0.95m, 7.53°</a:t>
+            </a:r>
+          </a:p>
+        </p:txBody>
+      </p:sp>
+      <p:sp>
+        <p:nvSpPr>
+          <p:cNvPr id="13" name="Rahmen 12">
+            <a:extLst>
+              <a:ext uri="{FF2B5EF4-FFF2-40B4-BE49-F238E27FC236}">
+                <a16:creationId xmlns:a16="http://schemas.microsoft.com/office/drawing/2014/main" id="{3F9A6040-3DCD-1F4E-AD5F-F87C6B64B47E}"/>
+              </a:ext>
+            </a:extLst>
+          </p:cNvPr>
+          <p:cNvSpPr/>
+          <p:nvPr/>
+        </p:nvSpPr>
+        <p:spPr>
+          <a:xfrm>
+            <a:off x="5426242" y="1944358"/>
+            <a:ext cx="1335505" cy="348916"/>
+          </a:xfrm>
+          <a:prstGeom prst="frame">
+            <a:avLst/>
+          </a:prstGeom>
+        </p:spPr>
+        <p:style>
+          <a:lnRef idx="2">
+            <a:schemeClr val="accent6">
+              <a:shade val="50000"/>
+            </a:schemeClr>
+          </a:lnRef>
+          <a:fillRef idx="1">
+            <a:schemeClr val="accent6"/>
+          </a:fillRef>
+          <a:effectRef idx="0">
+            <a:schemeClr val="accent6"/>
+          </a:effectRef>
+          <a:fontRef idx="minor">
+            <a:schemeClr val="lt1"/>
+          </a:fontRef>
+        </p:style>
+        <p:txBody>
+          <a:bodyPr rtlCol="0" anchor="ctr"/>
+          <a:lstStyle/>
+          <a:p>
+            <a:pPr algn="ctr"/>
+            <a:endParaRPr lang="de-DE">
+              <a:solidFill>
+                <a:schemeClr val="tx1"/>
+              </a:solidFill>
+            </a:endParaRPr>
+          </a:p>
+        </p:txBody>
+      </p:sp>
     </p:spTree>
     <p:extLst>
       <p:ext uri="{BB962C8B-B14F-4D97-AF65-F5344CB8AC3E}">
-        <p14:creationId xmlns:p14="http://schemas.microsoft.com/office/powerpoint/2010/main" val="2072247241"/>
+        <p14:creationId xmlns:p14="http://schemas.microsoft.com/office/powerpoint/2010/main" val="2973086913"/>
       </p:ext>
     </p:extLst>
   </p:cSld>
@@ -4679,7 +4867,7 @@
           <p:cNvPr id="2" name="Titel 1">
             <a:extLst>
               <a:ext uri="{FF2B5EF4-FFF2-40B4-BE49-F238E27FC236}">
-                <a16:creationId xmlns:a16="http://schemas.microsoft.com/office/drawing/2014/main" id="{187C2D52-72E3-6741-ADF1-F066AEBA38A6}"/>
+                <a16:creationId xmlns:a16="http://schemas.microsoft.com/office/drawing/2014/main" id="{2492AD53-96E2-0B45-811F-EA4AA69BE975}"/>
               </a:ext>
             </a:extLst>
           </p:cNvPr>
@@ -4697,8 +4885,21 @@
           <a:p>
             <a:r>
               <a:rPr lang="de-DE" dirty="0"/>
-              <a:t>Ergebnisse</a:t>
-            </a:r>
+              <a:t>HS-</a:t>
+            </a:r>
+            <a:r>
+              <a:rPr lang="de-DE" dirty="0" err="1"/>
+              <a:t>stairs</a:t>
+            </a:r>
+            <a:r>
+              <a:rPr lang="de-DE" dirty="0"/>
+              <a:t>-</a:t>
+            </a:r>
+            <a:r>
+              <a:rPr lang="de-DE" dirty="0" err="1"/>
+              <a:t>up</a:t>
+            </a:r>
+            <a:endParaRPr lang="de-DE" dirty="0"/>
           </a:p>
         </p:txBody>
       </p:sp>
@@ -4707,7 +4908,7 @@
           <p:cNvPr id="3" name="Datumsplatzhalter 2">
             <a:extLst>
               <a:ext uri="{FF2B5EF4-FFF2-40B4-BE49-F238E27FC236}">
-                <a16:creationId xmlns:a16="http://schemas.microsoft.com/office/drawing/2014/main" id="{0DF37704-8DE6-2A4B-ADFF-79CE28863D98}"/>
+                <a16:creationId xmlns:a16="http://schemas.microsoft.com/office/drawing/2014/main" id="{03994EA4-DD05-7341-9AF8-D3A29F1281B4}"/>
               </a:ext>
             </a:extLst>
           </p:cNvPr>
@@ -4736,7 +4937,7 @@
           <p:cNvPr id="4" name="Foliennummernplatzhalter 3">
             <a:extLst>
               <a:ext uri="{FF2B5EF4-FFF2-40B4-BE49-F238E27FC236}">
-                <a16:creationId xmlns:a16="http://schemas.microsoft.com/office/drawing/2014/main" id="{58CEDD4B-D8E9-944D-87B9-9B8642FD1657}"/>
+                <a16:creationId xmlns:a16="http://schemas.microsoft.com/office/drawing/2014/main" id="{C65CC91A-4A5F-BF40-AFEE-904E3C234B83}"/>
               </a:ext>
             </a:extLst>
           </p:cNvPr>
@@ -4766,7 +4967,7 @@
           <p:cNvPr id="5" name="Textplatzhalter 4">
             <a:extLst>
               <a:ext uri="{FF2B5EF4-FFF2-40B4-BE49-F238E27FC236}">
-                <a16:creationId xmlns:a16="http://schemas.microsoft.com/office/drawing/2014/main" id="{89882CFA-3474-0742-B47B-C675F0C8F3E2}"/>
+                <a16:creationId xmlns:a16="http://schemas.microsoft.com/office/drawing/2014/main" id="{1C7DB3A8-38A5-FF4B-BD1C-C441DFC3B018}"/>
               </a:ext>
             </a:extLst>
           </p:cNvPr>
@@ -4777,94 +4978,136 @@
             <p:ph type="body" sz="quarter" idx="12"/>
           </p:nvPr>
         </p:nvSpPr>
-        <p:spPr/>
+        <p:spPr>
+          <a:xfrm>
+            <a:off x="91579" y="3537283"/>
+            <a:ext cx="8416515" cy="2880677"/>
+          </a:xfrm>
+        </p:spPr>
         <p:txBody>
           <a:bodyPr/>
           <a:lstStyle/>
           <a:p>
             <a:r>
               <a:rPr lang="de-DE" dirty="0"/>
-              <a:t>Evaluationsergebnis </a:t>
+              <a:t>Das Netzwerk bestimmte:</a:t>
             </a:r>
           </a:p>
           <a:p>
             <a:pPr lvl="1"/>
             <a:r>
               <a:rPr lang="de-DE" dirty="0"/>
-              <a:t>Abweichung der Position in Meter und den Orientierungsfehler in Grad</a:t>
+              <a:t>alle Evaluationsergebnisse zwischen der </a:t>
+            </a:r>
+            <a:r>
+              <a:rPr lang="de-DE" b="1" dirty="0"/>
+              <a:t>dem oberen und unteren Treppenlauf</a:t>
             </a:r>
           </a:p>
           <a:p>
             <a:pPr lvl="1"/>
             <a:r>
-              <a:rPr lang="de-DE" dirty="0"/>
-              <a:t>werden anhand der Positionsfehler verglichen</a:t>
-            </a:r>
-          </a:p>
-          <a:p>
-            <a:endParaRPr lang="de-DE" dirty="0"/>
-          </a:p>
-          <a:p>
-            <a:r>
-              <a:rPr lang="de-DE" dirty="0"/>
-              <a:t>Akkuratesse gibt an:</a:t>
+              <a:rPr lang="de-DE" b="1" dirty="0"/>
+              <a:t>abwechselnd</a:t>
+            </a:r>
+            <a:r>
+              <a:rPr lang="de-DE" dirty="0"/>
+              <a:t> größere Positionsfehler</a:t>
             </a:r>
           </a:p>
           <a:p>
             <a:pPr lvl="1"/>
             <a:r>
               <a:rPr lang="de-DE" dirty="0"/>
-              <a:t>Median der Evaluationsergebnisse</a:t>
-            </a:r>
-          </a:p>
-          <a:p>
-            <a:pPr lvl="1"/>
-            <a:endParaRPr lang="de-DE" dirty="0"/>
-          </a:p>
-          <a:p>
-            <a:r>
-              <a:rPr lang="de-DE" dirty="0"/>
-              <a:t>Evaluation</a:t>
-            </a:r>
-          </a:p>
-          <a:p>
-            <a:pPr lvl="1"/>
-            <a:r>
-              <a:rPr lang="de-DE" dirty="0"/>
-              <a:t>1.: </a:t>
-            </a:r>
-            <a:r>
-              <a:rPr lang="de-DE" dirty="0" err="1"/>
-              <a:t>Gradientenbilder</a:t>
-            </a:r>
-            <a:r>
-              <a:rPr lang="de-DE" dirty="0"/>
-              <a:t> der korrespondierenden synthetischen Evaluationsdaten</a:t>
-            </a:r>
-          </a:p>
-          <a:p>
-            <a:pPr lvl="1"/>
-            <a:r>
-              <a:rPr lang="de-DE" dirty="0"/>
-              <a:t>2.: </a:t>
-            </a:r>
-            <a:r>
-              <a:rPr lang="de-DE" dirty="0" err="1"/>
-              <a:t>Gradientenbilder</a:t>
-            </a:r>
-            <a:r>
-              <a:rPr lang="de-DE" dirty="0"/>
-              <a:t> der realen Evaluationsdaten</a:t>
-            </a:r>
-          </a:p>
-        </p:txBody>
-      </p:sp>
-      <p:sp>
-        <p:nvSpPr>
-          <p:cNvPr id="6" name="Rechteck 5">
-            <a:extLst>
-              <a:ext uri="{FF2B5EF4-FFF2-40B4-BE49-F238E27FC236}">
-                <a16:creationId xmlns:a16="http://schemas.microsoft.com/office/drawing/2014/main" id="{051FA9AB-3753-2041-8152-A9F2BB18136C}"/>
+              <a:t>Die Orientierung wurde abwechselnd in der </a:t>
+            </a:r>
+            <a:r>
+              <a:rPr lang="de-DE" b="1" dirty="0"/>
+              <a:t>entgegengesetzten Orientierung</a:t>
+            </a:r>
+            <a:r>
+              <a:rPr lang="de-DE" dirty="0"/>
+              <a:t> bestimmt</a:t>
+            </a:r>
+          </a:p>
+        </p:txBody>
+      </p:sp>
+      <p:pic>
+        <p:nvPicPr>
+          <p:cNvPr id="7" name="Grafik 6">
+            <a:extLst>
+              <a:ext uri="{FF2B5EF4-FFF2-40B4-BE49-F238E27FC236}">
+                <a16:creationId xmlns:a16="http://schemas.microsoft.com/office/drawing/2014/main" id="{FEB2E393-B67C-2743-9513-521311D30366}"/>
+              </a:ext>
+            </a:extLst>
+          </p:cNvPr>
+          <p:cNvPicPr>
+            <a:picLocks noChangeAspect="1"/>
+          </p:cNvPicPr>
+          <p:nvPr/>
+        </p:nvPicPr>
+        <p:blipFill>
+          <a:blip r:embed="rId2">
+            <a:extLst>
+              <a:ext uri="{28A0092B-C50C-407E-A947-70E740481C1C}">
+                <a14:useLocalDpi xmlns:a14="http://schemas.microsoft.com/office/drawing/2010/main" val="0"/>
+              </a:ext>
+            </a:extLst>
+          </a:blip>
+          <a:srcRect/>
+          <a:stretch/>
+        </p:blipFill>
+        <p:spPr>
+          <a:xfrm>
+            <a:off x="8508094" y="977139"/>
+            <a:ext cx="3517900" cy="5343799"/>
+          </a:xfrm>
+          <a:prstGeom prst="rect">
+            <a:avLst/>
+          </a:prstGeom>
+        </p:spPr>
+      </p:pic>
+      <p:pic>
+        <p:nvPicPr>
+          <p:cNvPr id="9" name="Grafik 8">
+            <a:extLst>
+              <a:ext uri="{FF2B5EF4-FFF2-40B4-BE49-F238E27FC236}">
+                <a16:creationId xmlns:a16="http://schemas.microsoft.com/office/drawing/2014/main" id="{03643C37-3228-704D-9B09-5BD08D64FC1D}"/>
+              </a:ext>
+            </a:extLst>
+          </p:cNvPr>
+          <p:cNvPicPr>
+            <a:picLocks noChangeAspect="1"/>
+          </p:cNvPicPr>
+          <p:nvPr/>
+        </p:nvPicPr>
+        <p:blipFill>
+          <a:blip r:embed="rId3">
+            <a:extLst>
+              <a:ext uri="{28A0092B-C50C-407E-A947-70E740481C1C}">
+                <a14:useLocalDpi xmlns:a14="http://schemas.microsoft.com/office/drawing/2010/main" val="0"/>
+              </a:ext>
+            </a:extLst>
+          </a:blip>
+          <a:srcRect/>
+          <a:stretch/>
+        </p:blipFill>
+        <p:spPr>
+          <a:xfrm>
+            <a:off x="570457" y="1417143"/>
+            <a:ext cx="7458759" cy="1800390"/>
+          </a:xfrm>
+          <a:prstGeom prst="rect">
+            <a:avLst/>
+          </a:prstGeom>
+        </p:spPr>
+      </p:pic>
+      <p:sp>
+        <p:nvSpPr>
+          <p:cNvPr id="10" name="Rechteck 9">
+            <a:extLst>
+              <a:ext uri="{FF2B5EF4-FFF2-40B4-BE49-F238E27FC236}">
+                <a16:creationId xmlns:a16="http://schemas.microsoft.com/office/drawing/2014/main" id="{806BB677-ADB6-AD43-8AB5-AE3134D56692}"/>
               </a:ext>
             </a:extLst>
           </p:cNvPr>
@@ -4913,10 +5156,95 @@
           </a:p>
         </p:txBody>
       </p:sp>
+      <p:sp>
+        <p:nvSpPr>
+          <p:cNvPr id="11" name="Textfeld 10">
+            <a:extLst>
+              <a:ext uri="{FF2B5EF4-FFF2-40B4-BE49-F238E27FC236}">
+                <a16:creationId xmlns:a16="http://schemas.microsoft.com/office/drawing/2014/main" id="{1ED927EF-9B17-0A44-9391-09C16888C6C3}"/>
+              </a:ext>
+            </a:extLst>
+          </p:cNvPr>
+          <p:cNvSpPr txBox="1"/>
+          <p:nvPr/>
+        </p:nvSpPr>
+        <p:spPr>
+          <a:xfrm>
+            <a:off x="2775606" y="1033253"/>
+            <a:ext cx="3048459" cy="369332"/>
+          </a:xfrm>
+          <a:prstGeom prst="rect">
+            <a:avLst/>
+          </a:prstGeom>
+          <a:noFill/>
+        </p:spPr>
+        <p:txBody>
+          <a:bodyPr wrap="square" rtlCol="0">
+            <a:spAutoFit/>
+          </a:bodyPr>
+          <a:lstStyle/>
+          <a:p>
+            <a:r>
+              <a:rPr lang="de-DE" i="1" dirty="0"/>
+              <a:t>Referenzwert: 0.94m, 8.33°</a:t>
+            </a:r>
+          </a:p>
+        </p:txBody>
+      </p:sp>
+      <p:sp>
+        <p:nvSpPr>
+          <p:cNvPr id="12" name="Rahmen 11">
+            <a:extLst>
+              <a:ext uri="{FF2B5EF4-FFF2-40B4-BE49-F238E27FC236}">
+                <a16:creationId xmlns:a16="http://schemas.microsoft.com/office/drawing/2014/main" id="{68189A1F-8E38-1148-8028-A652292A8F6D}"/>
+              </a:ext>
+            </a:extLst>
+          </p:cNvPr>
+          <p:cNvSpPr/>
+          <p:nvPr/>
+        </p:nvSpPr>
+        <p:spPr>
+          <a:xfrm>
+            <a:off x="5450306" y="2233116"/>
+            <a:ext cx="1311442" cy="348916"/>
+          </a:xfrm>
+          <a:prstGeom prst="frame">
+            <a:avLst/>
+          </a:prstGeom>
+        </p:spPr>
+        <p:style>
+          <a:lnRef idx="2">
+            <a:schemeClr val="accent6">
+              <a:shade val="50000"/>
+            </a:schemeClr>
+          </a:lnRef>
+          <a:fillRef idx="1">
+            <a:schemeClr val="accent6"/>
+          </a:fillRef>
+          <a:effectRef idx="0">
+            <a:schemeClr val="accent6"/>
+          </a:effectRef>
+          <a:fontRef idx="minor">
+            <a:schemeClr val="lt1"/>
+          </a:fontRef>
+        </p:style>
+        <p:txBody>
+          <a:bodyPr rtlCol="0" anchor="ctr"/>
+          <a:lstStyle/>
+          <a:p>
+            <a:pPr algn="ctr"/>
+            <a:endParaRPr lang="de-DE">
+              <a:solidFill>
+                <a:schemeClr val="tx1"/>
+              </a:solidFill>
+            </a:endParaRPr>
+          </a:p>
+        </p:txBody>
+      </p:sp>
     </p:spTree>
     <p:extLst>
       <p:ext uri="{BB962C8B-B14F-4D97-AF65-F5344CB8AC3E}">
-        <p14:creationId xmlns:p14="http://schemas.microsoft.com/office/powerpoint/2010/main" val="650176097"/>
+        <p14:creationId xmlns:p14="http://schemas.microsoft.com/office/powerpoint/2010/main" val="3878345500"/>
       </p:ext>
     </p:extLst>
   </p:cSld>
@@ -4966,7 +5294,15 @@
           <a:p>
             <a:r>
               <a:rPr lang="de-DE" dirty="0"/>
-              <a:t>IC-loop</a:t>
+              <a:t>HS-</a:t>
+            </a:r>
+            <a:r>
+              <a:rPr lang="de-DE" dirty="0" err="1"/>
+              <a:t>stairs</a:t>
+            </a:r>
+            <a:r>
+              <a:rPr lang="de-DE" dirty="0"/>
+              <a:t>-down</a:t>
             </a:r>
           </a:p>
         </p:txBody>
@@ -5065,15 +5401,57 @@
             <a:pPr lvl="1"/>
             <a:r>
               <a:rPr lang="de-DE" dirty="0"/>
-              <a:t>alle Evaluationsdaten in einem ca. 5m x 30m großen Teilbereich</a:t>
+              <a:t>alle Evaluationsergebnisse zwischen der dem </a:t>
+            </a:r>
+            <a:r>
+              <a:rPr lang="de-DE" b="1" dirty="0"/>
+              <a:t>oberen und unteren Treppenlauf</a:t>
             </a:r>
           </a:p>
           <a:p>
             <a:pPr lvl="1"/>
             <a:r>
-              <a:rPr lang="de-DE" dirty="0"/>
-              <a:t>Die Orientierung als die Aufnahmerichtung der unteren horizontalen Strecke </a:t>
-            </a:r>
+              <a:rPr lang="de-DE" b="1" dirty="0"/>
+              <a:t>abwechselnd</a:t>
+            </a:r>
+            <a:r>
+              <a:rPr lang="de-DE" dirty="0"/>
+              <a:t> größere Positionsfehler (</a:t>
+            </a:r>
+            <a:r>
+              <a:rPr lang="de-DE" i="1" dirty="0"/>
+              <a:t>sichtbarer</a:t>
+            </a:r>
+            <a:r>
+              <a:rPr lang="de-DE" dirty="0"/>
+              <a:t>)</a:t>
+            </a:r>
+          </a:p>
+          <a:p>
+            <a:pPr lvl="1"/>
+            <a:r>
+              <a:rPr lang="de-DE" dirty="0"/>
+              <a:t>Die Orientierung wurde abwechselnd in der </a:t>
+            </a:r>
+            <a:r>
+              <a:rPr lang="de-DE" b="1" dirty="0"/>
+              <a:t>entgegengesetzten Orientierung</a:t>
+            </a:r>
+            <a:r>
+              <a:rPr lang="de-DE" dirty="0"/>
+              <a:t> bestimmt (</a:t>
+            </a:r>
+            <a:r>
+              <a:rPr lang="de-DE" i="1" dirty="0"/>
+              <a:t>sichtbarer</a:t>
+            </a:r>
+            <a:r>
+              <a:rPr lang="de-DE" dirty="0"/>
+              <a:t>)</a:t>
+            </a:r>
+          </a:p>
+          <a:p>
+            <a:endParaRPr lang="de-DE" dirty="0"/>
           </a:p>
         </p:txBody>
       </p:sp>
@@ -5099,14 +5477,13 @@
               </a:ext>
             </a:extLst>
           </a:blip>
-          <a:stretch>
-            <a:fillRect/>
-          </a:stretch>
+          <a:srcRect/>
+          <a:stretch/>
         </p:blipFill>
         <p:spPr>
           <a:xfrm>
-            <a:off x="8508094" y="893139"/>
-            <a:ext cx="3517900" cy="5511800"/>
+            <a:off x="8518945" y="893139"/>
+            <a:ext cx="3496198" cy="5511800"/>
           </a:xfrm>
           <a:prstGeom prst="rect">
             <a:avLst/>
@@ -5135,14 +5512,13 @@
               </a:ext>
             </a:extLst>
           </a:blip>
-          <a:stretch>
-            <a:fillRect/>
-          </a:stretch>
+          <a:srcRect/>
+          <a:stretch/>
         </p:blipFill>
         <p:spPr>
           <a:xfrm>
-            <a:off x="570457" y="1402585"/>
-            <a:ext cx="7458759" cy="1829507"/>
+            <a:off x="679748" y="1402585"/>
+            <a:ext cx="7240176" cy="1829507"/>
           </a:xfrm>
           <a:prstGeom prst="rect">
             <a:avLst/>
@@ -5233,17 +5609,17 @@
           <a:p>
             <a:r>
               <a:rPr lang="de-DE" i="1" dirty="0"/>
-              <a:t>Referenzwert: 1.93m, 4.26°</a:t>
-            </a:r>
-          </a:p>
-        </p:txBody>
-      </p:sp>
-      <p:sp>
-        <p:nvSpPr>
-          <p:cNvPr id="13" name="Rahmen 12">
-            <a:extLst>
-              <a:ext uri="{FF2B5EF4-FFF2-40B4-BE49-F238E27FC236}">
-                <a16:creationId xmlns:a16="http://schemas.microsoft.com/office/drawing/2014/main" id="{9C724038-1595-AF4E-A8AF-499A0D4CFB46}"/>
+              <a:t>Referenzwert: 0.87m, 9.25°</a:t>
+            </a:r>
+          </a:p>
+        </p:txBody>
+      </p:sp>
+      <p:sp>
+        <p:nvSpPr>
+          <p:cNvPr id="12" name="Rahmen 11">
+            <a:extLst>
+              <a:ext uri="{FF2B5EF4-FFF2-40B4-BE49-F238E27FC236}">
+                <a16:creationId xmlns:a16="http://schemas.microsoft.com/office/drawing/2014/main" id="{3EA00BB5-2650-6F42-8767-C63BB7D24481}"/>
               </a:ext>
             </a:extLst>
           </p:cNvPr>
@@ -5252,8 +5628,8 @@
         </p:nvSpPr>
         <p:spPr>
           <a:xfrm>
-            <a:off x="5450305" y="2461718"/>
-            <a:ext cx="1395663" cy="348916"/>
+            <a:off x="5450306" y="1980449"/>
+            <a:ext cx="1299410" cy="348916"/>
           </a:xfrm>
           <a:prstGeom prst="frame">
             <a:avLst/>
@@ -5291,7 +5667,7 @@
     </p:spTree>
     <p:extLst>
       <p:ext uri="{BB962C8B-B14F-4D97-AF65-F5344CB8AC3E}">
-        <p14:creationId xmlns:p14="http://schemas.microsoft.com/office/powerpoint/2010/main" val="262058393"/>
+        <p14:creationId xmlns:p14="http://schemas.microsoft.com/office/powerpoint/2010/main" val="1305096659"/>
       </p:ext>
     </p:extLst>
   </p:cSld>
@@ -5323,7 +5699,7 @@
           <p:cNvPr id="2" name="Titel 1">
             <a:extLst>
               <a:ext uri="{FF2B5EF4-FFF2-40B4-BE49-F238E27FC236}">
-                <a16:creationId xmlns:a16="http://schemas.microsoft.com/office/drawing/2014/main" id="{2492AD53-96E2-0B45-811F-EA4AA69BE975}"/>
+                <a16:creationId xmlns:a16="http://schemas.microsoft.com/office/drawing/2014/main" id="{C8377983-06B6-6243-BF0B-0BC95D5047B9}"/>
               </a:ext>
             </a:extLst>
           </p:cNvPr>
@@ -5341,7 +5717,7 @@
           <a:p>
             <a:r>
               <a:rPr lang="de-DE" dirty="0"/>
-              <a:t>HS-gamma</a:t>
+              <a:t>Diskussion</a:t>
             </a:r>
           </a:p>
         </p:txBody>
@@ -5351,7 +5727,7 @@
           <p:cNvPr id="3" name="Datumsplatzhalter 2">
             <a:extLst>
               <a:ext uri="{FF2B5EF4-FFF2-40B4-BE49-F238E27FC236}">
-                <a16:creationId xmlns:a16="http://schemas.microsoft.com/office/drawing/2014/main" id="{03994EA4-DD05-7341-9AF8-D3A29F1281B4}"/>
+                <a16:creationId xmlns:a16="http://schemas.microsoft.com/office/drawing/2014/main" id="{F394A70A-B3D6-9E41-804C-1341629DB2ED}"/>
               </a:ext>
             </a:extLst>
           </p:cNvPr>
@@ -5380,7 +5756,7 @@
           <p:cNvPr id="4" name="Foliennummernplatzhalter 3">
             <a:extLst>
               <a:ext uri="{FF2B5EF4-FFF2-40B4-BE49-F238E27FC236}">
-                <a16:creationId xmlns:a16="http://schemas.microsoft.com/office/drawing/2014/main" id="{C65CC91A-4A5F-BF40-AFEE-904E3C234B83}"/>
+                <a16:creationId xmlns:a16="http://schemas.microsoft.com/office/drawing/2014/main" id="{A8E1BCF8-A884-CA4A-ACE9-3C1639432213}"/>
               </a:ext>
             </a:extLst>
           </p:cNvPr>
@@ -5410,7 +5786,7 @@
           <p:cNvPr id="5" name="Textplatzhalter 4">
             <a:extLst>
               <a:ext uri="{FF2B5EF4-FFF2-40B4-BE49-F238E27FC236}">
-                <a16:creationId xmlns:a16="http://schemas.microsoft.com/office/drawing/2014/main" id="{1C7DB3A8-38A5-FF4B-BD1C-C441DFC3B018}"/>
+                <a16:creationId xmlns:a16="http://schemas.microsoft.com/office/drawing/2014/main" id="{0DFD92D1-6D37-DD4A-A9C2-67F4185C7866}"/>
               </a:ext>
             </a:extLst>
           </p:cNvPr>
@@ -5421,116 +5797,42 @@
             <p:ph type="body" sz="quarter" idx="12"/>
           </p:nvPr>
         </p:nvSpPr>
-        <p:spPr>
-          <a:xfrm>
-            <a:off x="91579" y="3537283"/>
-            <a:ext cx="8416515" cy="2880677"/>
-          </a:xfrm>
-        </p:spPr>
+        <p:spPr/>
         <p:txBody>
           <a:bodyPr/>
           <a:lstStyle/>
           <a:p>
             <a:r>
               <a:rPr lang="de-DE" dirty="0"/>
-              <a:t>Das Netzwerk bestimmte:</a:t>
-            </a:r>
-          </a:p>
-          <a:p>
-            <a:pPr lvl="1"/>
-            <a:r>
-              <a:rPr lang="de-DE" dirty="0"/>
-              <a:t>alle Evaluationsdaten in einem ca. 20m x 5m großen Teilbereich</a:t>
-            </a:r>
-          </a:p>
-          <a:p>
-            <a:pPr lvl="1"/>
-            <a:r>
-              <a:rPr lang="de-DE" dirty="0"/>
-              <a:t>Die Orientierung als die Aufnahmerichtung der horizontalen Strecken</a:t>
+              <a:t>Diskussion der angewandten Methodik</a:t>
             </a:r>
           </a:p>
           <a:p>
             <a:endParaRPr lang="de-DE" dirty="0"/>
           </a:p>
-        </p:txBody>
-      </p:sp>
-      <p:pic>
-        <p:nvPicPr>
-          <p:cNvPr id="7" name="Grafik 6">
-            <a:extLst>
-              <a:ext uri="{FF2B5EF4-FFF2-40B4-BE49-F238E27FC236}">
-                <a16:creationId xmlns:a16="http://schemas.microsoft.com/office/drawing/2014/main" id="{FEB2E393-B67C-2743-9513-521311D30366}"/>
-              </a:ext>
-            </a:extLst>
-          </p:cNvPr>
-          <p:cNvPicPr>
-            <a:picLocks noChangeAspect="1"/>
-          </p:cNvPicPr>
-          <p:nvPr/>
-        </p:nvPicPr>
-        <p:blipFill>
-          <a:blip r:embed="rId2">
-            <a:extLst>
-              <a:ext uri="{28A0092B-C50C-407E-A947-70E740481C1C}">
-                <a14:useLocalDpi xmlns:a14="http://schemas.microsoft.com/office/drawing/2010/main" val="0"/>
-              </a:ext>
-            </a:extLst>
-          </a:blip>
-          <a:srcRect/>
-          <a:stretch/>
-        </p:blipFill>
-        <p:spPr>
-          <a:xfrm>
-            <a:off x="8516163" y="893139"/>
-            <a:ext cx="3501762" cy="5511800"/>
-          </a:xfrm>
-          <a:prstGeom prst="rect">
-            <a:avLst/>
-          </a:prstGeom>
-        </p:spPr>
-      </p:pic>
-      <p:pic>
-        <p:nvPicPr>
-          <p:cNvPr id="9" name="Grafik 8">
-            <a:extLst>
-              <a:ext uri="{FF2B5EF4-FFF2-40B4-BE49-F238E27FC236}">
-                <a16:creationId xmlns:a16="http://schemas.microsoft.com/office/drawing/2014/main" id="{03643C37-3228-704D-9B09-5BD08D64FC1D}"/>
-              </a:ext>
-            </a:extLst>
-          </p:cNvPr>
-          <p:cNvPicPr>
-            <a:picLocks noChangeAspect="1"/>
-          </p:cNvPicPr>
-          <p:nvPr/>
-        </p:nvPicPr>
-        <p:blipFill>
-          <a:blip r:embed="rId3">
-            <a:extLst>
-              <a:ext uri="{28A0092B-C50C-407E-A947-70E740481C1C}">
-                <a14:useLocalDpi xmlns:a14="http://schemas.microsoft.com/office/drawing/2010/main" val="0"/>
-              </a:ext>
-            </a:extLst>
-          </a:blip>
-          <a:srcRect/>
-          <a:stretch/>
-        </p:blipFill>
-        <p:spPr>
-          <a:xfrm>
-            <a:off x="570457" y="1439257"/>
-            <a:ext cx="7458759" cy="1756162"/>
-          </a:xfrm>
-          <a:prstGeom prst="rect">
-            <a:avLst/>
-          </a:prstGeom>
-        </p:spPr>
-      </p:pic>
-      <p:sp>
-        <p:nvSpPr>
-          <p:cNvPr id="10" name="Rechteck 9">
-            <a:extLst>
-              <a:ext uri="{FF2B5EF4-FFF2-40B4-BE49-F238E27FC236}">
-                <a16:creationId xmlns:a16="http://schemas.microsoft.com/office/drawing/2014/main" id="{806BB677-ADB6-AD43-8AB5-AE3134D56692}"/>
+          <a:p>
+            <a:r>
+              <a:rPr lang="de-DE" dirty="0"/>
+              <a:t>Diskussion der Ergebnisse</a:t>
+            </a:r>
+          </a:p>
+          <a:p>
+            <a:endParaRPr lang="de-DE" dirty="0"/>
+          </a:p>
+          <a:p>
+            <a:r>
+              <a:rPr lang="de-DE" dirty="0"/>
+              <a:t>Empfehlungen für weiterführende Forschung</a:t>
+            </a:r>
+          </a:p>
+        </p:txBody>
+      </p:sp>
+      <p:sp>
+        <p:nvSpPr>
+          <p:cNvPr id="6" name="Rechteck 5">
+            <a:extLst>
+              <a:ext uri="{FF2B5EF4-FFF2-40B4-BE49-F238E27FC236}">
+                <a16:creationId xmlns:a16="http://schemas.microsoft.com/office/drawing/2014/main" id="{C1FE3E27-4784-4C41-AF11-6EB9193AA719}"/>
               </a:ext>
             </a:extLst>
           </p:cNvPr>
@@ -5539,8 +5841,8 @@
         </p:nvSpPr>
         <p:spPr>
           <a:xfrm>
-            <a:off x="8261498" y="6521393"/>
-            <a:ext cx="1853508" cy="336608"/>
+            <a:off x="9360568" y="6521393"/>
+            <a:ext cx="754438" cy="336608"/>
           </a:xfrm>
           <a:prstGeom prst="rect">
             <a:avLst/>
@@ -5579,95 +5881,10 @@
           </a:p>
         </p:txBody>
       </p:sp>
-      <p:sp>
-        <p:nvSpPr>
-          <p:cNvPr id="11" name="Textfeld 10">
-            <a:extLst>
-              <a:ext uri="{FF2B5EF4-FFF2-40B4-BE49-F238E27FC236}">
-                <a16:creationId xmlns:a16="http://schemas.microsoft.com/office/drawing/2014/main" id="{1ED927EF-9B17-0A44-9391-09C16888C6C3}"/>
-              </a:ext>
-            </a:extLst>
-          </p:cNvPr>
-          <p:cNvSpPr txBox="1"/>
-          <p:nvPr/>
-        </p:nvSpPr>
-        <p:spPr>
-          <a:xfrm>
-            <a:off x="2775606" y="1033253"/>
-            <a:ext cx="3048459" cy="369332"/>
-          </a:xfrm>
-          <a:prstGeom prst="rect">
-            <a:avLst/>
-          </a:prstGeom>
-          <a:noFill/>
-        </p:spPr>
-        <p:txBody>
-          <a:bodyPr wrap="square" rtlCol="0">
-            <a:spAutoFit/>
-          </a:bodyPr>
-          <a:lstStyle/>
-          <a:p>
-            <a:r>
-              <a:rPr lang="de-DE" i="1" dirty="0"/>
-              <a:t>Referenzwert: 0.95m, 7.53°</a:t>
-            </a:r>
-          </a:p>
-        </p:txBody>
-      </p:sp>
-      <p:sp>
-        <p:nvSpPr>
-          <p:cNvPr id="13" name="Rahmen 12">
-            <a:extLst>
-              <a:ext uri="{FF2B5EF4-FFF2-40B4-BE49-F238E27FC236}">
-                <a16:creationId xmlns:a16="http://schemas.microsoft.com/office/drawing/2014/main" id="{3F9A6040-3DCD-1F4E-AD5F-F87C6B64B47E}"/>
-              </a:ext>
-            </a:extLst>
-          </p:cNvPr>
-          <p:cNvSpPr/>
-          <p:nvPr/>
-        </p:nvSpPr>
-        <p:spPr>
-          <a:xfrm>
-            <a:off x="5426242" y="1944358"/>
-            <a:ext cx="1335505" cy="348916"/>
-          </a:xfrm>
-          <a:prstGeom prst="frame">
-            <a:avLst/>
-          </a:prstGeom>
-        </p:spPr>
-        <p:style>
-          <a:lnRef idx="2">
-            <a:schemeClr val="accent6">
-              <a:shade val="50000"/>
-            </a:schemeClr>
-          </a:lnRef>
-          <a:fillRef idx="1">
-            <a:schemeClr val="accent6"/>
-          </a:fillRef>
-          <a:effectRef idx="0">
-            <a:schemeClr val="accent6"/>
-          </a:effectRef>
-          <a:fontRef idx="minor">
-            <a:schemeClr val="lt1"/>
-          </a:fontRef>
-        </p:style>
-        <p:txBody>
-          <a:bodyPr rtlCol="0" anchor="ctr"/>
-          <a:lstStyle/>
-          <a:p>
-            <a:pPr algn="ctr"/>
-            <a:endParaRPr lang="de-DE">
-              <a:solidFill>
-                <a:schemeClr val="tx1"/>
-              </a:solidFill>
-            </a:endParaRPr>
-          </a:p>
-        </p:txBody>
-      </p:sp>
     </p:spTree>
     <p:extLst>
       <p:ext uri="{BB962C8B-B14F-4D97-AF65-F5344CB8AC3E}">
-        <p14:creationId xmlns:p14="http://schemas.microsoft.com/office/powerpoint/2010/main" val="2973086913"/>
+        <p14:creationId xmlns:p14="http://schemas.microsoft.com/office/powerpoint/2010/main" val="401178146"/>
       </p:ext>
     </p:extLst>
   </p:cSld>
@@ -5699,7 +5916,7 @@
           <p:cNvPr id="2" name="Titel 1">
             <a:extLst>
               <a:ext uri="{FF2B5EF4-FFF2-40B4-BE49-F238E27FC236}">
-                <a16:creationId xmlns:a16="http://schemas.microsoft.com/office/drawing/2014/main" id="{2492AD53-96E2-0B45-811F-EA4AA69BE975}"/>
+                <a16:creationId xmlns:a16="http://schemas.microsoft.com/office/drawing/2014/main" id="{C8377983-06B6-6243-BF0B-0BC95D5047B9}"/>
               </a:ext>
             </a:extLst>
           </p:cNvPr>
@@ -5717,21 +5934,8 @@
           <a:p>
             <a:r>
               <a:rPr lang="de-DE" dirty="0"/>
-              <a:t>HS-</a:t>
-            </a:r>
-            <a:r>
-              <a:rPr lang="de-DE" dirty="0" err="1"/>
-              <a:t>stairs</a:t>
-            </a:r>
-            <a:r>
-              <a:rPr lang="de-DE" dirty="0"/>
-              <a:t>-</a:t>
-            </a:r>
-            <a:r>
-              <a:rPr lang="de-DE" dirty="0" err="1"/>
-              <a:t>up</a:t>
-            </a:r>
-            <a:endParaRPr lang="de-DE" dirty="0"/>
+              <a:t>Diskussion</a:t>
+            </a:r>
           </a:p>
         </p:txBody>
       </p:sp>
@@ -5740,7 +5944,7 @@
           <p:cNvPr id="3" name="Datumsplatzhalter 2">
             <a:extLst>
               <a:ext uri="{FF2B5EF4-FFF2-40B4-BE49-F238E27FC236}">
-                <a16:creationId xmlns:a16="http://schemas.microsoft.com/office/drawing/2014/main" id="{03994EA4-DD05-7341-9AF8-D3A29F1281B4}"/>
+                <a16:creationId xmlns:a16="http://schemas.microsoft.com/office/drawing/2014/main" id="{F394A70A-B3D6-9E41-804C-1341629DB2ED}"/>
               </a:ext>
             </a:extLst>
           </p:cNvPr>
@@ -5769,7 +5973,7 @@
           <p:cNvPr id="4" name="Foliennummernplatzhalter 3">
             <a:extLst>
               <a:ext uri="{FF2B5EF4-FFF2-40B4-BE49-F238E27FC236}">
-                <a16:creationId xmlns:a16="http://schemas.microsoft.com/office/drawing/2014/main" id="{C65CC91A-4A5F-BF40-AFEE-904E3C234B83}"/>
+                <a16:creationId xmlns:a16="http://schemas.microsoft.com/office/drawing/2014/main" id="{A8E1BCF8-A884-CA4A-ACE9-3C1639432213}"/>
               </a:ext>
             </a:extLst>
           </p:cNvPr>
@@ -5799,7 +6003,7 @@
           <p:cNvPr id="5" name="Textplatzhalter 4">
             <a:extLst>
               <a:ext uri="{FF2B5EF4-FFF2-40B4-BE49-F238E27FC236}">
-                <a16:creationId xmlns:a16="http://schemas.microsoft.com/office/drawing/2014/main" id="{1C7DB3A8-38A5-FF4B-BD1C-C441DFC3B018}"/>
+                <a16:creationId xmlns:a16="http://schemas.microsoft.com/office/drawing/2014/main" id="{0DFD92D1-6D37-DD4A-A9C2-67F4185C7866}"/>
               </a:ext>
             </a:extLst>
           </p:cNvPr>
@@ -5810,120 +6014,42 @@
             <p:ph type="body" sz="quarter" idx="12"/>
           </p:nvPr>
         </p:nvSpPr>
-        <p:spPr>
-          <a:xfrm>
-            <a:off x="91579" y="3537283"/>
-            <a:ext cx="8416515" cy="2880677"/>
-          </a:xfrm>
-        </p:spPr>
+        <p:spPr/>
         <p:txBody>
           <a:bodyPr/>
           <a:lstStyle/>
           <a:p>
             <a:r>
               <a:rPr lang="de-DE" dirty="0"/>
-              <a:t>Das Netzwerk bestimmte:</a:t>
-            </a:r>
-          </a:p>
-          <a:p>
-            <a:pPr lvl="1"/>
-            <a:r>
-              <a:rPr lang="de-DE" dirty="0"/>
-              <a:t>alle Evaluationsergebnisse zwischen der dem oberen und unteren Treppenlauf</a:t>
-            </a:r>
-          </a:p>
-          <a:p>
-            <a:pPr lvl="1"/>
-            <a:r>
-              <a:rPr lang="de-DE" dirty="0"/>
-              <a:t>abwechselnd größere Positionsfehler</a:t>
-            </a:r>
-          </a:p>
-          <a:p>
-            <a:pPr lvl="1"/>
-            <a:r>
-              <a:rPr lang="de-DE" dirty="0"/>
-              <a:t>Die Orientierung wurde abwechselnd in der entgegengesetzten Orientierung bestimmt</a:t>
-            </a:r>
-          </a:p>
-        </p:txBody>
-      </p:sp>
-      <p:pic>
-        <p:nvPicPr>
-          <p:cNvPr id="7" name="Grafik 6">
-            <a:extLst>
-              <a:ext uri="{FF2B5EF4-FFF2-40B4-BE49-F238E27FC236}">
-                <a16:creationId xmlns:a16="http://schemas.microsoft.com/office/drawing/2014/main" id="{FEB2E393-B67C-2743-9513-521311D30366}"/>
-              </a:ext>
-            </a:extLst>
-          </p:cNvPr>
-          <p:cNvPicPr>
-            <a:picLocks noChangeAspect="1"/>
-          </p:cNvPicPr>
-          <p:nvPr/>
-        </p:nvPicPr>
-        <p:blipFill>
-          <a:blip r:embed="rId2">
-            <a:extLst>
-              <a:ext uri="{28A0092B-C50C-407E-A947-70E740481C1C}">
-                <a14:useLocalDpi xmlns:a14="http://schemas.microsoft.com/office/drawing/2010/main" val="0"/>
-              </a:ext>
-            </a:extLst>
-          </a:blip>
-          <a:srcRect/>
-          <a:stretch/>
-        </p:blipFill>
-        <p:spPr>
-          <a:xfrm>
-            <a:off x="8508094" y="977139"/>
-            <a:ext cx="3517900" cy="5343799"/>
-          </a:xfrm>
-          <a:prstGeom prst="rect">
-            <a:avLst/>
-          </a:prstGeom>
-        </p:spPr>
-      </p:pic>
-      <p:pic>
-        <p:nvPicPr>
-          <p:cNvPr id="9" name="Grafik 8">
-            <a:extLst>
-              <a:ext uri="{FF2B5EF4-FFF2-40B4-BE49-F238E27FC236}">
-                <a16:creationId xmlns:a16="http://schemas.microsoft.com/office/drawing/2014/main" id="{03643C37-3228-704D-9B09-5BD08D64FC1D}"/>
-              </a:ext>
-            </a:extLst>
-          </p:cNvPr>
-          <p:cNvPicPr>
-            <a:picLocks noChangeAspect="1"/>
-          </p:cNvPicPr>
-          <p:nvPr/>
-        </p:nvPicPr>
-        <p:blipFill>
-          <a:blip r:embed="rId3">
-            <a:extLst>
-              <a:ext uri="{28A0092B-C50C-407E-A947-70E740481C1C}">
-                <a14:useLocalDpi xmlns:a14="http://schemas.microsoft.com/office/drawing/2010/main" val="0"/>
-              </a:ext>
-            </a:extLst>
-          </a:blip>
-          <a:srcRect/>
-          <a:stretch/>
-        </p:blipFill>
-        <p:spPr>
-          <a:xfrm>
-            <a:off x="570457" y="1417143"/>
-            <a:ext cx="7458759" cy="1800390"/>
-          </a:xfrm>
-          <a:prstGeom prst="rect">
-            <a:avLst/>
-          </a:prstGeom>
-        </p:spPr>
-      </p:pic>
-      <p:sp>
-        <p:nvSpPr>
-          <p:cNvPr id="10" name="Rechteck 9">
-            <a:extLst>
-              <a:ext uri="{FF2B5EF4-FFF2-40B4-BE49-F238E27FC236}">
-                <a16:creationId xmlns:a16="http://schemas.microsoft.com/office/drawing/2014/main" id="{806BB677-ADB6-AD43-8AB5-AE3134D56692}"/>
+              <a:t>Diskussion der angewandten Methodik</a:t>
+            </a:r>
+          </a:p>
+          <a:p>
+            <a:endParaRPr lang="de-DE" dirty="0"/>
+          </a:p>
+          <a:p>
+            <a:r>
+              <a:rPr lang="de-DE" b="1" dirty="0"/>
+              <a:t>Diskussion der Ergebnisse</a:t>
+            </a:r>
+          </a:p>
+          <a:p>
+            <a:endParaRPr lang="de-DE" dirty="0"/>
+          </a:p>
+          <a:p>
+            <a:r>
+              <a:rPr lang="de-DE" dirty="0"/>
+              <a:t>Empfehlungen für weiterführende Forschung</a:t>
+            </a:r>
+          </a:p>
+        </p:txBody>
+      </p:sp>
+      <p:sp>
+        <p:nvSpPr>
+          <p:cNvPr id="6" name="Rechteck 5">
+            <a:extLst>
+              <a:ext uri="{FF2B5EF4-FFF2-40B4-BE49-F238E27FC236}">
+                <a16:creationId xmlns:a16="http://schemas.microsoft.com/office/drawing/2014/main" id="{C1FE3E27-4784-4C41-AF11-6EB9193AA719}"/>
               </a:ext>
             </a:extLst>
           </p:cNvPr>
@@ -5932,8 +6058,8 @@
         </p:nvSpPr>
         <p:spPr>
           <a:xfrm>
-            <a:off x="8261498" y="6521393"/>
-            <a:ext cx="1853508" cy="336608"/>
+            <a:off x="9360568" y="6521393"/>
+            <a:ext cx="754438" cy="336608"/>
           </a:xfrm>
           <a:prstGeom prst="rect">
             <a:avLst/>
@@ -5972,95 +6098,10 @@
           </a:p>
         </p:txBody>
       </p:sp>
-      <p:sp>
-        <p:nvSpPr>
-          <p:cNvPr id="11" name="Textfeld 10">
-            <a:extLst>
-              <a:ext uri="{FF2B5EF4-FFF2-40B4-BE49-F238E27FC236}">
-                <a16:creationId xmlns:a16="http://schemas.microsoft.com/office/drawing/2014/main" id="{1ED927EF-9B17-0A44-9391-09C16888C6C3}"/>
-              </a:ext>
-            </a:extLst>
-          </p:cNvPr>
-          <p:cNvSpPr txBox="1"/>
-          <p:nvPr/>
-        </p:nvSpPr>
-        <p:spPr>
-          <a:xfrm>
-            <a:off x="2775606" y="1033253"/>
-            <a:ext cx="3048459" cy="369332"/>
-          </a:xfrm>
-          <a:prstGeom prst="rect">
-            <a:avLst/>
-          </a:prstGeom>
-          <a:noFill/>
-        </p:spPr>
-        <p:txBody>
-          <a:bodyPr wrap="square" rtlCol="0">
-            <a:spAutoFit/>
-          </a:bodyPr>
-          <a:lstStyle/>
-          <a:p>
-            <a:r>
-              <a:rPr lang="de-DE" i="1" dirty="0"/>
-              <a:t>Referenzwert: 0.94m, 8.33°</a:t>
-            </a:r>
-          </a:p>
-        </p:txBody>
-      </p:sp>
-      <p:sp>
-        <p:nvSpPr>
-          <p:cNvPr id="12" name="Rahmen 11">
-            <a:extLst>
-              <a:ext uri="{FF2B5EF4-FFF2-40B4-BE49-F238E27FC236}">
-                <a16:creationId xmlns:a16="http://schemas.microsoft.com/office/drawing/2014/main" id="{68189A1F-8E38-1148-8028-A652292A8F6D}"/>
-              </a:ext>
-            </a:extLst>
-          </p:cNvPr>
-          <p:cNvSpPr/>
-          <p:nvPr/>
-        </p:nvSpPr>
-        <p:spPr>
-          <a:xfrm>
-            <a:off x="5450306" y="2233116"/>
-            <a:ext cx="1311442" cy="348916"/>
-          </a:xfrm>
-          <a:prstGeom prst="frame">
-            <a:avLst/>
-          </a:prstGeom>
-        </p:spPr>
-        <p:style>
-          <a:lnRef idx="2">
-            <a:schemeClr val="accent6">
-              <a:shade val="50000"/>
-            </a:schemeClr>
-          </a:lnRef>
-          <a:fillRef idx="1">
-            <a:schemeClr val="accent6"/>
-          </a:fillRef>
-          <a:effectRef idx="0">
-            <a:schemeClr val="accent6"/>
-          </a:effectRef>
-          <a:fontRef idx="minor">
-            <a:schemeClr val="lt1"/>
-          </a:fontRef>
-        </p:style>
-        <p:txBody>
-          <a:bodyPr rtlCol="0" anchor="ctr"/>
-          <a:lstStyle/>
-          <a:p>
-            <a:pPr algn="ctr"/>
-            <a:endParaRPr lang="de-DE">
-              <a:solidFill>
-                <a:schemeClr val="tx1"/>
-              </a:solidFill>
-            </a:endParaRPr>
-          </a:p>
-        </p:txBody>
-      </p:sp>
     </p:spTree>
     <p:extLst>
       <p:ext uri="{BB962C8B-B14F-4D97-AF65-F5344CB8AC3E}">
-        <p14:creationId xmlns:p14="http://schemas.microsoft.com/office/powerpoint/2010/main" val="3878345500"/>
+        <p14:creationId xmlns:p14="http://schemas.microsoft.com/office/powerpoint/2010/main" val="2748287052"/>
       </p:ext>
     </p:extLst>
   </p:cSld>
@@ -6092,7 +6133,7 @@
           <p:cNvPr id="2" name="Titel 1">
             <a:extLst>
               <a:ext uri="{FF2B5EF4-FFF2-40B4-BE49-F238E27FC236}">
-                <a16:creationId xmlns:a16="http://schemas.microsoft.com/office/drawing/2014/main" id="{2492AD53-96E2-0B45-811F-EA4AA69BE975}"/>
+                <a16:creationId xmlns:a16="http://schemas.microsoft.com/office/drawing/2014/main" id="{BD6D5C20-D1DA-E44D-AB6C-936495F1FBFC}"/>
               </a:ext>
             </a:extLst>
           </p:cNvPr>
@@ -6110,15 +6151,7 @@
           <a:p>
             <a:r>
               <a:rPr lang="de-DE" dirty="0"/>
-              <a:t>HS-</a:t>
-            </a:r>
-            <a:r>
-              <a:rPr lang="de-DE" dirty="0" err="1"/>
-              <a:t>stairs</a:t>
-            </a:r>
-            <a:r>
-              <a:rPr lang="de-DE" dirty="0"/>
-              <a:t>-down</a:t>
+              <a:t>Diskussion der Ergebnisse</a:t>
             </a:r>
           </a:p>
         </p:txBody>
@@ -6128,7 +6161,7 @@
           <p:cNvPr id="3" name="Datumsplatzhalter 2">
             <a:extLst>
               <a:ext uri="{FF2B5EF4-FFF2-40B4-BE49-F238E27FC236}">
-                <a16:creationId xmlns:a16="http://schemas.microsoft.com/office/drawing/2014/main" id="{03994EA4-DD05-7341-9AF8-D3A29F1281B4}"/>
+                <a16:creationId xmlns:a16="http://schemas.microsoft.com/office/drawing/2014/main" id="{46523BF5-B962-2447-ADD7-A23FD964E59B}"/>
               </a:ext>
             </a:extLst>
           </p:cNvPr>
@@ -6157,7 +6190,7 @@
           <p:cNvPr id="4" name="Foliennummernplatzhalter 3">
             <a:extLst>
               <a:ext uri="{FF2B5EF4-FFF2-40B4-BE49-F238E27FC236}">
-                <a16:creationId xmlns:a16="http://schemas.microsoft.com/office/drawing/2014/main" id="{C65CC91A-4A5F-BF40-AFEE-904E3C234B83}"/>
+                <a16:creationId xmlns:a16="http://schemas.microsoft.com/office/drawing/2014/main" id="{19E6069A-5501-0844-AE6F-91F10E2CECF5}"/>
               </a:ext>
             </a:extLst>
           </p:cNvPr>
@@ -6187,7 +6220,7 @@
           <p:cNvPr id="5" name="Textplatzhalter 4">
             <a:extLst>
               <a:ext uri="{FF2B5EF4-FFF2-40B4-BE49-F238E27FC236}">
-                <a16:creationId xmlns:a16="http://schemas.microsoft.com/office/drawing/2014/main" id="{1C7DB3A8-38A5-FF4B-BD1C-C441DFC3B018}"/>
+                <a16:creationId xmlns:a16="http://schemas.microsoft.com/office/drawing/2014/main" id="{EF255CB2-BD89-1E44-B2CF-A3F47521602A}"/>
               </a:ext>
             </a:extLst>
           </p:cNvPr>
@@ -6200,137 +6233,96 @@
         </p:nvSpPr>
         <p:spPr>
           <a:xfrm>
-            <a:off x="91579" y="3537283"/>
-            <a:ext cx="8416515" cy="2880677"/>
+            <a:off x="91579" y="1597572"/>
+            <a:ext cx="11934415" cy="1643362"/>
           </a:xfrm>
         </p:spPr>
         <p:txBody>
           <a:bodyPr/>
           <a:lstStyle/>
           <a:p>
-            <a:r>
-              <a:rPr lang="de-DE" dirty="0"/>
-              <a:t>Das Netzwerk bestimmte:</a:t>
+            <a:pPr marL="0" indent="0">
+              <a:buNone/>
+            </a:pPr>
+            <a:endParaRPr lang="de-DE" dirty="0"/>
+          </a:p>
+          <a:p>
+            <a:r>
+              <a:rPr lang="de-DE" i="1" dirty="0"/>
+              <a:t>HS-</a:t>
+            </a:r>
+            <a:r>
+              <a:rPr lang="de-DE" i="1" dirty="0" err="1"/>
+              <a:t>stairs</a:t>
+            </a:r>
+            <a:r>
+              <a:rPr lang="de-DE" i="1" dirty="0"/>
+              <a:t>-</a:t>
+            </a:r>
+            <a:r>
+              <a:rPr lang="de-DE" i="1" dirty="0" err="1"/>
+              <a:t>up</a:t>
+            </a:r>
+            <a:r>
+              <a:rPr lang="de-DE" i="1" dirty="0"/>
+              <a:t> </a:t>
+            </a:r>
+            <a:r>
+              <a:rPr lang="de-DE" dirty="0"/>
+              <a:t>&amp;</a:t>
+            </a:r>
+            <a:r>
+              <a:rPr lang="de-DE" i="1" dirty="0"/>
+              <a:t> HS-</a:t>
+            </a:r>
+            <a:r>
+              <a:rPr lang="de-DE" i="1" dirty="0" err="1"/>
+              <a:t>stairs</a:t>
+            </a:r>
+            <a:r>
+              <a:rPr lang="de-DE" i="1" dirty="0"/>
+              <a:t>-down</a:t>
             </a:r>
           </a:p>
           <a:p>
             <a:pPr lvl="1"/>
             <a:r>
               <a:rPr lang="de-DE" dirty="0"/>
-              <a:t>alle Evaluationsergebnisse zwischen der dem oberen und unteren Treppenlauf</a:t>
+              <a:t>keine Generalisierungsfähigkeit zu erkennen </a:t>
+            </a:r>
+            <a:r>
+              <a:rPr lang="de-DE" b="1" dirty="0"/>
+              <a:t>(</a:t>
+            </a:r>
+            <a:r>
+              <a:rPr lang="de-DE" b="1" i="1" dirty="0" err="1"/>
+              <a:t>perceptual</a:t>
+            </a:r>
+            <a:r>
+              <a:rPr lang="de-DE" b="1" i="1" dirty="0"/>
+              <a:t>-aliasing</a:t>
+            </a:r>
+            <a:r>
+              <a:rPr lang="de-DE" b="1" dirty="0"/>
+              <a:t>)</a:t>
             </a:r>
           </a:p>
           <a:p>
             <a:pPr lvl="1"/>
-            <a:r>
-              <a:rPr lang="de-DE" dirty="0"/>
-              <a:t>abwechselnd größere Positionsfehler (</a:t>
-            </a:r>
-            <a:r>
-              <a:rPr lang="de-DE" i="1" dirty="0"/>
-              <a:t>sichtbarer</a:t>
-            </a:r>
-            <a:r>
-              <a:rPr lang="de-DE" dirty="0"/>
-              <a:t>)</a:t>
-            </a:r>
+            <a:endParaRPr lang="de-DE" dirty="0"/>
           </a:p>
           <a:p>
             <a:pPr lvl="1"/>
-            <a:r>
-              <a:rPr lang="de-DE" dirty="0"/>
-              <a:t>Die Orientierung wurde abwechselnd in der entgegengesetzten Orientierung bestimmt (</a:t>
-            </a:r>
-            <a:r>
-              <a:rPr lang="de-DE" i="1" dirty="0"/>
-              <a:t>sichtbarer</a:t>
-            </a:r>
-            <a:r>
-              <a:rPr lang="de-DE" dirty="0"/>
-              <a:t>)</a:t>
-            </a:r>
-          </a:p>
-          <a:p>
             <a:endParaRPr lang="de-DE" dirty="0"/>
           </a:p>
         </p:txBody>
       </p:sp>
-      <p:pic>
-        <p:nvPicPr>
-          <p:cNvPr id="7" name="Grafik 6">
-            <a:extLst>
-              <a:ext uri="{FF2B5EF4-FFF2-40B4-BE49-F238E27FC236}">
-                <a16:creationId xmlns:a16="http://schemas.microsoft.com/office/drawing/2014/main" id="{FEB2E393-B67C-2743-9513-521311D30366}"/>
-              </a:ext>
-            </a:extLst>
-          </p:cNvPr>
-          <p:cNvPicPr>
-            <a:picLocks noChangeAspect="1"/>
-          </p:cNvPicPr>
-          <p:nvPr/>
-        </p:nvPicPr>
-        <p:blipFill>
-          <a:blip r:embed="rId2">
-            <a:extLst>
-              <a:ext uri="{28A0092B-C50C-407E-A947-70E740481C1C}">
-                <a14:useLocalDpi xmlns:a14="http://schemas.microsoft.com/office/drawing/2010/main" val="0"/>
-              </a:ext>
-            </a:extLst>
-          </a:blip>
-          <a:srcRect/>
-          <a:stretch/>
-        </p:blipFill>
-        <p:spPr>
-          <a:xfrm>
-            <a:off x="8518945" y="893139"/>
-            <a:ext cx="3496198" cy="5511800"/>
-          </a:xfrm>
-          <a:prstGeom prst="rect">
-            <a:avLst/>
-          </a:prstGeom>
-        </p:spPr>
-      </p:pic>
-      <p:pic>
-        <p:nvPicPr>
-          <p:cNvPr id="9" name="Grafik 8">
-            <a:extLst>
-              <a:ext uri="{FF2B5EF4-FFF2-40B4-BE49-F238E27FC236}">
-                <a16:creationId xmlns:a16="http://schemas.microsoft.com/office/drawing/2014/main" id="{03643C37-3228-704D-9B09-5BD08D64FC1D}"/>
-              </a:ext>
-            </a:extLst>
-          </p:cNvPr>
-          <p:cNvPicPr>
-            <a:picLocks noChangeAspect="1"/>
-          </p:cNvPicPr>
-          <p:nvPr/>
-        </p:nvPicPr>
-        <p:blipFill>
-          <a:blip r:embed="rId3">
-            <a:extLst>
-              <a:ext uri="{28A0092B-C50C-407E-A947-70E740481C1C}">
-                <a14:useLocalDpi xmlns:a14="http://schemas.microsoft.com/office/drawing/2010/main" val="0"/>
-              </a:ext>
-            </a:extLst>
-          </a:blip>
-          <a:srcRect/>
-          <a:stretch/>
-        </p:blipFill>
-        <p:spPr>
-          <a:xfrm>
-            <a:off x="679748" y="1402585"/>
-            <a:ext cx="7240176" cy="1829507"/>
-          </a:xfrm>
-          <a:prstGeom prst="rect">
-            <a:avLst/>
-          </a:prstGeom>
-        </p:spPr>
-      </p:pic>
-      <p:sp>
-        <p:nvSpPr>
-          <p:cNvPr id="10" name="Rechteck 9">
-            <a:extLst>
-              <a:ext uri="{FF2B5EF4-FFF2-40B4-BE49-F238E27FC236}">
-                <a16:creationId xmlns:a16="http://schemas.microsoft.com/office/drawing/2014/main" id="{806BB677-ADB6-AD43-8AB5-AE3134D56692}"/>
+      <p:sp>
+        <p:nvSpPr>
+          <p:cNvPr id="6" name="Rechteck 5">
+            <a:extLst>
+              <a:ext uri="{FF2B5EF4-FFF2-40B4-BE49-F238E27FC236}">
+                <a16:creationId xmlns:a16="http://schemas.microsoft.com/office/drawing/2014/main" id="{BEED90A5-19B9-8047-9036-01136C2373C1}"/>
               </a:ext>
             </a:extLst>
           </p:cNvPr>
@@ -6339,8 +6331,8 @@
         </p:nvSpPr>
         <p:spPr>
           <a:xfrm>
-            <a:off x="8261498" y="6521393"/>
-            <a:ext cx="1853508" cy="336608"/>
+            <a:off x="9360568" y="6521393"/>
+            <a:ext cx="754438" cy="336608"/>
           </a:xfrm>
           <a:prstGeom prst="rect">
             <a:avLst/>
@@ -6379,12 +6371,120 @@
           </a:p>
         </p:txBody>
       </p:sp>
-      <p:sp>
-        <p:nvSpPr>
-          <p:cNvPr id="11" name="Textfeld 10">
-            <a:extLst>
-              <a:ext uri="{FF2B5EF4-FFF2-40B4-BE49-F238E27FC236}">
-                <a16:creationId xmlns:a16="http://schemas.microsoft.com/office/drawing/2014/main" id="{1ED927EF-9B17-0A44-9391-09C16888C6C3}"/>
+      <p:pic>
+        <p:nvPicPr>
+          <p:cNvPr id="8" name="Grafik 7">
+            <a:extLst>
+              <a:ext uri="{FF2B5EF4-FFF2-40B4-BE49-F238E27FC236}">
+                <a16:creationId xmlns:a16="http://schemas.microsoft.com/office/drawing/2014/main" id="{C3B5B964-3737-904A-BF12-444A85EDB32B}"/>
+              </a:ext>
+            </a:extLst>
+          </p:cNvPr>
+          <p:cNvPicPr>
+            <a:picLocks noChangeAspect="1"/>
+          </p:cNvPicPr>
+          <p:nvPr/>
+        </p:nvPicPr>
+        <p:blipFill>
+          <a:blip r:embed="rId2">
+            <a:extLst>
+              <a:ext uri="{28A0092B-C50C-407E-A947-70E740481C1C}">
+                <a14:useLocalDpi xmlns:a14="http://schemas.microsoft.com/office/drawing/2010/main" val="0"/>
+              </a:ext>
+            </a:extLst>
+          </a:blip>
+          <a:stretch>
+            <a:fillRect/>
+          </a:stretch>
+        </p:blipFill>
+        <p:spPr>
+          <a:xfrm>
+            <a:off x="1301750" y="986762"/>
+            <a:ext cx="9588500" cy="876300"/>
+          </a:xfrm>
+          <a:prstGeom prst="rect">
+            <a:avLst/>
+          </a:prstGeom>
+        </p:spPr>
+      </p:pic>
+      <p:pic>
+        <p:nvPicPr>
+          <p:cNvPr id="11" name="Grafik 10">
+            <a:extLst>
+              <a:ext uri="{FF2B5EF4-FFF2-40B4-BE49-F238E27FC236}">
+                <a16:creationId xmlns:a16="http://schemas.microsoft.com/office/drawing/2014/main" id="{89248743-F2B8-E14D-9A0D-396E8AA3F889}"/>
+              </a:ext>
+            </a:extLst>
+          </p:cNvPr>
+          <p:cNvPicPr>
+            <a:picLocks noChangeAspect="1"/>
+          </p:cNvPicPr>
+          <p:nvPr/>
+        </p:nvPicPr>
+        <p:blipFill>
+          <a:blip r:embed="rId3">
+            <a:extLst>
+              <a:ext uri="{28A0092B-C50C-407E-A947-70E740481C1C}">
+                <a14:useLocalDpi xmlns:a14="http://schemas.microsoft.com/office/drawing/2010/main" val="0"/>
+              </a:ext>
+            </a:extLst>
+          </a:blip>
+          <a:stretch>
+            <a:fillRect/>
+          </a:stretch>
+        </p:blipFill>
+        <p:spPr>
+          <a:xfrm>
+            <a:off x="91579" y="3414985"/>
+            <a:ext cx="5774998" cy="2840505"/>
+          </a:xfrm>
+          <a:prstGeom prst="rect">
+            <a:avLst/>
+          </a:prstGeom>
+        </p:spPr>
+      </p:pic>
+      <p:pic>
+        <p:nvPicPr>
+          <p:cNvPr id="13" name="Grafik 12">
+            <a:extLst>
+              <a:ext uri="{FF2B5EF4-FFF2-40B4-BE49-F238E27FC236}">
+                <a16:creationId xmlns:a16="http://schemas.microsoft.com/office/drawing/2014/main" id="{FB764A09-7511-B84F-B827-C5B960A7A1A1}"/>
+              </a:ext>
+            </a:extLst>
+          </p:cNvPr>
+          <p:cNvPicPr>
+            <a:picLocks noChangeAspect="1"/>
+          </p:cNvPicPr>
+          <p:nvPr/>
+        </p:nvPicPr>
+        <p:blipFill>
+          <a:blip r:embed="rId4">
+            <a:extLst>
+              <a:ext uri="{28A0092B-C50C-407E-A947-70E740481C1C}">
+                <a14:useLocalDpi xmlns:a14="http://schemas.microsoft.com/office/drawing/2010/main" val="0"/>
+              </a:ext>
+            </a:extLst>
+          </a:blip>
+          <a:stretch>
+            <a:fillRect/>
+          </a:stretch>
+        </p:blipFill>
+        <p:spPr>
+          <a:xfrm>
+            <a:off x="6096000" y="3401419"/>
+            <a:ext cx="5774997" cy="2972738"/>
+          </a:xfrm>
+          <a:prstGeom prst="rect">
+            <a:avLst/>
+          </a:prstGeom>
+        </p:spPr>
+      </p:pic>
+      <p:sp>
+        <p:nvSpPr>
+          <p:cNvPr id="14" name="Textfeld 13">
+            <a:extLst>
+              <a:ext uri="{FF2B5EF4-FFF2-40B4-BE49-F238E27FC236}">
+                <a16:creationId xmlns:a16="http://schemas.microsoft.com/office/drawing/2014/main" id="{25C0CE37-E518-2E4B-BFCE-AD8188216728}"/>
               </a:ext>
             </a:extLst>
           </p:cNvPr>
@@ -6393,8 +6493,8 @@
         </p:nvSpPr>
         <p:spPr>
           <a:xfrm>
-            <a:off x="2775606" y="1033253"/>
-            <a:ext cx="3048459" cy="369332"/>
+            <a:off x="1792875" y="3087045"/>
+            <a:ext cx="1471448" cy="307777"/>
           </a:xfrm>
           <a:prstGeom prst="rect">
             <a:avLst/>
@@ -6408,66 +6508,72 @@
           <a:lstStyle/>
           <a:p>
             <a:r>
-              <a:rPr lang="de-DE" i="1" dirty="0"/>
-              <a:t>Referenzwert: 0.87m, 9.25°</a:t>
-            </a:r>
-          </a:p>
-        </p:txBody>
-      </p:sp>
-      <p:sp>
-        <p:nvSpPr>
-          <p:cNvPr id="12" name="Rahmen 11">
-            <a:extLst>
-              <a:ext uri="{FF2B5EF4-FFF2-40B4-BE49-F238E27FC236}">
-                <a16:creationId xmlns:a16="http://schemas.microsoft.com/office/drawing/2014/main" id="{3EA00BB5-2650-6F42-8767-C63BB7D24481}"/>
-              </a:ext>
-            </a:extLst>
-          </p:cNvPr>
-          <p:cNvSpPr/>
+              <a:rPr lang="de-DE" sz="1400" i="1" dirty="0"/>
+              <a:t>HS-</a:t>
+            </a:r>
+            <a:r>
+              <a:rPr lang="de-DE" sz="1400" i="1" dirty="0" err="1"/>
+              <a:t>stairs</a:t>
+            </a:r>
+            <a:r>
+              <a:rPr lang="de-DE" sz="1400" i="1" dirty="0"/>
+              <a:t>-</a:t>
+            </a:r>
+            <a:r>
+              <a:rPr lang="de-DE" sz="1400" i="1" dirty="0" err="1"/>
+              <a:t>up</a:t>
+            </a:r>
+            <a:endParaRPr lang="de-DE" sz="1400" i="1" dirty="0"/>
+          </a:p>
+        </p:txBody>
+      </p:sp>
+      <p:sp>
+        <p:nvSpPr>
+          <p:cNvPr id="15" name="Textfeld 14">
+            <a:extLst>
+              <a:ext uri="{FF2B5EF4-FFF2-40B4-BE49-F238E27FC236}">
+                <a16:creationId xmlns:a16="http://schemas.microsoft.com/office/drawing/2014/main" id="{AF8CD212-93E1-D443-B5AC-FC8730A82441}"/>
+              </a:ext>
+            </a:extLst>
+          </p:cNvPr>
+          <p:cNvSpPr txBox="1"/>
           <p:nvPr/>
         </p:nvSpPr>
         <p:spPr>
           <a:xfrm>
-            <a:off x="5450306" y="1980449"/>
-            <a:ext cx="1299410" cy="348916"/>
-          </a:xfrm>
-          <a:prstGeom prst="frame">
+            <a:off x="8084343" y="3100294"/>
+            <a:ext cx="1798309" cy="307777"/>
+          </a:xfrm>
+          <a:prstGeom prst="rect">
             <a:avLst/>
           </a:prstGeom>
-        </p:spPr>
-        <p:style>
-          <a:lnRef idx="2">
-            <a:schemeClr val="accent6">
-              <a:shade val="50000"/>
-            </a:schemeClr>
-          </a:lnRef>
-          <a:fillRef idx="1">
-            <a:schemeClr val="accent6"/>
-          </a:fillRef>
-          <a:effectRef idx="0">
-            <a:schemeClr val="accent6"/>
-          </a:effectRef>
-          <a:fontRef idx="minor">
-            <a:schemeClr val="lt1"/>
-          </a:fontRef>
-        </p:style>
-        <p:txBody>
-          <a:bodyPr rtlCol="0" anchor="ctr"/>
-          <a:lstStyle/>
-          <a:p>
-            <a:pPr algn="ctr"/>
-            <a:endParaRPr lang="de-DE">
-              <a:solidFill>
-                <a:schemeClr val="tx1"/>
-              </a:solidFill>
-            </a:endParaRPr>
+          <a:noFill/>
+        </p:spPr>
+        <p:txBody>
+          <a:bodyPr wrap="square" rtlCol="0">
+            <a:spAutoFit/>
+          </a:bodyPr>
+          <a:lstStyle/>
+          <a:p>
+            <a:r>
+              <a:rPr lang="de-DE" sz="1400" i="1" dirty="0"/>
+              <a:t>HS-</a:t>
+            </a:r>
+            <a:r>
+              <a:rPr lang="de-DE" sz="1400" i="1" dirty="0" err="1"/>
+              <a:t>stairs</a:t>
+            </a:r>
+            <a:r>
+              <a:rPr lang="de-DE" sz="1400" i="1" dirty="0"/>
+              <a:t>-down</a:t>
+            </a:r>
           </a:p>
         </p:txBody>
       </p:sp>
     </p:spTree>
     <p:extLst>
       <p:ext uri="{BB962C8B-B14F-4D97-AF65-F5344CB8AC3E}">
-        <p14:creationId xmlns:p14="http://schemas.microsoft.com/office/powerpoint/2010/main" val="1305096659"/>
+        <p14:creationId xmlns:p14="http://schemas.microsoft.com/office/powerpoint/2010/main" val="3520264171"/>
       </p:ext>
     </p:extLst>
   </p:cSld>
@@ -6499,7 +6605,7 @@
           <p:cNvPr id="2" name="Titel 1">
             <a:extLst>
               <a:ext uri="{FF2B5EF4-FFF2-40B4-BE49-F238E27FC236}">
-                <a16:creationId xmlns:a16="http://schemas.microsoft.com/office/drawing/2014/main" id="{AF352561-0611-8A4D-9CD3-3FE12448DD06}"/>
+                <a16:creationId xmlns:a16="http://schemas.microsoft.com/office/drawing/2014/main" id="{BD6D5C20-D1DA-E44D-AB6C-936495F1FBFC}"/>
               </a:ext>
             </a:extLst>
           </p:cNvPr>
@@ -6517,7 +6623,7 @@
           <a:p>
             <a:r>
               <a:rPr lang="de-DE" dirty="0"/>
-              <a:t>Zusammenfassung</a:t>
+              <a:t>Diskussion der Ergebnisse</a:t>
             </a:r>
           </a:p>
         </p:txBody>
@@ -6527,7 +6633,7 @@
           <p:cNvPr id="3" name="Datumsplatzhalter 2">
             <a:extLst>
               <a:ext uri="{FF2B5EF4-FFF2-40B4-BE49-F238E27FC236}">
-                <a16:creationId xmlns:a16="http://schemas.microsoft.com/office/drawing/2014/main" id="{D213FA1D-7700-6D4D-B757-44BA36CA86F7}"/>
+                <a16:creationId xmlns:a16="http://schemas.microsoft.com/office/drawing/2014/main" id="{46523BF5-B962-2447-ADD7-A23FD964E59B}"/>
               </a:ext>
             </a:extLst>
           </p:cNvPr>
@@ -6551,48 +6657,12 @@
           </a:p>
         </p:txBody>
       </p:sp>
-      <p:pic>
-        <p:nvPicPr>
-          <p:cNvPr id="7" name="Grafik 6">
-            <a:extLst>
-              <a:ext uri="{FF2B5EF4-FFF2-40B4-BE49-F238E27FC236}">
-                <a16:creationId xmlns:a16="http://schemas.microsoft.com/office/drawing/2014/main" id="{54E71A9E-2F2E-5B41-B6DB-1DE8666666E9}"/>
-              </a:ext>
-            </a:extLst>
-          </p:cNvPr>
-          <p:cNvPicPr>
-            <a:picLocks noChangeAspect="1"/>
-          </p:cNvPicPr>
-          <p:nvPr/>
-        </p:nvPicPr>
-        <p:blipFill>
-          <a:blip r:embed="rId3">
-            <a:extLst>
-              <a:ext uri="{28A0092B-C50C-407E-A947-70E740481C1C}">
-                <a14:useLocalDpi xmlns:a14="http://schemas.microsoft.com/office/drawing/2010/main" val="0"/>
-              </a:ext>
-            </a:extLst>
-          </a:blip>
-          <a:stretch>
-            <a:fillRect/>
-          </a:stretch>
-        </p:blipFill>
-        <p:spPr>
-          <a:xfrm>
-            <a:off x="737582" y="3423019"/>
-            <a:ext cx="10642408" cy="2851149"/>
-          </a:xfrm>
-          <a:prstGeom prst="rect">
-            <a:avLst/>
-          </a:prstGeom>
-        </p:spPr>
-      </p:pic>
       <p:sp>
         <p:nvSpPr>
           <p:cNvPr id="4" name="Foliennummernplatzhalter 3">
             <a:extLst>
               <a:ext uri="{FF2B5EF4-FFF2-40B4-BE49-F238E27FC236}">
-                <a16:creationId xmlns:a16="http://schemas.microsoft.com/office/drawing/2014/main" id="{98783067-92CF-8648-8E8E-20E0D27A095B}"/>
+                <a16:creationId xmlns:a16="http://schemas.microsoft.com/office/drawing/2014/main" id="{19E6069A-5501-0844-AE6F-91F10E2CECF5}"/>
               </a:ext>
             </a:extLst>
           </p:cNvPr>
@@ -6622,7 +6692,7 @@
           <p:cNvPr id="5" name="Textplatzhalter 4">
             <a:extLst>
               <a:ext uri="{FF2B5EF4-FFF2-40B4-BE49-F238E27FC236}">
-                <a16:creationId xmlns:a16="http://schemas.microsoft.com/office/drawing/2014/main" id="{62E3DD4E-D165-2440-90EB-A3B82412EE9E}"/>
+                <a16:creationId xmlns:a16="http://schemas.microsoft.com/office/drawing/2014/main" id="{EF255CB2-BD89-1E44-B2CF-A3F47521602A}"/>
               </a:ext>
             </a:extLst>
           </p:cNvPr>
@@ -6633,77 +6703,93 @@
             <p:ph type="body" sz="quarter" idx="12"/>
           </p:nvPr>
         </p:nvSpPr>
-        <p:spPr>
-          <a:xfrm>
-            <a:off x="737582" y="1207169"/>
-            <a:ext cx="11288412" cy="2056272"/>
-          </a:xfrm>
-        </p:spPr>
+        <p:spPr/>
         <p:txBody>
           <a:bodyPr/>
           <a:lstStyle/>
           <a:p>
             <a:r>
+              <a:rPr lang="de-DE" i="1" dirty="0"/>
+              <a:t>IC-loop </a:t>
+            </a:r>
+            <a:r>
+              <a:rPr lang="de-DE" dirty="0"/>
+              <a:t>&amp; </a:t>
+            </a:r>
+            <a:r>
+              <a:rPr lang="de-DE" i="1" dirty="0"/>
+              <a:t>HS-gamma</a:t>
+            </a:r>
+          </a:p>
+          <a:p>
+            <a:pPr lvl="1"/>
+            <a:r>
+              <a:rPr lang="de-DE" dirty="0"/>
+              <a:t>ca. 5m breiten und 20m bis 30m langen </a:t>
+            </a:r>
+            <a:r>
               <a:rPr lang="de-DE" b="1" dirty="0"/>
-              <a:t>Referenzwert</a:t>
-            </a:r>
-            <a:r>
-              <a:rPr lang="de-DE" dirty="0"/>
-              <a:t>: durch die Bestimmung des Hyperparameters Beta der </a:t>
+              <a:t>Teilbereich</a:t>
+            </a:r>
+          </a:p>
+          <a:p>
+            <a:pPr lvl="1"/>
+            <a:r>
+              <a:rPr lang="de-DE" dirty="0"/>
+              <a:t>nur </a:t>
+            </a:r>
+            <a:r>
+              <a:rPr lang="de-DE" b="1" dirty="0"/>
+              <a:t>eine</a:t>
+            </a:r>
+            <a:r>
+              <a:rPr lang="de-DE" dirty="0"/>
+              <a:t> Richtung</a:t>
+            </a:r>
+          </a:p>
+          <a:p>
+            <a:pPr lvl="1"/>
+            <a:r>
+              <a:rPr lang="de-DE" dirty="0"/>
+              <a:t>=&gt; </a:t>
+            </a:r>
+            <a:r>
+              <a:rPr lang="de-DE" b="1" dirty="0"/>
+              <a:t>Parallelen</a:t>
+            </a:r>
+            <a:r>
+              <a:rPr lang="de-DE" dirty="0"/>
+              <a:t> zur </a:t>
             </a:r>
             <a:r>
               <a:rPr lang="de-DE" dirty="0" err="1"/>
-              <a:t>Kostenf</a:t>
-            </a:r>
-            <a:r>
-              <a:rPr lang="de-DE" dirty="0"/>
-              <a:t>.</a:t>
-            </a:r>
-          </a:p>
-          <a:p>
-            <a:r>
-              <a:rPr lang="de-DE" b="1" dirty="0"/>
-              <a:t>Evaluation 1</a:t>
-            </a:r>
-            <a:r>
-              <a:rPr lang="de-DE" dirty="0"/>
-              <a:t>: </a:t>
+              <a:t>Acharya</a:t>
+            </a:r>
+            <a:r>
+              <a:rPr lang="de-DE" dirty="0"/>
+              <a:t> et </a:t>
             </a:r>
             <a:r>
               <a:rPr lang="de-DE" dirty="0" err="1"/>
-              <a:t>Gradientenbilder</a:t>
-            </a:r>
-            <a:r>
-              <a:rPr lang="de-DE" dirty="0"/>
-              <a:t> der korrespondierenden synth. Daten</a:t>
-            </a:r>
-          </a:p>
-          <a:p>
-            <a:r>
-              <a:rPr lang="de-DE" b="1" dirty="0"/>
-              <a:t>Evaluation 2</a:t>
-            </a:r>
-            <a:r>
-              <a:rPr lang="de-DE" dirty="0"/>
-              <a:t>: </a:t>
-            </a:r>
-            <a:r>
-              <a:rPr lang="de-DE" dirty="0" err="1"/>
-              <a:t>Gradientenbilder</a:t>
-            </a:r>
-            <a:r>
-              <a:rPr lang="de-DE" dirty="0"/>
-              <a:t> der realen Daten</a:t>
-            </a:r>
-          </a:p>
-        </p:txBody>
-      </p:sp>
-      <p:sp>
-        <p:nvSpPr>
-          <p:cNvPr id="8" name="Rechteck 7">
-            <a:extLst>
-              <a:ext uri="{FF2B5EF4-FFF2-40B4-BE49-F238E27FC236}">
-                <a16:creationId xmlns:a16="http://schemas.microsoft.com/office/drawing/2014/main" id="{B5037588-4EA6-DB47-B424-BD09F70359D4}"/>
+              <a:t>al.‘s</a:t>
+            </a:r>
+            <a:r>
+              <a:rPr lang="de-DE" dirty="0"/>
+              <a:t> Datensatz</a:t>
+            </a:r>
+          </a:p>
+          <a:p>
+            <a:pPr lvl="1"/>
+            <a:endParaRPr lang="de-DE" dirty="0"/>
+          </a:p>
+        </p:txBody>
+      </p:sp>
+      <p:sp>
+        <p:nvSpPr>
+          <p:cNvPr id="6" name="Rechteck 5">
+            <a:extLst>
+              <a:ext uri="{FF2B5EF4-FFF2-40B4-BE49-F238E27FC236}">
+                <a16:creationId xmlns:a16="http://schemas.microsoft.com/office/drawing/2014/main" id="{BEED90A5-19B9-8047-9036-01136C2373C1}"/>
               </a:ext>
             </a:extLst>
           </p:cNvPr>
@@ -6712,14 +6798,16 @@
         </p:nvSpPr>
         <p:spPr>
           <a:xfrm>
-            <a:off x="2076994" y="3427030"/>
-            <a:ext cx="2650332" cy="184150"/>
+            <a:off x="9360568" y="6521393"/>
+            <a:ext cx="754438" cy="336608"/>
           </a:xfrm>
           <a:prstGeom prst="rect">
             <a:avLst/>
           </a:prstGeom>
           <a:solidFill>
-            <a:schemeClr val="bg2"/>
+            <a:schemeClr val="bg2">
+              <a:alpha val="70000"/>
+            </a:schemeClr>
           </a:solidFill>
           <a:ln>
             <a:noFill/>
@@ -6746,37 +6834,254 @@
           <a:lstStyle/>
           <a:p>
             <a:pPr algn="ctr"/>
-            <a:endParaRPr lang="de-DE" dirty="0"/>
-          </a:p>
-        </p:txBody>
-      </p:sp>
-      <p:sp>
-        <p:nvSpPr>
-          <p:cNvPr id="10" name="Rechteck 9">
-            <a:extLst>
-              <a:ext uri="{FF2B5EF4-FFF2-40B4-BE49-F238E27FC236}">
-                <a16:creationId xmlns:a16="http://schemas.microsoft.com/office/drawing/2014/main" id="{BBA5E3E9-B896-5042-802C-DCDEFCA5CC2A}"/>
-              </a:ext>
-            </a:extLst>
-          </p:cNvPr>
-          <p:cNvSpPr/>
+            <a:endParaRPr lang="de-DE"/>
+          </a:p>
+        </p:txBody>
+      </p:sp>
+      <p:pic>
+        <p:nvPicPr>
+          <p:cNvPr id="10" name="Grafik 9">
+            <a:extLst>
+              <a:ext uri="{FF2B5EF4-FFF2-40B4-BE49-F238E27FC236}">
+                <a16:creationId xmlns:a16="http://schemas.microsoft.com/office/drawing/2014/main" id="{285B82C0-6A90-0544-98AD-5C2E70368471}"/>
+              </a:ext>
+            </a:extLst>
+          </p:cNvPr>
+          <p:cNvPicPr>
+            <a:picLocks noChangeAspect="1"/>
+          </p:cNvPicPr>
           <p:nvPr/>
-        </p:nvSpPr>
+        </p:nvPicPr>
+        <p:blipFill>
+          <a:blip r:embed="rId2">
+            <a:extLst>
+              <a:ext uri="{28A0092B-C50C-407E-A947-70E740481C1C}">
+                <a14:useLocalDpi xmlns:a14="http://schemas.microsoft.com/office/drawing/2010/main" val="0"/>
+              </a:ext>
+            </a:extLst>
+          </a:blip>
+          <a:stretch>
+            <a:fillRect/>
+          </a:stretch>
+        </p:blipFill>
         <p:spPr>
           <a:xfrm>
-            <a:off x="8261498" y="6521393"/>
-            <a:ext cx="1853508" cy="336608"/>
+            <a:off x="3919849" y="3180840"/>
+            <a:ext cx="4711700" cy="1346200"/>
           </a:xfrm>
           <a:prstGeom prst="rect">
             <a:avLst/>
           </a:prstGeom>
-          <a:solidFill>
-            <a:schemeClr val="bg2">
-              <a:alpha val="70000"/>
-            </a:schemeClr>
-          </a:solidFill>
-          <a:ln>
-            <a:noFill/>
+        </p:spPr>
+      </p:pic>
+      <p:pic>
+        <p:nvPicPr>
+          <p:cNvPr id="13" name="Grafik 12">
+            <a:extLst>
+              <a:ext uri="{FF2B5EF4-FFF2-40B4-BE49-F238E27FC236}">
+                <a16:creationId xmlns:a16="http://schemas.microsoft.com/office/drawing/2014/main" id="{90650A54-F29D-264A-9622-503CFDC8DD41}"/>
+              </a:ext>
+            </a:extLst>
+          </p:cNvPr>
+          <p:cNvPicPr>
+            <a:picLocks noChangeAspect="1"/>
+          </p:cNvPicPr>
+          <p:nvPr/>
+        </p:nvPicPr>
+        <p:blipFill>
+          <a:blip r:embed="rId3">
+            <a:extLst>
+              <a:ext uri="{28A0092B-C50C-407E-A947-70E740481C1C}">
+                <a14:useLocalDpi xmlns:a14="http://schemas.microsoft.com/office/drawing/2010/main" val="0"/>
+              </a:ext>
+            </a:extLst>
+          </a:blip>
+          <a:stretch>
+            <a:fillRect/>
+          </a:stretch>
+        </p:blipFill>
+        <p:spPr>
+          <a:xfrm>
+            <a:off x="152024" y="4438623"/>
+            <a:ext cx="4046322" cy="1979338"/>
+          </a:xfrm>
+          <a:prstGeom prst="rect">
+            <a:avLst/>
+          </a:prstGeom>
+        </p:spPr>
+      </p:pic>
+      <p:pic>
+        <p:nvPicPr>
+          <p:cNvPr id="15" name="Grafik 14">
+            <a:extLst>
+              <a:ext uri="{FF2B5EF4-FFF2-40B4-BE49-F238E27FC236}">
+                <a16:creationId xmlns:a16="http://schemas.microsoft.com/office/drawing/2014/main" id="{64A21090-8872-7D44-98A3-9BFEC5CA39A2}"/>
+              </a:ext>
+            </a:extLst>
+          </p:cNvPr>
+          <p:cNvPicPr>
+            <a:picLocks noChangeAspect="1"/>
+          </p:cNvPicPr>
+          <p:nvPr/>
+        </p:nvPicPr>
+        <p:blipFill>
+          <a:blip r:embed="rId4">
+            <a:extLst>
+              <a:ext uri="{28A0092B-C50C-407E-A947-70E740481C1C}">
+                <a14:useLocalDpi xmlns:a14="http://schemas.microsoft.com/office/drawing/2010/main" val="0"/>
+              </a:ext>
+            </a:extLst>
+          </a:blip>
+          <a:stretch>
+            <a:fillRect/>
+          </a:stretch>
+        </p:blipFill>
+        <p:spPr>
+          <a:xfrm>
+            <a:off x="8207398" y="4438623"/>
+            <a:ext cx="3815215" cy="1917917"/>
+          </a:xfrm>
+          <a:prstGeom prst="rect">
+            <a:avLst/>
+          </a:prstGeom>
+        </p:spPr>
+      </p:pic>
+      <p:sp>
+        <p:nvSpPr>
+          <p:cNvPr id="16" name="Textfeld 15">
+            <a:extLst>
+              <a:ext uri="{FF2B5EF4-FFF2-40B4-BE49-F238E27FC236}">
+                <a16:creationId xmlns:a16="http://schemas.microsoft.com/office/drawing/2014/main" id="{91EED4D7-38D7-7B4C-85C3-A067F6607D4D}"/>
+              </a:ext>
+            </a:extLst>
+          </p:cNvPr>
+          <p:cNvSpPr txBox="1"/>
+          <p:nvPr/>
+        </p:nvSpPr>
+        <p:spPr>
+          <a:xfrm>
+            <a:off x="1670689" y="4168753"/>
+            <a:ext cx="1008992" cy="307777"/>
+          </a:xfrm>
+          <a:prstGeom prst="rect">
+            <a:avLst/>
+          </a:prstGeom>
+          <a:noFill/>
+        </p:spPr>
+        <p:txBody>
+          <a:bodyPr wrap="square" rtlCol="0">
+            <a:spAutoFit/>
+          </a:bodyPr>
+          <a:lstStyle/>
+          <a:p>
+            <a:r>
+              <a:rPr lang="de-DE" sz="1400" i="1" dirty="0"/>
+              <a:t>IC-loop</a:t>
+            </a:r>
+            <a:endParaRPr lang="de-DE" i="1" dirty="0"/>
+          </a:p>
+        </p:txBody>
+      </p:sp>
+      <p:sp>
+        <p:nvSpPr>
+          <p:cNvPr id="17" name="Textfeld 16">
+            <a:extLst>
+              <a:ext uri="{FF2B5EF4-FFF2-40B4-BE49-F238E27FC236}">
+                <a16:creationId xmlns:a16="http://schemas.microsoft.com/office/drawing/2014/main" id="{9E5A8C14-465F-9846-8100-27773E4423B0}"/>
+              </a:ext>
+            </a:extLst>
+          </p:cNvPr>
+          <p:cNvSpPr txBox="1"/>
+          <p:nvPr/>
+        </p:nvSpPr>
+        <p:spPr>
+          <a:xfrm>
+            <a:off x="9421080" y="4115587"/>
+            <a:ext cx="1387850" cy="307777"/>
+          </a:xfrm>
+          <a:prstGeom prst="rect">
+            <a:avLst/>
+          </a:prstGeom>
+          <a:noFill/>
+        </p:spPr>
+        <p:txBody>
+          <a:bodyPr wrap="square" rtlCol="0">
+            <a:spAutoFit/>
+          </a:bodyPr>
+          <a:lstStyle/>
+          <a:p>
+            <a:r>
+              <a:rPr lang="de-DE" sz="1400" i="1" dirty="0"/>
+              <a:t>HS-gamma</a:t>
+            </a:r>
+            <a:endParaRPr lang="de-DE" i="1" dirty="0"/>
+          </a:p>
+        </p:txBody>
+      </p:sp>
+      <p:sp>
+        <p:nvSpPr>
+          <p:cNvPr id="18" name="Textfeld 17">
+            <a:extLst>
+              <a:ext uri="{FF2B5EF4-FFF2-40B4-BE49-F238E27FC236}">
+                <a16:creationId xmlns:a16="http://schemas.microsoft.com/office/drawing/2014/main" id="{0C799367-7304-B743-8535-98E2BEBA5D96}"/>
+              </a:ext>
+            </a:extLst>
+          </p:cNvPr>
+          <p:cNvSpPr txBox="1"/>
+          <p:nvPr/>
+        </p:nvSpPr>
+        <p:spPr>
+          <a:xfrm>
+            <a:off x="5414457" y="4556882"/>
+            <a:ext cx="1363086" cy="307777"/>
+          </a:xfrm>
+          <a:prstGeom prst="rect">
+            <a:avLst/>
+          </a:prstGeom>
+          <a:noFill/>
+        </p:spPr>
+        <p:txBody>
+          <a:bodyPr wrap="square" rtlCol="0">
+            <a:spAutoFit/>
+          </a:bodyPr>
+          <a:lstStyle/>
+          <a:p>
+            <a:r>
+              <a:rPr lang="de-DE" sz="1400" i="1" dirty="0" err="1"/>
+              <a:t>Acharya</a:t>
+            </a:r>
+            <a:r>
+              <a:rPr lang="de-DE" sz="1400" i="1" dirty="0"/>
+              <a:t> et al.</a:t>
+            </a:r>
+          </a:p>
+        </p:txBody>
+      </p:sp>
+      <p:sp>
+        <p:nvSpPr>
+          <p:cNvPr id="19" name="Rechteck 18">
+            <a:extLst>
+              <a:ext uri="{FF2B5EF4-FFF2-40B4-BE49-F238E27FC236}">
+                <a16:creationId xmlns:a16="http://schemas.microsoft.com/office/drawing/2014/main" id="{6D5ED54F-D4E0-E34D-819D-7843402218CB}"/>
+              </a:ext>
+            </a:extLst>
+          </p:cNvPr>
+          <p:cNvSpPr/>
+          <p:nvPr/>
+        </p:nvSpPr>
+        <p:spPr>
+          <a:xfrm>
+            <a:off x="4183574" y="3277507"/>
+            <a:ext cx="4036045" cy="960773"/>
+          </a:xfrm>
+          <a:prstGeom prst="rect">
+            <a:avLst/>
+          </a:prstGeom>
+          <a:noFill/>
+          <a:ln w="50800">
+            <a:solidFill>
+              <a:schemeClr val="accent6"/>
+            </a:solidFill>
           </a:ln>
         </p:spPr>
         <p:style>
@@ -6800,14 +7105,118 @@
           <a:lstStyle/>
           <a:p>
             <a:pPr algn="ctr"/>
-            <a:endParaRPr lang="de-DE"/>
+            <a:endParaRPr lang="de-DE" dirty="0"/>
+          </a:p>
+        </p:txBody>
+      </p:sp>
+      <p:sp>
+        <p:nvSpPr>
+          <p:cNvPr id="21" name="Rechteck 20">
+            <a:extLst>
+              <a:ext uri="{FF2B5EF4-FFF2-40B4-BE49-F238E27FC236}">
+                <a16:creationId xmlns:a16="http://schemas.microsoft.com/office/drawing/2014/main" id="{22B8D3D0-4D09-7648-9A75-8214011C6F71}"/>
+              </a:ext>
+            </a:extLst>
+          </p:cNvPr>
+          <p:cNvSpPr/>
+          <p:nvPr/>
+        </p:nvSpPr>
+        <p:spPr>
+          <a:xfrm>
+            <a:off x="995999" y="5305741"/>
+            <a:ext cx="1683682" cy="369332"/>
+          </a:xfrm>
+          <a:prstGeom prst="rect">
+            <a:avLst/>
+          </a:prstGeom>
+          <a:noFill/>
+          <a:ln w="50800">
+            <a:solidFill>
+              <a:schemeClr val="accent6"/>
+            </a:solidFill>
+          </a:ln>
+        </p:spPr>
+        <p:style>
+          <a:lnRef idx="2">
+            <a:schemeClr val="accent1">
+              <a:shade val="50000"/>
+            </a:schemeClr>
+          </a:lnRef>
+          <a:fillRef idx="1">
+            <a:schemeClr val="accent1"/>
+          </a:fillRef>
+          <a:effectRef idx="0">
+            <a:schemeClr val="accent1"/>
+          </a:effectRef>
+          <a:fontRef idx="minor">
+            <a:schemeClr val="lt1"/>
+          </a:fontRef>
+        </p:style>
+        <p:txBody>
+          <a:bodyPr rtlCol="0" anchor="ctr"/>
+          <a:lstStyle/>
+          <a:p>
+            <a:pPr algn="ctr"/>
+            <a:endParaRPr lang="de-DE" dirty="0"/>
+          </a:p>
+        </p:txBody>
+      </p:sp>
+      <p:sp>
+        <p:nvSpPr>
+          <p:cNvPr id="22" name="Rechteck 21">
+            <a:extLst>
+              <a:ext uri="{FF2B5EF4-FFF2-40B4-BE49-F238E27FC236}">
+                <a16:creationId xmlns:a16="http://schemas.microsoft.com/office/drawing/2014/main" id="{53D27E73-F715-E84E-8D7A-C9929B8AAAA6}"/>
+              </a:ext>
+            </a:extLst>
+          </p:cNvPr>
+          <p:cNvSpPr/>
+          <p:nvPr/>
+        </p:nvSpPr>
+        <p:spPr>
+          <a:xfrm>
+            <a:off x="8834250" y="5103360"/>
+            <a:ext cx="1387850" cy="369332"/>
+          </a:xfrm>
+          <a:prstGeom prst="rect">
+            <a:avLst/>
+          </a:prstGeom>
+          <a:noFill/>
+          <a:ln w="50800">
+            <a:solidFill>
+              <a:schemeClr val="accent6"/>
+            </a:solidFill>
+          </a:ln>
+        </p:spPr>
+        <p:style>
+          <a:lnRef idx="2">
+            <a:schemeClr val="accent1">
+              <a:shade val="50000"/>
+            </a:schemeClr>
+          </a:lnRef>
+          <a:fillRef idx="1">
+            <a:schemeClr val="accent1"/>
+          </a:fillRef>
+          <a:effectRef idx="0">
+            <a:schemeClr val="accent1"/>
+          </a:effectRef>
+          <a:fontRef idx="minor">
+            <a:schemeClr val="lt1"/>
+          </a:fontRef>
+        </p:style>
+        <p:txBody>
+          <a:bodyPr rtlCol="0" anchor="ctr"/>
+          <a:lstStyle/>
+          <a:p>
+            <a:pPr algn="ctr"/>
+            <a:endParaRPr lang="de-DE" dirty="0"/>
           </a:p>
         </p:txBody>
       </p:sp>
     </p:spTree>
     <p:extLst>
       <p:ext uri="{BB962C8B-B14F-4D97-AF65-F5344CB8AC3E}">
-        <p14:creationId xmlns:p14="http://schemas.microsoft.com/office/powerpoint/2010/main" val="1169097894"/>
+        <p14:creationId xmlns:p14="http://schemas.microsoft.com/office/powerpoint/2010/main" val="988368122"/>
       </p:ext>
     </p:extLst>
   </p:cSld>
@@ -6839,7 +7248,7 @@
           <p:cNvPr id="2" name="Titel 1">
             <a:extLst>
               <a:ext uri="{FF2B5EF4-FFF2-40B4-BE49-F238E27FC236}">
-                <a16:creationId xmlns:a16="http://schemas.microsoft.com/office/drawing/2014/main" id="{C8377983-06B6-6243-BF0B-0BC95D5047B9}"/>
+                <a16:creationId xmlns:a16="http://schemas.microsoft.com/office/drawing/2014/main" id="{BD6D5C20-D1DA-E44D-AB6C-936495F1FBFC}"/>
               </a:ext>
             </a:extLst>
           </p:cNvPr>
@@ -6857,7 +7266,7 @@
           <a:p>
             <a:r>
               <a:rPr lang="de-DE" dirty="0"/>
-              <a:t>Diskussion</a:t>
+              <a:t>Diskussion der Ergebnisse</a:t>
             </a:r>
           </a:p>
         </p:txBody>
@@ -6867,7 +7276,7 @@
           <p:cNvPr id="3" name="Datumsplatzhalter 2">
             <a:extLst>
               <a:ext uri="{FF2B5EF4-FFF2-40B4-BE49-F238E27FC236}">
-                <a16:creationId xmlns:a16="http://schemas.microsoft.com/office/drawing/2014/main" id="{F394A70A-B3D6-9E41-804C-1341629DB2ED}"/>
+                <a16:creationId xmlns:a16="http://schemas.microsoft.com/office/drawing/2014/main" id="{46523BF5-B962-2447-ADD7-A23FD964E59B}"/>
               </a:ext>
             </a:extLst>
           </p:cNvPr>
@@ -6896,7 +7305,7 @@
           <p:cNvPr id="4" name="Foliennummernplatzhalter 3">
             <a:extLst>
               <a:ext uri="{FF2B5EF4-FFF2-40B4-BE49-F238E27FC236}">
-                <a16:creationId xmlns:a16="http://schemas.microsoft.com/office/drawing/2014/main" id="{A8E1BCF8-A884-CA4A-ACE9-3C1639432213}"/>
+                <a16:creationId xmlns:a16="http://schemas.microsoft.com/office/drawing/2014/main" id="{19E6069A-5501-0844-AE6F-91F10E2CECF5}"/>
               </a:ext>
             </a:extLst>
           </p:cNvPr>
@@ -6926,7 +7335,7 @@
           <p:cNvPr id="5" name="Textplatzhalter 4">
             <a:extLst>
               <a:ext uri="{FF2B5EF4-FFF2-40B4-BE49-F238E27FC236}">
-                <a16:creationId xmlns:a16="http://schemas.microsoft.com/office/drawing/2014/main" id="{0DFD92D1-6D37-DD4A-A9C2-67F4185C7866}"/>
+                <a16:creationId xmlns:a16="http://schemas.microsoft.com/office/drawing/2014/main" id="{EF255CB2-BD89-1E44-B2CF-A3F47521602A}"/>
               </a:ext>
             </a:extLst>
           </p:cNvPr>
@@ -6943,8 +7352,27 @@
           <a:lstStyle/>
           <a:p>
             <a:r>
-              <a:rPr lang="de-DE" dirty="0"/>
-              <a:t>Diskussion der angewandten Methodik</a:t>
+              <a:rPr lang="de-DE" i="1" dirty="0"/>
+              <a:t>IC-loop</a:t>
+            </a:r>
+            <a:r>
+              <a:rPr lang="de-DE" dirty="0"/>
+              <a:t> schlechte Ergebnisse wegen </a:t>
+            </a:r>
+            <a:r>
+              <a:rPr lang="de-DE" i="1" dirty="0" err="1"/>
+              <a:t>perceptual</a:t>
+            </a:r>
+            <a:r>
+              <a:rPr lang="de-DE" i="1" dirty="0"/>
+              <a:t>-aliasing</a:t>
+            </a:r>
+          </a:p>
+          <a:p>
+            <a:pPr lvl="1"/>
+            <a:r>
+              <a:rPr lang="de-DE" dirty="0"/>
+              <a:t>vertikale &amp; horizontale Strecken waren optisch gleich</a:t>
             </a:r>
           </a:p>
           <a:p>
@@ -6952,8 +7380,58 @@
           </a:p>
           <a:p>
             <a:r>
-              <a:rPr lang="de-DE" dirty="0"/>
-              <a:t>Diskussion der Ergebnisse</a:t>
+              <a:rPr lang="de-DE" i="1" dirty="0"/>
+              <a:t>HS-gamma</a:t>
+            </a:r>
+            <a:r>
+              <a:rPr lang="de-DE" dirty="0"/>
+              <a:t> hatte eindeutige Strecken </a:t>
+            </a:r>
+          </a:p>
+          <a:p>
+            <a:pPr lvl="1"/>
+            <a:r>
+              <a:rPr lang="de-DE" b="1" dirty="0"/>
+              <a:t>eventuell</a:t>
+            </a:r>
+            <a:r>
+              <a:rPr lang="de-DE" dirty="0"/>
+              <a:t>: hohes </a:t>
+            </a:r>
+            <a:r>
+              <a:rPr lang="de-DE" i="1" dirty="0"/>
+              <a:t>Level-</a:t>
+            </a:r>
+            <a:r>
+              <a:rPr lang="de-DE" i="1" dirty="0" err="1"/>
+              <a:t>of</a:t>
+            </a:r>
+            <a:r>
+              <a:rPr lang="de-DE" i="1" dirty="0"/>
+              <a:t>-Detail</a:t>
+            </a:r>
+            <a:r>
+              <a:rPr lang="de-DE" dirty="0"/>
+              <a:t> der HS-Simulation</a:t>
+            </a:r>
+          </a:p>
+          <a:p>
+            <a:pPr lvl="1"/>
+            <a:r>
+              <a:rPr lang="de-DE" b="1" dirty="0"/>
+              <a:t>aber</a:t>
+            </a:r>
+            <a:r>
+              <a:rPr lang="de-DE" dirty="0"/>
+              <a:t>: Gemeinsamkeiten zu IC-loop &amp; </a:t>
+            </a:r>
+            <a:r>
+              <a:rPr lang="de-DE" dirty="0" err="1"/>
+              <a:t>Acharya</a:t>
+            </a:r>
+            <a:r>
+              <a:rPr lang="de-DE" dirty="0"/>
+              <a:t> et al.</a:t>
             </a:r>
           </a:p>
           <a:p>
@@ -6961,8 +7439,77 @@
           </a:p>
           <a:p>
             <a:r>
-              <a:rPr lang="de-DE" dirty="0"/>
-              <a:t>Empfehlungen für weiterführende Forschung</a:t>
+              <a:rPr lang="de-DE" i="1" dirty="0" err="1"/>
+              <a:t>PoseNet</a:t>
+            </a:r>
+            <a:r>
+              <a:rPr lang="de-DE" dirty="0"/>
+              <a:t> ist </a:t>
+            </a:r>
+            <a:r>
+              <a:rPr lang="de-DE" b="1" dirty="0"/>
+              <a:t>nicht begrenzt</a:t>
+            </a:r>
+          </a:p>
+          <a:p>
+            <a:pPr lvl="1"/>
+            <a:r>
+              <a:rPr lang="de-DE" b="1" dirty="0"/>
+              <a:t>Daten der gleichen Domäne: 				</a:t>
+            </a:r>
+            <a:r>
+              <a:rPr lang="de-DE" dirty="0"/>
+              <a:t>ca. 1m Positionsakkuratesse</a:t>
+            </a:r>
+          </a:p>
+          <a:p>
+            <a:pPr lvl="1"/>
+            <a:r>
+              <a:rPr lang="de-DE" dirty="0"/>
+              <a:t>Walch et al. mit </a:t>
+            </a:r>
+            <a:r>
+              <a:rPr lang="de-DE" i="1" dirty="0"/>
+              <a:t>TUM-Datensatz</a:t>
+            </a:r>
+            <a:r>
+              <a:rPr lang="de-DE" dirty="0"/>
+              <a:t> (</a:t>
+            </a:r>
+            <a:r>
+              <a:rPr lang="de-DE" b="1" dirty="0"/>
+              <a:t>größer</a:t>
+            </a:r>
+            <a:r>
+              <a:rPr lang="de-DE" dirty="0"/>
+              <a:t> als die Obigen): 	ca. 2m Positionsakkuratesse</a:t>
+            </a:r>
+          </a:p>
+          <a:p>
+            <a:pPr lvl="1"/>
+            <a:r>
+              <a:rPr lang="de-DE" dirty="0"/>
+              <a:t>=&gt; </a:t>
+            </a:r>
+            <a:r>
+              <a:rPr lang="de-DE" b="1" dirty="0"/>
+              <a:t>domänenübergreifende</a:t>
+            </a:r>
+            <a:r>
+              <a:rPr lang="de-DE" dirty="0"/>
+              <a:t> Anwendung mit </a:t>
+            </a:r>
+            <a:r>
+              <a:rPr lang="de-DE" dirty="0" err="1"/>
+              <a:t>Gradientenbildern</a:t>
+            </a:r>
+            <a:r>
+              <a:rPr lang="de-DE" dirty="0"/>
+              <a:t> kann </a:t>
+            </a:r>
+            <a:r>
+              <a:rPr lang="de-DE" b="1" dirty="0"/>
+              <a:t>begrenzt sein</a:t>
             </a:r>
           </a:p>
         </p:txBody>
@@ -6972,7 +7519,7 @@
           <p:cNvPr id="6" name="Rechteck 5">
             <a:extLst>
               <a:ext uri="{FF2B5EF4-FFF2-40B4-BE49-F238E27FC236}">
-                <a16:creationId xmlns:a16="http://schemas.microsoft.com/office/drawing/2014/main" id="{C1FE3E27-4784-4C41-AF11-6EB9193AA719}"/>
+                <a16:creationId xmlns:a16="http://schemas.microsoft.com/office/drawing/2014/main" id="{BEED90A5-19B9-8047-9036-01136C2373C1}"/>
               </a:ext>
             </a:extLst>
           </p:cNvPr>
@@ -7021,10 +7568,56 @@
           </a:p>
         </p:txBody>
       </p:sp>
+      <p:sp>
+        <p:nvSpPr>
+          <p:cNvPr id="20" name="Gewitterblitz 19">
+            <a:extLst>
+              <a:ext uri="{FF2B5EF4-FFF2-40B4-BE49-F238E27FC236}">
+                <a16:creationId xmlns:a16="http://schemas.microsoft.com/office/drawing/2014/main" id="{B642E31D-86D3-9E4A-92F0-4AAAE0632470}"/>
+              </a:ext>
+            </a:extLst>
+          </p:cNvPr>
+          <p:cNvSpPr/>
+          <p:nvPr/>
+        </p:nvSpPr>
+        <p:spPr>
+          <a:xfrm rot="3622919">
+            <a:off x="6905753" y="3033292"/>
+            <a:ext cx="462116" cy="564029"/>
+          </a:xfrm>
+          <a:prstGeom prst="lightningBolt">
+            <a:avLst/>
+          </a:prstGeom>
+        </p:spPr>
+        <p:style>
+          <a:lnRef idx="2">
+            <a:schemeClr val="accent4">
+              <a:shade val="50000"/>
+            </a:schemeClr>
+          </a:lnRef>
+          <a:fillRef idx="1">
+            <a:schemeClr val="accent4"/>
+          </a:fillRef>
+          <a:effectRef idx="0">
+            <a:schemeClr val="accent4"/>
+          </a:effectRef>
+          <a:fontRef idx="minor">
+            <a:schemeClr val="lt1"/>
+          </a:fontRef>
+        </p:style>
+        <p:txBody>
+          <a:bodyPr rtlCol="0" anchor="ctr"/>
+          <a:lstStyle/>
+          <a:p>
+            <a:pPr algn="ctr"/>
+            <a:endParaRPr lang="de-DE"/>
+          </a:p>
+        </p:txBody>
+      </p:sp>
     </p:spTree>
     <p:extLst>
       <p:ext uri="{BB962C8B-B14F-4D97-AF65-F5344CB8AC3E}">
-        <p14:creationId xmlns:p14="http://schemas.microsoft.com/office/powerpoint/2010/main" val="401178146"/>
+        <p14:creationId xmlns:p14="http://schemas.microsoft.com/office/powerpoint/2010/main" val="4661681"/>
       </p:ext>
     </p:extLst>
   </p:cSld>
@@ -7056,7 +7649,7 @@
           <p:cNvPr id="2" name="Titel 1">
             <a:extLst>
               <a:ext uri="{FF2B5EF4-FFF2-40B4-BE49-F238E27FC236}">
-                <a16:creationId xmlns:a16="http://schemas.microsoft.com/office/drawing/2014/main" id="{0A02A76E-A190-094D-868E-ED86C95E88DF}"/>
+                <a16:creationId xmlns:a16="http://schemas.microsoft.com/office/drawing/2014/main" id="{0C091B4C-329A-2247-80D8-23FEF3B98137}"/>
               </a:ext>
             </a:extLst>
           </p:cNvPr>
@@ -7074,7 +7667,7 @@
           <a:p>
             <a:r>
               <a:rPr lang="de-DE" dirty="0"/>
-              <a:t>D. der angewandten Methodik</a:t>
+              <a:t>Fazit</a:t>
             </a:r>
           </a:p>
         </p:txBody>
@@ -7084,7 +7677,7 @@
           <p:cNvPr id="3" name="Datumsplatzhalter 2">
             <a:extLst>
               <a:ext uri="{FF2B5EF4-FFF2-40B4-BE49-F238E27FC236}">
-                <a16:creationId xmlns:a16="http://schemas.microsoft.com/office/drawing/2014/main" id="{BB8DCA00-9D4B-7144-A003-4F6BC70C3C06}"/>
+                <a16:creationId xmlns:a16="http://schemas.microsoft.com/office/drawing/2014/main" id="{273A15DC-1699-E74A-BC93-181A13CE18C2}"/>
               </a:ext>
             </a:extLst>
           </p:cNvPr>
@@ -7113,7 +7706,7 @@
           <p:cNvPr id="4" name="Foliennummernplatzhalter 3">
             <a:extLst>
               <a:ext uri="{FF2B5EF4-FFF2-40B4-BE49-F238E27FC236}">
-                <a16:creationId xmlns:a16="http://schemas.microsoft.com/office/drawing/2014/main" id="{F15EBB48-2BD2-F849-87E1-FC2BC11AB0D5}"/>
+                <a16:creationId xmlns:a16="http://schemas.microsoft.com/office/drawing/2014/main" id="{FC408FB7-CE97-B547-8D3D-78A71EC14F1A}"/>
               </a:ext>
             </a:extLst>
           </p:cNvPr>
@@ -7143,7 +7736,7 @@
           <p:cNvPr id="5" name="Textplatzhalter 4">
             <a:extLst>
               <a:ext uri="{FF2B5EF4-FFF2-40B4-BE49-F238E27FC236}">
-                <a16:creationId xmlns:a16="http://schemas.microsoft.com/office/drawing/2014/main" id="{0863D14F-FCD1-B548-A2B8-7A18F182A6E5}"/>
+                <a16:creationId xmlns:a16="http://schemas.microsoft.com/office/drawing/2014/main" id="{D8A51C1F-D696-AB48-9151-528A8E2F8922}"/>
               </a:ext>
             </a:extLst>
           </p:cNvPr>
@@ -7161,14 +7754,53 @@
           <a:p>
             <a:r>
               <a:rPr lang="de-DE" dirty="0"/>
-              <a:t>reale Daten wiesen bis zu 5% Drift auf</a:t>
+              <a:t>Insgesamt wurde der Ansatz mit </a:t>
+            </a:r>
+            <a:r>
+              <a:rPr lang="de-DE" b="1" dirty="0"/>
+              <a:t>2 Gebäuden auf 4 Strecken </a:t>
+            </a:r>
+            <a:r>
+              <a:rPr lang="de-DE" dirty="0"/>
+              <a:t>untersucht</a:t>
+            </a:r>
+          </a:p>
+          <a:p>
+            <a:endParaRPr lang="de-DE" dirty="0"/>
+          </a:p>
+          <a:p>
+            <a:r>
+              <a:rPr lang="de-DE" dirty="0"/>
+              <a:t>Durchschnittliche Akkuratesse von ca. 1m, 8° bei </a:t>
+            </a:r>
+            <a:r>
+              <a:rPr lang="de-DE" b="1" dirty="0"/>
+              <a:t>Daten der gleichen Domäne</a:t>
             </a:r>
           </a:p>
           <a:p>
             <a:pPr lvl="1"/>
-            <a:r>
-              <a:rPr lang="de-DE" dirty="0"/>
-              <a:t>negativer Einfluss auf die domänenübergreifende Evaluation</a:t>
+            <a:endParaRPr lang="de-DE" b="1" dirty="0"/>
+          </a:p>
+          <a:p>
+            <a:r>
+              <a:rPr lang="de-DE" dirty="0"/>
+              <a:t>Domänenübergreifend: 10.95m, 49.69°</a:t>
+            </a:r>
+          </a:p>
+          <a:p>
+            <a:pPr lvl="1"/>
+            <a:r>
+              <a:rPr lang="de-DE" b="1" dirty="0"/>
+              <a:t>Parallelen</a:t>
+            </a:r>
+            <a:r>
+              <a:rPr lang="de-DE" dirty="0"/>
+              <a:t> ließen schlussfolgern, dass der Ansatz </a:t>
+            </a:r>
+            <a:r>
+              <a:rPr lang="de-DE" b="1" dirty="0"/>
+              <a:t>begrenzt ist</a:t>
             </a:r>
           </a:p>
           <a:p>
@@ -7178,101 +7810,40 @@
           <a:p>
             <a:r>
               <a:rPr lang="de-DE" dirty="0"/>
-              <a:t>Akkuratesse ist vom Zufall abhängig</a:t>
+              <a:t>Lokalisierungsverfahren </a:t>
+            </a:r>
+            <a:r>
+              <a:rPr lang="de-DE" b="1" dirty="0"/>
+              <a:t>undenkbar</a:t>
             </a:r>
           </a:p>
           <a:p>
             <a:pPr lvl="1"/>
             <a:r>
               <a:rPr lang="de-DE" dirty="0"/>
-              <a:t>5 Trainingsprozesse sind wenig</a:t>
-            </a:r>
-          </a:p>
-          <a:p>
-            <a:pPr lvl="1"/>
+              <a:t>Potenzielle Akkuratesse von ca. 1m im direkten Gebrauch </a:t>
+            </a:r>
+            <a:r>
+              <a:rPr lang="de-DE" b="1" dirty="0"/>
+              <a:t>ungeeignet</a:t>
+            </a:r>
+            <a:r>
+              <a:rPr lang="de-DE" dirty="0"/>
+              <a:t>, allerdings durch Kaskadeneffekt verbesserbar</a:t>
+            </a:r>
+          </a:p>
+          <a:p>
+            <a:pPr marL="0" indent="0">
+              <a:buNone/>
+            </a:pPr>
             <a:endParaRPr lang="de-DE" dirty="0"/>
-          </a:p>
-          <a:p>
-            <a:r>
-              <a:rPr lang="de-DE" dirty="0"/>
-              <a:t>Hyperparameter</a:t>
-            </a:r>
-          </a:p>
-          <a:p>
-            <a:pPr lvl="1"/>
-            <a:r>
-              <a:rPr lang="de-DE" dirty="0"/>
-              <a:t>wurden nicht optimiert, könnten auf den Datensatz von </a:t>
-            </a:r>
-            <a:r>
-              <a:rPr lang="de-DE" dirty="0" err="1"/>
-              <a:t>Acharya</a:t>
-            </a:r>
-            <a:r>
-              <a:rPr lang="de-DE" dirty="0"/>
-              <a:t> et al. optimiert sein</a:t>
-            </a:r>
-          </a:p>
-        </p:txBody>
-      </p:sp>
-      <p:sp>
-        <p:nvSpPr>
-          <p:cNvPr id="6" name="Rechteck 5">
-            <a:extLst>
-              <a:ext uri="{FF2B5EF4-FFF2-40B4-BE49-F238E27FC236}">
-                <a16:creationId xmlns:a16="http://schemas.microsoft.com/office/drawing/2014/main" id="{F0FA9FFA-187D-AD4A-99BE-C4678F15FB2A}"/>
-              </a:ext>
-            </a:extLst>
-          </p:cNvPr>
-          <p:cNvSpPr/>
-          <p:nvPr/>
-        </p:nvSpPr>
-        <p:spPr>
-          <a:xfrm>
-            <a:off x="9360568" y="6521393"/>
-            <a:ext cx="754438" cy="336608"/>
-          </a:xfrm>
-          <a:prstGeom prst="rect">
-            <a:avLst/>
-          </a:prstGeom>
-          <a:solidFill>
-            <a:schemeClr val="bg2">
-              <a:alpha val="70000"/>
-            </a:schemeClr>
-          </a:solidFill>
-          <a:ln>
-            <a:noFill/>
-          </a:ln>
-        </p:spPr>
-        <p:style>
-          <a:lnRef idx="2">
-            <a:schemeClr val="accent1">
-              <a:shade val="50000"/>
-            </a:schemeClr>
-          </a:lnRef>
-          <a:fillRef idx="1">
-            <a:schemeClr val="accent1"/>
-          </a:fillRef>
-          <a:effectRef idx="0">
-            <a:schemeClr val="accent1"/>
-          </a:effectRef>
-          <a:fontRef idx="minor">
-            <a:schemeClr val="lt1"/>
-          </a:fontRef>
-        </p:style>
-        <p:txBody>
-          <a:bodyPr rtlCol="0" anchor="ctr"/>
-          <a:lstStyle/>
-          <a:p>
-            <a:pPr algn="ctr"/>
-            <a:endParaRPr lang="de-DE"/>
           </a:p>
         </p:txBody>
       </p:sp>
     </p:spTree>
     <p:extLst>
       <p:ext uri="{BB962C8B-B14F-4D97-AF65-F5344CB8AC3E}">
-        <p14:creationId xmlns:p14="http://schemas.microsoft.com/office/powerpoint/2010/main" val="1024951760"/>
+        <p14:creationId xmlns:p14="http://schemas.microsoft.com/office/powerpoint/2010/main" val="2488980382"/>
       </p:ext>
     </p:extLst>
   </p:cSld>
@@ -7304,7 +7875,7 @@
           <p:cNvPr id="2" name="Titel 1">
             <a:extLst>
               <a:ext uri="{FF2B5EF4-FFF2-40B4-BE49-F238E27FC236}">
-                <a16:creationId xmlns:a16="http://schemas.microsoft.com/office/drawing/2014/main" id="{BD6D5C20-D1DA-E44D-AB6C-936495F1FBFC}"/>
+                <a16:creationId xmlns:a16="http://schemas.microsoft.com/office/drawing/2014/main" id="{44FB1EF0-8926-404E-A4E1-B683EE1747B2}"/>
               </a:ext>
             </a:extLst>
           </p:cNvPr>
@@ -7322,7 +7893,7 @@
           <a:p>
             <a:r>
               <a:rPr lang="de-DE" dirty="0"/>
-              <a:t>D. der Ergebnisse</a:t>
+              <a:t>Fazit</a:t>
             </a:r>
           </a:p>
         </p:txBody>
@@ -7332,7 +7903,7 @@
           <p:cNvPr id="3" name="Datumsplatzhalter 2">
             <a:extLst>
               <a:ext uri="{FF2B5EF4-FFF2-40B4-BE49-F238E27FC236}">
-                <a16:creationId xmlns:a16="http://schemas.microsoft.com/office/drawing/2014/main" id="{46523BF5-B962-2447-ADD7-A23FD964E59B}"/>
+                <a16:creationId xmlns:a16="http://schemas.microsoft.com/office/drawing/2014/main" id="{B2FDB867-8874-4446-B079-DD574D4F773C}"/>
               </a:ext>
             </a:extLst>
           </p:cNvPr>
@@ -7361,7 +7932,7 @@
           <p:cNvPr id="4" name="Foliennummernplatzhalter 3">
             <a:extLst>
               <a:ext uri="{FF2B5EF4-FFF2-40B4-BE49-F238E27FC236}">
-                <a16:creationId xmlns:a16="http://schemas.microsoft.com/office/drawing/2014/main" id="{19E6069A-5501-0844-AE6F-91F10E2CECF5}"/>
+                <a16:creationId xmlns:a16="http://schemas.microsoft.com/office/drawing/2014/main" id="{ADB292C3-86BF-5344-91F7-4B4E91BC3DBE}"/>
               </a:ext>
             </a:extLst>
           </p:cNvPr>
@@ -7391,7 +7962,7 @@
           <p:cNvPr id="5" name="Textplatzhalter 4">
             <a:extLst>
               <a:ext uri="{FF2B5EF4-FFF2-40B4-BE49-F238E27FC236}">
-                <a16:creationId xmlns:a16="http://schemas.microsoft.com/office/drawing/2014/main" id="{EF255CB2-BD89-1E44-B2CF-A3F47521602A}"/>
+                <a16:creationId xmlns:a16="http://schemas.microsoft.com/office/drawing/2014/main" id="{1E97855D-E39A-4B47-8011-CAEF713C81DA}"/>
               </a:ext>
             </a:extLst>
           </p:cNvPr>
@@ -7409,43 +7980,30 @@
           <a:p>
             <a:r>
               <a:rPr lang="de-DE" dirty="0"/>
-              <a:t>HS-</a:t>
-            </a:r>
-            <a:r>
-              <a:rPr lang="de-DE" dirty="0" err="1"/>
-              <a:t>stairs</a:t>
-            </a:r>
-            <a:r>
-              <a:rPr lang="de-DE" dirty="0"/>
-              <a:t>-down &amp; HS-</a:t>
-            </a:r>
-            <a:r>
-              <a:rPr lang="de-DE" dirty="0" err="1"/>
-              <a:t>stairs</a:t>
-            </a:r>
-            <a:r>
-              <a:rPr lang="de-DE" dirty="0"/>
-              <a:t>-</a:t>
-            </a:r>
-            <a:r>
-              <a:rPr lang="de-DE" dirty="0" err="1"/>
-              <a:t>up</a:t>
-            </a:r>
-            <a:endParaRPr lang="de-DE" dirty="0"/>
+              <a:t>Unzureichende Akkuratesse bei domänenübergreifende Evaluation </a:t>
+            </a:r>
           </a:p>
           <a:p>
             <a:pPr lvl="1"/>
             <a:r>
               <a:rPr lang="de-DE" dirty="0"/>
-              <a:t>keine Generalisierungsfähigkeit zu erkennen (</a:t>
-            </a:r>
-            <a:r>
-              <a:rPr lang="de-DE" dirty="0" err="1"/>
-              <a:t>perceptual</a:t>
-            </a:r>
-            <a:r>
-              <a:rPr lang="de-DE" dirty="0"/>
-              <a:t>-aliasing)</a:t>
+              <a:t>liegt den </a:t>
+            </a:r>
+            <a:r>
+              <a:rPr lang="de-DE" b="1" dirty="0"/>
+              <a:t>Simulationsdefiziten</a:t>
+            </a:r>
+            <a:r>
+              <a:rPr lang="de-DE" dirty="0"/>
+              <a:t> und domänenspezifische </a:t>
+            </a:r>
+            <a:r>
+              <a:rPr lang="de-DE" b="1" dirty="0"/>
+              <a:t>Artefakte</a:t>
+            </a:r>
+            <a:r>
+              <a:rPr lang="de-DE" dirty="0"/>
+              <a:t> zugrunde</a:t>
             </a:r>
           </a:p>
           <a:p>
@@ -7455,185 +8013,48 @@
           <a:p>
             <a:r>
               <a:rPr lang="de-DE" dirty="0"/>
-              <a:t>IC-loop &amp; HS-gamma</a:t>
+              <a:t>Lohnenswerte Untersuchung:</a:t>
             </a:r>
           </a:p>
           <a:p>
             <a:pPr lvl="1"/>
             <a:r>
-              <a:rPr lang="de-DE" dirty="0"/>
-              <a:t>ca. 5m breiten und 20m bis 30m langen Teilbereich</a:t>
+              <a:rPr lang="de-DE" b="1" dirty="0" err="1"/>
+              <a:t>Diskrepanzminimierung</a:t>
+            </a:r>
+            <a:r>
+              <a:rPr lang="de-DE" dirty="0"/>
+              <a:t> zwischen synth. und realen Daten durch z.B. </a:t>
+            </a:r>
+            <a:r>
+              <a:rPr lang="de-DE" i="1" dirty="0"/>
+              <a:t>GANs</a:t>
             </a:r>
           </a:p>
           <a:p>
             <a:pPr lvl="1"/>
             <a:r>
               <a:rPr lang="de-DE" dirty="0"/>
-              <a:t>nur eine Richtung</a:t>
-            </a:r>
-          </a:p>
-          <a:p>
-            <a:pPr lvl="1"/>
-            <a:r>
-              <a:rPr lang="de-DE" dirty="0"/>
-              <a:t>Parallelen zur </a:t>
-            </a:r>
-            <a:r>
-              <a:rPr lang="de-DE" dirty="0" err="1"/>
-              <a:t>Acharya</a:t>
-            </a:r>
-            <a:r>
-              <a:rPr lang="de-DE" dirty="0"/>
-              <a:t> et </a:t>
-            </a:r>
-            <a:r>
-              <a:rPr lang="de-DE" dirty="0" err="1"/>
-              <a:t>al.‘s</a:t>
-            </a:r>
-            <a:r>
-              <a:rPr lang="de-DE" dirty="0"/>
-              <a:t> Datensatz</a:t>
-            </a:r>
-          </a:p>
-          <a:p>
-            <a:pPr lvl="1"/>
+              <a:t>Ferner: </a:t>
+            </a:r>
+            <a:r>
+              <a:rPr lang="de-DE" b="1" dirty="0"/>
+              <a:t>Beschränkungen</a:t>
+            </a:r>
+            <a:r>
+              <a:rPr lang="de-DE" dirty="0"/>
+              <a:t> der möglichen Posen im Trainingsprozess</a:t>
+            </a:r>
+          </a:p>
+          <a:p>
             <a:endParaRPr lang="de-DE" dirty="0"/>
           </a:p>
-          <a:p>
-            <a:r>
-              <a:rPr lang="de-DE" dirty="0" err="1"/>
-              <a:t>PoseNet</a:t>
-            </a:r>
-            <a:r>
-              <a:rPr lang="de-DE" dirty="0"/>
-              <a:t> ist nicht begrenzt</a:t>
-            </a:r>
-          </a:p>
-          <a:p>
-            <a:pPr lvl="1"/>
-            <a:r>
-              <a:rPr lang="de-DE" dirty="0"/>
-              <a:t>mit Daten der gleichen Domäne konnte ca. 1m Positionsakkuratesse erzielt werden</a:t>
-            </a:r>
-          </a:p>
-          <a:p>
-            <a:pPr lvl="1"/>
-            <a:r>
-              <a:rPr lang="de-DE" dirty="0"/>
-              <a:t>Walch et al. erzielten mit TUM-Datensatz (größer als die Obigen) ca. 2m Positionsakkuratesse</a:t>
-            </a:r>
-          </a:p>
-          <a:p>
-            <a:pPr lvl="1"/>
-            <a:r>
-              <a:rPr lang="de-DE" dirty="0"/>
-              <a:t>=&gt; domänenübergreifende Training mit </a:t>
-            </a:r>
-            <a:r>
-              <a:rPr lang="de-DE" dirty="0" err="1"/>
-              <a:t>Gradientenbildern</a:t>
-            </a:r>
-            <a:r>
-              <a:rPr lang="de-DE" dirty="0"/>
-              <a:t> nur auf 5m x 30m in einer Richtung</a:t>
-            </a:r>
-          </a:p>
-        </p:txBody>
-      </p:sp>
-      <p:sp>
-        <p:nvSpPr>
-          <p:cNvPr id="6" name="Rechteck 5">
-            <a:extLst>
-              <a:ext uri="{FF2B5EF4-FFF2-40B4-BE49-F238E27FC236}">
-                <a16:creationId xmlns:a16="http://schemas.microsoft.com/office/drawing/2014/main" id="{BEED90A5-19B9-8047-9036-01136C2373C1}"/>
-              </a:ext>
-            </a:extLst>
-          </p:cNvPr>
-          <p:cNvSpPr/>
-          <p:nvPr/>
-        </p:nvSpPr>
-        <p:spPr>
-          <a:xfrm>
-            <a:off x="9360568" y="6521393"/>
-            <a:ext cx="754438" cy="336608"/>
-          </a:xfrm>
-          <a:prstGeom prst="rect">
-            <a:avLst/>
-          </a:prstGeom>
-          <a:solidFill>
-            <a:schemeClr val="bg2">
-              <a:alpha val="70000"/>
-            </a:schemeClr>
-          </a:solidFill>
-          <a:ln>
-            <a:noFill/>
-          </a:ln>
-        </p:spPr>
-        <p:style>
-          <a:lnRef idx="2">
-            <a:schemeClr val="accent1">
-              <a:shade val="50000"/>
-            </a:schemeClr>
-          </a:lnRef>
-          <a:fillRef idx="1">
-            <a:schemeClr val="accent1"/>
-          </a:fillRef>
-          <a:effectRef idx="0">
-            <a:schemeClr val="accent1"/>
-          </a:effectRef>
-          <a:fontRef idx="minor">
-            <a:schemeClr val="lt1"/>
-          </a:fontRef>
-        </p:style>
-        <p:txBody>
-          <a:bodyPr rtlCol="0" anchor="ctr"/>
-          <a:lstStyle/>
-          <a:p>
-            <a:pPr algn="ctr"/>
-            <a:endParaRPr lang="de-DE"/>
-          </a:p>
-        </p:txBody>
-      </p:sp>
-      <p:pic>
-        <p:nvPicPr>
-          <p:cNvPr id="10" name="Grafik 9">
-            <a:extLst>
-              <a:ext uri="{FF2B5EF4-FFF2-40B4-BE49-F238E27FC236}">
-                <a16:creationId xmlns:a16="http://schemas.microsoft.com/office/drawing/2014/main" id="{285B82C0-6A90-0544-98AD-5C2E70368471}"/>
-              </a:ext>
-            </a:extLst>
-          </p:cNvPr>
-          <p:cNvPicPr>
-            <a:picLocks noChangeAspect="1"/>
-          </p:cNvPicPr>
-          <p:nvPr/>
-        </p:nvPicPr>
-        <p:blipFill>
-          <a:blip r:embed="rId2">
-            <a:extLst>
-              <a:ext uri="{28A0092B-C50C-407E-A947-70E740481C1C}">
-                <a14:useLocalDpi xmlns:a14="http://schemas.microsoft.com/office/drawing/2010/main" val="0"/>
-              </a:ext>
-            </a:extLst>
-          </a:blip>
-          <a:stretch>
-            <a:fillRect/>
-          </a:stretch>
-        </p:blipFill>
-        <p:spPr>
-          <a:xfrm>
-            <a:off x="7314294" y="2755900"/>
-            <a:ext cx="4711700" cy="1346200"/>
-          </a:xfrm>
-          <a:prstGeom prst="rect">
-            <a:avLst/>
-          </a:prstGeom>
-        </p:spPr>
-      </p:pic>
+        </p:txBody>
+      </p:sp>
     </p:spTree>
     <p:extLst>
       <p:ext uri="{BB962C8B-B14F-4D97-AF65-F5344CB8AC3E}">
-        <p14:creationId xmlns:p14="http://schemas.microsoft.com/office/powerpoint/2010/main" val="988368122"/>
+        <p14:creationId xmlns:p14="http://schemas.microsoft.com/office/powerpoint/2010/main" val="3084898007"/>
       </p:ext>
     </p:extLst>
   </p:cSld>
@@ -7769,16 +8190,20 @@
           <a:lstStyle/>
           <a:p>
             <a:r>
-              <a:rPr lang="de-DE" dirty="0"/>
+              <a:rPr lang="de-DE" b="1" dirty="0"/>
               <a:t>Pose </a:t>
             </a:r>
             <a:r>
-              <a:rPr lang="de-DE" dirty="0" err="1"/>
+              <a:rPr lang="de-DE" b="1" dirty="0" err="1"/>
               <a:t>Estimation</a:t>
             </a:r>
             <a:r>
-              <a:rPr lang="de-DE" dirty="0"/>
-              <a:t> in Gebäuden verschafft im Bauwesen z.B.:</a:t>
+              <a:rPr lang="de-DE" b="1" dirty="0"/>
+              <a:t> </a:t>
+            </a:r>
+            <a:r>
+              <a:rPr lang="de-DE" dirty="0"/>
+              <a:t>in Gebäuden verschafft im Bauwesen z.B.:</a:t>
             </a:r>
           </a:p>
           <a:p>
@@ -7795,11 +8220,11 @@
               <a:t>Facility-Management &amp; Navigation über </a:t>
             </a:r>
             <a:r>
-              <a:rPr lang="de-DE" dirty="0" err="1"/>
+              <a:rPr lang="de-DE" i="1" dirty="0" err="1"/>
               <a:t>Augmented</a:t>
             </a:r>
             <a:r>
-              <a:rPr lang="de-DE" dirty="0"/>
+              <a:rPr lang="de-DE" i="1" dirty="0"/>
               <a:t> Reality</a:t>
             </a:r>
           </a:p>
@@ -7811,29 +8236,61 @@
           </a:p>
           <a:p>
             <a:r>
-              <a:rPr lang="de-DE" dirty="0"/>
-              <a:t>visuelle Lokalisierungsverfahren</a:t>
+              <a:rPr lang="de-DE" b="1" dirty="0"/>
+              <a:t>visuelle</a:t>
+            </a:r>
+            <a:r>
+              <a:rPr lang="de-DE" dirty="0"/>
+              <a:t> Lokalisierungsverfahren</a:t>
             </a:r>
           </a:p>
           <a:p>
             <a:pPr lvl="1"/>
             <a:r>
-              <a:rPr lang="de-DE" dirty="0"/>
-              <a:t>VO oder SLAM sind relativ zum Ausgangspunkt</a:t>
+              <a:rPr lang="de-DE" i="1" dirty="0"/>
+              <a:t>VO</a:t>
+            </a:r>
+            <a:r>
+              <a:rPr lang="de-DE" dirty="0"/>
+              <a:t> oder </a:t>
+            </a:r>
+            <a:r>
+              <a:rPr lang="de-DE" i="1" dirty="0"/>
+              <a:t>SLAM</a:t>
+            </a:r>
+            <a:r>
+              <a:rPr lang="de-DE" dirty="0"/>
+              <a:t> sind </a:t>
+            </a:r>
+            <a:r>
+              <a:rPr lang="de-DE" b="1" dirty="0"/>
+              <a:t>relativ</a:t>
+            </a:r>
+            <a:r>
+              <a:rPr lang="de-DE" dirty="0"/>
+              <a:t> zum Ausgangspunkt</a:t>
             </a:r>
           </a:p>
           <a:p>
             <a:pPr lvl="1"/>
             <a:r>
-              <a:rPr lang="de-DE" dirty="0"/>
-              <a:t>Absolute Bestimmung möglich durch:</a:t>
+              <a:rPr lang="de-DE" b="1" dirty="0"/>
+              <a:t>Absolute</a:t>
+            </a:r>
+            <a:r>
+              <a:rPr lang="de-DE" dirty="0"/>
+              <a:t> Bestimmung möglich durch:</a:t>
             </a:r>
           </a:p>
           <a:p>
             <a:pPr lvl="2"/>
             <a:r>
               <a:rPr lang="de-DE" dirty="0"/>
-              <a:t>Suchen eines korrespondierendes Bildes in einer Bildergalerie</a:t>
+              <a:t>Suchen eines korrespondierendes Bildes in einer </a:t>
+            </a:r>
+            <a:r>
+              <a:rPr lang="de-DE" b="1" dirty="0"/>
+              <a:t>Bildergalerie</a:t>
             </a:r>
           </a:p>
           <a:p>
@@ -7850,7 +8307,15 @@
           <a:p>
             <a:r>
               <a:rPr lang="de-DE" dirty="0"/>
-              <a:t>Ansätze über KNN wie z.B. </a:t>
+              <a:t>Ansätze über </a:t>
+            </a:r>
+            <a:r>
+              <a:rPr lang="de-DE" b="1" dirty="0"/>
+              <a:t>KNN</a:t>
+            </a:r>
+            <a:r>
+              <a:rPr lang="de-DE" dirty="0"/>
+              <a:t> wie z.B. </a:t>
             </a:r>
             <a:r>
               <a:rPr lang="de-DE" i="1" dirty="0" err="1"/>
@@ -7886,11 +8351,23 @@
             </a:r>
             <a:r>
               <a:rPr lang="de-DE" i="1" dirty="0" err="1"/>
-              <a:t>SfM</a:t>
-            </a:r>
-            <a:r>
-              <a:rPr lang="de-DE" dirty="0"/>
-              <a:t> genügt</a:t>
+              <a:t>Structur</a:t>
+            </a:r>
+            <a:r>
+              <a:rPr lang="de-DE" i="1" dirty="0"/>
+              <a:t>-</a:t>
+            </a:r>
+            <a:r>
+              <a:rPr lang="de-DE" i="1" dirty="0" err="1"/>
+              <a:t>from</a:t>
+            </a:r>
+            <a:r>
+              <a:rPr lang="de-DE" i="1" dirty="0"/>
+              <a:t>-Motion</a:t>
+            </a:r>
+            <a:r>
+              <a:rPr lang="de-DE" dirty="0"/>
+              <a:t> Methoden genügt</a:t>
             </a:r>
           </a:p>
           <a:p>
@@ -8025,7 +8502,7 @@
         </p:nvSpPr>
         <p:spPr>
           <a:xfrm rot="3622919">
-            <a:off x="6985820" y="5303357"/>
+            <a:off x="9883947" y="5356785"/>
             <a:ext cx="462116" cy="564029"/>
           </a:xfrm>
           <a:prstGeom prst="lightningBolt">
@@ -8087,179 +8564,48 @@
           <a:chExt cx="0" cy="0"/>
         </a:xfrm>
       </p:grpSpPr>
-      <p:sp>
-        <p:nvSpPr>
-          <p:cNvPr id="2" name="Titel 1">
-            <a:extLst>
-              <a:ext uri="{FF2B5EF4-FFF2-40B4-BE49-F238E27FC236}">
-                <a16:creationId xmlns:a16="http://schemas.microsoft.com/office/drawing/2014/main" id="{3FB5B477-3655-D14D-8376-129B00BECA66}"/>
-              </a:ext>
-            </a:extLst>
-          </p:cNvPr>
-          <p:cNvSpPr>
-            <a:spLocks noGrp="1"/>
-          </p:cNvSpPr>
-          <p:nvPr>
-            <p:ph type="title"/>
-          </p:nvPr>
-        </p:nvSpPr>
-        <p:spPr/>
-        <p:txBody>
-          <a:bodyPr/>
-          <a:lstStyle/>
-          <a:p>
-            <a:r>
-              <a:rPr lang="de-DE" dirty="0"/>
-              <a:t>Empf. für </a:t>
-            </a:r>
-            <a:r>
-              <a:rPr lang="de-DE" dirty="0" err="1"/>
-              <a:t>weiterf</a:t>
-            </a:r>
-            <a:r>
-              <a:rPr lang="de-DE" dirty="0"/>
-              <a:t>. Forschungen</a:t>
-            </a:r>
-          </a:p>
-        </p:txBody>
-      </p:sp>
-      <p:sp>
-        <p:nvSpPr>
-          <p:cNvPr id="3" name="Datumsplatzhalter 2">
-            <a:extLst>
-              <a:ext uri="{FF2B5EF4-FFF2-40B4-BE49-F238E27FC236}">
-                <a16:creationId xmlns:a16="http://schemas.microsoft.com/office/drawing/2014/main" id="{C8E459B4-4492-0D4E-828D-B923BB6AA9C7}"/>
-              </a:ext>
-            </a:extLst>
-          </p:cNvPr>
-          <p:cNvSpPr>
-            <a:spLocks noGrp="1"/>
-          </p:cNvSpPr>
-          <p:nvPr>
-            <p:ph type="dt" sz="half" idx="10"/>
-          </p:nvPr>
-        </p:nvSpPr>
-        <p:spPr/>
-        <p:txBody>
-          <a:bodyPr/>
-          <a:lstStyle/>
-          <a:p>
-            <a:r>
-              <a:rPr lang="de-DE" b="0"/>
-              <a:t>24.09.2019</a:t>
-            </a:r>
-            <a:endParaRPr lang="de-DE" b="0" dirty="0"/>
-          </a:p>
-        </p:txBody>
-      </p:sp>
-      <p:sp>
-        <p:nvSpPr>
-          <p:cNvPr id="4" name="Foliennummernplatzhalter 3">
-            <a:extLst>
-              <a:ext uri="{FF2B5EF4-FFF2-40B4-BE49-F238E27FC236}">
-                <a16:creationId xmlns:a16="http://schemas.microsoft.com/office/drawing/2014/main" id="{83E6DF95-7B2A-814B-882B-7379EA5712BE}"/>
-              </a:ext>
-            </a:extLst>
-          </p:cNvPr>
-          <p:cNvSpPr>
-            <a:spLocks noGrp="1"/>
-          </p:cNvSpPr>
-          <p:nvPr>
-            <p:ph type="sldNum" sz="quarter" idx="11"/>
-          </p:nvPr>
-        </p:nvSpPr>
-        <p:spPr/>
-        <p:txBody>
-          <a:bodyPr/>
-          <a:lstStyle/>
-          <a:p>
-            <a:fld id="{4A80ED0F-F732-4A14-9F84-E00593EFD72C}" type="slidenum">
-              <a:rPr lang="de-DE" smtClean="0"/>
-              <a:pPr/>
-              <a:t>20</a:t>
-            </a:fld>
-            <a:endParaRPr lang="de-DE" dirty="0"/>
-          </a:p>
-        </p:txBody>
-      </p:sp>
-      <p:sp>
-        <p:nvSpPr>
-          <p:cNvPr id="5" name="Textplatzhalter 4">
-            <a:extLst>
-              <a:ext uri="{FF2B5EF4-FFF2-40B4-BE49-F238E27FC236}">
-                <a16:creationId xmlns:a16="http://schemas.microsoft.com/office/drawing/2014/main" id="{F0C87E7B-BABA-A34B-B071-7075A1FE4B8E}"/>
-              </a:ext>
-            </a:extLst>
-          </p:cNvPr>
-          <p:cNvSpPr>
-            <a:spLocks noGrp="1"/>
-          </p:cNvSpPr>
-          <p:nvPr>
-            <p:ph type="body" sz="quarter" idx="12"/>
-          </p:nvPr>
-        </p:nvSpPr>
-        <p:spPr/>
-        <p:txBody>
-          <a:bodyPr/>
-          <a:lstStyle/>
-          <a:p>
-            <a:r>
-              <a:rPr lang="de-DE" dirty="0"/>
-              <a:t>Anzahl der Trainingsprozesse bei gleichen Hyperparameter erhöhen</a:t>
-            </a:r>
-          </a:p>
-          <a:p>
-            <a:pPr lvl="1"/>
-            <a:r>
-              <a:rPr lang="de-DE" dirty="0"/>
-              <a:t>bessere Ergebnisse erzielen oder ausschließen =&gt; bestes synth. Datentyp bestimmen</a:t>
-            </a:r>
-          </a:p>
-          <a:p>
-            <a:endParaRPr lang="de-DE" dirty="0"/>
-          </a:p>
-          <a:p>
-            <a:r>
-              <a:rPr lang="de-DE" dirty="0"/>
-              <a:t>Optimierung der Hyperparameter</a:t>
-            </a:r>
-          </a:p>
-          <a:p>
-            <a:pPr lvl="1"/>
-            <a:r>
-              <a:rPr lang="de-DE" dirty="0"/>
-              <a:t>führt zu besseren Ergebnissen</a:t>
-            </a:r>
-          </a:p>
-          <a:p>
-            <a:endParaRPr lang="de-DE" dirty="0"/>
-          </a:p>
-          <a:p>
-            <a:r>
-              <a:rPr lang="de-DE" dirty="0"/>
-              <a:t>Nachfolger von </a:t>
-            </a:r>
-            <a:r>
-              <a:rPr lang="de-DE" dirty="0" err="1"/>
-              <a:t>PoseNet</a:t>
-            </a:r>
-            <a:endParaRPr lang="de-DE" dirty="0"/>
-          </a:p>
-          <a:p>
-            <a:pPr lvl="1"/>
-            <a:r>
-              <a:rPr lang="de-DE" dirty="0"/>
-              <a:t>versichern Verbesserung</a:t>
-            </a:r>
-          </a:p>
-        </p:txBody>
-      </p:sp>
-      <p:sp>
-        <p:nvSpPr>
-          <p:cNvPr id="6" name="Rechteck 5">
-            <a:extLst>
-              <a:ext uri="{FF2B5EF4-FFF2-40B4-BE49-F238E27FC236}">
-                <a16:creationId xmlns:a16="http://schemas.microsoft.com/office/drawing/2014/main" id="{C7A6EC24-B5A7-E140-BF92-BE67A98BEBBA}"/>
+      <p:pic>
+        <p:nvPicPr>
+          <p:cNvPr id="4" name="Grafik 3">
+            <a:extLst>
+              <a:ext uri="{FF2B5EF4-FFF2-40B4-BE49-F238E27FC236}">
+                <a16:creationId xmlns:a16="http://schemas.microsoft.com/office/drawing/2014/main" id="{7EB71337-EE95-DA45-81F7-3421378E4382}"/>
+              </a:ext>
+            </a:extLst>
+          </p:cNvPr>
+          <p:cNvPicPr>
+            <a:picLocks noChangeAspect="1"/>
+          </p:cNvPicPr>
+          <p:nvPr/>
+        </p:nvPicPr>
+        <p:blipFill>
+          <a:blip r:embed="rId3">
+            <a:extLst>
+              <a:ext uri="{28A0092B-C50C-407E-A947-70E740481C1C}">
+                <a14:useLocalDpi xmlns:a14="http://schemas.microsoft.com/office/drawing/2010/main" val="0"/>
+              </a:ext>
+            </a:extLst>
+          </a:blip>
+          <a:stretch>
+            <a:fillRect/>
+          </a:stretch>
+        </p:blipFill>
+        <p:spPr>
+          <a:xfrm>
+            <a:off x="-1464635" y="0"/>
+            <a:ext cx="15121270" cy="6873305"/>
+          </a:xfrm>
+          <a:prstGeom prst="rect">
+            <a:avLst/>
+          </a:prstGeom>
+        </p:spPr>
+      </p:pic>
+      <p:sp>
+        <p:nvSpPr>
+          <p:cNvPr id="5" name="Rechteck 4">
+            <a:extLst>
+              <a:ext uri="{FF2B5EF4-FFF2-40B4-BE49-F238E27FC236}">
+                <a16:creationId xmlns:a16="http://schemas.microsoft.com/office/drawing/2014/main" id="{47779C69-BE1B-104B-8F26-4DC10BAD1A34}"/>
               </a:ext>
             </a:extLst>
           </p:cNvPr>
@@ -8268,20 +8614,17 @@
         </p:nvSpPr>
         <p:spPr>
           <a:xfrm>
-            <a:off x="9360568" y="6521393"/>
-            <a:ext cx="754438" cy="336608"/>
+            <a:off x="1" y="-15305"/>
+            <a:ext cx="12191999" cy="6873305"/>
           </a:xfrm>
           <a:prstGeom prst="rect">
             <a:avLst/>
           </a:prstGeom>
           <a:solidFill>
-            <a:schemeClr val="bg2">
-              <a:alpha val="70000"/>
+            <a:schemeClr val="accent1">
+              <a:alpha val="62000"/>
             </a:schemeClr>
           </a:solidFill>
-          <a:ln>
-            <a:noFill/>
-          </a:ln>
         </p:spPr>
         <p:style>
           <a:lnRef idx="2">
@@ -8304,14 +8647,24 @@
           <a:lstStyle/>
           <a:p>
             <a:pPr algn="ctr"/>
-            <a:endParaRPr lang="de-DE"/>
+            <a:r>
+              <a:rPr lang="de-DE" sz="5400" b="1" dirty="0"/>
+              <a:t>Vielen Dank </a:t>
+            </a:r>
+          </a:p>
+          <a:p>
+            <a:pPr algn="ctr"/>
+            <a:r>
+              <a:rPr lang="de-DE" sz="5400" b="1" dirty="0"/>
+              <a:t>für eure Aufmerksamkeit!</a:t>
+            </a:r>
           </a:p>
         </p:txBody>
       </p:sp>
     </p:spTree>
     <p:extLst>
       <p:ext uri="{BB962C8B-B14F-4D97-AF65-F5344CB8AC3E}">
-        <p14:creationId xmlns:p14="http://schemas.microsoft.com/office/powerpoint/2010/main" val="1413386977"/>
+        <p14:creationId xmlns:p14="http://schemas.microsoft.com/office/powerpoint/2010/main" val="40890220"/>
       </p:ext>
     </p:extLst>
   </p:cSld>
@@ -8343,7 +8696,7 @@
           <p:cNvPr id="2" name="Titel 1">
             <a:extLst>
               <a:ext uri="{FF2B5EF4-FFF2-40B4-BE49-F238E27FC236}">
-                <a16:creationId xmlns:a16="http://schemas.microsoft.com/office/drawing/2014/main" id="{0C091B4C-329A-2247-80D8-23FEF3B98137}"/>
+                <a16:creationId xmlns:a16="http://schemas.microsoft.com/office/drawing/2014/main" id="{13156A7A-C7B6-7D43-8960-6108CE5B18B4}"/>
               </a:ext>
             </a:extLst>
           </p:cNvPr>
@@ -8354,14 +8707,19 @@
             <p:ph type="title"/>
           </p:nvPr>
         </p:nvSpPr>
-        <p:spPr/>
+        <p:spPr>
+          <a:xfrm>
+            <a:off x="46655" y="0"/>
+            <a:ext cx="8801104" cy="812338"/>
+          </a:xfrm>
+        </p:spPr>
         <p:txBody>
           <a:bodyPr/>
           <a:lstStyle/>
           <a:p>
             <a:r>
               <a:rPr lang="de-DE" dirty="0"/>
-              <a:t>Fazit</a:t>
+              <a:t>CNN Architektur</a:t>
             </a:r>
           </a:p>
         </p:txBody>
@@ -8371,7 +8729,7 @@
           <p:cNvPr id="3" name="Datumsplatzhalter 2">
             <a:extLst>
               <a:ext uri="{FF2B5EF4-FFF2-40B4-BE49-F238E27FC236}">
-                <a16:creationId xmlns:a16="http://schemas.microsoft.com/office/drawing/2014/main" id="{273A15DC-1699-E74A-BC93-181A13CE18C2}"/>
+                <a16:creationId xmlns:a16="http://schemas.microsoft.com/office/drawing/2014/main" id="{8787C1C2-E764-EA43-A71B-047BC7A1A20E}"/>
               </a:ext>
             </a:extLst>
           </p:cNvPr>
@@ -8400,7 +8758,7 @@
           <p:cNvPr id="4" name="Foliennummernplatzhalter 3">
             <a:extLst>
               <a:ext uri="{FF2B5EF4-FFF2-40B4-BE49-F238E27FC236}">
-                <a16:creationId xmlns:a16="http://schemas.microsoft.com/office/drawing/2014/main" id="{FC408FB7-CE97-B547-8D3D-78A71EC14F1A}"/>
+                <a16:creationId xmlns:a16="http://schemas.microsoft.com/office/drawing/2014/main" id="{2A5A7CCD-7105-8848-9B92-5779C30308FB}"/>
               </a:ext>
             </a:extLst>
           </p:cNvPr>
@@ -8420,817 +8778,6 @@
               <a:rPr lang="de-DE" smtClean="0"/>
               <a:pPr/>
               <a:t>21</a:t>
-            </a:fld>
-            <a:endParaRPr lang="de-DE" dirty="0"/>
-          </a:p>
-        </p:txBody>
-      </p:sp>
-      <p:sp>
-        <p:nvSpPr>
-          <p:cNvPr id="5" name="Textplatzhalter 4">
-            <a:extLst>
-              <a:ext uri="{FF2B5EF4-FFF2-40B4-BE49-F238E27FC236}">
-                <a16:creationId xmlns:a16="http://schemas.microsoft.com/office/drawing/2014/main" id="{D8A51C1F-D696-AB48-9151-528A8E2F8922}"/>
-              </a:ext>
-            </a:extLst>
-          </p:cNvPr>
-          <p:cNvSpPr>
-            <a:spLocks noGrp="1"/>
-          </p:cNvSpPr>
-          <p:nvPr>
-            <p:ph type="body" sz="quarter" idx="12"/>
-          </p:nvPr>
-        </p:nvSpPr>
-        <p:spPr/>
-        <p:txBody>
-          <a:bodyPr/>
-          <a:lstStyle/>
-          <a:p>
-            <a:r>
-              <a:rPr lang="de-DE" dirty="0"/>
-              <a:t>Insgesamt wurde der Ansatz mit 2 Gebäuden auf 4 Strecken untersucht</a:t>
-            </a:r>
-          </a:p>
-          <a:p>
-            <a:endParaRPr lang="de-DE" dirty="0"/>
-          </a:p>
-          <a:p>
-            <a:r>
-              <a:rPr lang="de-DE" dirty="0"/>
-              <a:t>Durchschnittliche Akkuratesse von ca. 1m, 8° bei Daten der gleichen Domäne</a:t>
-            </a:r>
-          </a:p>
-          <a:p>
-            <a:pPr lvl="1"/>
-            <a:endParaRPr lang="de-DE" dirty="0"/>
-          </a:p>
-          <a:p>
-            <a:r>
-              <a:rPr lang="de-DE" dirty="0"/>
-              <a:t>Domänenübergreifend: 10.95m, 49.69°</a:t>
-            </a:r>
-          </a:p>
-          <a:p>
-            <a:pPr lvl="1"/>
-            <a:r>
-              <a:rPr lang="de-DE" dirty="0"/>
-              <a:t>Parallelen ließen schlussfolgern, dass der Ansatz begrenzt ist</a:t>
-            </a:r>
-          </a:p>
-          <a:p>
-            <a:pPr lvl="1"/>
-            <a:endParaRPr lang="de-DE" dirty="0"/>
-          </a:p>
-          <a:p>
-            <a:r>
-              <a:rPr lang="de-DE" dirty="0"/>
-              <a:t>Lokalisierungsverfahren undenkbar</a:t>
-            </a:r>
-          </a:p>
-          <a:p>
-            <a:pPr lvl="1"/>
-            <a:r>
-              <a:rPr lang="de-DE" dirty="0"/>
-              <a:t>Potenzielle Akkuratesse von ca. 1m im direkten Gebrauch ungeeignet, allerdings durch Kaskadeneffekt verbesserbar</a:t>
-            </a:r>
-          </a:p>
-          <a:p>
-            <a:pPr marL="0" indent="0">
-              <a:buNone/>
-            </a:pPr>
-            <a:endParaRPr lang="de-DE" dirty="0"/>
-          </a:p>
-        </p:txBody>
-      </p:sp>
-    </p:spTree>
-    <p:extLst>
-      <p:ext uri="{BB962C8B-B14F-4D97-AF65-F5344CB8AC3E}">
-        <p14:creationId xmlns:p14="http://schemas.microsoft.com/office/powerpoint/2010/main" val="2488980382"/>
-      </p:ext>
-    </p:extLst>
-  </p:cSld>
-  <p:clrMapOvr>
-    <a:masterClrMapping/>
-  </p:clrMapOvr>
-</p:sld>
-</file>
-
-<file path=ppt/slides/slide22.xml><?xml version="1.0" encoding="utf-8"?>
-<p:sld xmlns:a="http://schemas.openxmlformats.org/drawingml/2006/main" xmlns:r="http://schemas.openxmlformats.org/officeDocument/2006/relationships" xmlns:p="http://schemas.openxmlformats.org/presentationml/2006/main">
-  <p:cSld>
-    <p:spTree>
-      <p:nvGrpSpPr>
-        <p:cNvPr id="1" name=""/>
-        <p:cNvGrpSpPr/>
-        <p:nvPr/>
-      </p:nvGrpSpPr>
-      <p:grpSpPr>
-        <a:xfrm>
-          <a:off x="0" y="0"/>
-          <a:ext cx="0" cy="0"/>
-          <a:chOff x="0" y="0"/>
-          <a:chExt cx="0" cy="0"/>
-        </a:xfrm>
-      </p:grpSpPr>
-      <p:sp>
-        <p:nvSpPr>
-          <p:cNvPr id="2" name="Titel 1">
-            <a:extLst>
-              <a:ext uri="{FF2B5EF4-FFF2-40B4-BE49-F238E27FC236}">
-                <a16:creationId xmlns:a16="http://schemas.microsoft.com/office/drawing/2014/main" id="{44FB1EF0-8926-404E-A4E1-B683EE1747B2}"/>
-              </a:ext>
-            </a:extLst>
-          </p:cNvPr>
-          <p:cNvSpPr>
-            <a:spLocks noGrp="1"/>
-          </p:cNvSpPr>
-          <p:nvPr>
-            <p:ph type="title"/>
-          </p:nvPr>
-        </p:nvSpPr>
-        <p:spPr/>
-        <p:txBody>
-          <a:bodyPr/>
-          <a:lstStyle/>
-          <a:p>
-            <a:r>
-              <a:rPr lang="de-DE" dirty="0"/>
-              <a:t>Fazit</a:t>
-            </a:r>
-          </a:p>
-        </p:txBody>
-      </p:sp>
-      <p:sp>
-        <p:nvSpPr>
-          <p:cNvPr id="3" name="Datumsplatzhalter 2">
-            <a:extLst>
-              <a:ext uri="{FF2B5EF4-FFF2-40B4-BE49-F238E27FC236}">
-                <a16:creationId xmlns:a16="http://schemas.microsoft.com/office/drawing/2014/main" id="{B2FDB867-8874-4446-B079-DD574D4F773C}"/>
-              </a:ext>
-            </a:extLst>
-          </p:cNvPr>
-          <p:cNvSpPr>
-            <a:spLocks noGrp="1"/>
-          </p:cNvSpPr>
-          <p:nvPr>
-            <p:ph type="dt" sz="half" idx="10"/>
-          </p:nvPr>
-        </p:nvSpPr>
-        <p:spPr/>
-        <p:txBody>
-          <a:bodyPr/>
-          <a:lstStyle/>
-          <a:p>
-            <a:r>
-              <a:rPr lang="de-DE" b="0"/>
-              <a:t>24.09.2019</a:t>
-            </a:r>
-            <a:endParaRPr lang="de-DE" b="0" dirty="0"/>
-          </a:p>
-        </p:txBody>
-      </p:sp>
-      <p:sp>
-        <p:nvSpPr>
-          <p:cNvPr id="4" name="Foliennummernplatzhalter 3">
-            <a:extLst>
-              <a:ext uri="{FF2B5EF4-FFF2-40B4-BE49-F238E27FC236}">
-                <a16:creationId xmlns:a16="http://schemas.microsoft.com/office/drawing/2014/main" id="{ADB292C3-86BF-5344-91F7-4B4E91BC3DBE}"/>
-              </a:ext>
-            </a:extLst>
-          </p:cNvPr>
-          <p:cNvSpPr>
-            <a:spLocks noGrp="1"/>
-          </p:cNvSpPr>
-          <p:nvPr>
-            <p:ph type="sldNum" sz="quarter" idx="11"/>
-          </p:nvPr>
-        </p:nvSpPr>
-        <p:spPr/>
-        <p:txBody>
-          <a:bodyPr/>
-          <a:lstStyle/>
-          <a:p>
-            <a:fld id="{4A80ED0F-F732-4A14-9F84-E00593EFD72C}" type="slidenum">
-              <a:rPr lang="de-DE" smtClean="0"/>
-              <a:pPr/>
-              <a:t>22</a:t>
-            </a:fld>
-            <a:endParaRPr lang="de-DE" dirty="0"/>
-          </a:p>
-        </p:txBody>
-      </p:sp>
-      <p:sp>
-        <p:nvSpPr>
-          <p:cNvPr id="5" name="Textplatzhalter 4">
-            <a:extLst>
-              <a:ext uri="{FF2B5EF4-FFF2-40B4-BE49-F238E27FC236}">
-                <a16:creationId xmlns:a16="http://schemas.microsoft.com/office/drawing/2014/main" id="{1E97855D-E39A-4B47-8011-CAEF713C81DA}"/>
-              </a:ext>
-            </a:extLst>
-          </p:cNvPr>
-          <p:cNvSpPr>
-            <a:spLocks noGrp="1"/>
-          </p:cNvSpPr>
-          <p:nvPr>
-            <p:ph type="body" sz="quarter" idx="12"/>
-          </p:nvPr>
-        </p:nvSpPr>
-        <p:spPr/>
-        <p:txBody>
-          <a:bodyPr/>
-          <a:lstStyle/>
-          <a:p>
-            <a:r>
-              <a:rPr lang="de-DE" dirty="0"/>
-              <a:t>Unzureichende Akkuratesse bei domänenübergreifende Evaluation </a:t>
-            </a:r>
-          </a:p>
-          <a:p>
-            <a:pPr lvl="1"/>
-            <a:r>
-              <a:rPr lang="de-DE" dirty="0"/>
-              <a:t>liegt den Simulationsdefiziten und domänenspezifische Artefakte zugrunde</a:t>
-            </a:r>
-          </a:p>
-          <a:p>
-            <a:pPr lvl="1"/>
-            <a:endParaRPr lang="de-DE" dirty="0"/>
-          </a:p>
-          <a:p>
-            <a:r>
-              <a:rPr lang="de-DE" dirty="0"/>
-              <a:t>Lohnenswerte Untersuchung:</a:t>
-            </a:r>
-          </a:p>
-          <a:p>
-            <a:pPr lvl="2"/>
-            <a:r>
-              <a:rPr lang="de-DE" dirty="0" err="1"/>
-              <a:t>Diskrepanzminimierung</a:t>
-            </a:r>
-            <a:r>
-              <a:rPr lang="de-DE" dirty="0"/>
-              <a:t> zwischen synth. und realen Daten durch z.B. GANs</a:t>
-            </a:r>
-          </a:p>
-          <a:p>
-            <a:pPr lvl="2"/>
-            <a:r>
-              <a:rPr lang="de-DE" dirty="0"/>
-              <a:t>Ferner: Beschränkungen der möglichen Posen im Trainingsprozess</a:t>
-            </a:r>
-          </a:p>
-          <a:p>
-            <a:endParaRPr lang="de-DE" dirty="0"/>
-          </a:p>
-        </p:txBody>
-      </p:sp>
-    </p:spTree>
-    <p:extLst>
-      <p:ext uri="{BB962C8B-B14F-4D97-AF65-F5344CB8AC3E}">
-        <p14:creationId xmlns:p14="http://schemas.microsoft.com/office/powerpoint/2010/main" val="3084898007"/>
-      </p:ext>
-    </p:extLst>
-  </p:cSld>
-  <p:clrMapOvr>
-    <a:masterClrMapping/>
-  </p:clrMapOvr>
-</p:sld>
-</file>
-
-<file path=ppt/slides/slide23.xml><?xml version="1.0" encoding="utf-8"?>
-<p:sld xmlns:a="http://schemas.openxmlformats.org/drawingml/2006/main" xmlns:r="http://schemas.openxmlformats.org/officeDocument/2006/relationships" xmlns:p="http://schemas.openxmlformats.org/presentationml/2006/main">
-  <p:cSld>
-    <p:spTree>
-      <p:nvGrpSpPr>
-        <p:cNvPr id="1" name=""/>
-        <p:cNvGrpSpPr/>
-        <p:nvPr/>
-      </p:nvGrpSpPr>
-      <p:grpSpPr>
-        <a:xfrm>
-          <a:off x="0" y="0"/>
-          <a:ext cx="0" cy="0"/>
-          <a:chOff x="0" y="0"/>
-          <a:chExt cx="0" cy="0"/>
-        </a:xfrm>
-      </p:grpSpPr>
-      <p:pic>
-        <p:nvPicPr>
-          <p:cNvPr id="4" name="Grafik 3">
-            <a:extLst>
-              <a:ext uri="{FF2B5EF4-FFF2-40B4-BE49-F238E27FC236}">
-                <a16:creationId xmlns:a16="http://schemas.microsoft.com/office/drawing/2014/main" id="{7EB71337-EE95-DA45-81F7-3421378E4382}"/>
-              </a:ext>
-            </a:extLst>
-          </p:cNvPr>
-          <p:cNvPicPr>
-            <a:picLocks noChangeAspect="1"/>
-          </p:cNvPicPr>
-          <p:nvPr/>
-        </p:nvPicPr>
-        <p:blipFill>
-          <a:blip r:embed="rId3">
-            <a:extLst>
-              <a:ext uri="{28A0092B-C50C-407E-A947-70E740481C1C}">
-                <a14:useLocalDpi xmlns:a14="http://schemas.microsoft.com/office/drawing/2010/main" val="0"/>
-              </a:ext>
-            </a:extLst>
-          </a:blip>
-          <a:stretch>
-            <a:fillRect/>
-          </a:stretch>
-        </p:blipFill>
-        <p:spPr>
-          <a:xfrm>
-            <a:off x="-1464635" y="0"/>
-            <a:ext cx="15121270" cy="6873305"/>
-          </a:xfrm>
-          <a:prstGeom prst="rect">
-            <a:avLst/>
-          </a:prstGeom>
-        </p:spPr>
-      </p:pic>
-      <p:sp>
-        <p:nvSpPr>
-          <p:cNvPr id="5" name="Rechteck 4">
-            <a:extLst>
-              <a:ext uri="{FF2B5EF4-FFF2-40B4-BE49-F238E27FC236}">
-                <a16:creationId xmlns:a16="http://schemas.microsoft.com/office/drawing/2014/main" id="{47779C69-BE1B-104B-8F26-4DC10BAD1A34}"/>
-              </a:ext>
-            </a:extLst>
-          </p:cNvPr>
-          <p:cNvSpPr/>
-          <p:nvPr/>
-        </p:nvSpPr>
-        <p:spPr>
-          <a:xfrm>
-            <a:off x="1" y="-15305"/>
-            <a:ext cx="12191999" cy="6873305"/>
-          </a:xfrm>
-          <a:prstGeom prst="rect">
-            <a:avLst/>
-          </a:prstGeom>
-          <a:solidFill>
-            <a:schemeClr val="accent1">
-              <a:alpha val="62000"/>
-            </a:schemeClr>
-          </a:solidFill>
-        </p:spPr>
-        <p:style>
-          <a:lnRef idx="2">
-            <a:schemeClr val="accent1">
-              <a:shade val="50000"/>
-            </a:schemeClr>
-          </a:lnRef>
-          <a:fillRef idx="1">
-            <a:schemeClr val="accent1"/>
-          </a:fillRef>
-          <a:effectRef idx="0">
-            <a:schemeClr val="accent1"/>
-          </a:effectRef>
-          <a:fontRef idx="minor">
-            <a:schemeClr val="lt1"/>
-          </a:fontRef>
-        </p:style>
-        <p:txBody>
-          <a:bodyPr rtlCol="0" anchor="ctr"/>
-          <a:lstStyle/>
-          <a:p>
-            <a:pPr algn="ctr"/>
-            <a:r>
-              <a:rPr lang="de-DE" sz="5400" b="1" dirty="0"/>
-              <a:t>Vielen Dank </a:t>
-            </a:r>
-          </a:p>
-          <a:p>
-            <a:pPr algn="ctr"/>
-            <a:r>
-              <a:rPr lang="de-DE" sz="5400" b="1" dirty="0"/>
-              <a:t>für eure Aufmerksamkeit!</a:t>
-            </a:r>
-          </a:p>
-        </p:txBody>
-      </p:sp>
-    </p:spTree>
-    <p:extLst>
-      <p:ext uri="{BB962C8B-B14F-4D97-AF65-F5344CB8AC3E}">
-        <p14:creationId xmlns:p14="http://schemas.microsoft.com/office/powerpoint/2010/main" val="40890220"/>
-      </p:ext>
-    </p:extLst>
-  </p:cSld>
-  <p:clrMapOvr>
-    <a:masterClrMapping/>
-  </p:clrMapOvr>
-</p:sld>
-</file>
-
-<file path=ppt/slides/slide3.xml><?xml version="1.0" encoding="utf-8"?>
-<p:sld xmlns:a="http://schemas.openxmlformats.org/drawingml/2006/main" xmlns:r="http://schemas.openxmlformats.org/officeDocument/2006/relationships" xmlns:p="http://schemas.openxmlformats.org/presentationml/2006/main">
-  <p:cSld>
-    <p:spTree>
-      <p:nvGrpSpPr>
-        <p:cNvPr id="1" name=""/>
-        <p:cNvGrpSpPr/>
-        <p:nvPr/>
-      </p:nvGrpSpPr>
-      <p:grpSpPr>
-        <a:xfrm>
-          <a:off x="0" y="0"/>
-          <a:ext cx="0" cy="0"/>
-          <a:chOff x="0" y="0"/>
-          <a:chExt cx="0" cy="0"/>
-        </a:xfrm>
-      </p:grpSpPr>
-      <p:sp>
-        <p:nvSpPr>
-          <p:cNvPr id="2" name="Titel 1">
-            <a:extLst>
-              <a:ext uri="{FF2B5EF4-FFF2-40B4-BE49-F238E27FC236}">
-                <a16:creationId xmlns:a16="http://schemas.microsoft.com/office/drawing/2014/main" id="{50C85C7F-D438-0C40-BF5C-DA9B0BD7A6A6}"/>
-              </a:ext>
-            </a:extLst>
-          </p:cNvPr>
-          <p:cNvSpPr>
-            <a:spLocks noGrp="1"/>
-          </p:cNvSpPr>
-          <p:nvPr>
-            <p:ph type="title"/>
-          </p:nvPr>
-        </p:nvSpPr>
-        <p:spPr/>
-        <p:txBody>
-          <a:bodyPr/>
-          <a:lstStyle/>
-          <a:p>
-            <a:r>
-              <a:rPr lang="de-DE" dirty="0"/>
-              <a:t>S. der Forschung &amp; Grundlagen</a:t>
-            </a:r>
-          </a:p>
-        </p:txBody>
-      </p:sp>
-      <p:sp>
-        <p:nvSpPr>
-          <p:cNvPr id="3" name="Datumsplatzhalter 2">
-            <a:extLst>
-              <a:ext uri="{FF2B5EF4-FFF2-40B4-BE49-F238E27FC236}">
-                <a16:creationId xmlns:a16="http://schemas.microsoft.com/office/drawing/2014/main" id="{F08E0BFC-668D-4249-A4BD-AEC9CEA23BEB}"/>
-              </a:ext>
-            </a:extLst>
-          </p:cNvPr>
-          <p:cNvSpPr>
-            <a:spLocks noGrp="1"/>
-          </p:cNvSpPr>
-          <p:nvPr>
-            <p:ph type="dt" sz="half" idx="10"/>
-          </p:nvPr>
-        </p:nvSpPr>
-        <p:spPr/>
-        <p:txBody>
-          <a:bodyPr/>
-          <a:lstStyle/>
-          <a:p>
-            <a:r>
-              <a:rPr lang="de-DE" b="0"/>
-              <a:t>24.09.2019</a:t>
-            </a:r>
-            <a:endParaRPr lang="de-DE" b="0" dirty="0"/>
-          </a:p>
-        </p:txBody>
-      </p:sp>
-      <p:sp>
-        <p:nvSpPr>
-          <p:cNvPr id="4" name="Foliennummernplatzhalter 3">
-            <a:extLst>
-              <a:ext uri="{FF2B5EF4-FFF2-40B4-BE49-F238E27FC236}">
-                <a16:creationId xmlns:a16="http://schemas.microsoft.com/office/drawing/2014/main" id="{CB123D5F-265D-5347-A68F-DA090AE35F6D}"/>
-              </a:ext>
-            </a:extLst>
-          </p:cNvPr>
-          <p:cNvSpPr>
-            <a:spLocks noGrp="1"/>
-          </p:cNvSpPr>
-          <p:nvPr>
-            <p:ph type="sldNum" sz="quarter" idx="11"/>
-          </p:nvPr>
-        </p:nvSpPr>
-        <p:spPr/>
-        <p:txBody>
-          <a:bodyPr/>
-          <a:lstStyle/>
-          <a:p>
-            <a:fld id="{4A80ED0F-F732-4A14-9F84-E00593EFD72C}" type="slidenum">
-              <a:rPr lang="de-DE" smtClean="0"/>
-              <a:pPr/>
-              <a:t>3</a:t>
-            </a:fld>
-            <a:endParaRPr lang="de-DE" dirty="0"/>
-          </a:p>
-        </p:txBody>
-      </p:sp>
-      <p:sp>
-        <p:nvSpPr>
-          <p:cNvPr id="5" name="Textplatzhalter 4">
-            <a:extLst>
-              <a:ext uri="{FF2B5EF4-FFF2-40B4-BE49-F238E27FC236}">
-                <a16:creationId xmlns:a16="http://schemas.microsoft.com/office/drawing/2014/main" id="{75909268-3CC1-DD4C-AB54-840344F9BBAD}"/>
-              </a:ext>
-            </a:extLst>
-          </p:cNvPr>
-          <p:cNvSpPr>
-            <a:spLocks noGrp="1"/>
-          </p:cNvSpPr>
-          <p:nvPr>
-            <p:ph type="body" sz="quarter" idx="12"/>
-          </p:nvPr>
-        </p:nvSpPr>
-        <p:spPr/>
-        <p:txBody>
-          <a:bodyPr/>
-          <a:lstStyle/>
-          <a:p>
-            <a:r>
-              <a:rPr lang="de-DE" dirty="0" err="1"/>
-              <a:t>Acharya</a:t>
-            </a:r>
-            <a:r>
-              <a:rPr lang="de-DE" dirty="0"/>
-              <a:t> et al. erhoben Daten aus Simulation statt über </a:t>
-            </a:r>
-            <a:r>
-              <a:rPr lang="de-DE" dirty="0" err="1"/>
-              <a:t>SfM</a:t>
-            </a:r>
-            <a:endParaRPr lang="de-DE" dirty="0"/>
-          </a:p>
-          <a:p>
-            <a:pPr lvl="1"/>
-            <a:r>
-              <a:rPr lang="de-DE" dirty="0"/>
-              <a:t>Trainiert mit unterschiedlichen synth. Datentypen =&gt; 5m, 20°</a:t>
-            </a:r>
-          </a:p>
-          <a:p>
-            <a:pPr lvl="1"/>
-            <a:r>
-              <a:rPr lang="de-DE" dirty="0"/>
-              <a:t>Trainiert mit </a:t>
-            </a:r>
-            <a:r>
-              <a:rPr lang="de-DE" dirty="0" err="1"/>
-              <a:t>Gradientenbildern</a:t>
-            </a:r>
-            <a:r>
-              <a:rPr lang="de-DE" dirty="0"/>
-              <a:t> der synth. Daten =&gt; 2m, 7°</a:t>
-            </a:r>
-          </a:p>
-          <a:p>
-            <a:pPr lvl="1"/>
-            <a:endParaRPr lang="de-DE" dirty="0"/>
-          </a:p>
-          <a:p>
-            <a:endParaRPr lang="de-DE" dirty="0"/>
-          </a:p>
-          <a:p>
-            <a:endParaRPr lang="de-DE" dirty="0"/>
-          </a:p>
-          <a:p>
-            <a:endParaRPr lang="de-DE" dirty="0"/>
-          </a:p>
-          <a:p>
-            <a:endParaRPr lang="de-DE" dirty="0"/>
-          </a:p>
-          <a:p>
-            <a:endParaRPr lang="de-DE" dirty="0"/>
-          </a:p>
-          <a:p>
-            <a:r>
-              <a:rPr lang="de-DE" b="1" dirty="0"/>
-              <a:t>Ziel</a:t>
-            </a:r>
-            <a:r>
-              <a:rPr lang="de-DE" dirty="0"/>
-              <a:t>: diesen Ansatz in größeren Gebäuden auf längeren Strecken zu untersuchen</a:t>
-            </a:r>
-          </a:p>
-          <a:p>
-            <a:pPr lvl="1"/>
-            <a:r>
-              <a:rPr lang="de-DE" dirty="0"/>
-              <a:t>mehrere Richtung &amp; Etagenebenen</a:t>
-            </a:r>
-          </a:p>
-        </p:txBody>
-      </p:sp>
-      <p:sp>
-        <p:nvSpPr>
-          <p:cNvPr id="6" name="Rechteck 5">
-            <a:extLst>
-              <a:ext uri="{FF2B5EF4-FFF2-40B4-BE49-F238E27FC236}">
-                <a16:creationId xmlns:a16="http://schemas.microsoft.com/office/drawing/2014/main" id="{C5C8C7E1-3DD3-524B-962D-4A395D3E3480}"/>
-              </a:ext>
-            </a:extLst>
-          </p:cNvPr>
-          <p:cNvSpPr/>
-          <p:nvPr/>
-        </p:nvSpPr>
-        <p:spPr>
-          <a:xfrm>
-            <a:off x="6096000" y="6521393"/>
-            <a:ext cx="4019006" cy="336608"/>
-          </a:xfrm>
-          <a:prstGeom prst="rect">
-            <a:avLst/>
-          </a:prstGeom>
-          <a:solidFill>
-            <a:schemeClr val="bg2">
-              <a:alpha val="70000"/>
-            </a:schemeClr>
-          </a:solidFill>
-          <a:ln>
-            <a:noFill/>
-          </a:ln>
-        </p:spPr>
-        <p:style>
-          <a:lnRef idx="2">
-            <a:schemeClr val="accent1">
-              <a:shade val="50000"/>
-            </a:schemeClr>
-          </a:lnRef>
-          <a:fillRef idx="1">
-            <a:schemeClr val="accent1"/>
-          </a:fillRef>
-          <a:effectRef idx="0">
-            <a:schemeClr val="accent1"/>
-          </a:effectRef>
-          <a:fontRef idx="minor">
-            <a:schemeClr val="lt1"/>
-          </a:fontRef>
-        </p:style>
-        <p:txBody>
-          <a:bodyPr rtlCol="0" anchor="ctr"/>
-          <a:lstStyle/>
-          <a:p>
-            <a:pPr algn="ctr"/>
-            <a:endParaRPr lang="de-DE"/>
-          </a:p>
-        </p:txBody>
-      </p:sp>
-      <p:pic>
-        <p:nvPicPr>
-          <p:cNvPr id="8" name="Grafik 7">
-            <a:extLst>
-              <a:ext uri="{FF2B5EF4-FFF2-40B4-BE49-F238E27FC236}">
-                <a16:creationId xmlns:a16="http://schemas.microsoft.com/office/drawing/2014/main" id="{0B6DDE3C-B86B-F042-AEEE-1E5780AB2A6E}"/>
-              </a:ext>
-            </a:extLst>
-          </p:cNvPr>
-          <p:cNvPicPr>
-            <a:picLocks noChangeAspect="1"/>
-          </p:cNvPicPr>
-          <p:nvPr/>
-        </p:nvPicPr>
-        <p:blipFill>
-          <a:blip r:embed="rId2">
-            <a:extLst>
-              <a:ext uri="{28A0092B-C50C-407E-A947-70E740481C1C}">
-                <a14:useLocalDpi xmlns:a14="http://schemas.microsoft.com/office/drawing/2010/main" val="0"/>
-              </a:ext>
-            </a:extLst>
-          </a:blip>
-          <a:stretch>
-            <a:fillRect/>
-          </a:stretch>
-        </p:blipFill>
-        <p:spPr>
-          <a:xfrm>
-            <a:off x="1899842" y="2630311"/>
-            <a:ext cx="8317887" cy="2376539"/>
-          </a:xfrm>
-          <a:prstGeom prst="rect">
-            <a:avLst/>
-          </a:prstGeom>
-        </p:spPr>
-      </p:pic>
-    </p:spTree>
-    <p:extLst>
-      <p:ext uri="{BB962C8B-B14F-4D97-AF65-F5344CB8AC3E}">
-        <p14:creationId xmlns:p14="http://schemas.microsoft.com/office/powerpoint/2010/main" val="670346846"/>
-      </p:ext>
-    </p:extLst>
-  </p:cSld>
-  <p:clrMapOvr>
-    <a:masterClrMapping/>
-  </p:clrMapOvr>
-</p:sld>
-</file>
-
-<file path=ppt/slides/slide4.xml><?xml version="1.0" encoding="utf-8"?>
-<p:sld xmlns:a="http://schemas.openxmlformats.org/drawingml/2006/main" xmlns:r="http://schemas.openxmlformats.org/officeDocument/2006/relationships" xmlns:p="http://schemas.openxmlformats.org/presentationml/2006/main">
-  <p:cSld>
-    <p:spTree>
-      <p:nvGrpSpPr>
-        <p:cNvPr id="1" name=""/>
-        <p:cNvGrpSpPr/>
-        <p:nvPr/>
-      </p:nvGrpSpPr>
-      <p:grpSpPr>
-        <a:xfrm>
-          <a:off x="0" y="0"/>
-          <a:ext cx="0" cy="0"/>
-          <a:chOff x="0" y="0"/>
-          <a:chExt cx="0" cy="0"/>
-        </a:xfrm>
-      </p:grpSpPr>
-      <p:sp>
-        <p:nvSpPr>
-          <p:cNvPr id="2" name="Titel 1">
-            <a:extLst>
-              <a:ext uri="{FF2B5EF4-FFF2-40B4-BE49-F238E27FC236}">
-                <a16:creationId xmlns:a16="http://schemas.microsoft.com/office/drawing/2014/main" id="{13156A7A-C7B6-7D43-8960-6108CE5B18B4}"/>
-              </a:ext>
-            </a:extLst>
-          </p:cNvPr>
-          <p:cNvSpPr>
-            <a:spLocks noGrp="1"/>
-          </p:cNvSpPr>
-          <p:nvPr>
-            <p:ph type="title"/>
-          </p:nvPr>
-        </p:nvSpPr>
-        <p:spPr>
-          <a:xfrm>
-            <a:off x="46655" y="0"/>
-            <a:ext cx="8801104" cy="812338"/>
-          </a:xfrm>
-        </p:spPr>
-        <p:txBody>
-          <a:bodyPr/>
-          <a:lstStyle/>
-          <a:p>
-            <a:r>
-              <a:rPr lang="de-DE" dirty="0"/>
-              <a:t>CNN Architektur</a:t>
-            </a:r>
-          </a:p>
-        </p:txBody>
-      </p:sp>
-      <p:sp>
-        <p:nvSpPr>
-          <p:cNvPr id="3" name="Datumsplatzhalter 2">
-            <a:extLst>
-              <a:ext uri="{FF2B5EF4-FFF2-40B4-BE49-F238E27FC236}">
-                <a16:creationId xmlns:a16="http://schemas.microsoft.com/office/drawing/2014/main" id="{8787C1C2-E764-EA43-A71B-047BC7A1A20E}"/>
-              </a:ext>
-            </a:extLst>
-          </p:cNvPr>
-          <p:cNvSpPr>
-            <a:spLocks noGrp="1"/>
-          </p:cNvSpPr>
-          <p:nvPr>
-            <p:ph type="dt" sz="half" idx="10"/>
-          </p:nvPr>
-        </p:nvSpPr>
-        <p:spPr/>
-        <p:txBody>
-          <a:bodyPr/>
-          <a:lstStyle/>
-          <a:p>
-            <a:r>
-              <a:rPr lang="de-DE" b="0"/>
-              <a:t>24.09.2019</a:t>
-            </a:r>
-            <a:endParaRPr lang="de-DE" b="0" dirty="0"/>
-          </a:p>
-        </p:txBody>
-      </p:sp>
-      <p:sp>
-        <p:nvSpPr>
-          <p:cNvPr id="4" name="Foliennummernplatzhalter 3">
-            <a:extLst>
-              <a:ext uri="{FF2B5EF4-FFF2-40B4-BE49-F238E27FC236}">
-                <a16:creationId xmlns:a16="http://schemas.microsoft.com/office/drawing/2014/main" id="{2A5A7CCD-7105-8848-9B92-5779C30308FB}"/>
-              </a:ext>
-            </a:extLst>
-          </p:cNvPr>
-          <p:cNvSpPr>
-            <a:spLocks noGrp="1"/>
-          </p:cNvSpPr>
-          <p:nvPr>
-            <p:ph type="sldNum" sz="quarter" idx="11"/>
-          </p:nvPr>
-        </p:nvSpPr>
-        <p:spPr/>
-        <p:txBody>
-          <a:bodyPr/>
-          <a:lstStyle/>
-          <a:p>
-            <a:fld id="{4A80ED0F-F732-4A14-9F84-E00593EFD72C}" type="slidenum">
-              <a:rPr lang="de-DE" smtClean="0"/>
-              <a:pPr/>
-              <a:t>4</a:t>
             </a:fld>
             <a:endParaRPr lang="de-DE" dirty="0"/>
           </a:p>
@@ -9968,6 +9515,2579 @@
 </p:sld>
 </file>
 
+<file path=ppt/slides/slide22.xml><?xml version="1.0" encoding="utf-8"?>
+<p:sld xmlns:a="http://schemas.openxmlformats.org/drawingml/2006/main" xmlns:r="http://schemas.openxmlformats.org/officeDocument/2006/relationships" xmlns:p="http://schemas.openxmlformats.org/presentationml/2006/main">
+  <p:cSld>
+    <p:spTree>
+      <p:nvGrpSpPr>
+        <p:cNvPr id="1" name=""/>
+        <p:cNvGrpSpPr/>
+        <p:nvPr/>
+      </p:nvGrpSpPr>
+      <p:grpSpPr>
+        <a:xfrm>
+          <a:off x="0" y="0"/>
+          <a:ext cx="0" cy="0"/>
+          <a:chOff x="0" y="0"/>
+          <a:chExt cx="0" cy="0"/>
+        </a:xfrm>
+      </p:grpSpPr>
+      <p:sp>
+        <p:nvSpPr>
+          <p:cNvPr id="2" name="Titel 1">
+            <a:extLst>
+              <a:ext uri="{FF2B5EF4-FFF2-40B4-BE49-F238E27FC236}">
+                <a16:creationId xmlns:a16="http://schemas.microsoft.com/office/drawing/2014/main" id="{29D6D287-4A68-004E-B6D4-6788E4B5CC8E}"/>
+              </a:ext>
+            </a:extLst>
+          </p:cNvPr>
+          <p:cNvSpPr>
+            <a:spLocks noGrp="1"/>
+          </p:cNvSpPr>
+          <p:nvPr>
+            <p:ph type="title"/>
+          </p:nvPr>
+        </p:nvSpPr>
+        <p:spPr/>
+        <p:txBody>
+          <a:bodyPr/>
+          <a:lstStyle/>
+          <a:p>
+            <a:r>
+              <a:rPr lang="de-DE" dirty="0"/>
+              <a:t>Erhebung der realen Daten</a:t>
+            </a:r>
+          </a:p>
+        </p:txBody>
+      </p:sp>
+      <p:sp>
+        <p:nvSpPr>
+          <p:cNvPr id="3" name="Datumsplatzhalter 2">
+            <a:extLst>
+              <a:ext uri="{FF2B5EF4-FFF2-40B4-BE49-F238E27FC236}">
+                <a16:creationId xmlns:a16="http://schemas.microsoft.com/office/drawing/2014/main" id="{F18F1A6F-A1D6-224D-BDB7-B3EE233FAA4A}"/>
+              </a:ext>
+            </a:extLst>
+          </p:cNvPr>
+          <p:cNvSpPr>
+            <a:spLocks noGrp="1"/>
+          </p:cNvSpPr>
+          <p:nvPr>
+            <p:ph type="dt" sz="half" idx="10"/>
+          </p:nvPr>
+        </p:nvSpPr>
+        <p:spPr/>
+        <p:txBody>
+          <a:bodyPr/>
+          <a:lstStyle/>
+          <a:p>
+            <a:r>
+              <a:rPr lang="de-DE" b="0"/>
+              <a:t>24.09.2019</a:t>
+            </a:r>
+            <a:endParaRPr lang="de-DE" b="0" dirty="0"/>
+          </a:p>
+        </p:txBody>
+      </p:sp>
+      <p:sp>
+        <p:nvSpPr>
+          <p:cNvPr id="4" name="Foliennummernplatzhalter 3">
+            <a:extLst>
+              <a:ext uri="{FF2B5EF4-FFF2-40B4-BE49-F238E27FC236}">
+                <a16:creationId xmlns:a16="http://schemas.microsoft.com/office/drawing/2014/main" id="{1CB04A3E-CC3B-C345-8678-CA1FC076E12F}"/>
+              </a:ext>
+            </a:extLst>
+          </p:cNvPr>
+          <p:cNvSpPr>
+            <a:spLocks noGrp="1"/>
+          </p:cNvSpPr>
+          <p:nvPr>
+            <p:ph type="sldNum" sz="quarter" idx="11"/>
+          </p:nvPr>
+        </p:nvSpPr>
+        <p:spPr/>
+        <p:txBody>
+          <a:bodyPr/>
+          <a:lstStyle/>
+          <a:p>
+            <a:fld id="{4A80ED0F-F732-4A14-9F84-E00593EFD72C}" type="slidenum">
+              <a:rPr lang="de-DE" smtClean="0"/>
+              <a:pPr/>
+              <a:t>22</a:t>
+            </a:fld>
+            <a:endParaRPr lang="de-DE" dirty="0"/>
+          </a:p>
+        </p:txBody>
+      </p:sp>
+      <p:sp>
+        <p:nvSpPr>
+          <p:cNvPr id="5" name="Textplatzhalter 4">
+            <a:extLst>
+              <a:ext uri="{FF2B5EF4-FFF2-40B4-BE49-F238E27FC236}">
+                <a16:creationId xmlns:a16="http://schemas.microsoft.com/office/drawing/2014/main" id="{D48547CA-0668-A54A-B1A9-7B4EFD36792F}"/>
+              </a:ext>
+            </a:extLst>
+          </p:cNvPr>
+          <p:cNvSpPr>
+            <a:spLocks noGrp="1"/>
+          </p:cNvSpPr>
+          <p:nvPr>
+            <p:ph type="body" sz="quarter" idx="12"/>
+          </p:nvPr>
+        </p:nvSpPr>
+        <p:spPr>
+          <a:xfrm>
+            <a:off x="91579" y="1219201"/>
+            <a:ext cx="5647483" cy="5198760"/>
+          </a:xfrm>
+        </p:spPr>
+        <p:txBody>
+          <a:bodyPr/>
+          <a:lstStyle/>
+          <a:p>
+            <a:r>
+              <a:rPr lang="de-DE" dirty="0"/>
+              <a:t>beliebige Kameras</a:t>
+            </a:r>
+          </a:p>
+          <a:p>
+            <a:pPr lvl="1"/>
+            <a:r>
+              <a:rPr lang="de-DE" dirty="0" err="1"/>
+              <a:t>SfM</a:t>
+            </a:r>
+            <a:r>
+              <a:rPr lang="de-DE" dirty="0"/>
+              <a:t>-Methoden</a:t>
+            </a:r>
+          </a:p>
+          <a:p>
+            <a:pPr marL="0" indent="0">
+              <a:buNone/>
+            </a:pPr>
+            <a:endParaRPr lang="de-DE" dirty="0"/>
+          </a:p>
+          <a:p>
+            <a:r>
+              <a:rPr lang="de-DE" dirty="0"/>
+              <a:t>Intel Realsense T265 &amp; D435</a:t>
+            </a:r>
+          </a:p>
+          <a:p>
+            <a:pPr lvl="1"/>
+            <a:r>
+              <a:rPr lang="de-DE" dirty="0"/>
+              <a:t>versicherte bei gegebenen Bestkonditionen einen Drift von 1%</a:t>
+            </a:r>
+          </a:p>
+          <a:p>
+            <a:pPr marL="0" indent="0">
+              <a:buNone/>
+            </a:pPr>
+            <a:endParaRPr lang="de-DE" dirty="0"/>
+          </a:p>
+          <a:p>
+            <a:r>
+              <a:rPr lang="de-DE" dirty="0"/>
+              <a:t>Roboter Operating System (ROS)</a:t>
+            </a:r>
+          </a:p>
+          <a:p>
+            <a:pPr lvl="1"/>
+            <a:r>
+              <a:rPr lang="de-DE" dirty="0"/>
+              <a:t>Hardware gesteuert und Datenfluss synchronisiert</a:t>
+            </a:r>
+          </a:p>
+        </p:txBody>
+      </p:sp>
+      <p:pic>
+        <p:nvPicPr>
+          <p:cNvPr id="7" name="Grafik 6">
+            <a:extLst>
+              <a:ext uri="{FF2B5EF4-FFF2-40B4-BE49-F238E27FC236}">
+                <a16:creationId xmlns:a16="http://schemas.microsoft.com/office/drawing/2014/main" id="{63B54DF6-73A9-1143-99AD-A9AF57554A04}"/>
+              </a:ext>
+            </a:extLst>
+          </p:cNvPr>
+          <p:cNvPicPr>
+            <a:picLocks noChangeAspect="1"/>
+          </p:cNvPicPr>
+          <p:nvPr/>
+        </p:nvPicPr>
+        <p:blipFill>
+          <a:blip r:embed="rId3">
+            <a:extLst>
+              <a:ext uri="{28A0092B-C50C-407E-A947-70E740481C1C}">
+                <a14:useLocalDpi xmlns:a14="http://schemas.microsoft.com/office/drawing/2010/main" val="0"/>
+              </a:ext>
+            </a:extLst>
+          </a:blip>
+          <a:stretch>
+            <a:fillRect/>
+          </a:stretch>
+        </p:blipFill>
+        <p:spPr>
+          <a:xfrm>
+            <a:off x="7112738" y="1033544"/>
+            <a:ext cx="3501275" cy="2005756"/>
+          </a:xfrm>
+          <a:prstGeom prst="rect">
+            <a:avLst/>
+          </a:prstGeom>
+        </p:spPr>
+      </p:pic>
+      <p:pic>
+        <p:nvPicPr>
+          <p:cNvPr id="9" name="Grafik 8">
+            <a:extLst>
+              <a:ext uri="{FF2B5EF4-FFF2-40B4-BE49-F238E27FC236}">
+                <a16:creationId xmlns:a16="http://schemas.microsoft.com/office/drawing/2014/main" id="{F626A719-53D9-7C4E-825E-CFFB58FBAE03}"/>
+              </a:ext>
+            </a:extLst>
+          </p:cNvPr>
+          <p:cNvPicPr>
+            <a:picLocks noChangeAspect="1"/>
+          </p:cNvPicPr>
+          <p:nvPr/>
+        </p:nvPicPr>
+        <p:blipFill>
+          <a:blip r:embed="rId4">
+            <a:extLst>
+              <a:ext uri="{28A0092B-C50C-407E-A947-70E740481C1C}">
+                <a14:useLocalDpi xmlns:a14="http://schemas.microsoft.com/office/drawing/2010/main" val="0"/>
+              </a:ext>
+            </a:extLst>
+          </a:blip>
+          <a:stretch>
+            <a:fillRect/>
+          </a:stretch>
+        </p:blipFill>
+        <p:spPr>
+          <a:xfrm>
+            <a:off x="5560828" y="3142732"/>
+            <a:ext cx="6465166" cy="3275229"/>
+          </a:xfrm>
+          <a:prstGeom prst="rect">
+            <a:avLst/>
+          </a:prstGeom>
+        </p:spPr>
+      </p:pic>
+      <p:sp>
+        <p:nvSpPr>
+          <p:cNvPr id="10" name="Textfeld 9">
+            <a:extLst>
+              <a:ext uri="{FF2B5EF4-FFF2-40B4-BE49-F238E27FC236}">
+                <a16:creationId xmlns:a16="http://schemas.microsoft.com/office/drawing/2014/main" id="{91829F01-511C-FB4D-B5E6-943E100C94CA}"/>
+              </a:ext>
+            </a:extLst>
+          </p:cNvPr>
+          <p:cNvSpPr txBox="1"/>
+          <p:nvPr/>
+        </p:nvSpPr>
+        <p:spPr>
+          <a:xfrm>
+            <a:off x="10887692" y="1857801"/>
+            <a:ext cx="934065" cy="646331"/>
+          </a:xfrm>
+          <a:prstGeom prst="rect">
+            <a:avLst/>
+          </a:prstGeom>
+          <a:noFill/>
+        </p:spPr>
+        <p:txBody>
+          <a:bodyPr wrap="square" rtlCol="0">
+            <a:spAutoFit/>
+          </a:bodyPr>
+          <a:lstStyle/>
+          <a:p>
+            <a:r>
+              <a:rPr lang="de-DE" dirty="0"/>
+              <a:t>T265</a:t>
+            </a:r>
+          </a:p>
+          <a:p>
+            <a:r>
+              <a:rPr lang="de-DE" dirty="0"/>
+              <a:t>D435</a:t>
+            </a:r>
+          </a:p>
+        </p:txBody>
+      </p:sp>
+      <p:cxnSp>
+        <p:nvCxnSpPr>
+          <p:cNvPr id="12" name="Gerade Verbindung mit Pfeil 11">
+            <a:extLst>
+              <a:ext uri="{FF2B5EF4-FFF2-40B4-BE49-F238E27FC236}">
+                <a16:creationId xmlns:a16="http://schemas.microsoft.com/office/drawing/2014/main" id="{1C92F462-BEE2-D943-95C0-0C7E217EE98D}"/>
+              </a:ext>
+            </a:extLst>
+          </p:cNvPr>
+          <p:cNvCxnSpPr>
+            <a:cxnSpLocks/>
+          </p:cNvCxnSpPr>
+          <p:nvPr/>
+        </p:nvCxnSpPr>
+        <p:spPr>
+          <a:xfrm flipH="1" flipV="1">
+            <a:off x="10425395" y="1908107"/>
+            <a:ext cx="462297" cy="175682"/>
+          </a:xfrm>
+          <a:prstGeom prst="straightConnector1">
+            <a:avLst/>
+          </a:prstGeom>
+          <a:ln>
+            <a:tailEnd type="triangle"/>
+          </a:ln>
+        </p:spPr>
+        <p:style>
+          <a:lnRef idx="1">
+            <a:schemeClr val="accent1"/>
+          </a:lnRef>
+          <a:fillRef idx="0">
+            <a:schemeClr val="accent1"/>
+          </a:fillRef>
+          <a:effectRef idx="0">
+            <a:schemeClr val="accent1"/>
+          </a:effectRef>
+          <a:fontRef idx="minor">
+            <a:schemeClr val="tx1"/>
+          </a:fontRef>
+        </p:style>
+      </p:cxnSp>
+      <p:cxnSp>
+        <p:nvCxnSpPr>
+          <p:cNvPr id="14" name="Gerade Verbindung mit Pfeil 13">
+            <a:extLst>
+              <a:ext uri="{FF2B5EF4-FFF2-40B4-BE49-F238E27FC236}">
+                <a16:creationId xmlns:a16="http://schemas.microsoft.com/office/drawing/2014/main" id="{14990052-2F5E-1048-90E7-DBD15D6A6169}"/>
+              </a:ext>
+            </a:extLst>
+          </p:cNvPr>
+          <p:cNvCxnSpPr>
+            <a:cxnSpLocks/>
+          </p:cNvCxnSpPr>
+          <p:nvPr/>
+        </p:nvCxnSpPr>
+        <p:spPr>
+          <a:xfrm flipH="1">
+            <a:off x="10425395" y="2304294"/>
+            <a:ext cx="462298" cy="147060"/>
+          </a:xfrm>
+          <a:prstGeom prst="straightConnector1">
+            <a:avLst/>
+          </a:prstGeom>
+          <a:ln>
+            <a:tailEnd type="triangle"/>
+          </a:ln>
+        </p:spPr>
+        <p:style>
+          <a:lnRef idx="1">
+            <a:schemeClr val="accent1"/>
+          </a:lnRef>
+          <a:fillRef idx="0">
+            <a:schemeClr val="accent1"/>
+          </a:fillRef>
+          <a:effectRef idx="0">
+            <a:schemeClr val="accent1"/>
+          </a:effectRef>
+          <a:fontRef idx="minor">
+            <a:schemeClr val="tx1"/>
+          </a:fontRef>
+        </p:style>
+      </p:cxnSp>
+      <p:sp>
+        <p:nvSpPr>
+          <p:cNvPr id="17" name="Rechteck 16">
+            <a:extLst>
+              <a:ext uri="{FF2B5EF4-FFF2-40B4-BE49-F238E27FC236}">
+                <a16:creationId xmlns:a16="http://schemas.microsoft.com/office/drawing/2014/main" id="{451F1E62-0729-1E44-8F82-5E2CC035EF03}"/>
+              </a:ext>
+            </a:extLst>
+          </p:cNvPr>
+          <p:cNvSpPr/>
+          <p:nvPr/>
+        </p:nvSpPr>
+        <p:spPr>
+          <a:xfrm>
+            <a:off x="7112738" y="6521393"/>
+            <a:ext cx="3002268" cy="336608"/>
+          </a:xfrm>
+          <a:prstGeom prst="rect">
+            <a:avLst/>
+          </a:prstGeom>
+          <a:solidFill>
+            <a:schemeClr val="bg2">
+              <a:alpha val="70000"/>
+            </a:schemeClr>
+          </a:solidFill>
+          <a:ln>
+            <a:noFill/>
+          </a:ln>
+        </p:spPr>
+        <p:style>
+          <a:lnRef idx="2">
+            <a:schemeClr val="accent1">
+              <a:shade val="50000"/>
+            </a:schemeClr>
+          </a:lnRef>
+          <a:fillRef idx="1">
+            <a:schemeClr val="accent1"/>
+          </a:fillRef>
+          <a:effectRef idx="0">
+            <a:schemeClr val="accent1"/>
+          </a:effectRef>
+          <a:fontRef idx="minor">
+            <a:schemeClr val="lt1"/>
+          </a:fontRef>
+        </p:style>
+        <p:txBody>
+          <a:bodyPr rtlCol="0" anchor="ctr"/>
+          <a:lstStyle/>
+          <a:p>
+            <a:pPr algn="ctr"/>
+            <a:endParaRPr lang="de-DE"/>
+          </a:p>
+        </p:txBody>
+      </p:sp>
+      <p:sp>
+        <p:nvSpPr>
+          <p:cNvPr id="6" name="Gewitterblitz 5">
+            <a:extLst>
+              <a:ext uri="{FF2B5EF4-FFF2-40B4-BE49-F238E27FC236}">
+                <a16:creationId xmlns:a16="http://schemas.microsoft.com/office/drawing/2014/main" id="{ACF07603-F218-2B4B-B5BB-A3A81FE8C202}"/>
+              </a:ext>
+            </a:extLst>
+          </p:cNvPr>
+          <p:cNvSpPr/>
+          <p:nvPr/>
+        </p:nvSpPr>
+        <p:spPr>
+          <a:xfrm rot="3622919">
+            <a:off x="4866968" y="3196322"/>
+            <a:ext cx="462116" cy="564029"/>
+          </a:xfrm>
+          <a:prstGeom prst="lightningBolt">
+            <a:avLst/>
+          </a:prstGeom>
+        </p:spPr>
+        <p:style>
+          <a:lnRef idx="2">
+            <a:schemeClr val="accent4">
+              <a:shade val="50000"/>
+            </a:schemeClr>
+          </a:lnRef>
+          <a:fillRef idx="1">
+            <a:schemeClr val="accent4"/>
+          </a:fillRef>
+          <a:effectRef idx="0">
+            <a:schemeClr val="accent4"/>
+          </a:effectRef>
+          <a:fontRef idx="minor">
+            <a:schemeClr val="lt1"/>
+          </a:fontRef>
+        </p:style>
+        <p:txBody>
+          <a:bodyPr rtlCol="0" anchor="ctr"/>
+          <a:lstStyle/>
+          <a:p>
+            <a:pPr algn="ctr"/>
+            <a:endParaRPr lang="de-DE"/>
+          </a:p>
+        </p:txBody>
+      </p:sp>
+    </p:spTree>
+    <p:extLst>
+      <p:ext uri="{BB962C8B-B14F-4D97-AF65-F5344CB8AC3E}">
+        <p14:creationId xmlns:p14="http://schemas.microsoft.com/office/powerpoint/2010/main" val="3927690452"/>
+      </p:ext>
+    </p:extLst>
+  </p:cSld>
+  <p:clrMapOvr>
+    <a:masterClrMapping/>
+  </p:clrMapOvr>
+</p:sld>
+</file>
+
+<file path=ppt/slides/slide23.xml><?xml version="1.0" encoding="utf-8"?>
+<p:sld xmlns:a="http://schemas.openxmlformats.org/drawingml/2006/main" xmlns:r="http://schemas.openxmlformats.org/officeDocument/2006/relationships" xmlns:p="http://schemas.openxmlformats.org/presentationml/2006/main">
+  <p:cSld>
+    <p:spTree>
+      <p:nvGrpSpPr>
+        <p:cNvPr id="1" name=""/>
+        <p:cNvGrpSpPr/>
+        <p:nvPr/>
+      </p:nvGrpSpPr>
+      <p:grpSpPr>
+        <a:xfrm>
+          <a:off x="0" y="0"/>
+          <a:ext cx="0" cy="0"/>
+          <a:chOff x="0" y="0"/>
+          <a:chExt cx="0" cy="0"/>
+        </a:xfrm>
+      </p:grpSpPr>
+      <p:sp>
+        <p:nvSpPr>
+          <p:cNvPr id="2" name="Titel 1">
+            <a:extLst>
+              <a:ext uri="{FF2B5EF4-FFF2-40B4-BE49-F238E27FC236}">
+                <a16:creationId xmlns:a16="http://schemas.microsoft.com/office/drawing/2014/main" id="{039E12BA-7B87-244E-BE5F-2E113E214E2F}"/>
+              </a:ext>
+            </a:extLst>
+          </p:cNvPr>
+          <p:cNvSpPr>
+            <a:spLocks noGrp="1"/>
+          </p:cNvSpPr>
+          <p:nvPr>
+            <p:ph type="title"/>
+          </p:nvPr>
+        </p:nvSpPr>
+        <p:spPr/>
+        <p:txBody>
+          <a:bodyPr/>
+          <a:lstStyle/>
+          <a:p>
+            <a:r>
+              <a:rPr lang="de-DE" dirty="0"/>
+              <a:t>Generierung der synth. Daten</a:t>
+            </a:r>
+          </a:p>
+        </p:txBody>
+      </p:sp>
+      <p:sp>
+        <p:nvSpPr>
+          <p:cNvPr id="3" name="Datumsplatzhalter 2">
+            <a:extLst>
+              <a:ext uri="{FF2B5EF4-FFF2-40B4-BE49-F238E27FC236}">
+                <a16:creationId xmlns:a16="http://schemas.microsoft.com/office/drawing/2014/main" id="{6C9DD39D-35F9-0A49-B61C-047833C05F0E}"/>
+              </a:ext>
+            </a:extLst>
+          </p:cNvPr>
+          <p:cNvSpPr>
+            <a:spLocks noGrp="1"/>
+          </p:cNvSpPr>
+          <p:nvPr>
+            <p:ph type="dt" sz="half" idx="10"/>
+          </p:nvPr>
+        </p:nvSpPr>
+        <p:spPr/>
+        <p:txBody>
+          <a:bodyPr/>
+          <a:lstStyle/>
+          <a:p>
+            <a:r>
+              <a:rPr lang="de-DE" b="0"/>
+              <a:t>24.09.2019</a:t>
+            </a:r>
+            <a:endParaRPr lang="de-DE" b="0" dirty="0"/>
+          </a:p>
+        </p:txBody>
+      </p:sp>
+      <p:sp>
+        <p:nvSpPr>
+          <p:cNvPr id="4" name="Foliennummernplatzhalter 3">
+            <a:extLst>
+              <a:ext uri="{FF2B5EF4-FFF2-40B4-BE49-F238E27FC236}">
+                <a16:creationId xmlns:a16="http://schemas.microsoft.com/office/drawing/2014/main" id="{F89FD8B0-3065-6844-B44D-C913E80915E4}"/>
+              </a:ext>
+            </a:extLst>
+          </p:cNvPr>
+          <p:cNvSpPr>
+            <a:spLocks noGrp="1"/>
+          </p:cNvSpPr>
+          <p:nvPr>
+            <p:ph type="sldNum" sz="quarter" idx="11"/>
+          </p:nvPr>
+        </p:nvSpPr>
+        <p:spPr/>
+        <p:txBody>
+          <a:bodyPr/>
+          <a:lstStyle/>
+          <a:p>
+            <a:fld id="{4A80ED0F-F732-4A14-9F84-E00593EFD72C}" type="slidenum">
+              <a:rPr lang="de-DE" smtClean="0"/>
+              <a:pPr/>
+              <a:t>23</a:t>
+            </a:fld>
+            <a:endParaRPr lang="de-DE" dirty="0"/>
+          </a:p>
+        </p:txBody>
+      </p:sp>
+      <p:sp>
+        <p:nvSpPr>
+          <p:cNvPr id="5" name="Textplatzhalter 4">
+            <a:extLst>
+              <a:ext uri="{FF2B5EF4-FFF2-40B4-BE49-F238E27FC236}">
+                <a16:creationId xmlns:a16="http://schemas.microsoft.com/office/drawing/2014/main" id="{8FD69D42-6ADE-6642-B970-44C140D8F70C}"/>
+              </a:ext>
+            </a:extLst>
+          </p:cNvPr>
+          <p:cNvSpPr>
+            <a:spLocks noGrp="1"/>
+          </p:cNvSpPr>
+          <p:nvPr>
+            <p:ph type="body" sz="quarter" idx="12"/>
+          </p:nvPr>
+        </p:nvSpPr>
+        <p:spPr>
+          <a:xfrm>
+            <a:off x="91579" y="1219201"/>
+            <a:ext cx="8962859" cy="5198760"/>
+          </a:xfrm>
+        </p:spPr>
+        <p:txBody>
+          <a:bodyPr/>
+          <a:lstStyle/>
+          <a:p>
+            <a:r>
+              <a:rPr lang="de-DE" dirty="0"/>
+              <a:t>3D-Gebäudesmodell aus BIM in Blender v. 2.79b simuliert</a:t>
+            </a:r>
+          </a:p>
+          <a:p>
+            <a:endParaRPr lang="de-DE" dirty="0"/>
+          </a:p>
+          <a:p>
+            <a:r>
+              <a:rPr lang="de-DE" dirty="0"/>
+              <a:t>(</a:t>
+            </a:r>
+            <a:r>
+              <a:rPr lang="de-DE" i="1" dirty="0"/>
+              <a:t>bestmögliche</a:t>
+            </a:r>
+            <a:r>
+              <a:rPr lang="de-DE" dirty="0"/>
+              <a:t>) Imitation der Aufnahmestrecken</a:t>
+            </a:r>
+          </a:p>
+          <a:p>
+            <a:pPr lvl="1"/>
+            <a:r>
+              <a:rPr lang="de-DE" dirty="0"/>
+              <a:t>0.05m Intervallen mit +/- 10° Neigung in je </a:t>
+            </a:r>
+            <a:r>
+              <a:rPr lang="de-DE" dirty="0" err="1"/>
+              <a:t>y</a:t>
+            </a:r>
+            <a:r>
+              <a:rPr lang="de-DE" dirty="0"/>
+              <a:t>- und </a:t>
+            </a:r>
+            <a:r>
+              <a:rPr lang="de-DE" dirty="0" err="1"/>
+              <a:t>z</a:t>
+            </a:r>
+            <a:r>
+              <a:rPr lang="de-DE" dirty="0"/>
+              <a:t>-Achse</a:t>
+            </a:r>
+          </a:p>
+          <a:p>
+            <a:pPr marL="0" indent="0">
+              <a:buNone/>
+            </a:pPr>
+            <a:endParaRPr lang="de-DE" dirty="0"/>
+          </a:p>
+          <a:p>
+            <a:r>
+              <a:rPr lang="de-DE" dirty="0"/>
+              <a:t>Insgesamt 3 Typen (</a:t>
+            </a:r>
+            <a:r>
+              <a:rPr lang="de-DE" i="1" dirty="0"/>
+              <a:t>angelehnt an </a:t>
+            </a:r>
+            <a:r>
+              <a:rPr lang="de-DE" i="1" dirty="0" err="1"/>
+              <a:t>Acharya</a:t>
+            </a:r>
+            <a:r>
+              <a:rPr lang="de-DE" i="1" dirty="0"/>
+              <a:t> et al.</a:t>
+            </a:r>
+            <a:r>
+              <a:rPr lang="de-DE" dirty="0"/>
+              <a:t>)</a:t>
+            </a:r>
+          </a:p>
+          <a:p>
+            <a:pPr lvl="1"/>
+            <a:r>
+              <a:rPr lang="de-DE" i="1" dirty="0" err="1"/>
+              <a:t>cartoon</a:t>
+            </a:r>
+            <a:r>
+              <a:rPr lang="de-DE" i="1" dirty="0"/>
+              <a:t>, </a:t>
+            </a:r>
+            <a:r>
+              <a:rPr lang="de-DE" i="1" dirty="0" err="1"/>
+              <a:t>edge</a:t>
+            </a:r>
+            <a:r>
+              <a:rPr lang="de-DE" dirty="0"/>
+              <a:t>, </a:t>
+            </a:r>
+            <a:r>
+              <a:rPr lang="de-DE" i="1" dirty="0" err="1"/>
+              <a:t>photoreal</a:t>
+            </a:r>
+            <a:endParaRPr lang="de-DE" dirty="0"/>
+          </a:p>
+        </p:txBody>
+      </p:sp>
+      <p:pic>
+        <p:nvPicPr>
+          <p:cNvPr id="7" name="Grafik 6">
+            <a:extLst>
+              <a:ext uri="{FF2B5EF4-FFF2-40B4-BE49-F238E27FC236}">
+                <a16:creationId xmlns:a16="http://schemas.microsoft.com/office/drawing/2014/main" id="{158C176A-5AD8-7646-9A20-755E186E94BE}"/>
+              </a:ext>
+            </a:extLst>
+          </p:cNvPr>
+          <p:cNvPicPr>
+            <a:picLocks noChangeAspect="1"/>
+          </p:cNvPicPr>
+          <p:nvPr/>
+        </p:nvPicPr>
+        <p:blipFill>
+          <a:blip r:embed="rId2">
+            <a:extLst>
+              <a:ext uri="{28A0092B-C50C-407E-A947-70E740481C1C}">
+                <a14:useLocalDpi xmlns:a14="http://schemas.microsoft.com/office/drawing/2010/main" val="0"/>
+              </a:ext>
+            </a:extLst>
+          </a:blip>
+          <a:stretch>
+            <a:fillRect/>
+          </a:stretch>
+        </p:blipFill>
+        <p:spPr>
+          <a:xfrm>
+            <a:off x="1214453" y="4816791"/>
+            <a:ext cx="7003115" cy="1362769"/>
+          </a:xfrm>
+          <a:prstGeom prst="rect">
+            <a:avLst/>
+          </a:prstGeom>
+        </p:spPr>
+      </p:pic>
+      <p:pic>
+        <p:nvPicPr>
+          <p:cNvPr id="13" name="Grafik 12">
+            <a:extLst>
+              <a:ext uri="{FF2B5EF4-FFF2-40B4-BE49-F238E27FC236}">
+                <a16:creationId xmlns:a16="http://schemas.microsoft.com/office/drawing/2014/main" id="{D700D537-56D8-634E-8B51-2A1AA65541AA}"/>
+              </a:ext>
+            </a:extLst>
+          </p:cNvPr>
+          <p:cNvPicPr>
+            <a:picLocks noChangeAspect="1"/>
+          </p:cNvPicPr>
+          <p:nvPr/>
+        </p:nvPicPr>
+        <p:blipFill>
+          <a:blip r:embed="rId3">
+            <a:extLst>
+              <a:ext uri="{28A0092B-C50C-407E-A947-70E740481C1C}">
+                <a14:useLocalDpi xmlns:a14="http://schemas.microsoft.com/office/drawing/2010/main" val="0"/>
+              </a:ext>
+            </a:extLst>
+          </a:blip>
+          <a:stretch>
+            <a:fillRect/>
+          </a:stretch>
+        </p:blipFill>
+        <p:spPr>
+          <a:xfrm>
+            <a:off x="9421128" y="890251"/>
+            <a:ext cx="2770872" cy="5608511"/>
+          </a:xfrm>
+          <a:prstGeom prst="rect">
+            <a:avLst/>
+          </a:prstGeom>
+        </p:spPr>
+      </p:pic>
+      <p:sp>
+        <p:nvSpPr>
+          <p:cNvPr id="14" name="Rechteck 13">
+            <a:extLst>
+              <a:ext uri="{FF2B5EF4-FFF2-40B4-BE49-F238E27FC236}">
+                <a16:creationId xmlns:a16="http://schemas.microsoft.com/office/drawing/2014/main" id="{F698A0E3-0F1D-9144-979F-25CF1334ADF4}"/>
+              </a:ext>
+            </a:extLst>
+          </p:cNvPr>
+          <p:cNvSpPr/>
+          <p:nvPr/>
+        </p:nvSpPr>
+        <p:spPr>
+          <a:xfrm>
+            <a:off x="7112738" y="6521393"/>
+            <a:ext cx="3002268" cy="336608"/>
+          </a:xfrm>
+          <a:prstGeom prst="rect">
+            <a:avLst/>
+          </a:prstGeom>
+          <a:solidFill>
+            <a:schemeClr val="bg2">
+              <a:alpha val="70000"/>
+            </a:schemeClr>
+          </a:solidFill>
+          <a:ln>
+            <a:noFill/>
+          </a:ln>
+        </p:spPr>
+        <p:style>
+          <a:lnRef idx="2">
+            <a:schemeClr val="accent1">
+              <a:shade val="50000"/>
+            </a:schemeClr>
+          </a:lnRef>
+          <a:fillRef idx="1">
+            <a:schemeClr val="accent1"/>
+          </a:fillRef>
+          <a:effectRef idx="0">
+            <a:schemeClr val="accent1"/>
+          </a:effectRef>
+          <a:fontRef idx="minor">
+            <a:schemeClr val="lt1"/>
+          </a:fontRef>
+        </p:style>
+        <p:txBody>
+          <a:bodyPr rtlCol="0" anchor="ctr"/>
+          <a:lstStyle/>
+          <a:p>
+            <a:pPr algn="ctr"/>
+            <a:endParaRPr lang="de-DE"/>
+          </a:p>
+        </p:txBody>
+      </p:sp>
+    </p:spTree>
+    <p:extLst>
+      <p:ext uri="{BB962C8B-B14F-4D97-AF65-F5344CB8AC3E}">
+        <p14:creationId xmlns:p14="http://schemas.microsoft.com/office/powerpoint/2010/main" val="2534344392"/>
+      </p:ext>
+    </p:extLst>
+  </p:cSld>
+  <p:clrMapOvr>
+    <a:masterClrMapping/>
+  </p:clrMapOvr>
+</p:sld>
+</file>
+
+<file path=ppt/slides/slide24.xml><?xml version="1.0" encoding="utf-8"?>
+<p:sld xmlns:a="http://schemas.openxmlformats.org/drawingml/2006/main" xmlns:r="http://schemas.openxmlformats.org/officeDocument/2006/relationships" xmlns:p="http://schemas.openxmlformats.org/presentationml/2006/main">
+  <p:cSld>
+    <p:spTree>
+      <p:nvGrpSpPr>
+        <p:cNvPr id="1" name=""/>
+        <p:cNvGrpSpPr/>
+        <p:nvPr/>
+      </p:nvGrpSpPr>
+      <p:grpSpPr>
+        <a:xfrm>
+          <a:off x="0" y="0"/>
+          <a:ext cx="0" cy="0"/>
+          <a:chOff x="0" y="0"/>
+          <a:chExt cx="0" cy="0"/>
+        </a:xfrm>
+      </p:grpSpPr>
+      <p:sp>
+        <p:nvSpPr>
+          <p:cNvPr id="2" name="Titel 1">
+            <a:extLst>
+              <a:ext uri="{FF2B5EF4-FFF2-40B4-BE49-F238E27FC236}">
+                <a16:creationId xmlns:a16="http://schemas.microsoft.com/office/drawing/2014/main" id="{89C3DDEC-AE1A-AA4A-AD6C-93563954AC25}"/>
+              </a:ext>
+            </a:extLst>
+          </p:cNvPr>
+          <p:cNvSpPr>
+            <a:spLocks noGrp="1"/>
+          </p:cNvSpPr>
+          <p:nvPr>
+            <p:ph type="title"/>
+          </p:nvPr>
+        </p:nvSpPr>
+        <p:spPr/>
+        <p:txBody>
+          <a:bodyPr/>
+          <a:lstStyle/>
+          <a:p>
+            <a:r>
+              <a:rPr lang="de-DE" dirty="0"/>
+              <a:t>Trainingsparameter</a:t>
+            </a:r>
+          </a:p>
+        </p:txBody>
+      </p:sp>
+      <p:sp>
+        <p:nvSpPr>
+          <p:cNvPr id="3" name="Datumsplatzhalter 2">
+            <a:extLst>
+              <a:ext uri="{FF2B5EF4-FFF2-40B4-BE49-F238E27FC236}">
+                <a16:creationId xmlns:a16="http://schemas.microsoft.com/office/drawing/2014/main" id="{7C73244A-B9A4-2C41-8621-62A0F8CEB6E6}"/>
+              </a:ext>
+            </a:extLst>
+          </p:cNvPr>
+          <p:cNvSpPr>
+            <a:spLocks noGrp="1"/>
+          </p:cNvSpPr>
+          <p:nvPr>
+            <p:ph type="dt" sz="half" idx="10"/>
+          </p:nvPr>
+        </p:nvSpPr>
+        <p:spPr/>
+        <p:txBody>
+          <a:bodyPr/>
+          <a:lstStyle/>
+          <a:p>
+            <a:r>
+              <a:rPr lang="de-DE" b="0"/>
+              <a:t>24.09.2019</a:t>
+            </a:r>
+            <a:endParaRPr lang="de-DE" b="0" dirty="0"/>
+          </a:p>
+        </p:txBody>
+      </p:sp>
+      <p:sp>
+        <p:nvSpPr>
+          <p:cNvPr id="4" name="Foliennummernplatzhalter 3">
+            <a:extLst>
+              <a:ext uri="{FF2B5EF4-FFF2-40B4-BE49-F238E27FC236}">
+                <a16:creationId xmlns:a16="http://schemas.microsoft.com/office/drawing/2014/main" id="{1697AECB-0285-B44E-802C-2D2C7120F347}"/>
+              </a:ext>
+            </a:extLst>
+          </p:cNvPr>
+          <p:cNvSpPr>
+            <a:spLocks noGrp="1"/>
+          </p:cNvSpPr>
+          <p:nvPr>
+            <p:ph type="sldNum" sz="quarter" idx="11"/>
+          </p:nvPr>
+        </p:nvSpPr>
+        <p:spPr/>
+        <p:txBody>
+          <a:bodyPr/>
+          <a:lstStyle/>
+          <a:p>
+            <a:fld id="{4A80ED0F-F732-4A14-9F84-E00593EFD72C}" type="slidenum">
+              <a:rPr lang="de-DE" smtClean="0"/>
+              <a:pPr/>
+              <a:t>24</a:t>
+            </a:fld>
+            <a:endParaRPr lang="de-DE" dirty="0"/>
+          </a:p>
+        </p:txBody>
+      </p:sp>
+      <p:sp>
+        <p:nvSpPr>
+          <p:cNvPr id="5" name="Textplatzhalter 4">
+            <a:extLst>
+              <a:ext uri="{FF2B5EF4-FFF2-40B4-BE49-F238E27FC236}">
+                <a16:creationId xmlns:a16="http://schemas.microsoft.com/office/drawing/2014/main" id="{D04DCF65-C636-7648-A6B9-685CB378150C}"/>
+              </a:ext>
+            </a:extLst>
+          </p:cNvPr>
+          <p:cNvSpPr>
+            <a:spLocks noGrp="1"/>
+          </p:cNvSpPr>
+          <p:nvPr>
+            <p:ph type="body" sz="quarter" idx="12"/>
+          </p:nvPr>
+        </p:nvSpPr>
+        <p:spPr>
+          <a:xfrm>
+            <a:off x="91580" y="1219201"/>
+            <a:ext cx="5654770" cy="5198760"/>
+          </a:xfrm>
+        </p:spPr>
+        <p:txBody>
+          <a:bodyPr/>
+          <a:lstStyle/>
+          <a:p>
+            <a:r>
+              <a:rPr lang="de-DE" dirty="0"/>
+              <a:t>Hyperparameter wurden </a:t>
+            </a:r>
+            <a:r>
+              <a:rPr lang="de-DE" b="1" dirty="0"/>
+              <a:t>übernommen</a:t>
+            </a:r>
+            <a:r>
+              <a:rPr lang="de-DE" dirty="0"/>
+              <a:t> bzw. </a:t>
+            </a:r>
+            <a:r>
+              <a:rPr lang="de-DE" b="1" dirty="0"/>
+              <a:t>gleichermaßen bestimmt</a:t>
+            </a:r>
+            <a:r>
+              <a:rPr lang="de-DE" dirty="0"/>
+              <a:t> oder </a:t>
+            </a:r>
+            <a:r>
+              <a:rPr lang="de-DE" b="1" dirty="0"/>
+              <a:t>im selben Verhältnis </a:t>
+            </a:r>
+            <a:r>
+              <a:rPr lang="de-DE" dirty="0"/>
+              <a:t>zum Datensatz </a:t>
+            </a:r>
+            <a:r>
+              <a:rPr lang="de-DE" b="1" dirty="0"/>
+              <a:t>gewählt</a:t>
+            </a:r>
+            <a:r>
+              <a:rPr lang="de-DE" dirty="0"/>
+              <a:t>.</a:t>
+            </a:r>
+          </a:p>
+          <a:p>
+            <a:endParaRPr lang="de-DE" dirty="0"/>
+          </a:p>
+          <a:p>
+            <a:r>
+              <a:rPr lang="de-DE" dirty="0"/>
+              <a:t>Hyperparameter Beta wurde wie empfohlen via </a:t>
+            </a:r>
+            <a:r>
+              <a:rPr lang="de-DE" i="1" dirty="0" err="1"/>
+              <a:t>Grid</a:t>
+            </a:r>
+            <a:r>
+              <a:rPr lang="de-DE" i="1" dirty="0"/>
+              <a:t>-Search </a:t>
+            </a:r>
+            <a:r>
+              <a:rPr lang="de-DE" dirty="0"/>
+              <a:t>bestimmt</a:t>
+            </a:r>
+          </a:p>
+          <a:p>
+            <a:pPr lvl="1"/>
+            <a:r>
+              <a:rPr lang="de-DE" dirty="0"/>
+              <a:t>Trainiert und Evaluiert mit realen Daten</a:t>
+            </a:r>
+          </a:p>
+          <a:p>
+            <a:pPr lvl="1"/>
+            <a:r>
+              <a:rPr lang="de-DE" dirty="0"/>
+              <a:t>Ergebnis dient als Referenzwert</a:t>
+            </a:r>
+          </a:p>
+        </p:txBody>
+      </p:sp>
+      <p:pic>
+        <p:nvPicPr>
+          <p:cNvPr id="7" name="Grafik 6">
+            <a:extLst>
+              <a:ext uri="{FF2B5EF4-FFF2-40B4-BE49-F238E27FC236}">
+                <a16:creationId xmlns:a16="http://schemas.microsoft.com/office/drawing/2014/main" id="{E98785E3-916B-BC4E-AB45-ED9BFFBE16FA}"/>
+              </a:ext>
+            </a:extLst>
+          </p:cNvPr>
+          <p:cNvPicPr>
+            <a:picLocks noChangeAspect="1"/>
+          </p:cNvPicPr>
+          <p:nvPr/>
+        </p:nvPicPr>
+        <p:blipFill>
+          <a:blip r:embed="rId3">
+            <a:extLst>
+              <a:ext uri="{28A0092B-C50C-407E-A947-70E740481C1C}">
+                <a14:useLocalDpi xmlns:a14="http://schemas.microsoft.com/office/drawing/2010/main" val="0"/>
+              </a:ext>
+            </a:extLst>
+          </a:blip>
+          <a:stretch>
+            <a:fillRect/>
+          </a:stretch>
+        </p:blipFill>
+        <p:spPr>
+          <a:xfrm>
+            <a:off x="5746349" y="1366125"/>
+            <a:ext cx="6279645" cy="4904912"/>
+          </a:xfrm>
+          <a:prstGeom prst="rect">
+            <a:avLst/>
+          </a:prstGeom>
+        </p:spPr>
+      </p:pic>
+      <p:sp>
+        <p:nvSpPr>
+          <p:cNvPr id="8" name="Rechteck 7">
+            <a:extLst>
+              <a:ext uri="{FF2B5EF4-FFF2-40B4-BE49-F238E27FC236}">
+                <a16:creationId xmlns:a16="http://schemas.microsoft.com/office/drawing/2014/main" id="{C468D75A-022F-C443-8AB4-318FF525505B}"/>
+              </a:ext>
+            </a:extLst>
+          </p:cNvPr>
+          <p:cNvSpPr/>
+          <p:nvPr/>
+        </p:nvSpPr>
+        <p:spPr>
+          <a:xfrm>
+            <a:off x="7112738" y="6521393"/>
+            <a:ext cx="3002268" cy="336608"/>
+          </a:xfrm>
+          <a:prstGeom prst="rect">
+            <a:avLst/>
+          </a:prstGeom>
+          <a:solidFill>
+            <a:schemeClr val="bg2">
+              <a:alpha val="70000"/>
+            </a:schemeClr>
+          </a:solidFill>
+          <a:ln>
+            <a:noFill/>
+          </a:ln>
+        </p:spPr>
+        <p:style>
+          <a:lnRef idx="2">
+            <a:schemeClr val="accent1">
+              <a:shade val="50000"/>
+            </a:schemeClr>
+          </a:lnRef>
+          <a:fillRef idx="1">
+            <a:schemeClr val="accent1"/>
+          </a:fillRef>
+          <a:effectRef idx="0">
+            <a:schemeClr val="accent1"/>
+          </a:effectRef>
+          <a:fontRef idx="minor">
+            <a:schemeClr val="lt1"/>
+          </a:fontRef>
+        </p:style>
+        <p:txBody>
+          <a:bodyPr rtlCol="0" anchor="ctr"/>
+          <a:lstStyle/>
+          <a:p>
+            <a:pPr algn="ctr"/>
+            <a:endParaRPr lang="de-DE"/>
+          </a:p>
+        </p:txBody>
+      </p:sp>
+    </p:spTree>
+    <p:extLst>
+      <p:ext uri="{BB962C8B-B14F-4D97-AF65-F5344CB8AC3E}">
+        <p14:creationId xmlns:p14="http://schemas.microsoft.com/office/powerpoint/2010/main" val="2072247241"/>
+      </p:ext>
+    </p:extLst>
+  </p:cSld>
+  <p:clrMapOvr>
+    <a:masterClrMapping/>
+  </p:clrMapOvr>
+</p:sld>
+</file>
+
+<file path=ppt/slides/slide25.xml><?xml version="1.0" encoding="utf-8"?>
+<p:sld xmlns:a="http://schemas.openxmlformats.org/drawingml/2006/main" xmlns:r="http://schemas.openxmlformats.org/officeDocument/2006/relationships" xmlns:p="http://schemas.openxmlformats.org/presentationml/2006/main">
+  <p:cSld>
+    <p:spTree>
+      <p:nvGrpSpPr>
+        <p:cNvPr id="1" name=""/>
+        <p:cNvGrpSpPr/>
+        <p:nvPr/>
+      </p:nvGrpSpPr>
+      <p:grpSpPr>
+        <a:xfrm>
+          <a:off x="0" y="0"/>
+          <a:ext cx="0" cy="0"/>
+          <a:chOff x="0" y="0"/>
+          <a:chExt cx="0" cy="0"/>
+        </a:xfrm>
+      </p:grpSpPr>
+      <p:sp>
+        <p:nvSpPr>
+          <p:cNvPr id="2" name="Titel 1">
+            <a:extLst>
+              <a:ext uri="{FF2B5EF4-FFF2-40B4-BE49-F238E27FC236}">
+                <a16:creationId xmlns:a16="http://schemas.microsoft.com/office/drawing/2014/main" id="{AF352561-0611-8A4D-9CD3-3FE12448DD06}"/>
+              </a:ext>
+            </a:extLst>
+          </p:cNvPr>
+          <p:cNvSpPr>
+            <a:spLocks noGrp="1"/>
+          </p:cNvSpPr>
+          <p:nvPr>
+            <p:ph type="title"/>
+          </p:nvPr>
+        </p:nvSpPr>
+        <p:spPr/>
+        <p:txBody>
+          <a:bodyPr/>
+          <a:lstStyle/>
+          <a:p>
+            <a:r>
+              <a:rPr lang="de-DE" dirty="0"/>
+              <a:t>Zusammenfassung</a:t>
+            </a:r>
+          </a:p>
+        </p:txBody>
+      </p:sp>
+      <p:sp>
+        <p:nvSpPr>
+          <p:cNvPr id="3" name="Datumsplatzhalter 2">
+            <a:extLst>
+              <a:ext uri="{FF2B5EF4-FFF2-40B4-BE49-F238E27FC236}">
+                <a16:creationId xmlns:a16="http://schemas.microsoft.com/office/drawing/2014/main" id="{D213FA1D-7700-6D4D-B757-44BA36CA86F7}"/>
+              </a:ext>
+            </a:extLst>
+          </p:cNvPr>
+          <p:cNvSpPr>
+            <a:spLocks noGrp="1"/>
+          </p:cNvSpPr>
+          <p:nvPr>
+            <p:ph type="dt" sz="half" idx="10"/>
+          </p:nvPr>
+        </p:nvSpPr>
+        <p:spPr/>
+        <p:txBody>
+          <a:bodyPr/>
+          <a:lstStyle/>
+          <a:p>
+            <a:r>
+              <a:rPr lang="de-DE" b="0"/>
+              <a:t>24.09.2019</a:t>
+            </a:r>
+            <a:endParaRPr lang="de-DE" b="0" dirty="0"/>
+          </a:p>
+        </p:txBody>
+      </p:sp>
+      <p:sp>
+        <p:nvSpPr>
+          <p:cNvPr id="4" name="Foliennummernplatzhalter 3">
+            <a:extLst>
+              <a:ext uri="{FF2B5EF4-FFF2-40B4-BE49-F238E27FC236}">
+                <a16:creationId xmlns:a16="http://schemas.microsoft.com/office/drawing/2014/main" id="{98783067-92CF-8648-8E8E-20E0D27A095B}"/>
+              </a:ext>
+            </a:extLst>
+          </p:cNvPr>
+          <p:cNvSpPr>
+            <a:spLocks noGrp="1"/>
+          </p:cNvSpPr>
+          <p:nvPr>
+            <p:ph type="sldNum" sz="quarter" idx="11"/>
+          </p:nvPr>
+        </p:nvSpPr>
+        <p:spPr/>
+        <p:txBody>
+          <a:bodyPr/>
+          <a:lstStyle/>
+          <a:p>
+            <a:fld id="{4A80ED0F-F732-4A14-9F84-E00593EFD72C}" type="slidenum">
+              <a:rPr lang="de-DE" smtClean="0"/>
+              <a:pPr/>
+              <a:t>25</a:t>
+            </a:fld>
+            <a:endParaRPr lang="de-DE" dirty="0"/>
+          </a:p>
+        </p:txBody>
+      </p:sp>
+      <p:sp>
+        <p:nvSpPr>
+          <p:cNvPr id="5" name="Textplatzhalter 4">
+            <a:extLst>
+              <a:ext uri="{FF2B5EF4-FFF2-40B4-BE49-F238E27FC236}">
+                <a16:creationId xmlns:a16="http://schemas.microsoft.com/office/drawing/2014/main" id="{62E3DD4E-D165-2440-90EB-A3B82412EE9E}"/>
+              </a:ext>
+            </a:extLst>
+          </p:cNvPr>
+          <p:cNvSpPr>
+            <a:spLocks noGrp="1"/>
+          </p:cNvSpPr>
+          <p:nvPr>
+            <p:ph type="body" sz="quarter" idx="12"/>
+          </p:nvPr>
+        </p:nvSpPr>
+        <p:spPr>
+          <a:xfrm>
+            <a:off x="737582" y="1207169"/>
+            <a:ext cx="11288412" cy="2056272"/>
+          </a:xfrm>
+        </p:spPr>
+        <p:txBody>
+          <a:bodyPr/>
+          <a:lstStyle/>
+          <a:p>
+            <a:r>
+              <a:rPr lang="de-DE" b="1" dirty="0"/>
+              <a:t>Referenzwert</a:t>
+            </a:r>
+            <a:r>
+              <a:rPr lang="de-DE" dirty="0"/>
+              <a:t>: durch die Bestimmung des Hyperparameters Beta der </a:t>
+            </a:r>
+            <a:r>
+              <a:rPr lang="de-DE" dirty="0" err="1"/>
+              <a:t>Kostenf</a:t>
+            </a:r>
+            <a:r>
+              <a:rPr lang="de-DE" dirty="0"/>
+              <a:t>.</a:t>
+            </a:r>
+          </a:p>
+          <a:p>
+            <a:r>
+              <a:rPr lang="de-DE" b="1" dirty="0"/>
+              <a:t>Evaluation 1</a:t>
+            </a:r>
+            <a:r>
+              <a:rPr lang="de-DE" dirty="0"/>
+              <a:t>: </a:t>
+            </a:r>
+            <a:r>
+              <a:rPr lang="de-DE" dirty="0" err="1"/>
+              <a:t>Gradientenbilder</a:t>
+            </a:r>
+            <a:r>
+              <a:rPr lang="de-DE" dirty="0"/>
+              <a:t> der korrespondierenden </a:t>
+            </a:r>
+            <a:r>
+              <a:rPr lang="de-DE" b="1" dirty="0"/>
+              <a:t>synth. Daten</a:t>
+            </a:r>
+          </a:p>
+          <a:p>
+            <a:r>
+              <a:rPr lang="de-DE" b="1" dirty="0"/>
+              <a:t>Evaluation 2</a:t>
+            </a:r>
+            <a:r>
+              <a:rPr lang="de-DE" dirty="0"/>
+              <a:t>: </a:t>
+            </a:r>
+            <a:r>
+              <a:rPr lang="de-DE" dirty="0" err="1"/>
+              <a:t>Gradientenbilder</a:t>
+            </a:r>
+            <a:r>
+              <a:rPr lang="de-DE" dirty="0"/>
+              <a:t> der </a:t>
+            </a:r>
+            <a:r>
+              <a:rPr lang="de-DE" b="1" dirty="0"/>
+              <a:t>realen Daten</a:t>
+            </a:r>
+          </a:p>
+        </p:txBody>
+      </p:sp>
+      <p:sp>
+        <p:nvSpPr>
+          <p:cNvPr id="10" name="Rechteck 9">
+            <a:extLst>
+              <a:ext uri="{FF2B5EF4-FFF2-40B4-BE49-F238E27FC236}">
+                <a16:creationId xmlns:a16="http://schemas.microsoft.com/office/drawing/2014/main" id="{BBA5E3E9-B896-5042-802C-DCDEFCA5CC2A}"/>
+              </a:ext>
+            </a:extLst>
+          </p:cNvPr>
+          <p:cNvSpPr/>
+          <p:nvPr/>
+        </p:nvSpPr>
+        <p:spPr>
+          <a:xfrm>
+            <a:off x="8261498" y="6521393"/>
+            <a:ext cx="1853508" cy="336608"/>
+          </a:xfrm>
+          <a:prstGeom prst="rect">
+            <a:avLst/>
+          </a:prstGeom>
+          <a:solidFill>
+            <a:schemeClr val="bg2">
+              <a:alpha val="70000"/>
+            </a:schemeClr>
+          </a:solidFill>
+          <a:ln>
+            <a:noFill/>
+          </a:ln>
+        </p:spPr>
+        <p:style>
+          <a:lnRef idx="2">
+            <a:schemeClr val="accent1">
+              <a:shade val="50000"/>
+            </a:schemeClr>
+          </a:lnRef>
+          <a:fillRef idx="1">
+            <a:schemeClr val="accent1"/>
+          </a:fillRef>
+          <a:effectRef idx="0">
+            <a:schemeClr val="accent1"/>
+          </a:effectRef>
+          <a:fontRef idx="minor">
+            <a:schemeClr val="lt1"/>
+          </a:fontRef>
+        </p:style>
+        <p:txBody>
+          <a:bodyPr rtlCol="0" anchor="ctr"/>
+          <a:lstStyle/>
+          <a:p>
+            <a:pPr algn="ctr"/>
+            <a:endParaRPr lang="de-DE"/>
+          </a:p>
+        </p:txBody>
+      </p:sp>
+      <p:pic>
+        <p:nvPicPr>
+          <p:cNvPr id="9" name="Grafik 8">
+            <a:extLst>
+              <a:ext uri="{FF2B5EF4-FFF2-40B4-BE49-F238E27FC236}">
+                <a16:creationId xmlns:a16="http://schemas.microsoft.com/office/drawing/2014/main" id="{E6FB22BF-43FE-F740-9B92-0B97A0DE0436}"/>
+              </a:ext>
+            </a:extLst>
+          </p:cNvPr>
+          <p:cNvPicPr>
+            <a:picLocks noChangeAspect="1"/>
+          </p:cNvPicPr>
+          <p:nvPr/>
+        </p:nvPicPr>
+        <p:blipFill>
+          <a:blip r:embed="rId3">
+            <a:extLst>
+              <a:ext uri="{28A0092B-C50C-407E-A947-70E740481C1C}">
+                <a14:useLocalDpi xmlns:a14="http://schemas.microsoft.com/office/drawing/2010/main" val="0"/>
+              </a:ext>
+            </a:extLst>
+          </a:blip>
+          <a:stretch>
+            <a:fillRect/>
+          </a:stretch>
+        </p:blipFill>
+        <p:spPr>
+          <a:xfrm>
+            <a:off x="1301750" y="3012844"/>
+            <a:ext cx="9588500" cy="2565400"/>
+          </a:xfrm>
+          <a:prstGeom prst="rect">
+            <a:avLst/>
+          </a:prstGeom>
+        </p:spPr>
+      </p:pic>
+    </p:spTree>
+    <p:extLst>
+      <p:ext uri="{BB962C8B-B14F-4D97-AF65-F5344CB8AC3E}">
+        <p14:creationId xmlns:p14="http://schemas.microsoft.com/office/powerpoint/2010/main" val="1169097894"/>
+      </p:ext>
+    </p:extLst>
+  </p:cSld>
+  <p:clrMapOvr>
+    <a:masterClrMapping/>
+  </p:clrMapOvr>
+</p:sld>
+</file>
+
+<file path=ppt/slides/slide26.xml><?xml version="1.0" encoding="utf-8"?>
+<p:sld xmlns:a="http://schemas.openxmlformats.org/drawingml/2006/main" xmlns:r="http://schemas.openxmlformats.org/officeDocument/2006/relationships" xmlns:p="http://schemas.openxmlformats.org/presentationml/2006/main">
+  <p:cSld>
+    <p:spTree>
+      <p:nvGrpSpPr>
+        <p:cNvPr id="1" name=""/>
+        <p:cNvGrpSpPr/>
+        <p:nvPr/>
+      </p:nvGrpSpPr>
+      <p:grpSpPr>
+        <a:xfrm>
+          <a:off x="0" y="0"/>
+          <a:ext cx="0" cy="0"/>
+          <a:chOff x="0" y="0"/>
+          <a:chExt cx="0" cy="0"/>
+        </a:xfrm>
+      </p:grpSpPr>
+      <p:sp>
+        <p:nvSpPr>
+          <p:cNvPr id="2" name="Titel 1">
+            <a:extLst>
+              <a:ext uri="{FF2B5EF4-FFF2-40B4-BE49-F238E27FC236}">
+                <a16:creationId xmlns:a16="http://schemas.microsoft.com/office/drawing/2014/main" id="{0A02A76E-A190-094D-868E-ED86C95E88DF}"/>
+              </a:ext>
+            </a:extLst>
+          </p:cNvPr>
+          <p:cNvSpPr>
+            <a:spLocks noGrp="1"/>
+          </p:cNvSpPr>
+          <p:nvPr>
+            <p:ph type="title"/>
+          </p:nvPr>
+        </p:nvSpPr>
+        <p:spPr/>
+        <p:txBody>
+          <a:bodyPr/>
+          <a:lstStyle/>
+          <a:p>
+            <a:r>
+              <a:rPr lang="de-DE" dirty="0"/>
+              <a:t>D. der angewandten Methodik</a:t>
+            </a:r>
+          </a:p>
+        </p:txBody>
+      </p:sp>
+      <p:sp>
+        <p:nvSpPr>
+          <p:cNvPr id="3" name="Datumsplatzhalter 2">
+            <a:extLst>
+              <a:ext uri="{FF2B5EF4-FFF2-40B4-BE49-F238E27FC236}">
+                <a16:creationId xmlns:a16="http://schemas.microsoft.com/office/drawing/2014/main" id="{BB8DCA00-9D4B-7144-A003-4F6BC70C3C06}"/>
+              </a:ext>
+            </a:extLst>
+          </p:cNvPr>
+          <p:cNvSpPr>
+            <a:spLocks noGrp="1"/>
+          </p:cNvSpPr>
+          <p:nvPr>
+            <p:ph type="dt" sz="half" idx="10"/>
+          </p:nvPr>
+        </p:nvSpPr>
+        <p:spPr/>
+        <p:txBody>
+          <a:bodyPr/>
+          <a:lstStyle/>
+          <a:p>
+            <a:r>
+              <a:rPr lang="de-DE" b="0"/>
+              <a:t>24.09.2019</a:t>
+            </a:r>
+            <a:endParaRPr lang="de-DE" b="0" dirty="0"/>
+          </a:p>
+        </p:txBody>
+      </p:sp>
+      <p:sp>
+        <p:nvSpPr>
+          <p:cNvPr id="4" name="Foliennummernplatzhalter 3">
+            <a:extLst>
+              <a:ext uri="{FF2B5EF4-FFF2-40B4-BE49-F238E27FC236}">
+                <a16:creationId xmlns:a16="http://schemas.microsoft.com/office/drawing/2014/main" id="{F15EBB48-2BD2-F849-87E1-FC2BC11AB0D5}"/>
+              </a:ext>
+            </a:extLst>
+          </p:cNvPr>
+          <p:cNvSpPr>
+            <a:spLocks noGrp="1"/>
+          </p:cNvSpPr>
+          <p:nvPr>
+            <p:ph type="sldNum" sz="quarter" idx="11"/>
+          </p:nvPr>
+        </p:nvSpPr>
+        <p:spPr/>
+        <p:txBody>
+          <a:bodyPr/>
+          <a:lstStyle/>
+          <a:p>
+            <a:fld id="{4A80ED0F-F732-4A14-9F84-E00593EFD72C}" type="slidenum">
+              <a:rPr lang="de-DE" smtClean="0"/>
+              <a:pPr/>
+              <a:t>26</a:t>
+            </a:fld>
+            <a:endParaRPr lang="de-DE" dirty="0"/>
+          </a:p>
+        </p:txBody>
+      </p:sp>
+      <p:sp>
+        <p:nvSpPr>
+          <p:cNvPr id="5" name="Textplatzhalter 4">
+            <a:extLst>
+              <a:ext uri="{FF2B5EF4-FFF2-40B4-BE49-F238E27FC236}">
+                <a16:creationId xmlns:a16="http://schemas.microsoft.com/office/drawing/2014/main" id="{0863D14F-FCD1-B548-A2B8-7A18F182A6E5}"/>
+              </a:ext>
+            </a:extLst>
+          </p:cNvPr>
+          <p:cNvSpPr>
+            <a:spLocks noGrp="1"/>
+          </p:cNvSpPr>
+          <p:nvPr>
+            <p:ph type="body" sz="quarter" idx="12"/>
+          </p:nvPr>
+        </p:nvSpPr>
+        <p:spPr/>
+        <p:txBody>
+          <a:bodyPr/>
+          <a:lstStyle/>
+          <a:p>
+            <a:r>
+              <a:rPr lang="de-DE" dirty="0"/>
+              <a:t>reale Daten wiesen Drift auf</a:t>
+            </a:r>
+          </a:p>
+          <a:p>
+            <a:pPr lvl="1"/>
+            <a:r>
+              <a:rPr lang="de-DE" dirty="0"/>
+              <a:t>negativer Einfluss auf die domänenübergreifende Evaluation</a:t>
+            </a:r>
+          </a:p>
+          <a:p>
+            <a:pPr lvl="1"/>
+            <a:endParaRPr lang="de-DE" dirty="0"/>
+          </a:p>
+          <a:p>
+            <a:r>
+              <a:rPr lang="de-DE" dirty="0"/>
+              <a:t>Akkuratesse ist vom Zufall abhängig</a:t>
+            </a:r>
+          </a:p>
+          <a:p>
+            <a:pPr lvl="1"/>
+            <a:r>
+              <a:rPr lang="de-DE" dirty="0"/>
+              <a:t>5 Trainingsprozesse sind wenig</a:t>
+            </a:r>
+          </a:p>
+          <a:p>
+            <a:pPr lvl="1"/>
+            <a:endParaRPr lang="de-DE" dirty="0"/>
+          </a:p>
+          <a:p>
+            <a:r>
+              <a:rPr lang="de-DE" dirty="0"/>
+              <a:t>Hyperparameter</a:t>
+            </a:r>
+          </a:p>
+          <a:p>
+            <a:pPr lvl="1"/>
+            <a:r>
+              <a:rPr lang="de-DE" dirty="0"/>
+              <a:t>wurden nicht optimiert, könnten auf den Datensatz von </a:t>
+            </a:r>
+            <a:r>
+              <a:rPr lang="de-DE" dirty="0" err="1"/>
+              <a:t>Acharya</a:t>
+            </a:r>
+            <a:r>
+              <a:rPr lang="de-DE" dirty="0"/>
+              <a:t> et al. optimiert sein</a:t>
+            </a:r>
+          </a:p>
+        </p:txBody>
+      </p:sp>
+      <p:sp>
+        <p:nvSpPr>
+          <p:cNvPr id="6" name="Rechteck 5">
+            <a:extLst>
+              <a:ext uri="{FF2B5EF4-FFF2-40B4-BE49-F238E27FC236}">
+                <a16:creationId xmlns:a16="http://schemas.microsoft.com/office/drawing/2014/main" id="{F0FA9FFA-187D-AD4A-99BE-C4678F15FB2A}"/>
+              </a:ext>
+            </a:extLst>
+          </p:cNvPr>
+          <p:cNvSpPr/>
+          <p:nvPr/>
+        </p:nvSpPr>
+        <p:spPr>
+          <a:xfrm>
+            <a:off x="9360568" y="6521393"/>
+            <a:ext cx="754438" cy="336608"/>
+          </a:xfrm>
+          <a:prstGeom prst="rect">
+            <a:avLst/>
+          </a:prstGeom>
+          <a:solidFill>
+            <a:schemeClr val="bg2">
+              <a:alpha val="70000"/>
+            </a:schemeClr>
+          </a:solidFill>
+          <a:ln>
+            <a:noFill/>
+          </a:ln>
+        </p:spPr>
+        <p:style>
+          <a:lnRef idx="2">
+            <a:schemeClr val="accent1">
+              <a:shade val="50000"/>
+            </a:schemeClr>
+          </a:lnRef>
+          <a:fillRef idx="1">
+            <a:schemeClr val="accent1"/>
+          </a:fillRef>
+          <a:effectRef idx="0">
+            <a:schemeClr val="accent1"/>
+          </a:effectRef>
+          <a:fontRef idx="minor">
+            <a:schemeClr val="lt1"/>
+          </a:fontRef>
+        </p:style>
+        <p:txBody>
+          <a:bodyPr rtlCol="0" anchor="ctr"/>
+          <a:lstStyle/>
+          <a:p>
+            <a:pPr algn="ctr"/>
+            <a:endParaRPr lang="de-DE"/>
+          </a:p>
+        </p:txBody>
+      </p:sp>
+    </p:spTree>
+    <p:extLst>
+      <p:ext uri="{BB962C8B-B14F-4D97-AF65-F5344CB8AC3E}">
+        <p14:creationId xmlns:p14="http://schemas.microsoft.com/office/powerpoint/2010/main" val="1024951760"/>
+      </p:ext>
+    </p:extLst>
+  </p:cSld>
+  <p:clrMapOvr>
+    <a:masterClrMapping/>
+  </p:clrMapOvr>
+</p:sld>
+</file>
+
+<file path=ppt/slides/slide27.xml><?xml version="1.0" encoding="utf-8"?>
+<p:sld xmlns:a="http://schemas.openxmlformats.org/drawingml/2006/main" xmlns:r="http://schemas.openxmlformats.org/officeDocument/2006/relationships" xmlns:p="http://schemas.openxmlformats.org/presentationml/2006/main">
+  <p:cSld>
+    <p:spTree>
+      <p:nvGrpSpPr>
+        <p:cNvPr id="1" name=""/>
+        <p:cNvGrpSpPr/>
+        <p:nvPr/>
+      </p:nvGrpSpPr>
+      <p:grpSpPr>
+        <a:xfrm>
+          <a:off x="0" y="0"/>
+          <a:ext cx="0" cy="0"/>
+          <a:chOff x="0" y="0"/>
+          <a:chExt cx="0" cy="0"/>
+        </a:xfrm>
+      </p:grpSpPr>
+      <p:sp>
+        <p:nvSpPr>
+          <p:cNvPr id="2" name="Titel 1">
+            <a:extLst>
+              <a:ext uri="{FF2B5EF4-FFF2-40B4-BE49-F238E27FC236}">
+                <a16:creationId xmlns:a16="http://schemas.microsoft.com/office/drawing/2014/main" id="{3FB5B477-3655-D14D-8376-129B00BECA66}"/>
+              </a:ext>
+            </a:extLst>
+          </p:cNvPr>
+          <p:cNvSpPr>
+            <a:spLocks noGrp="1"/>
+          </p:cNvSpPr>
+          <p:nvPr>
+            <p:ph type="title"/>
+          </p:nvPr>
+        </p:nvSpPr>
+        <p:spPr/>
+        <p:txBody>
+          <a:bodyPr/>
+          <a:lstStyle/>
+          <a:p>
+            <a:r>
+              <a:rPr lang="de-DE" dirty="0"/>
+              <a:t>Empf. für </a:t>
+            </a:r>
+            <a:r>
+              <a:rPr lang="de-DE" dirty="0" err="1"/>
+              <a:t>weiterf</a:t>
+            </a:r>
+            <a:r>
+              <a:rPr lang="de-DE" dirty="0"/>
+              <a:t>. Forschungen</a:t>
+            </a:r>
+          </a:p>
+        </p:txBody>
+      </p:sp>
+      <p:sp>
+        <p:nvSpPr>
+          <p:cNvPr id="3" name="Datumsplatzhalter 2">
+            <a:extLst>
+              <a:ext uri="{FF2B5EF4-FFF2-40B4-BE49-F238E27FC236}">
+                <a16:creationId xmlns:a16="http://schemas.microsoft.com/office/drawing/2014/main" id="{C8E459B4-4492-0D4E-828D-B923BB6AA9C7}"/>
+              </a:ext>
+            </a:extLst>
+          </p:cNvPr>
+          <p:cNvSpPr>
+            <a:spLocks noGrp="1"/>
+          </p:cNvSpPr>
+          <p:nvPr>
+            <p:ph type="dt" sz="half" idx="10"/>
+          </p:nvPr>
+        </p:nvSpPr>
+        <p:spPr/>
+        <p:txBody>
+          <a:bodyPr/>
+          <a:lstStyle/>
+          <a:p>
+            <a:r>
+              <a:rPr lang="de-DE" b="0"/>
+              <a:t>24.09.2019</a:t>
+            </a:r>
+            <a:endParaRPr lang="de-DE" b="0" dirty="0"/>
+          </a:p>
+        </p:txBody>
+      </p:sp>
+      <p:sp>
+        <p:nvSpPr>
+          <p:cNvPr id="4" name="Foliennummernplatzhalter 3">
+            <a:extLst>
+              <a:ext uri="{FF2B5EF4-FFF2-40B4-BE49-F238E27FC236}">
+                <a16:creationId xmlns:a16="http://schemas.microsoft.com/office/drawing/2014/main" id="{83E6DF95-7B2A-814B-882B-7379EA5712BE}"/>
+              </a:ext>
+            </a:extLst>
+          </p:cNvPr>
+          <p:cNvSpPr>
+            <a:spLocks noGrp="1"/>
+          </p:cNvSpPr>
+          <p:nvPr>
+            <p:ph type="sldNum" sz="quarter" idx="11"/>
+          </p:nvPr>
+        </p:nvSpPr>
+        <p:spPr/>
+        <p:txBody>
+          <a:bodyPr/>
+          <a:lstStyle/>
+          <a:p>
+            <a:fld id="{4A80ED0F-F732-4A14-9F84-E00593EFD72C}" type="slidenum">
+              <a:rPr lang="de-DE" smtClean="0"/>
+              <a:pPr/>
+              <a:t>27</a:t>
+            </a:fld>
+            <a:endParaRPr lang="de-DE" dirty="0"/>
+          </a:p>
+        </p:txBody>
+      </p:sp>
+      <p:sp>
+        <p:nvSpPr>
+          <p:cNvPr id="5" name="Textplatzhalter 4">
+            <a:extLst>
+              <a:ext uri="{FF2B5EF4-FFF2-40B4-BE49-F238E27FC236}">
+                <a16:creationId xmlns:a16="http://schemas.microsoft.com/office/drawing/2014/main" id="{F0C87E7B-BABA-A34B-B071-7075A1FE4B8E}"/>
+              </a:ext>
+            </a:extLst>
+          </p:cNvPr>
+          <p:cNvSpPr>
+            <a:spLocks noGrp="1"/>
+          </p:cNvSpPr>
+          <p:nvPr>
+            <p:ph type="body" sz="quarter" idx="12"/>
+          </p:nvPr>
+        </p:nvSpPr>
+        <p:spPr/>
+        <p:txBody>
+          <a:bodyPr/>
+          <a:lstStyle/>
+          <a:p>
+            <a:r>
+              <a:rPr lang="de-DE" dirty="0"/>
+              <a:t>Anzahl der Trainingsprozesse bei gleichen Hyperparameter erhöhen</a:t>
+            </a:r>
+          </a:p>
+          <a:p>
+            <a:pPr lvl="1"/>
+            <a:r>
+              <a:rPr lang="de-DE" dirty="0"/>
+              <a:t>bessere Ergebnisse erzielen oder ausschließen =&gt; bestes synth. Datentyp bestimmen</a:t>
+            </a:r>
+          </a:p>
+          <a:p>
+            <a:endParaRPr lang="de-DE" dirty="0"/>
+          </a:p>
+          <a:p>
+            <a:r>
+              <a:rPr lang="de-DE" dirty="0"/>
+              <a:t>Optimierung der Hyperparameter</a:t>
+            </a:r>
+          </a:p>
+          <a:p>
+            <a:pPr lvl="1"/>
+            <a:r>
+              <a:rPr lang="de-DE" dirty="0"/>
+              <a:t>führt zu besseren Ergebnissen</a:t>
+            </a:r>
+          </a:p>
+          <a:p>
+            <a:endParaRPr lang="de-DE" dirty="0"/>
+          </a:p>
+          <a:p>
+            <a:r>
+              <a:rPr lang="de-DE" dirty="0"/>
+              <a:t>Nachfolger von </a:t>
+            </a:r>
+            <a:r>
+              <a:rPr lang="de-DE" dirty="0" err="1"/>
+              <a:t>PoseNet</a:t>
+            </a:r>
+            <a:endParaRPr lang="de-DE" dirty="0"/>
+          </a:p>
+          <a:p>
+            <a:pPr lvl="1"/>
+            <a:r>
+              <a:rPr lang="de-DE" dirty="0"/>
+              <a:t>versichern Verbesserung</a:t>
+            </a:r>
+          </a:p>
+        </p:txBody>
+      </p:sp>
+      <p:sp>
+        <p:nvSpPr>
+          <p:cNvPr id="6" name="Rechteck 5">
+            <a:extLst>
+              <a:ext uri="{FF2B5EF4-FFF2-40B4-BE49-F238E27FC236}">
+                <a16:creationId xmlns:a16="http://schemas.microsoft.com/office/drawing/2014/main" id="{C7A6EC24-B5A7-E140-BF92-BE67A98BEBBA}"/>
+              </a:ext>
+            </a:extLst>
+          </p:cNvPr>
+          <p:cNvSpPr/>
+          <p:nvPr/>
+        </p:nvSpPr>
+        <p:spPr>
+          <a:xfrm>
+            <a:off x="9360568" y="6521393"/>
+            <a:ext cx="754438" cy="336608"/>
+          </a:xfrm>
+          <a:prstGeom prst="rect">
+            <a:avLst/>
+          </a:prstGeom>
+          <a:solidFill>
+            <a:schemeClr val="bg2">
+              <a:alpha val="70000"/>
+            </a:schemeClr>
+          </a:solidFill>
+          <a:ln>
+            <a:noFill/>
+          </a:ln>
+        </p:spPr>
+        <p:style>
+          <a:lnRef idx="2">
+            <a:schemeClr val="accent1">
+              <a:shade val="50000"/>
+            </a:schemeClr>
+          </a:lnRef>
+          <a:fillRef idx="1">
+            <a:schemeClr val="accent1"/>
+          </a:fillRef>
+          <a:effectRef idx="0">
+            <a:schemeClr val="accent1"/>
+          </a:effectRef>
+          <a:fontRef idx="minor">
+            <a:schemeClr val="lt1"/>
+          </a:fontRef>
+        </p:style>
+        <p:txBody>
+          <a:bodyPr rtlCol="0" anchor="ctr"/>
+          <a:lstStyle/>
+          <a:p>
+            <a:pPr algn="ctr"/>
+            <a:endParaRPr lang="de-DE"/>
+          </a:p>
+        </p:txBody>
+      </p:sp>
+    </p:spTree>
+    <p:extLst>
+      <p:ext uri="{BB962C8B-B14F-4D97-AF65-F5344CB8AC3E}">
+        <p14:creationId xmlns:p14="http://schemas.microsoft.com/office/powerpoint/2010/main" val="1413386977"/>
+      </p:ext>
+    </p:extLst>
+  </p:cSld>
+  <p:clrMapOvr>
+    <a:masterClrMapping/>
+  </p:clrMapOvr>
+</p:sld>
+</file>
+
+<file path=ppt/slides/slide3.xml><?xml version="1.0" encoding="utf-8"?>
+<p:sld xmlns:a="http://schemas.openxmlformats.org/drawingml/2006/main" xmlns:r="http://schemas.openxmlformats.org/officeDocument/2006/relationships" xmlns:p="http://schemas.openxmlformats.org/presentationml/2006/main">
+  <p:cSld>
+    <p:spTree>
+      <p:nvGrpSpPr>
+        <p:cNvPr id="1" name=""/>
+        <p:cNvGrpSpPr/>
+        <p:nvPr/>
+      </p:nvGrpSpPr>
+      <p:grpSpPr>
+        <a:xfrm>
+          <a:off x="0" y="0"/>
+          <a:ext cx="0" cy="0"/>
+          <a:chOff x="0" y="0"/>
+          <a:chExt cx="0" cy="0"/>
+        </a:xfrm>
+      </p:grpSpPr>
+      <p:sp>
+        <p:nvSpPr>
+          <p:cNvPr id="2" name="Titel 1">
+            <a:extLst>
+              <a:ext uri="{FF2B5EF4-FFF2-40B4-BE49-F238E27FC236}">
+                <a16:creationId xmlns:a16="http://schemas.microsoft.com/office/drawing/2014/main" id="{50C85C7F-D438-0C40-BF5C-DA9B0BD7A6A6}"/>
+              </a:ext>
+            </a:extLst>
+          </p:cNvPr>
+          <p:cNvSpPr>
+            <a:spLocks noGrp="1"/>
+          </p:cNvSpPr>
+          <p:nvPr>
+            <p:ph type="title"/>
+          </p:nvPr>
+        </p:nvSpPr>
+        <p:spPr/>
+        <p:txBody>
+          <a:bodyPr/>
+          <a:lstStyle/>
+          <a:p>
+            <a:r>
+              <a:rPr lang="de-DE" dirty="0"/>
+              <a:t>S. der Forschung &amp; Grundlagen</a:t>
+            </a:r>
+          </a:p>
+        </p:txBody>
+      </p:sp>
+      <p:sp>
+        <p:nvSpPr>
+          <p:cNvPr id="3" name="Datumsplatzhalter 2">
+            <a:extLst>
+              <a:ext uri="{FF2B5EF4-FFF2-40B4-BE49-F238E27FC236}">
+                <a16:creationId xmlns:a16="http://schemas.microsoft.com/office/drawing/2014/main" id="{F08E0BFC-668D-4249-A4BD-AEC9CEA23BEB}"/>
+              </a:ext>
+            </a:extLst>
+          </p:cNvPr>
+          <p:cNvSpPr>
+            <a:spLocks noGrp="1"/>
+          </p:cNvSpPr>
+          <p:nvPr>
+            <p:ph type="dt" sz="half" idx="10"/>
+          </p:nvPr>
+        </p:nvSpPr>
+        <p:spPr/>
+        <p:txBody>
+          <a:bodyPr/>
+          <a:lstStyle/>
+          <a:p>
+            <a:r>
+              <a:rPr lang="de-DE" b="0"/>
+              <a:t>24.09.2019</a:t>
+            </a:r>
+            <a:endParaRPr lang="de-DE" b="0" dirty="0"/>
+          </a:p>
+        </p:txBody>
+      </p:sp>
+      <p:sp>
+        <p:nvSpPr>
+          <p:cNvPr id="4" name="Foliennummernplatzhalter 3">
+            <a:extLst>
+              <a:ext uri="{FF2B5EF4-FFF2-40B4-BE49-F238E27FC236}">
+                <a16:creationId xmlns:a16="http://schemas.microsoft.com/office/drawing/2014/main" id="{CB123D5F-265D-5347-A68F-DA090AE35F6D}"/>
+              </a:ext>
+            </a:extLst>
+          </p:cNvPr>
+          <p:cNvSpPr>
+            <a:spLocks noGrp="1"/>
+          </p:cNvSpPr>
+          <p:nvPr>
+            <p:ph type="sldNum" sz="quarter" idx="11"/>
+          </p:nvPr>
+        </p:nvSpPr>
+        <p:spPr/>
+        <p:txBody>
+          <a:bodyPr/>
+          <a:lstStyle/>
+          <a:p>
+            <a:fld id="{4A80ED0F-F732-4A14-9F84-E00593EFD72C}" type="slidenum">
+              <a:rPr lang="de-DE" smtClean="0"/>
+              <a:pPr/>
+              <a:t>3</a:t>
+            </a:fld>
+            <a:endParaRPr lang="de-DE" dirty="0"/>
+          </a:p>
+        </p:txBody>
+      </p:sp>
+      <p:sp>
+        <p:nvSpPr>
+          <p:cNvPr id="5" name="Textplatzhalter 4">
+            <a:extLst>
+              <a:ext uri="{FF2B5EF4-FFF2-40B4-BE49-F238E27FC236}">
+                <a16:creationId xmlns:a16="http://schemas.microsoft.com/office/drawing/2014/main" id="{75909268-3CC1-DD4C-AB54-840344F9BBAD}"/>
+              </a:ext>
+            </a:extLst>
+          </p:cNvPr>
+          <p:cNvSpPr>
+            <a:spLocks noGrp="1"/>
+          </p:cNvSpPr>
+          <p:nvPr>
+            <p:ph type="body" sz="quarter" idx="12"/>
+          </p:nvPr>
+        </p:nvSpPr>
+        <p:spPr/>
+        <p:txBody>
+          <a:bodyPr/>
+          <a:lstStyle/>
+          <a:p>
+            <a:r>
+              <a:rPr lang="de-DE" dirty="0" err="1"/>
+              <a:t>Acharya</a:t>
+            </a:r>
+            <a:r>
+              <a:rPr lang="de-DE" dirty="0"/>
+              <a:t> et al. erhoben Daten aus </a:t>
+            </a:r>
+            <a:r>
+              <a:rPr lang="de-DE" b="1" dirty="0"/>
+              <a:t>Simulation</a:t>
+            </a:r>
+            <a:r>
+              <a:rPr lang="de-DE" dirty="0"/>
+              <a:t> statt über </a:t>
+            </a:r>
+            <a:r>
+              <a:rPr lang="de-DE" dirty="0" err="1"/>
+              <a:t>SfM</a:t>
+            </a:r>
+            <a:r>
+              <a:rPr lang="de-DE" dirty="0"/>
+              <a:t>-Methoden</a:t>
+            </a:r>
+          </a:p>
+          <a:p>
+            <a:pPr lvl="1"/>
+            <a:r>
+              <a:rPr lang="de-DE" dirty="0"/>
+              <a:t>Trainiert mit unterschiedlichen synth. Datentypen   =&gt;   5m,  20°</a:t>
+            </a:r>
+          </a:p>
+          <a:p>
+            <a:pPr lvl="1"/>
+            <a:r>
+              <a:rPr lang="de-DE" dirty="0"/>
+              <a:t>Trainiert mit </a:t>
+            </a:r>
+            <a:r>
+              <a:rPr lang="de-DE" b="1" dirty="0" err="1"/>
+              <a:t>Gradientenbildern</a:t>
+            </a:r>
+            <a:r>
+              <a:rPr lang="de-DE" dirty="0"/>
+              <a:t> der synth. Daten   =&gt;   2m,    7°</a:t>
+            </a:r>
+          </a:p>
+          <a:p>
+            <a:pPr lvl="1"/>
+            <a:endParaRPr lang="de-DE" dirty="0"/>
+          </a:p>
+          <a:p>
+            <a:endParaRPr lang="de-DE" dirty="0"/>
+          </a:p>
+          <a:p>
+            <a:endParaRPr lang="de-DE" dirty="0"/>
+          </a:p>
+          <a:p>
+            <a:endParaRPr lang="de-DE" dirty="0"/>
+          </a:p>
+          <a:p>
+            <a:endParaRPr lang="de-DE" dirty="0"/>
+          </a:p>
+          <a:p>
+            <a:endParaRPr lang="de-DE" dirty="0"/>
+          </a:p>
+          <a:p>
+            <a:r>
+              <a:rPr lang="de-DE" b="1" dirty="0"/>
+              <a:t>Ziel</a:t>
+            </a:r>
+            <a:r>
+              <a:rPr lang="de-DE" dirty="0"/>
+              <a:t>: diesen Ansatz in </a:t>
+            </a:r>
+            <a:r>
+              <a:rPr lang="de-DE" b="1" dirty="0"/>
+              <a:t>größeren</a:t>
+            </a:r>
+            <a:r>
+              <a:rPr lang="de-DE" dirty="0"/>
+              <a:t> Gebäuden auf </a:t>
+            </a:r>
+            <a:r>
+              <a:rPr lang="de-DE" b="1" dirty="0"/>
+              <a:t>längeren</a:t>
+            </a:r>
+            <a:r>
+              <a:rPr lang="de-DE" dirty="0"/>
+              <a:t> Strecken zu untersuchen</a:t>
+            </a:r>
+          </a:p>
+          <a:p>
+            <a:pPr lvl="1"/>
+            <a:r>
+              <a:rPr lang="de-DE" b="1" dirty="0"/>
+              <a:t>mehrere</a:t>
+            </a:r>
+            <a:r>
+              <a:rPr lang="de-DE" dirty="0"/>
+              <a:t> Richtung &amp; Etagenebenen</a:t>
+            </a:r>
+          </a:p>
+        </p:txBody>
+      </p:sp>
+      <p:sp>
+        <p:nvSpPr>
+          <p:cNvPr id="6" name="Rechteck 5">
+            <a:extLst>
+              <a:ext uri="{FF2B5EF4-FFF2-40B4-BE49-F238E27FC236}">
+                <a16:creationId xmlns:a16="http://schemas.microsoft.com/office/drawing/2014/main" id="{C5C8C7E1-3DD3-524B-962D-4A395D3E3480}"/>
+              </a:ext>
+            </a:extLst>
+          </p:cNvPr>
+          <p:cNvSpPr/>
+          <p:nvPr/>
+        </p:nvSpPr>
+        <p:spPr>
+          <a:xfrm>
+            <a:off x="6096000" y="6521393"/>
+            <a:ext cx="4019006" cy="336608"/>
+          </a:xfrm>
+          <a:prstGeom prst="rect">
+            <a:avLst/>
+          </a:prstGeom>
+          <a:solidFill>
+            <a:schemeClr val="bg2">
+              <a:alpha val="70000"/>
+            </a:schemeClr>
+          </a:solidFill>
+          <a:ln>
+            <a:noFill/>
+          </a:ln>
+        </p:spPr>
+        <p:style>
+          <a:lnRef idx="2">
+            <a:schemeClr val="accent1">
+              <a:shade val="50000"/>
+            </a:schemeClr>
+          </a:lnRef>
+          <a:fillRef idx="1">
+            <a:schemeClr val="accent1"/>
+          </a:fillRef>
+          <a:effectRef idx="0">
+            <a:schemeClr val="accent1"/>
+          </a:effectRef>
+          <a:fontRef idx="minor">
+            <a:schemeClr val="lt1"/>
+          </a:fontRef>
+        </p:style>
+        <p:txBody>
+          <a:bodyPr rtlCol="0" anchor="ctr"/>
+          <a:lstStyle/>
+          <a:p>
+            <a:pPr algn="ctr"/>
+            <a:endParaRPr lang="de-DE"/>
+          </a:p>
+        </p:txBody>
+      </p:sp>
+      <p:pic>
+        <p:nvPicPr>
+          <p:cNvPr id="8" name="Grafik 7">
+            <a:extLst>
+              <a:ext uri="{FF2B5EF4-FFF2-40B4-BE49-F238E27FC236}">
+                <a16:creationId xmlns:a16="http://schemas.microsoft.com/office/drawing/2014/main" id="{0B6DDE3C-B86B-F042-AEEE-1E5780AB2A6E}"/>
+              </a:ext>
+            </a:extLst>
+          </p:cNvPr>
+          <p:cNvPicPr>
+            <a:picLocks noChangeAspect="1"/>
+          </p:cNvPicPr>
+          <p:nvPr/>
+        </p:nvPicPr>
+        <p:blipFill>
+          <a:blip r:embed="rId3">
+            <a:extLst>
+              <a:ext uri="{28A0092B-C50C-407E-A947-70E740481C1C}">
+                <a14:useLocalDpi xmlns:a14="http://schemas.microsoft.com/office/drawing/2010/main" val="0"/>
+              </a:ext>
+            </a:extLst>
+          </a:blip>
+          <a:stretch>
+            <a:fillRect/>
+          </a:stretch>
+        </p:blipFill>
+        <p:spPr>
+          <a:xfrm>
+            <a:off x="1899842" y="2630311"/>
+            <a:ext cx="8317887" cy="2376539"/>
+          </a:xfrm>
+          <a:prstGeom prst="rect">
+            <a:avLst/>
+          </a:prstGeom>
+        </p:spPr>
+      </p:pic>
+    </p:spTree>
+    <p:extLst>
+      <p:ext uri="{BB962C8B-B14F-4D97-AF65-F5344CB8AC3E}">
+        <p14:creationId xmlns:p14="http://schemas.microsoft.com/office/powerpoint/2010/main" val="670346846"/>
+      </p:ext>
+    </p:extLst>
+  </p:cSld>
+  <p:clrMapOvr>
+    <a:masterClrMapping/>
+  </p:clrMapOvr>
+</p:sld>
+</file>
+
+<file path=ppt/slides/slide4.xml><?xml version="1.0" encoding="utf-8"?>
+<p:sld xmlns:a="http://schemas.openxmlformats.org/drawingml/2006/main" xmlns:r="http://schemas.openxmlformats.org/officeDocument/2006/relationships" xmlns:p="http://schemas.openxmlformats.org/presentationml/2006/main">
+  <p:cSld>
+    <p:spTree>
+      <p:nvGrpSpPr>
+        <p:cNvPr id="1" name=""/>
+        <p:cNvGrpSpPr/>
+        <p:nvPr/>
+      </p:nvGrpSpPr>
+      <p:grpSpPr>
+        <a:xfrm>
+          <a:off x="0" y="0"/>
+          <a:ext cx="0" cy="0"/>
+          <a:chOff x="0" y="0"/>
+          <a:chExt cx="0" cy="0"/>
+        </a:xfrm>
+      </p:grpSpPr>
+      <p:sp>
+        <p:nvSpPr>
+          <p:cNvPr id="2" name="Titel 1">
+            <a:extLst>
+              <a:ext uri="{FF2B5EF4-FFF2-40B4-BE49-F238E27FC236}">
+                <a16:creationId xmlns:a16="http://schemas.microsoft.com/office/drawing/2014/main" id="{3A0B2BFD-622E-5D41-A4E2-DFF675BFA198}"/>
+              </a:ext>
+            </a:extLst>
+          </p:cNvPr>
+          <p:cNvSpPr>
+            <a:spLocks noGrp="1"/>
+          </p:cNvSpPr>
+          <p:nvPr>
+            <p:ph type="title"/>
+          </p:nvPr>
+        </p:nvSpPr>
+        <p:spPr/>
+        <p:txBody>
+          <a:bodyPr/>
+          <a:lstStyle/>
+          <a:p>
+            <a:r>
+              <a:rPr lang="de-DE" dirty="0"/>
+              <a:t>Methodik</a:t>
+            </a:r>
+          </a:p>
+        </p:txBody>
+      </p:sp>
+      <p:sp>
+        <p:nvSpPr>
+          <p:cNvPr id="3" name="Datumsplatzhalter 2">
+            <a:extLst>
+              <a:ext uri="{FF2B5EF4-FFF2-40B4-BE49-F238E27FC236}">
+                <a16:creationId xmlns:a16="http://schemas.microsoft.com/office/drawing/2014/main" id="{930AA41F-BF18-FB4C-8735-DD5FD63B410E}"/>
+              </a:ext>
+            </a:extLst>
+          </p:cNvPr>
+          <p:cNvSpPr>
+            <a:spLocks noGrp="1"/>
+          </p:cNvSpPr>
+          <p:nvPr>
+            <p:ph type="dt" sz="half" idx="10"/>
+          </p:nvPr>
+        </p:nvSpPr>
+        <p:spPr/>
+        <p:txBody>
+          <a:bodyPr/>
+          <a:lstStyle/>
+          <a:p>
+            <a:r>
+              <a:rPr lang="de-DE" b="0"/>
+              <a:t>24.09.2019</a:t>
+            </a:r>
+            <a:endParaRPr lang="de-DE" b="0" dirty="0"/>
+          </a:p>
+        </p:txBody>
+      </p:sp>
+      <p:sp>
+        <p:nvSpPr>
+          <p:cNvPr id="4" name="Foliennummernplatzhalter 3">
+            <a:extLst>
+              <a:ext uri="{FF2B5EF4-FFF2-40B4-BE49-F238E27FC236}">
+                <a16:creationId xmlns:a16="http://schemas.microsoft.com/office/drawing/2014/main" id="{20E1428C-9EDA-4343-B139-0C88069AE3FA}"/>
+              </a:ext>
+            </a:extLst>
+          </p:cNvPr>
+          <p:cNvSpPr>
+            <a:spLocks noGrp="1"/>
+          </p:cNvSpPr>
+          <p:nvPr>
+            <p:ph type="sldNum" sz="quarter" idx="11"/>
+          </p:nvPr>
+        </p:nvSpPr>
+        <p:spPr/>
+        <p:txBody>
+          <a:bodyPr/>
+          <a:lstStyle/>
+          <a:p>
+            <a:fld id="{4A80ED0F-F732-4A14-9F84-E00593EFD72C}" type="slidenum">
+              <a:rPr lang="de-DE" smtClean="0"/>
+              <a:pPr/>
+              <a:t>4</a:t>
+            </a:fld>
+            <a:endParaRPr lang="de-DE" dirty="0"/>
+          </a:p>
+        </p:txBody>
+      </p:sp>
+      <p:sp>
+        <p:nvSpPr>
+          <p:cNvPr id="5" name="Textplatzhalter 4">
+            <a:extLst>
+              <a:ext uri="{FF2B5EF4-FFF2-40B4-BE49-F238E27FC236}">
+                <a16:creationId xmlns:a16="http://schemas.microsoft.com/office/drawing/2014/main" id="{C22408AC-3A01-864B-A344-AB7C0EE638C6}"/>
+              </a:ext>
+            </a:extLst>
+          </p:cNvPr>
+          <p:cNvSpPr>
+            <a:spLocks noGrp="1"/>
+          </p:cNvSpPr>
+          <p:nvPr>
+            <p:ph type="body" sz="quarter" idx="12"/>
+          </p:nvPr>
+        </p:nvSpPr>
+        <p:spPr>
+          <a:xfrm>
+            <a:off x="91579" y="1219201"/>
+            <a:ext cx="5451645" cy="5198760"/>
+          </a:xfrm>
+        </p:spPr>
+        <p:txBody>
+          <a:bodyPr/>
+          <a:lstStyle/>
+          <a:p>
+            <a:r>
+              <a:rPr lang="de-DE" dirty="0"/>
+              <a:t>Erhebung der realen Daten</a:t>
+            </a:r>
+          </a:p>
+          <a:p>
+            <a:endParaRPr lang="de-DE" dirty="0"/>
+          </a:p>
+          <a:p>
+            <a:r>
+              <a:rPr lang="de-DE" dirty="0"/>
+              <a:t>Generierung der synth. Daten</a:t>
+            </a:r>
+          </a:p>
+          <a:p>
+            <a:endParaRPr lang="de-DE" dirty="0"/>
+          </a:p>
+          <a:p>
+            <a:r>
+              <a:rPr lang="de-DE" dirty="0"/>
+              <a:t>Verarbeitung der Daten</a:t>
+            </a:r>
+          </a:p>
+          <a:p>
+            <a:endParaRPr lang="de-DE" dirty="0"/>
+          </a:p>
+          <a:p>
+            <a:r>
+              <a:rPr lang="de-DE" dirty="0"/>
+              <a:t>Datensätze</a:t>
+            </a:r>
+          </a:p>
+          <a:p>
+            <a:endParaRPr lang="de-DE" dirty="0"/>
+          </a:p>
+          <a:p>
+            <a:r>
+              <a:rPr lang="de-DE" dirty="0"/>
+              <a:t>Trainingsparameter</a:t>
+            </a:r>
+          </a:p>
+        </p:txBody>
+      </p:sp>
+      <p:sp>
+        <p:nvSpPr>
+          <p:cNvPr id="6" name="Rechteck 5">
+            <a:extLst>
+              <a:ext uri="{FF2B5EF4-FFF2-40B4-BE49-F238E27FC236}">
+                <a16:creationId xmlns:a16="http://schemas.microsoft.com/office/drawing/2014/main" id="{032B6A1D-5861-3C42-9E4F-CC673F300EDC}"/>
+              </a:ext>
+            </a:extLst>
+          </p:cNvPr>
+          <p:cNvSpPr/>
+          <p:nvPr/>
+        </p:nvSpPr>
+        <p:spPr>
+          <a:xfrm>
+            <a:off x="7112738" y="6521393"/>
+            <a:ext cx="3002268" cy="336608"/>
+          </a:xfrm>
+          <a:prstGeom prst="rect">
+            <a:avLst/>
+          </a:prstGeom>
+          <a:solidFill>
+            <a:schemeClr val="bg2">
+              <a:alpha val="70000"/>
+            </a:schemeClr>
+          </a:solidFill>
+          <a:ln>
+            <a:noFill/>
+          </a:ln>
+        </p:spPr>
+        <p:style>
+          <a:lnRef idx="2">
+            <a:schemeClr val="accent1">
+              <a:shade val="50000"/>
+            </a:schemeClr>
+          </a:lnRef>
+          <a:fillRef idx="1">
+            <a:schemeClr val="accent1"/>
+          </a:fillRef>
+          <a:effectRef idx="0">
+            <a:schemeClr val="accent1"/>
+          </a:effectRef>
+          <a:fontRef idx="minor">
+            <a:schemeClr val="lt1"/>
+          </a:fontRef>
+        </p:style>
+        <p:txBody>
+          <a:bodyPr rtlCol="0" anchor="ctr"/>
+          <a:lstStyle/>
+          <a:p>
+            <a:pPr algn="ctr"/>
+            <a:endParaRPr lang="de-DE"/>
+          </a:p>
+        </p:txBody>
+      </p:sp>
+      <p:pic>
+        <p:nvPicPr>
+          <p:cNvPr id="8" name="Grafik 7">
+            <a:extLst>
+              <a:ext uri="{FF2B5EF4-FFF2-40B4-BE49-F238E27FC236}">
+                <a16:creationId xmlns:a16="http://schemas.microsoft.com/office/drawing/2014/main" id="{D1EA4A4B-C0FD-FC48-930F-C2FA663F460D}"/>
+              </a:ext>
+            </a:extLst>
+          </p:cNvPr>
+          <p:cNvPicPr>
+            <a:picLocks noChangeAspect="1"/>
+          </p:cNvPicPr>
+          <p:nvPr/>
+        </p:nvPicPr>
+        <p:blipFill>
+          <a:blip r:embed="rId2">
+            <a:extLst>
+              <a:ext uri="{28A0092B-C50C-407E-A947-70E740481C1C}">
+                <a14:useLocalDpi xmlns:a14="http://schemas.microsoft.com/office/drawing/2010/main" val="0"/>
+              </a:ext>
+            </a:extLst>
+          </a:blip>
+          <a:stretch>
+            <a:fillRect/>
+          </a:stretch>
+        </p:blipFill>
+        <p:spPr>
+          <a:xfrm>
+            <a:off x="4778477" y="1813297"/>
+            <a:ext cx="7492181" cy="3844961"/>
+          </a:xfrm>
+          <a:prstGeom prst="rect">
+            <a:avLst/>
+          </a:prstGeom>
+        </p:spPr>
+      </p:pic>
+    </p:spTree>
+    <p:extLst>
+      <p:ext uri="{BB962C8B-B14F-4D97-AF65-F5344CB8AC3E}">
+        <p14:creationId xmlns:p14="http://schemas.microsoft.com/office/powerpoint/2010/main" val="3687540326"/>
+      </p:ext>
+    </p:extLst>
+  </p:cSld>
+  <p:clrMapOvr>
+    <a:masterClrMapping/>
+  </p:clrMapOvr>
+</p:sld>
+</file>
+
 <file path=ppt/slides/slide5.xml><?xml version="1.0" encoding="utf-8"?>
 <p:sld xmlns:a="http://schemas.openxmlformats.org/drawingml/2006/main" xmlns:r="http://schemas.openxmlformats.org/officeDocument/2006/relationships" xmlns:p="http://schemas.openxmlformats.org/presentationml/2006/main">
   <p:cSld>
@@ -10117,7 +12237,7 @@
           </a:p>
           <a:p>
             <a:r>
-              <a:rPr lang="de-DE" dirty="0"/>
+              <a:rPr lang="de-DE" b="1" dirty="0"/>
               <a:t>Verarbeitung der Daten</a:t>
             </a:r>
           </a:p>
@@ -10126,7 +12246,7 @@
           </a:p>
           <a:p>
             <a:r>
-              <a:rPr lang="de-DE" dirty="0"/>
+              <a:rPr lang="de-DE" b="1" dirty="0"/>
               <a:t>Datensätze</a:t>
             </a:r>
           </a:p>
@@ -10223,8 +12343,8 @@
         </p:blipFill>
         <p:spPr>
           <a:xfrm>
-            <a:off x="5543224" y="1765532"/>
-            <a:ext cx="6482770" cy="3326935"/>
+            <a:off x="4778477" y="1813297"/>
+            <a:ext cx="7492181" cy="3844961"/>
           </a:xfrm>
           <a:prstGeom prst="rect">
             <a:avLst/>
@@ -10234,7 +12354,7 @@
     </p:spTree>
     <p:extLst>
       <p:ext uri="{BB962C8B-B14F-4D97-AF65-F5344CB8AC3E}">
-        <p14:creationId xmlns:p14="http://schemas.microsoft.com/office/powerpoint/2010/main" val="3687540326"/>
+        <p14:creationId xmlns:p14="http://schemas.microsoft.com/office/powerpoint/2010/main" val="2895807052"/>
       </p:ext>
     </p:extLst>
   </p:cSld>
@@ -10266,7 +12386,7 @@
           <p:cNvPr id="2" name="Titel 1">
             <a:extLst>
               <a:ext uri="{FF2B5EF4-FFF2-40B4-BE49-F238E27FC236}">
-                <a16:creationId xmlns:a16="http://schemas.microsoft.com/office/drawing/2014/main" id="{29D6D287-4A68-004E-B6D4-6788E4B5CC8E}"/>
+                <a16:creationId xmlns:a16="http://schemas.microsoft.com/office/drawing/2014/main" id="{B10405F6-5D67-964D-B0D7-7662B14A370D}"/>
               </a:ext>
             </a:extLst>
           </p:cNvPr>
@@ -10284,7 +12404,7 @@
           <a:p>
             <a:r>
               <a:rPr lang="de-DE" dirty="0"/>
-              <a:t>Erhebung der realen Daten</a:t>
+              <a:t>Verarbeitung der Daten</a:t>
             </a:r>
           </a:p>
         </p:txBody>
@@ -10294,7 +12414,7 @@
           <p:cNvPr id="3" name="Datumsplatzhalter 2">
             <a:extLst>
               <a:ext uri="{FF2B5EF4-FFF2-40B4-BE49-F238E27FC236}">
-                <a16:creationId xmlns:a16="http://schemas.microsoft.com/office/drawing/2014/main" id="{F18F1A6F-A1D6-224D-BDB7-B3EE233FAA4A}"/>
+                <a16:creationId xmlns:a16="http://schemas.microsoft.com/office/drawing/2014/main" id="{FBBBC918-848C-BF48-9985-5BD982239191}"/>
               </a:ext>
             </a:extLst>
           </p:cNvPr>
@@ -10323,7 +12443,7 @@
           <p:cNvPr id="4" name="Foliennummernplatzhalter 3">
             <a:extLst>
               <a:ext uri="{FF2B5EF4-FFF2-40B4-BE49-F238E27FC236}">
-                <a16:creationId xmlns:a16="http://schemas.microsoft.com/office/drawing/2014/main" id="{1CB04A3E-CC3B-C345-8678-CA1FC076E12F}"/>
+                <a16:creationId xmlns:a16="http://schemas.microsoft.com/office/drawing/2014/main" id="{6064E051-DB36-8242-89AA-1EA9FDF83854}"/>
               </a:ext>
             </a:extLst>
           </p:cNvPr>
@@ -10353,7 +12473,7 @@
           <p:cNvPr id="5" name="Textplatzhalter 4">
             <a:extLst>
               <a:ext uri="{FF2B5EF4-FFF2-40B4-BE49-F238E27FC236}">
-                <a16:creationId xmlns:a16="http://schemas.microsoft.com/office/drawing/2014/main" id="{D48547CA-0668-A54A-B1A9-7B4EFD36792F}"/>
+                <a16:creationId xmlns:a16="http://schemas.microsoft.com/office/drawing/2014/main" id="{5618BB61-46BF-F74A-B27A-E3C8E4DAEE67}"/>
               </a:ext>
             </a:extLst>
           </p:cNvPr>
@@ -10366,8 +12486,8 @@
         </p:nvSpPr>
         <p:spPr>
           <a:xfrm>
-            <a:off x="91579" y="1219201"/>
-            <a:ext cx="5647483" cy="5198760"/>
+            <a:off x="91580" y="1219201"/>
+            <a:ext cx="4973298" cy="5198760"/>
           </a:xfrm>
         </p:spPr>
         <p:txBody>
@@ -10375,66 +12495,38 @@
           <a:lstStyle/>
           <a:p>
             <a:r>
-              <a:rPr lang="de-DE" dirty="0"/>
-              <a:t>beliebige Kameras</a:t>
+              <a:rPr lang="de-DE" dirty="0" err="1"/>
+              <a:t>Gradientenbild</a:t>
+            </a:r>
+            <a:endParaRPr lang="de-DE" dirty="0"/>
+          </a:p>
+          <a:p>
+            <a:endParaRPr lang="de-DE" dirty="0"/>
+          </a:p>
+          <a:p>
+            <a:r>
+              <a:rPr lang="de-DE" dirty="0" err="1"/>
+              <a:t>Treshold</a:t>
+            </a:r>
+            <a:r>
+              <a:rPr lang="de-DE" dirty="0"/>
+              <a:t>-Verfahren</a:t>
             </a:r>
           </a:p>
           <a:p>
             <a:pPr lvl="1"/>
             <a:r>
-              <a:rPr lang="de-DE" dirty="0" err="1"/>
-              <a:t>SfM</a:t>
-            </a:r>
-            <a:r>
-              <a:rPr lang="de-DE" dirty="0"/>
-              <a:t>-Methoden</a:t>
-            </a:r>
-          </a:p>
-          <a:p>
-            <a:pPr marL="0" indent="0">
-              <a:buNone/>
-            </a:pPr>
-            <a:endParaRPr lang="de-DE" dirty="0"/>
-          </a:p>
-          <a:p>
-            <a:r>
-              <a:rPr lang="de-DE" dirty="0"/>
-              <a:t>Intel Realsense T265 &amp; D435</a:t>
+              <a:rPr lang="de-DE" dirty="0"/>
+              <a:t>Unterdrückung der durch die synth. Lichter entstandenen </a:t>
+            </a:r>
+            <a:r>
+              <a:rPr lang="de-DE" b="1" dirty="0"/>
+              <a:t>Artefakte</a:t>
             </a:r>
           </a:p>
           <a:p>
             <a:pPr lvl="1"/>
-            <a:r>
-              <a:rPr lang="de-DE" dirty="0"/>
-              <a:t>versicherte bei gegebenen </a:t>
-            </a:r>
-            <a:r>
-              <a:rPr lang="de-DE" dirty="0" err="1"/>
-              <a:t>Bestkoniditionen</a:t>
-            </a:r>
-            <a:r>
-              <a:rPr lang="de-DE" dirty="0"/>
-              <a:t> einen Drift von 1%</a:t>
-            </a:r>
-          </a:p>
-          <a:p>
-            <a:pPr marL="0" indent="0">
-              <a:buNone/>
-            </a:pPr>
-            <a:endParaRPr lang="de-DE" dirty="0"/>
-          </a:p>
-          <a:p>
-            <a:r>
-              <a:rPr lang="de-DE" dirty="0"/>
-              <a:t>Roboter Operating System (ROS)</a:t>
-            </a:r>
-          </a:p>
-          <a:p>
-            <a:pPr lvl="1"/>
-            <a:r>
-              <a:rPr lang="de-DE" dirty="0"/>
-              <a:t>Hardware gesteuert und Datenfluss synchronisiert</a:t>
-            </a:r>
+            <a:endParaRPr lang="de-DE" b="1" dirty="0"/>
           </a:p>
         </p:txBody>
       </p:sp>
@@ -10443,7 +12535,43 @@
           <p:cNvPr id="7" name="Grafik 6">
             <a:extLst>
               <a:ext uri="{FF2B5EF4-FFF2-40B4-BE49-F238E27FC236}">
-                <a16:creationId xmlns:a16="http://schemas.microsoft.com/office/drawing/2014/main" id="{63B54DF6-73A9-1143-99AD-A9AF57554A04}"/>
+                <a16:creationId xmlns:a16="http://schemas.microsoft.com/office/drawing/2014/main" id="{082F530F-680E-E041-96A6-E0EB4B6879C1}"/>
+              </a:ext>
+            </a:extLst>
+          </p:cNvPr>
+          <p:cNvPicPr>
+            <a:picLocks noChangeAspect="1"/>
+          </p:cNvPicPr>
+          <p:nvPr/>
+        </p:nvPicPr>
+        <p:blipFill>
+          <a:blip r:embed="rId2">
+            <a:extLst>
+              <a:ext uri="{28A0092B-C50C-407E-A947-70E740481C1C}">
+                <a14:useLocalDpi xmlns:a14="http://schemas.microsoft.com/office/drawing/2010/main" val="0"/>
+              </a:ext>
+            </a:extLst>
+          </a:blip>
+          <a:stretch>
+            <a:fillRect/>
+          </a:stretch>
+        </p:blipFill>
+        <p:spPr>
+          <a:xfrm>
+            <a:off x="5064877" y="970810"/>
+            <a:ext cx="6961117" cy="1384738"/>
+          </a:xfrm>
+          <a:prstGeom prst="rect">
+            <a:avLst/>
+          </a:prstGeom>
+        </p:spPr>
+      </p:pic>
+      <p:pic>
+        <p:nvPicPr>
+          <p:cNvPr id="9" name="Grafik 8">
+            <a:extLst>
+              <a:ext uri="{FF2B5EF4-FFF2-40B4-BE49-F238E27FC236}">
+                <a16:creationId xmlns:a16="http://schemas.microsoft.com/office/drawing/2014/main" id="{156B8A6C-36EE-1943-A496-7C742CBAC3B2}"/>
               </a:ext>
             </a:extLst>
           </p:cNvPr>
@@ -10466,179 +12594,20 @@
         </p:blipFill>
         <p:spPr>
           <a:xfrm>
-            <a:off x="7112738" y="1033544"/>
-            <a:ext cx="3501275" cy="2005756"/>
+            <a:off x="5064877" y="2762411"/>
+            <a:ext cx="6935388" cy="3560413"/>
           </a:xfrm>
           <a:prstGeom prst="rect">
             <a:avLst/>
           </a:prstGeom>
         </p:spPr>
       </p:pic>
-      <p:pic>
-        <p:nvPicPr>
-          <p:cNvPr id="9" name="Grafik 8">
-            <a:extLst>
-              <a:ext uri="{FF2B5EF4-FFF2-40B4-BE49-F238E27FC236}">
-                <a16:creationId xmlns:a16="http://schemas.microsoft.com/office/drawing/2014/main" id="{F626A719-53D9-7C4E-825E-CFFB58FBAE03}"/>
-              </a:ext>
-            </a:extLst>
-          </p:cNvPr>
-          <p:cNvPicPr>
-            <a:picLocks noChangeAspect="1"/>
-          </p:cNvPicPr>
-          <p:nvPr/>
-        </p:nvPicPr>
-        <p:blipFill>
-          <a:blip r:embed="rId4">
-            <a:extLst>
-              <a:ext uri="{28A0092B-C50C-407E-A947-70E740481C1C}">
-                <a14:useLocalDpi xmlns:a14="http://schemas.microsoft.com/office/drawing/2010/main" val="0"/>
-              </a:ext>
-            </a:extLst>
-          </a:blip>
-          <a:stretch>
-            <a:fillRect/>
-          </a:stretch>
-        </p:blipFill>
-        <p:spPr>
-          <a:xfrm>
-            <a:off x="5560828" y="3142732"/>
-            <a:ext cx="6465166" cy="3275229"/>
-          </a:xfrm>
-          <a:prstGeom prst="rect">
-            <a:avLst/>
-          </a:prstGeom>
-        </p:spPr>
-      </p:pic>
-      <p:sp>
-        <p:nvSpPr>
-          <p:cNvPr id="10" name="Textfeld 9">
-            <a:extLst>
-              <a:ext uri="{FF2B5EF4-FFF2-40B4-BE49-F238E27FC236}">
-                <a16:creationId xmlns:a16="http://schemas.microsoft.com/office/drawing/2014/main" id="{91829F01-511C-FB4D-B5E6-943E100C94CA}"/>
-              </a:ext>
-            </a:extLst>
-          </p:cNvPr>
-          <p:cNvSpPr txBox="1"/>
-          <p:nvPr/>
-        </p:nvSpPr>
-        <p:spPr>
-          <a:xfrm>
-            <a:off x="10887692" y="1857801"/>
-            <a:ext cx="934065" cy="646331"/>
-          </a:xfrm>
-          <a:prstGeom prst="rect">
-            <a:avLst/>
-          </a:prstGeom>
-          <a:noFill/>
-        </p:spPr>
-        <p:txBody>
-          <a:bodyPr wrap="square" rtlCol="0">
-            <a:spAutoFit/>
-          </a:bodyPr>
-          <a:lstStyle/>
-          <a:p>
-            <a:r>
-              <a:rPr lang="de-DE" dirty="0"/>
-              <a:t>T265</a:t>
-            </a:r>
-          </a:p>
-          <a:p>
-            <a:r>
-              <a:rPr lang="de-DE" dirty="0"/>
-              <a:t>D435</a:t>
-            </a:r>
-          </a:p>
-        </p:txBody>
-      </p:sp>
-      <p:cxnSp>
-        <p:nvCxnSpPr>
-          <p:cNvPr id="12" name="Gerade Verbindung mit Pfeil 11">
-            <a:extLst>
-              <a:ext uri="{FF2B5EF4-FFF2-40B4-BE49-F238E27FC236}">
-                <a16:creationId xmlns:a16="http://schemas.microsoft.com/office/drawing/2014/main" id="{1C92F462-BEE2-D943-95C0-0C7E217EE98D}"/>
-              </a:ext>
-            </a:extLst>
-          </p:cNvPr>
-          <p:cNvCxnSpPr>
-            <a:cxnSpLocks/>
-          </p:cNvCxnSpPr>
-          <p:nvPr/>
-        </p:nvCxnSpPr>
-        <p:spPr>
-          <a:xfrm flipH="1" flipV="1">
-            <a:off x="10425395" y="1908107"/>
-            <a:ext cx="462297" cy="175682"/>
-          </a:xfrm>
-          <a:prstGeom prst="straightConnector1">
-            <a:avLst/>
-          </a:prstGeom>
-          <a:ln>
-            <a:tailEnd type="triangle"/>
-          </a:ln>
-        </p:spPr>
-        <p:style>
-          <a:lnRef idx="1">
-            <a:schemeClr val="accent1"/>
-          </a:lnRef>
-          <a:fillRef idx="0">
-            <a:schemeClr val="accent1"/>
-          </a:fillRef>
-          <a:effectRef idx="0">
-            <a:schemeClr val="accent1"/>
-          </a:effectRef>
-          <a:fontRef idx="minor">
-            <a:schemeClr val="tx1"/>
-          </a:fontRef>
-        </p:style>
-      </p:cxnSp>
-      <p:cxnSp>
-        <p:nvCxnSpPr>
-          <p:cNvPr id="14" name="Gerade Verbindung mit Pfeil 13">
-            <a:extLst>
-              <a:ext uri="{FF2B5EF4-FFF2-40B4-BE49-F238E27FC236}">
-                <a16:creationId xmlns:a16="http://schemas.microsoft.com/office/drawing/2014/main" id="{14990052-2F5E-1048-90E7-DBD15D6A6169}"/>
-              </a:ext>
-            </a:extLst>
-          </p:cNvPr>
-          <p:cNvCxnSpPr>
-            <a:cxnSpLocks/>
-          </p:cNvCxnSpPr>
-          <p:nvPr/>
-        </p:nvCxnSpPr>
-        <p:spPr>
-          <a:xfrm flipH="1">
-            <a:off x="10425395" y="2304294"/>
-            <a:ext cx="462298" cy="147060"/>
-          </a:xfrm>
-          <a:prstGeom prst="straightConnector1">
-            <a:avLst/>
-          </a:prstGeom>
-          <a:ln>
-            <a:tailEnd type="triangle"/>
-          </a:ln>
-        </p:spPr>
-        <p:style>
-          <a:lnRef idx="1">
-            <a:schemeClr val="accent1"/>
-          </a:lnRef>
-          <a:fillRef idx="0">
-            <a:schemeClr val="accent1"/>
-          </a:fillRef>
-          <a:effectRef idx="0">
-            <a:schemeClr val="accent1"/>
-          </a:effectRef>
-          <a:fontRef idx="minor">
-            <a:schemeClr val="tx1"/>
-          </a:fontRef>
-        </p:style>
-      </p:cxnSp>
-      <p:sp>
-        <p:nvSpPr>
-          <p:cNvPr id="17" name="Rechteck 16">
-            <a:extLst>
-              <a:ext uri="{FF2B5EF4-FFF2-40B4-BE49-F238E27FC236}">
-                <a16:creationId xmlns:a16="http://schemas.microsoft.com/office/drawing/2014/main" id="{451F1E62-0729-1E44-8F82-5E2CC035EF03}"/>
+      <p:sp>
+        <p:nvSpPr>
+          <p:cNvPr id="10" name="Rechteck 9">
+            <a:extLst>
+              <a:ext uri="{FF2B5EF4-FFF2-40B4-BE49-F238E27FC236}">
+                <a16:creationId xmlns:a16="http://schemas.microsoft.com/office/drawing/2014/main" id="{4A71855A-4705-BB49-AFCB-9D86C4557E91}"/>
               </a:ext>
             </a:extLst>
           </p:cNvPr>
@@ -10689,10 +12658,10 @@
       </p:sp>
       <p:sp>
         <p:nvSpPr>
-          <p:cNvPr id="6" name="Gewitterblitz 5">
-            <a:extLst>
-              <a:ext uri="{FF2B5EF4-FFF2-40B4-BE49-F238E27FC236}">
-                <a16:creationId xmlns:a16="http://schemas.microsoft.com/office/drawing/2014/main" id="{ACF07603-F218-2B4B-B5BB-A3A81FE8C202}"/>
+          <p:cNvPr id="6" name="Pfeil nach rechts 5">
+            <a:extLst>
+              <a:ext uri="{FF2B5EF4-FFF2-40B4-BE49-F238E27FC236}">
+                <a16:creationId xmlns:a16="http://schemas.microsoft.com/office/drawing/2014/main" id="{8374425F-0750-0A44-A20E-E92959A3C3BA}"/>
               </a:ext>
             </a:extLst>
           </p:cNvPr>
@@ -10700,25 +12669,25 @@
           <p:nvPr/>
         </p:nvSpPr>
         <p:spPr>
-          <a:xfrm rot="3622919">
-            <a:off x="4866968" y="3196322"/>
-            <a:ext cx="462116" cy="564029"/>
-          </a:xfrm>
-          <a:prstGeom prst="lightningBolt">
+          <a:xfrm>
+            <a:off x="1288026" y="4286865"/>
+            <a:ext cx="2546555" cy="924232"/>
+          </a:xfrm>
+          <a:prstGeom prst="rightArrow">
             <a:avLst/>
           </a:prstGeom>
         </p:spPr>
         <p:style>
           <a:lnRef idx="2">
-            <a:schemeClr val="accent4">
+            <a:schemeClr val="accent6">
               <a:shade val="50000"/>
             </a:schemeClr>
           </a:lnRef>
           <a:fillRef idx="1">
-            <a:schemeClr val="accent4"/>
+            <a:schemeClr val="accent6"/>
           </a:fillRef>
           <a:effectRef idx="0">
-            <a:schemeClr val="accent4"/>
+            <a:schemeClr val="accent6"/>
           </a:effectRef>
           <a:fontRef idx="minor">
             <a:schemeClr val="lt1"/>
@@ -10729,14 +12698,17 @@
           <a:lstStyle/>
           <a:p>
             <a:pPr algn="ctr"/>
-            <a:endParaRPr lang="de-DE"/>
+            <a:r>
+              <a:rPr lang="de-DE" dirty="0"/>
+              <a:t>Beispiele</a:t>
+            </a:r>
           </a:p>
         </p:txBody>
       </p:sp>
     </p:spTree>
     <p:extLst>
       <p:ext uri="{BB962C8B-B14F-4D97-AF65-F5344CB8AC3E}">
-        <p14:creationId xmlns:p14="http://schemas.microsoft.com/office/powerpoint/2010/main" val="3927690452"/>
+        <p14:creationId xmlns:p14="http://schemas.microsoft.com/office/powerpoint/2010/main" val="1178824378"/>
       </p:ext>
     </p:extLst>
   </p:cSld>
@@ -10768,7 +12740,7 @@
           <p:cNvPr id="2" name="Titel 1">
             <a:extLst>
               <a:ext uri="{FF2B5EF4-FFF2-40B4-BE49-F238E27FC236}">
-                <a16:creationId xmlns:a16="http://schemas.microsoft.com/office/drawing/2014/main" id="{039E12BA-7B87-244E-BE5F-2E113E214E2F}"/>
+                <a16:creationId xmlns:a16="http://schemas.microsoft.com/office/drawing/2014/main" id="{36D97C75-F26F-684B-BFBE-0D8476667FAD}"/>
               </a:ext>
             </a:extLst>
           </p:cNvPr>
@@ -10786,7 +12758,7 @@
           <a:p>
             <a:r>
               <a:rPr lang="de-DE" dirty="0"/>
-              <a:t>Generierung der synth. Daten</a:t>
+              <a:t>Datensätze</a:t>
             </a:r>
           </a:p>
         </p:txBody>
@@ -10796,7 +12768,7 @@
           <p:cNvPr id="3" name="Datumsplatzhalter 2">
             <a:extLst>
               <a:ext uri="{FF2B5EF4-FFF2-40B4-BE49-F238E27FC236}">
-                <a16:creationId xmlns:a16="http://schemas.microsoft.com/office/drawing/2014/main" id="{6C9DD39D-35F9-0A49-B61C-047833C05F0E}"/>
+                <a16:creationId xmlns:a16="http://schemas.microsoft.com/office/drawing/2014/main" id="{102D406D-448A-FF4D-AFF6-DB24B5A87BE9}"/>
               </a:ext>
             </a:extLst>
           </p:cNvPr>
@@ -10825,7 +12797,7 @@
           <p:cNvPr id="4" name="Foliennummernplatzhalter 3">
             <a:extLst>
               <a:ext uri="{FF2B5EF4-FFF2-40B4-BE49-F238E27FC236}">
-                <a16:creationId xmlns:a16="http://schemas.microsoft.com/office/drawing/2014/main" id="{F89FD8B0-3065-6844-B44D-C913E80915E4}"/>
+                <a16:creationId xmlns:a16="http://schemas.microsoft.com/office/drawing/2014/main" id="{FD5CCFAB-E5AF-A947-B554-A47B77AB1C90}"/>
               </a:ext>
             </a:extLst>
           </p:cNvPr>
@@ -10855,7 +12827,7 @@
           <p:cNvPr id="5" name="Textplatzhalter 4">
             <a:extLst>
               <a:ext uri="{FF2B5EF4-FFF2-40B4-BE49-F238E27FC236}">
-                <a16:creationId xmlns:a16="http://schemas.microsoft.com/office/drawing/2014/main" id="{8FD69D42-6ADE-6642-B970-44C140D8F70C}"/>
+                <a16:creationId xmlns:a16="http://schemas.microsoft.com/office/drawing/2014/main" id="{5CAF1D60-44CE-DD41-9D95-22EAF008B975}"/>
               </a:ext>
             </a:extLst>
           </p:cNvPr>
@@ -10869,7 +12841,7 @@
         <p:spPr>
           <a:xfrm>
             <a:off x="91579" y="1219201"/>
-            <a:ext cx="8962859" cy="5198760"/>
+            <a:ext cx="6714985" cy="5198760"/>
           </a:xfrm>
         </p:spPr>
         <p:txBody>
@@ -10877,8 +12849,28 @@
           <a:lstStyle/>
           <a:p>
             <a:r>
-              <a:rPr lang="de-DE" dirty="0"/>
-              <a:t>3D-Gebäudesmodell aus BIM in Blender v. 2.79b simuliert</a:t>
+              <a:rPr lang="de-DE" b="1" dirty="0"/>
+              <a:t>Ziel: länger</a:t>
+            </a:r>
+            <a:r>
+              <a:rPr lang="de-DE" dirty="0"/>
+              <a:t>, in mehrere </a:t>
+            </a:r>
+            <a:r>
+              <a:rPr lang="de-DE" b="1" dirty="0"/>
+              <a:t>Richtungen</a:t>
+            </a:r>
+            <a:r>
+              <a:rPr lang="de-DE" dirty="0"/>
+              <a:t> verlaufend und auf mehrere </a:t>
+            </a:r>
+            <a:r>
+              <a:rPr lang="de-DE" b="1" dirty="0"/>
+              <a:t>Etagenebenen</a:t>
+            </a:r>
+            <a:r>
+              <a:rPr lang="de-DE" dirty="0"/>
+              <a:t> erstreckend</a:t>
             </a:r>
           </a:p>
           <a:p>
@@ -10887,90 +12879,24 @@
           <a:p>
             <a:r>
               <a:rPr lang="de-DE" dirty="0"/>
-              <a:t>(</a:t>
-            </a:r>
-            <a:r>
-              <a:rPr lang="de-DE" i="1" dirty="0"/>
-              <a:t>bestmögliche</a:t>
-            </a:r>
-            <a:r>
-              <a:rPr lang="de-DE" dirty="0"/>
-              <a:t>) Imitation der Aufnahmestrecken</a:t>
+              <a:t>Daten erhoben:</a:t>
             </a:r>
           </a:p>
           <a:p>
             <a:pPr lvl="1"/>
             <a:r>
               <a:rPr lang="de-DE" dirty="0"/>
-              <a:t>0.05m Intervallen mit +/- 10° Neigung in je </a:t>
-            </a:r>
-            <a:r>
-              <a:rPr lang="de-DE" dirty="0" err="1"/>
-              <a:t>y</a:t>
-            </a:r>
-            <a:r>
-              <a:rPr lang="de-DE" dirty="0"/>
-              <a:t>- und </a:t>
-            </a:r>
-            <a:r>
-              <a:rPr lang="de-DE" dirty="0" err="1"/>
-              <a:t>z</a:t>
-            </a:r>
-            <a:r>
-              <a:rPr lang="de-DE" dirty="0"/>
-              <a:t>-Achse</a:t>
-            </a:r>
-          </a:p>
-          <a:p>
-            <a:pPr marL="0" indent="0">
-              <a:buNone/>
-            </a:pPr>
-            <a:endParaRPr lang="de-DE" dirty="0"/>
-          </a:p>
-          <a:p>
-            <a:r>
-              <a:rPr lang="de-DE" dirty="0"/>
-              <a:t>Insgesamt 3 Typen (</a:t>
-            </a:r>
-            <a:r>
-              <a:rPr lang="de-DE" i="1" dirty="0"/>
-              <a:t>angelehnt an </a:t>
-            </a:r>
-            <a:r>
-              <a:rPr lang="de-DE" i="1" dirty="0" err="1"/>
-              <a:t>Acharya</a:t>
-            </a:r>
-            <a:r>
-              <a:rPr lang="de-DE" i="1" dirty="0"/>
-              <a:t> et al.</a:t>
-            </a:r>
-            <a:r>
-              <a:rPr lang="de-DE" dirty="0"/>
-              <a:t>)</a:t>
+              <a:t>nördliche Hälfe des 6. Stockwerkes des ICs</a:t>
             </a:r>
           </a:p>
           <a:p>
             <a:pPr lvl="1"/>
             <a:r>
-              <a:rPr lang="de-DE" i="1" dirty="0" err="1"/>
-              <a:t>cartoon</a:t>
-            </a:r>
-            <a:r>
-              <a:rPr lang="de-DE" i="1" dirty="0"/>
-              <a:t>, </a:t>
-            </a:r>
-            <a:r>
-              <a:rPr lang="de-DE" i="1" dirty="0" err="1"/>
-              <a:t>edge</a:t>
-            </a:r>
-            <a:r>
-              <a:rPr lang="de-DE" dirty="0"/>
-              <a:t>, </a:t>
-            </a:r>
-            <a:r>
-              <a:rPr lang="de-DE" i="1" dirty="0" err="1"/>
-              <a:t>photoreal</a:t>
-            </a:r>
+              <a:rPr lang="de-DE" dirty="0"/>
+              <a:t>Seminargebäude der Hochschule Bochum (HS)</a:t>
+            </a:r>
+          </a:p>
+          <a:p>
             <a:endParaRPr lang="de-DE" dirty="0"/>
           </a:p>
         </p:txBody>
@@ -10980,7 +12906,7 @@
           <p:cNvPr id="7" name="Grafik 6">
             <a:extLst>
               <a:ext uri="{FF2B5EF4-FFF2-40B4-BE49-F238E27FC236}">
-                <a16:creationId xmlns:a16="http://schemas.microsoft.com/office/drawing/2014/main" id="{158C176A-5AD8-7646-9A20-755E186E94BE}"/>
+                <a16:creationId xmlns:a16="http://schemas.microsoft.com/office/drawing/2014/main" id="{2BF74C23-9993-D445-B632-579C941B393A}"/>
               </a:ext>
             </a:extLst>
           </p:cNvPr>
@@ -11003,8 +12929,8 @@
         </p:blipFill>
         <p:spPr>
           <a:xfrm>
-            <a:off x="1214453" y="4816791"/>
-            <a:ext cx="7003115" cy="1362769"/>
+            <a:off x="474018" y="4424208"/>
+            <a:ext cx="5950108" cy="1993753"/>
           </a:xfrm>
           <a:prstGeom prst="rect">
             <a:avLst/>
@@ -11013,10 +12939,10 @@
       </p:pic>
       <p:pic>
         <p:nvPicPr>
-          <p:cNvPr id="13" name="Grafik 12">
-            <a:extLst>
-              <a:ext uri="{FF2B5EF4-FFF2-40B4-BE49-F238E27FC236}">
-                <a16:creationId xmlns:a16="http://schemas.microsoft.com/office/drawing/2014/main" id="{D700D537-56D8-634E-8B51-2A1AA65541AA}"/>
+          <p:cNvPr id="9" name="Grafik 8">
+            <a:extLst>
+              <a:ext uri="{FF2B5EF4-FFF2-40B4-BE49-F238E27FC236}">
+                <a16:creationId xmlns:a16="http://schemas.microsoft.com/office/drawing/2014/main" id="{EC016BA6-63D5-F34A-BD8F-5D2BAE7BA109}"/>
               </a:ext>
             </a:extLst>
           </p:cNvPr>
@@ -11039,8 +12965,8 @@
         </p:blipFill>
         <p:spPr>
           <a:xfrm>
-            <a:off x="9421128" y="890251"/>
-            <a:ext cx="2770872" cy="5608511"/>
+            <a:off x="6806564" y="893139"/>
+            <a:ext cx="5219430" cy="5524822"/>
           </a:xfrm>
           <a:prstGeom prst="rect">
             <a:avLst/>
@@ -11049,10 +12975,10 @@
       </p:pic>
       <p:sp>
         <p:nvSpPr>
-          <p:cNvPr id="14" name="Rechteck 13">
-            <a:extLst>
-              <a:ext uri="{FF2B5EF4-FFF2-40B4-BE49-F238E27FC236}">
-                <a16:creationId xmlns:a16="http://schemas.microsoft.com/office/drawing/2014/main" id="{F698A0E3-0F1D-9144-979F-25CF1334ADF4}"/>
+          <p:cNvPr id="10" name="Rechteck 9">
+            <a:extLst>
+              <a:ext uri="{FF2B5EF4-FFF2-40B4-BE49-F238E27FC236}">
+                <a16:creationId xmlns:a16="http://schemas.microsoft.com/office/drawing/2014/main" id="{66147B74-9586-B649-A61B-C07ECC8FD805}"/>
               </a:ext>
             </a:extLst>
           </p:cNvPr>
@@ -11104,7 +13030,7 @@
     </p:spTree>
     <p:extLst>
       <p:ext uri="{BB962C8B-B14F-4D97-AF65-F5344CB8AC3E}">
-        <p14:creationId xmlns:p14="http://schemas.microsoft.com/office/powerpoint/2010/main" val="2534344392"/>
+        <p14:creationId xmlns:p14="http://schemas.microsoft.com/office/powerpoint/2010/main" val="1505822127"/>
       </p:ext>
     </p:extLst>
   </p:cSld>
@@ -11136,7 +13062,7 @@
           <p:cNvPr id="2" name="Titel 1">
             <a:extLst>
               <a:ext uri="{FF2B5EF4-FFF2-40B4-BE49-F238E27FC236}">
-                <a16:creationId xmlns:a16="http://schemas.microsoft.com/office/drawing/2014/main" id="{B10405F6-5D67-964D-B0D7-7662B14A370D}"/>
+                <a16:creationId xmlns:a16="http://schemas.microsoft.com/office/drawing/2014/main" id="{187C2D52-72E3-6741-ADF1-F066AEBA38A6}"/>
               </a:ext>
             </a:extLst>
           </p:cNvPr>
@@ -11154,7 +13080,7 @@
           <a:p>
             <a:r>
               <a:rPr lang="de-DE" dirty="0"/>
-              <a:t>Verarbeitung der Daten</a:t>
+              <a:t>Ergebnisse</a:t>
             </a:r>
           </a:p>
         </p:txBody>
@@ -11164,7 +13090,7 @@
           <p:cNvPr id="3" name="Datumsplatzhalter 2">
             <a:extLst>
               <a:ext uri="{FF2B5EF4-FFF2-40B4-BE49-F238E27FC236}">
-                <a16:creationId xmlns:a16="http://schemas.microsoft.com/office/drawing/2014/main" id="{FBBBC918-848C-BF48-9985-5BD982239191}"/>
+                <a16:creationId xmlns:a16="http://schemas.microsoft.com/office/drawing/2014/main" id="{0DF37704-8DE6-2A4B-ADFF-79CE28863D98}"/>
               </a:ext>
             </a:extLst>
           </p:cNvPr>
@@ -11193,7 +13119,7 @@
           <p:cNvPr id="4" name="Foliennummernplatzhalter 3">
             <a:extLst>
               <a:ext uri="{FF2B5EF4-FFF2-40B4-BE49-F238E27FC236}">
-                <a16:creationId xmlns:a16="http://schemas.microsoft.com/office/drawing/2014/main" id="{6064E051-DB36-8242-89AA-1EA9FDF83854}"/>
+                <a16:creationId xmlns:a16="http://schemas.microsoft.com/office/drawing/2014/main" id="{58CEDD4B-D8E9-944D-87B9-9B8642FD1657}"/>
               </a:ext>
             </a:extLst>
           </p:cNvPr>
@@ -11223,7 +13149,7 @@
           <p:cNvPr id="5" name="Textplatzhalter 4">
             <a:extLst>
               <a:ext uri="{FF2B5EF4-FFF2-40B4-BE49-F238E27FC236}">
-                <a16:creationId xmlns:a16="http://schemas.microsoft.com/office/drawing/2014/main" id="{5618BB61-46BF-F74A-B27A-E3C8E4DAEE67}"/>
+                <a16:creationId xmlns:a16="http://schemas.microsoft.com/office/drawing/2014/main" id="{89882CFA-3474-0742-B47B-C675F0C8F3E2}"/>
               </a:ext>
             </a:extLst>
           </p:cNvPr>
@@ -11234,129 +13160,117 @@
             <p:ph type="body" sz="quarter" idx="12"/>
           </p:nvPr>
         </p:nvSpPr>
-        <p:spPr>
-          <a:xfrm>
-            <a:off x="91580" y="1219201"/>
-            <a:ext cx="4973298" cy="5198760"/>
-          </a:xfrm>
-        </p:spPr>
+        <p:spPr/>
         <p:txBody>
           <a:bodyPr/>
           <a:lstStyle/>
           <a:p>
             <a:r>
+              <a:rPr lang="de-DE" dirty="0"/>
+              <a:t>Evaluationsergebnis </a:t>
+            </a:r>
+          </a:p>
+          <a:p>
+            <a:pPr lvl="1"/>
+            <a:r>
+              <a:rPr lang="de-DE" dirty="0"/>
+              <a:t>werden anhand der Positionsfehler verglichen</a:t>
+            </a:r>
+          </a:p>
+          <a:p>
+            <a:endParaRPr lang="de-DE" dirty="0"/>
+          </a:p>
+          <a:p>
+            <a:r>
+              <a:rPr lang="de-DE" b="1" dirty="0"/>
+              <a:t>Akkuratesse </a:t>
+            </a:r>
+            <a:r>
+              <a:rPr lang="de-DE" dirty="0"/>
+              <a:t>eines Netzwerkes gibt an:</a:t>
+            </a:r>
+          </a:p>
+          <a:p>
+            <a:pPr lvl="1"/>
+            <a:r>
+              <a:rPr lang="de-DE" dirty="0"/>
+              <a:t>Median der Evaluationsergebnisse</a:t>
+            </a:r>
+          </a:p>
+          <a:p>
+            <a:pPr lvl="1"/>
+            <a:endParaRPr lang="de-DE" dirty="0"/>
+          </a:p>
+          <a:p>
+            <a:r>
+              <a:rPr lang="de-DE" dirty="0"/>
+              <a:t>Evaluation</a:t>
+            </a:r>
+          </a:p>
+          <a:p>
+            <a:pPr lvl="1"/>
+            <a:r>
+              <a:rPr lang="de-DE" dirty="0"/>
+              <a:t>1.: </a:t>
+            </a:r>
+            <a:r>
               <a:rPr lang="de-DE" dirty="0" err="1"/>
-              <a:t>Gradientenbild</a:t>
-            </a:r>
-            <a:endParaRPr lang="de-DE" dirty="0"/>
+              <a:t>Gradientenbilder</a:t>
+            </a:r>
+            <a:r>
+              <a:rPr lang="de-DE" dirty="0"/>
+              <a:t> der korrespondierenden </a:t>
+            </a:r>
+            <a:r>
+              <a:rPr lang="de-DE" b="1" dirty="0"/>
+              <a:t>synthetischen Evaluationsdaten</a:t>
+            </a:r>
           </a:p>
           <a:p>
             <a:pPr lvl="1"/>
             <a:r>
               <a:rPr lang="de-DE" dirty="0"/>
-              <a:t>reale Bilder auf die Größe der synth. Daten skaliert</a:t>
-            </a:r>
-          </a:p>
-          <a:p>
-            <a:endParaRPr lang="de-DE" dirty="0"/>
-          </a:p>
-          <a:p>
+              <a:t>2.: </a:t>
+            </a:r>
             <a:r>
               <a:rPr lang="de-DE" dirty="0" err="1"/>
-              <a:t>Treshold</a:t>
-            </a:r>
-            <a:r>
-              <a:rPr lang="de-DE" dirty="0"/>
-              <a:t>-Verfahren</a:t>
+              <a:t>Gradientenbilder</a:t>
+            </a:r>
+            <a:r>
+              <a:rPr lang="de-DE" dirty="0"/>
+              <a:t> der </a:t>
+            </a:r>
+            <a:r>
+              <a:rPr lang="de-DE" b="1" dirty="0"/>
+              <a:t>realen Evaluationsdaten</a:t>
             </a:r>
           </a:p>
           <a:p>
             <a:pPr lvl="1"/>
-            <a:r>
-              <a:rPr lang="de-DE" dirty="0"/>
-              <a:t>Unterdrückung der durch die synth. Lichter entstandenen Artefakte</a:t>
-            </a:r>
-          </a:p>
-        </p:txBody>
-      </p:sp>
-      <p:pic>
-        <p:nvPicPr>
-          <p:cNvPr id="7" name="Grafik 6">
-            <a:extLst>
-              <a:ext uri="{FF2B5EF4-FFF2-40B4-BE49-F238E27FC236}">
-                <a16:creationId xmlns:a16="http://schemas.microsoft.com/office/drawing/2014/main" id="{082F530F-680E-E041-96A6-E0EB4B6879C1}"/>
-              </a:ext>
-            </a:extLst>
-          </p:cNvPr>
-          <p:cNvPicPr>
-            <a:picLocks noChangeAspect="1"/>
-          </p:cNvPicPr>
-          <p:nvPr/>
-        </p:nvPicPr>
-        <p:blipFill>
-          <a:blip r:embed="rId2">
-            <a:extLst>
-              <a:ext uri="{28A0092B-C50C-407E-A947-70E740481C1C}">
-                <a14:useLocalDpi xmlns:a14="http://schemas.microsoft.com/office/drawing/2010/main" val="0"/>
-              </a:ext>
-            </a:extLst>
-          </a:blip>
-          <a:stretch>
-            <a:fillRect/>
-          </a:stretch>
-        </p:blipFill>
-        <p:spPr>
-          <a:xfrm>
-            <a:off x="5064877" y="970810"/>
-            <a:ext cx="6961117" cy="1384738"/>
-          </a:xfrm>
-          <a:prstGeom prst="rect">
-            <a:avLst/>
-          </a:prstGeom>
-        </p:spPr>
-      </p:pic>
-      <p:pic>
-        <p:nvPicPr>
-          <p:cNvPr id="9" name="Grafik 8">
-            <a:extLst>
-              <a:ext uri="{FF2B5EF4-FFF2-40B4-BE49-F238E27FC236}">
-                <a16:creationId xmlns:a16="http://schemas.microsoft.com/office/drawing/2014/main" id="{156B8A6C-36EE-1943-A496-7C742CBAC3B2}"/>
-              </a:ext>
-            </a:extLst>
-          </p:cNvPr>
-          <p:cNvPicPr>
-            <a:picLocks noChangeAspect="1"/>
-          </p:cNvPicPr>
-          <p:nvPr/>
-        </p:nvPicPr>
-        <p:blipFill>
-          <a:blip r:embed="rId3">
-            <a:extLst>
-              <a:ext uri="{28A0092B-C50C-407E-A947-70E740481C1C}">
-                <a14:useLocalDpi xmlns:a14="http://schemas.microsoft.com/office/drawing/2010/main" val="0"/>
-              </a:ext>
-            </a:extLst>
-          </a:blip>
-          <a:stretch>
-            <a:fillRect/>
-          </a:stretch>
-        </p:blipFill>
-        <p:spPr>
-          <a:xfrm>
-            <a:off x="5064877" y="2762411"/>
-            <a:ext cx="6935388" cy="3560413"/>
-          </a:xfrm>
-          <a:prstGeom prst="rect">
-            <a:avLst/>
-          </a:prstGeom>
-        </p:spPr>
-      </p:pic>
-      <p:sp>
-        <p:nvSpPr>
-          <p:cNvPr id="10" name="Rechteck 9">
-            <a:extLst>
-              <a:ext uri="{FF2B5EF4-FFF2-40B4-BE49-F238E27FC236}">
-                <a16:creationId xmlns:a16="http://schemas.microsoft.com/office/drawing/2014/main" id="{4A71855A-4705-BB49-AFCB-9D86C4557E91}"/>
+            <a:endParaRPr lang="de-DE" b="1" dirty="0"/>
+          </a:p>
+          <a:p>
+            <a:r>
+              <a:rPr lang="de-DE" dirty="0"/>
+              <a:t>Referenzwert</a:t>
+            </a:r>
+            <a:endParaRPr lang="de-DE" b="1" dirty="0"/>
+          </a:p>
+          <a:p>
+            <a:pPr lvl="1"/>
+            <a:r>
+              <a:rPr lang="de-DE" dirty="0"/>
+              <a:t>erhaltene Werte bei der Hyperparameterbestimmung</a:t>
+            </a:r>
+          </a:p>
+        </p:txBody>
+      </p:sp>
+      <p:sp>
+        <p:nvSpPr>
+          <p:cNvPr id="6" name="Rechteck 5">
+            <a:extLst>
+              <a:ext uri="{FF2B5EF4-FFF2-40B4-BE49-F238E27FC236}">
+                <a16:creationId xmlns:a16="http://schemas.microsoft.com/office/drawing/2014/main" id="{051FA9AB-3753-2041-8152-A9F2BB18136C}"/>
               </a:ext>
             </a:extLst>
           </p:cNvPr>
@@ -11365,8 +13279,8 @@
         </p:nvSpPr>
         <p:spPr>
           <a:xfrm>
-            <a:off x="7112738" y="6521393"/>
-            <a:ext cx="3002268" cy="336608"/>
+            <a:off x="8261498" y="6521393"/>
+            <a:ext cx="1853508" cy="336608"/>
           </a:xfrm>
           <a:prstGeom prst="rect">
             <a:avLst/>
@@ -11408,7 +13322,7 @@
     </p:spTree>
     <p:extLst>
       <p:ext uri="{BB962C8B-B14F-4D97-AF65-F5344CB8AC3E}">
-        <p14:creationId xmlns:p14="http://schemas.microsoft.com/office/powerpoint/2010/main" val="1178824378"/>
+        <p14:creationId xmlns:p14="http://schemas.microsoft.com/office/powerpoint/2010/main" val="650176097"/>
       </p:ext>
     </p:extLst>
   </p:cSld>
@@ -11440,7 +13354,7 @@
           <p:cNvPr id="2" name="Titel 1">
             <a:extLst>
               <a:ext uri="{FF2B5EF4-FFF2-40B4-BE49-F238E27FC236}">
-                <a16:creationId xmlns:a16="http://schemas.microsoft.com/office/drawing/2014/main" id="{36D97C75-F26F-684B-BFBE-0D8476667FAD}"/>
+                <a16:creationId xmlns:a16="http://schemas.microsoft.com/office/drawing/2014/main" id="{2492AD53-96E2-0B45-811F-EA4AA69BE975}"/>
               </a:ext>
             </a:extLst>
           </p:cNvPr>
@@ -11458,7 +13372,7 @@
           <a:p>
             <a:r>
               <a:rPr lang="de-DE" dirty="0"/>
-              <a:t>Datensätze</a:t>
+              <a:t>IC-loop</a:t>
             </a:r>
           </a:p>
         </p:txBody>
@@ -11468,7 +13382,7 @@
           <p:cNvPr id="3" name="Datumsplatzhalter 2">
             <a:extLst>
               <a:ext uri="{FF2B5EF4-FFF2-40B4-BE49-F238E27FC236}">
-                <a16:creationId xmlns:a16="http://schemas.microsoft.com/office/drawing/2014/main" id="{102D406D-448A-FF4D-AFF6-DB24B5A87BE9}"/>
+                <a16:creationId xmlns:a16="http://schemas.microsoft.com/office/drawing/2014/main" id="{03994EA4-DD05-7341-9AF8-D3A29F1281B4}"/>
               </a:ext>
             </a:extLst>
           </p:cNvPr>
@@ -11497,7 +13411,7 @@
           <p:cNvPr id="4" name="Foliennummernplatzhalter 3">
             <a:extLst>
               <a:ext uri="{FF2B5EF4-FFF2-40B4-BE49-F238E27FC236}">
-                <a16:creationId xmlns:a16="http://schemas.microsoft.com/office/drawing/2014/main" id="{FD5CCFAB-E5AF-A947-B554-A47B77AB1C90}"/>
+                <a16:creationId xmlns:a16="http://schemas.microsoft.com/office/drawing/2014/main" id="{C65CC91A-4A5F-BF40-AFEE-904E3C234B83}"/>
               </a:ext>
             </a:extLst>
           </p:cNvPr>
@@ -11527,7 +13441,7 @@
           <p:cNvPr id="5" name="Textplatzhalter 4">
             <a:extLst>
               <a:ext uri="{FF2B5EF4-FFF2-40B4-BE49-F238E27FC236}">
-                <a16:creationId xmlns:a16="http://schemas.microsoft.com/office/drawing/2014/main" id="{5CAF1D60-44CE-DD41-9D95-22EAF008B975}"/>
+                <a16:creationId xmlns:a16="http://schemas.microsoft.com/office/drawing/2014/main" id="{1C7DB3A8-38A5-FF4B-BD1C-C441DFC3B018}"/>
               </a:ext>
             </a:extLst>
           </p:cNvPr>
@@ -11540,8 +13454,8 @@
         </p:nvSpPr>
         <p:spPr>
           <a:xfrm>
-            <a:off x="91579" y="1219201"/>
-            <a:ext cx="6714985" cy="5198760"/>
+            <a:off x="91579" y="3537283"/>
+            <a:ext cx="8416515" cy="2880677"/>
           </a:xfrm>
         </p:spPr>
         <p:txBody>
@@ -11550,34 +13464,30 @@
           <a:p>
             <a:r>
               <a:rPr lang="de-DE" dirty="0"/>
-              <a:t>länger, in mehrere Richtungen verlaufend und auf mehrere Etagenebenen erstreckend</a:t>
-            </a:r>
-          </a:p>
-          <a:p>
-            <a:endParaRPr lang="de-DE" dirty="0"/>
-          </a:p>
-          <a:p>
-            <a:r>
-              <a:rPr lang="de-DE" dirty="0"/>
-              <a:t>Daten erhoben:</a:t>
+              <a:t>Das Netzwerk bestimmte:</a:t>
             </a:r>
           </a:p>
           <a:p>
             <a:pPr lvl="1"/>
             <a:r>
               <a:rPr lang="de-DE" dirty="0"/>
-              <a:t>nördliche Hälfe des 6. Stockwerkes des IC-Gebäudes der RUB (IC)</a:t>
+              <a:t>alle Evaluationsdaten in einem ca. 5m x 30m großen </a:t>
+            </a:r>
+            <a:r>
+              <a:rPr lang="de-DE" b="1" dirty="0"/>
+              <a:t>Teilbereich</a:t>
             </a:r>
           </a:p>
           <a:p>
             <a:pPr lvl="1"/>
             <a:r>
               <a:rPr lang="de-DE" dirty="0"/>
-              <a:t>Seminargebäude der Hochschule Bochum (HS)</a:t>
-            </a:r>
-          </a:p>
-          <a:p>
-            <a:endParaRPr lang="de-DE" dirty="0"/>
+              <a:t>Die Orientierung als die Aufnahmerichtung der </a:t>
+            </a:r>
+            <a:r>
+              <a:rPr lang="de-DE" b="1" dirty="0"/>
+              <a:t>unteren horizontalen Strecke </a:t>
+            </a:r>
           </a:p>
         </p:txBody>
       </p:sp>
@@ -11586,7 +13496,7 @@
           <p:cNvPr id="7" name="Grafik 6">
             <a:extLst>
               <a:ext uri="{FF2B5EF4-FFF2-40B4-BE49-F238E27FC236}">
-                <a16:creationId xmlns:a16="http://schemas.microsoft.com/office/drawing/2014/main" id="{2BF74C23-9993-D445-B632-579C941B393A}"/>
+                <a16:creationId xmlns:a16="http://schemas.microsoft.com/office/drawing/2014/main" id="{FEB2E393-B67C-2743-9513-521311D30366}"/>
               </a:ext>
             </a:extLst>
           </p:cNvPr>
@@ -11609,8 +13519,8 @@
         </p:blipFill>
         <p:spPr>
           <a:xfrm>
-            <a:off x="491117" y="4424208"/>
-            <a:ext cx="5950108" cy="1993753"/>
+            <a:off x="8508094" y="893139"/>
+            <a:ext cx="3517900" cy="5511800"/>
           </a:xfrm>
           <a:prstGeom prst="rect">
             <a:avLst/>
@@ -11622,7 +13532,7 @@
           <p:cNvPr id="9" name="Grafik 8">
             <a:extLst>
               <a:ext uri="{FF2B5EF4-FFF2-40B4-BE49-F238E27FC236}">
-                <a16:creationId xmlns:a16="http://schemas.microsoft.com/office/drawing/2014/main" id="{EC016BA6-63D5-F34A-BD8F-5D2BAE7BA109}"/>
+                <a16:creationId xmlns:a16="http://schemas.microsoft.com/office/drawing/2014/main" id="{03643C37-3228-704D-9B09-5BD08D64FC1D}"/>
               </a:ext>
             </a:extLst>
           </p:cNvPr>
@@ -11645,8 +13555,8 @@
         </p:blipFill>
         <p:spPr>
           <a:xfrm>
-            <a:off x="6806564" y="893139"/>
-            <a:ext cx="5219430" cy="5524822"/>
+            <a:off x="570457" y="1402585"/>
+            <a:ext cx="7458759" cy="1829507"/>
           </a:xfrm>
           <a:prstGeom prst="rect">
             <a:avLst/>
@@ -11658,7 +13568,7 @@
           <p:cNvPr id="10" name="Rechteck 9">
             <a:extLst>
               <a:ext uri="{FF2B5EF4-FFF2-40B4-BE49-F238E27FC236}">
-                <a16:creationId xmlns:a16="http://schemas.microsoft.com/office/drawing/2014/main" id="{66147B74-9586-B649-A61B-C07ECC8FD805}"/>
+                <a16:creationId xmlns:a16="http://schemas.microsoft.com/office/drawing/2014/main" id="{806BB677-ADB6-AD43-8AB5-AE3134D56692}"/>
               </a:ext>
             </a:extLst>
           </p:cNvPr>
@@ -11667,8 +13577,8 @@
         </p:nvSpPr>
         <p:spPr>
           <a:xfrm>
-            <a:off x="7112738" y="6521393"/>
-            <a:ext cx="3002268" cy="336608"/>
+            <a:off x="8261498" y="6521393"/>
+            <a:ext cx="1853508" cy="336608"/>
           </a:xfrm>
           <a:prstGeom prst="rect">
             <a:avLst/>
@@ -11707,10 +13617,95 @@
           </a:p>
         </p:txBody>
       </p:sp>
+      <p:sp>
+        <p:nvSpPr>
+          <p:cNvPr id="11" name="Textfeld 10">
+            <a:extLst>
+              <a:ext uri="{FF2B5EF4-FFF2-40B4-BE49-F238E27FC236}">
+                <a16:creationId xmlns:a16="http://schemas.microsoft.com/office/drawing/2014/main" id="{1ED927EF-9B17-0A44-9391-09C16888C6C3}"/>
+              </a:ext>
+            </a:extLst>
+          </p:cNvPr>
+          <p:cNvSpPr txBox="1"/>
+          <p:nvPr/>
+        </p:nvSpPr>
+        <p:spPr>
+          <a:xfrm>
+            <a:off x="2775606" y="1033253"/>
+            <a:ext cx="3048459" cy="369332"/>
+          </a:xfrm>
+          <a:prstGeom prst="rect">
+            <a:avLst/>
+          </a:prstGeom>
+          <a:noFill/>
+        </p:spPr>
+        <p:txBody>
+          <a:bodyPr wrap="square" rtlCol="0">
+            <a:spAutoFit/>
+          </a:bodyPr>
+          <a:lstStyle/>
+          <a:p>
+            <a:r>
+              <a:rPr lang="de-DE" i="1" dirty="0"/>
+              <a:t>Referenzwert: 1.93m, 4.26°</a:t>
+            </a:r>
+          </a:p>
+        </p:txBody>
+      </p:sp>
+      <p:sp>
+        <p:nvSpPr>
+          <p:cNvPr id="13" name="Rahmen 12">
+            <a:extLst>
+              <a:ext uri="{FF2B5EF4-FFF2-40B4-BE49-F238E27FC236}">
+                <a16:creationId xmlns:a16="http://schemas.microsoft.com/office/drawing/2014/main" id="{9C724038-1595-AF4E-A8AF-499A0D4CFB46}"/>
+              </a:ext>
+            </a:extLst>
+          </p:cNvPr>
+          <p:cNvSpPr/>
+          <p:nvPr/>
+        </p:nvSpPr>
+        <p:spPr>
+          <a:xfrm>
+            <a:off x="5450305" y="2461718"/>
+            <a:ext cx="1395663" cy="348916"/>
+          </a:xfrm>
+          <a:prstGeom prst="frame">
+            <a:avLst/>
+          </a:prstGeom>
+        </p:spPr>
+        <p:style>
+          <a:lnRef idx="2">
+            <a:schemeClr val="accent6">
+              <a:shade val="50000"/>
+            </a:schemeClr>
+          </a:lnRef>
+          <a:fillRef idx="1">
+            <a:schemeClr val="accent6"/>
+          </a:fillRef>
+          <a:effectRef idx="0">
+            <a:schemeClr val="accent6"/>
+          </a:effectRef>
+          <a:fontRef idx="minor">
+            <a:schemeClr val="lt1"/>
+          </a:fontRef>
+        </p:style>
+        <p:txBody>
+          <a:bodyPr rtlCol="0" anchor="ctr"/>
+          <a:lstStyle/>
+          <a:p>
+            <a:pPr algn="ctr"/>
+            <a:endParaRPr lang="de-DE">
+              <a:solidFill>
+                <a:schemeClr val="tx1"/>
+              </a:solidFill>
+            </a:endParaRPr>
+          </a:p>
+        </p:txBody>
+      </p:sp>
     </p:spTree>
     <p:extLst>
       <p:ext uri="{BB962C8B-B14F-4D97-AF65-F5344CB8AC3E}">
-        <p14:creationId xmlns:p14="http://schemas.microsoft.com/office/powerpoint/2010/main" val="1505822127"/>
+        <p14:creationId xmlns:p14="http://schemas.microsoft.com/office/powerpoint/2010/main" val="262058393"/>
       </p:ext>
     </p:extLst>
   </p:cSld>
@@ -12592,18 +14587,18 @@
 
 <file path=customXml/item1.xml><?xml version="1.0" encoding="utf-8"?>
 <Control xmlns="http://schemas.microsoft.com/VisualStudio/2011/storyboarding/control">
-  <Id Name="System.Storyboarding.Common.DataGrid" Revision="1" Stencil="System.Storyboarding.Common" StencilVersion="0.1"/>
+  <Id Name="System.Storyboarding.Backgrounds.WindowsPhone" Revision="1" Stencil="System.Storyboarding.Backgrounds" StencilVersion="0.1"/>
 </Control>
 </file>
 
 <file path=customXml/item2.xml><?xml version="1.0" encoding="utf-8"?>
 <Control xmlns="http://schemas.microsoft.com/VisualStudio/2011/storyboarding/control">
-  <Id Name="System.Storyboarding.Backgrounds.WindowsPhone" Revision="1" Stencil="System.Storyboarding.Backgrounds" StencilVersion="0.1"/>
+  <Id Name="System.Storyboarding.Common.DataGrid" Revision="1" Stencil="System.Storyboarding.Common" StencilVersion="0.1"/>
 </Control>
 </file>
 
 <file path=customXml/itemProps1.xml><?xml version="1.0" encoding="utf-8"?>
-<ds:datastoreItem xmlns:ds="http://schemas.openxmlformats.org/officeDocument/2006/customXml" ds:itemID="{92627A13-A711-4245-B1B7-39DE081CC96D}">
+<ds:datastoreItem xmlns:ds="http://schemas.openxmlformats.org/officeDocument/2006/customXml" ds:itemID="{7051CCCD-5D9D-4AB6-88A9-57155298ABD4}">
   <ds:schemaRefs>
     <ds:schemaRef ds:uri="http://schemas.microsoft.com/VisualStudio/2011/storyboarding/control"/>
   </ds:schemaRefs>
@@ -12611,7 +14606,7 @@
 </file>
 
 <file path=customXml/itemProps2.xml><?xml version="1.0" encoding="utf-8"?>
-<ds:datastoreItem xmlns:ds="http://schemas.openxmlformats.org/officeDocument/2006/customXml" ds:itemID="{7051CCCD-5D9D-4AB6-88A9-57155298ABD4}">
+<ds:datastoreItem xmlns:ds="http://schemas.openxmlformats.org/officeDocument/2006/customXml" ds:itemID="{92627A13-A711-4245-B1B7-39DE081CC96D}">
   <ds:schemaRefs>
     <ds:schemaRef ds:uri="http://schemas.microsoft.com/VisualStudio/2011/storyboarding/control"/>
   </ds:schemaRefs>

--- a/bachelor/kolloquium.pptx
+++ b/bachelor/kolloquium.pptx
@@ -16,24 +16,24 @@
     <p:sldId id="282" r:id="rId6"/>
     <p:sldId id="277" r:id="rId7"/>
     <p:sldId id="289" r:id="rId8"/>
-    <p:sldId id="260" r:id="rId9"/>
-    <p:sldId id="261" r:id="rId10"/>
-    <p:sldId id="276" r:id="rId11"/>
-    <p:sldId id="264" r:id="rId12"/>
-    <p:sldId id="284" r:id="rId13"/>
-    <p:sldId id="286" r:id="rId14"/>
-    <p:sldId id="285" r:id="rId15"/>
-    <p:sldId id="278" r:id="rId16"/>
-    <p:sldId id="288" r:id="rId17"/>
-    <p:sldId id="290" r:id="rId18"/>
-    <p:sldId id="274" r:id="rId19"/>
-    <p:sldId id="291" r:id="rId20"/>
-    <p:sldId id="283" r:id="rId21"/>
-    <p:sldId id="287" r:id="rId22"/>
-    <p:sldId id="272" r:id="rId23"/>
-    <p:sldId id="280" r:id="rId24"/>
-    <p:sldId id="258" r:id="rId25"/>
-    <p:sldId id="259" r:id="rId26"/>
+    <p:sldId id="261" r:id="rId9"/>
+    <p:sldId id="276" r:id="rId10"/>
+    <p:sldId id="264" r:id="rId11"/>
+    <p:sldId id="284" r:id="rId12"/>
+    <p:sldId id="286" r:id="rId13"/>
+    <p:sldId id="285" r:id="rId14"/>
+    <p:sldId id="278" r:id="rId15"/>
+    <p:sldId id="288" r:id="rId16"/>
+    <p:sldId id="290" r:id="rId17"/>
+    <p:sldId id="274" r:id="rId18"/>
+    <p:sldId id="291" r:id="rId19"/>
+    <p:sldId id="283" r:id="rId20"/>
+    <p:sldId id="287" r:id="rId21"/>
+    <p:sldId id="272" r:id="rId22"/>
+    <p:sldId id="280" r:id="rId23"/>
+    <p:sldId id="258" r:id="rId24"/>
+    <p:sldId id="259" r:id="rId25"/>
+    <p:sldId id="260" r:id="rId26"/>
     <p:sldId id="262" r:id="rId27"/>
     <p:sldId id="269" r:id="rId28"/>
     <p:sldId id="273" r:id="rId29"/>
@@ -1007,7 +1007,7 @@
           <a:p>
             <a:fld id="{62F64374-0C28-4B03-AAD9-AD8CE0DB8BAE}" type="slidenum">
               <a:rPr lang="de-DE" smtClean="0"/>
-              <a:t>18</a:t>
+              <a:t>17</a:t>
             </a:fld>
             <a:endParaRPr lang="de-DE"/>
           </a:p>
@@ -1114,7 +1114,7 @@
           <a:p>
             <a:fld id="{62F64374-0C28-4B03-AAD9-AD8CE0DB8BAE}" type="slidenum">
               <a:rPr lang="de-DE" smtClean="0"/>
-              <a:t>20</a:t>
+              <a:t>19</a:t>
             </a:fld>
             <a:endParaRPr lang="de-DE"/>
           </a:p>
@@ -1221,7 +1221,7 @@
           <a:p>
             <a:fld id="{62F64374-0C28-4B03-AAD9-AD8CE0DB8BAE}" type="slidenum">
               <a:rPr lang="de-DE" smtClean="0"/>
-              <a:t>22</a:t>
+              <a:t>21</a:t>
             </a:fld>
             <a:endParaRPr lang="de-DE"/>
           </a:p>
@@ -4501,8 +4501,21 @@
           <a:p>
             <a:r>
               <a:rPr lang="de-DE" dirty="0"/>
-              <a:t>HS-gamma</a:t>
-            </a:r>
+              <a:t>HS-</a:t>
+            </a:r>
+            <a:r>
+              <a:rPr lang="de-DE" dirty="0" err="1"/>
+              <a:t>stairs</a:t>
+            </a:r>
+            <a:r>
+              <a:rPr lang="de-DE" dirty="0"/>
+              <a:t>-</a:t>
+            </a:r>
+            <a:r>
+              <a:rPr lang="de-DE" dirty="0" err="1"/>
+              <a:t>up</a:t>
+            </a:r>
+            <a:endParaRPr lang="de-DE" dirty="0"/>
           </a:p>
         </p:txBody>
       </p:sp>
@@ -4600,26 +4613,38 @@
             <a:pPr lvl="1"/>
             <a:r>
               <a:rPr lang="de-DE" dirty="0"/>
-              <a:t>alle Evaluationsdaten in einem ca. 5m x 20m großen </a:t>
+              <a:t>alle Evaluationsergebnisse zwischen der </a:t>
             </a:r>
             <a:r>
               <a:rPr lang="de-DE" b="1" dirty="0"/>
-              <a:t>Teilbereich</a:t>
+              <a:t>dem oberen und unteren Treppenlauf</a:t>
             </a:r>
           </a:p>
           <a:p>
             <a:pPr lvl="1"/>
             <a:r>
-              <a:rPr lang="de-DE" dirty="0"/>
-              <a:t>Die Orientierung als die Aufnahmerichtung </a:t>
-            </a:r>
-            <a:r>
               <a:rPr lang="de-DE" b="1" dirty="0"/>
-              <a:t>der horizontalen Strecken</a:t>
-            </a:r>
-          </a:p>
-          <a:p>
-            <a:endParaRPr lang="de-DE" dirty="0"/>
+              <a:t>abwechselnd</a:t>
+            </a:r>
+            <a:r>
+              <a:rPr lang="de-DE" dirty="0"/>
+              <a:t> größere Positionsfehler</a:t>
+            </a:r>
+          </a:p>
+          <a:p>
+            <a:pPr lvl="1"/>
+            <a:r>
+              <a:rPr lang="de-DE" dirty="0"/>
+              <a:t>Die Orientierung wurde abwechselnd in der </a:t>
+            </a:r>
+            <a:r>
+              <a:rPr lang="de-DE" b="1" dirty="0"/>
+              <a:t>entgegengesetzten Orientierung</a:t>
+            </a:r>
+            <a:r>
+              <a:rPr lang="de-DE" dirty="0"/>
+              <a:t> bestimmt</a:t>
+            </a:r>
           </a:p>
         </p:txBody>
       </p:sp>
@@ -4650,8 +4675,8 @@
         </p:blipFill>
         <p:spPr>
           <a:xfrm>
-            <a:off x="8516163" y="893139"/>
-            <a:ext cx="3501762" cy="5511800"/>
+            <a:off x="8508094" y="977139"/>
+            <a:ext cx="3517900" cy="5343799"/>
           </a:xfrm>
           <a:prstGeom prst="rect">
             <a:avLst/>
@@ -4685,8 +4710,8 @@
         </p:blipFill>
         <p:spPr>
           <a:xfrm>
-            <a:off x="570457" y="1439257"/>
-            <a:ext cx="7458759" cy="1756162"/>
+            <a:off x="570457" y="1417143"/>
+            <a:ext cx="7458759" cy="1800390"/>
           </a:xfrm>
           <a:prstGeom prst="rect">
             <a:avLst/>
@@ -4777,17 +4802,17 @@
           <a:p>
             <a:r>
               <a:rPr lang="de-DE" i="1" dirty="0"/>
-              <a:t>Referenzwert: 0.95m, 7.53°</a:t>
-            </a:r>
-          </a:p>
-        </p:txBody>
-      </p:sp>
-      <p:sp>
-        <p:nvSpPr>
-          <p:cNvPr id="13" name="Rahmen 12">
-            <a:extLst>
-              <a:ext uri="{FF2B5EF4-FFF2-40B4-BE49-F238E27FC236}">
-                <a16:creationId xmlns:a16="http://schemas.microsoft.com/office/drawing/2014/main" id="{3F9A6040-3DCD-1F4E-AD5F-F87C6B64B47E}"/>
+              <a:t>Referenzwert: 0.94m, 8.33°</a:t>
+            </a:r>
+          </a:p>
+        </p:txBody>
+      </p:sp>
+      <p:sp>
+        <p:nvSpPr>
+          <p:cNvPr id="12" name="Rahmen 11">
+            <a:extLst>
+              <a:ext uri="{FF2B5EF4-FFF2-40B4-BE49-F238E27FC236}">
+                <a16:creationId xmlns:a16="http://schemas.microsoft.com/office/drawing/2014/main" id="{68189A1F-8E38-1148-8028-A652292A8F6D}"/>
               </a:ext>
             </a:extLst>
           </p:cNvPr>
@@ -4796,8 +4821,8 @@
         </p:nvSpPr>
         <p:spPr>
           <a:xfrm>
-            <a:off x="5426242" y="1944358"/>
-            <a:ext cx="1335505" cy="348916"/>
+            <a:off x="5450306" y="2233116"/>
+            <a:ext cx="1311442" cy="348916"/>
           </a:xfrm>
           <a:prstGeom prst="frame">
             <a:avLst/>
@@ -4835,7 +4860,7 @@
     </p:spTree>
     <p:extLst>
       <p:ext uri="{BB962C8B-B14F-4D97-AF65-F5344CB8AC3E}">
-        <p14:creationId xmlns:p14="http://schemas.microsoft.com/office/powerpoint/2010/main" val="2973086913"/>
+        <p14:creationId xmlns:p14="http://schemas.microsoft.com/office/powerpoint/2010/main" val="3878345500"/>
       </p:ext>
     </p:extLst>
   </p:cSld>
@@ -4893,13 +4918,8 @@
             </a:r>
             <a:r>
               <a:rPr lang="de-DE" dirty="0"/>
-              <a:t>-</a:t>
-            </a:r>
-            <a:r>
-              <a:rPr lang="de-DE" dirty="0" err="1"/>
-              <a:t>up</a:t>
-            </a:r>
-            <a:endParaRPr lang="de-DE" dirty="0"/>
+              <a:t>-down</a:t>
+            </a:r>
           </a:p>
         </p:txBody>
       </p:sp>
@@ -4997,11 +5017,11 @@
             <a:pPr lvl="1"/>
             <a:r>
               <a:rPr lang="de-DE" dirty="0"/>
-              <a:t>alle Evaluationsergebnisse zwischen der </a:t>
+              <a:t>alle Evaluationsergebnisse zwischen der dem </a:t>
             </a:r>
             <a:r>
               <a:rPr lang="de-DE" b="1" dirty="0"/>
-              <a:t>dem oberen und unteren Treppenlauf</a:t>
+              <a:t>oberen und unteren Treppenlauf</a:t>
             </a:r>
           </a:p>
           <a:p>
@@ -5012,7 +5032,15 @@
             </a:r>
             <a:r>
               <a:rPr lang="de-DE" dirty="0"/>
-              <a:t> größere Positionsfehler</a:t>
+              <a:t> größere Positionsfehler (</a:t>
+            </a:r>
+            <a:r>
+              <a:rPr lang="de-DE" i="1" dirty="0"/>
+              <a:t>sichtbarer</a:t>
+            </a:r>
+            <a:r>
+              <a:rPr lang="de-DE" dirty="0"/>
+              <a:t>)</a:t>
             </a:r>
           </a:p>
           <a:p>
@@ -5027,8 +5055,19 @@
             </a:r>
             <a:r>
               <a:rPr lang="de-DE" dirty="0"/>
-              <a:t> bestimmt</a:t>
-            </a:r>
+              <a:t> bestimmt (</a:t>
+            </a:r>
+            <a:r>
+              <a:rPr lang="de-DE" i="1" dirty="0"/>
+              <a:t>sichtbarer</a:t>
+            </a:r>
+            <a:r>
+              <a:rPr lang="de-DE" dirty="0"/>
+              <a:t>)</a:t>
+            </a:r>
+          </a:p>
+          <a:p>
+            <a:endParaRPr lang="de-DE" dirty="0"/>
           </a:p>
         </p:txBody>
       </p:sp>
@@ -5059,8 +5098,8 @@
         </p:blipFill>
         <p:spPr>
           <a:xfrm>
-            <a:off x="8508094" y="977139"/>
-            <a:ext cx="3517900" cy="5343799"/>
+            <a:off x="8518945" y="893139"/>
+            <a:ext cx="3496198" cy="5511800"/>
           </a:xfrm>
           <a:prstGeom prst="rect">
             <a:avLst/>
@@ -5094,8 +5133,8 @@
         </p:blipFill>
         <p:spPr>
           <a:xfrm>
-            <a:off x="570457" y="1417143"/>
-            <a:ext cx="7458759" cy="1800390"/>
+            <a:off x="679748" y="1402585"/>
+            <a:ext cx="7240176" cy="1829507"/>
           </a:xfrm>
           <a:prstGeom prst="rect">
             <a:avLst/>
@@ -5186,7 +5225,7 @@
           <a:p>
             <a:r>
               <a:rPr lang="de-DE" i="1" dirty="0"/>
-              <a:t>Referenzwert: 0.94m, 8.33°</a:t>
+              <a:t>Referenzwert: 0.87m, 9.25°</a:t>
             </a:r>
           </a:p>
         </p:txBody>
@@ -5196,7 +5235,7 @@
           <p:cNvPr id="12" name="Rahmen 11">
             <a:extLst>
               <a:ext uri="{FF2B5EF4-FFF2-40B4-BE49-F238E27FC236}">
-                <a16:creationId xmlns:a16="http://schemas.microsoft.com/office/drawing/2014/main" id="{68189A1F-8E38-1148-8028-A652292A8F6D}"/>
+                <a16:creationId xmlns:a16="http://schemas.microsoft.com/office/drawing/2014/main" id="{3EA00BB5-2650-6F42-8767-C63BB7D24481}"/>
               </a:ext>
             </a:extLst>
           </p:cNvPr>
@@ -5205,8 +5244,8 @@
         </p:nvSpPr>
         <p:spPr>
           <a:xfrm>
-            <a:off x="5450306" y="2233116"/>
-            <a:ext cx="1311442" cy="348916"/>
+            <a:off x="5450306" y="1980449"/>
+            <a:ext cx="1299410" cy="348916"/>
           </a:xfrm>
           <a:prstGeom prst="frame">
             <a:avLst/>
@@ -5244,7 +5283,7 @@
     </p:spTree>
     <p:extLst>
       <p:ext uri="{BB962C8B-B14F-4D97-AF65-F5344CB8AC3E}">
-        <p14:creationId xmlns:p14="http://schemas.microsoft.com/office/powerpoint/2010/main" val="3878345500"/>
+        <p14:creationId xmlns:p14="http://schemas.microsoft.com/office/powerpoint/2010/main" val="1305096659"/>
       </p:ext>
     </p:extLst>
   </p:cSld>
@@ -5276,7 +5315,7 @@
           <p:cNvPr id="2" name="Titel 1">
             <a:extLst>
               <a:ext uri="{FF2B5EF4-FFF2-40B4-BE49-F238E27FC236}">
-                <a16:creationId xmlns:a16="http://schemas.microsoft.com/office/drawing/2014/main" id="{2492AD53-96E2-0B45-811F-EA4AA69BE975}"/>
+                <a16:creationId xmlns:a16="http://schemas.microsoft.com/office/drawing/2014/main" id="{C8377983-06B6-6243-BF0B-0BC95D5047B9}"/>
               </a:ext>
             </a:extLst>
           </p:cNvPr>
@@ -5294,15 +5333,7 @@
           <a:p>
             <a:r>
               <a:rPr lang="de-DE" dirty="0"/>
-              <a:t>HS-</a:t>
-            </a:r>
-            <a:r>
-              <a:rPr lang="de-DE" dirty="0" err="1"/>
-              <a:t>stairs</a:t>
-            </a:r>
-            <a:r>
-              <a:rPr lang="de-DE" dirty="0"/>
-              <a:t>-down</a:t>
+              <a:t>Diskussion</a:t>
             </a:r>
           </a:p>
         </p:txBody>
@@ -5312,7 +5343,7 @@
           <p:cNvPr id="3" name="Datumsplatzhalter 2">
             <a:extLst>
               <a:ext uri="{FF2B5EF4-FFF2-40B4-BE49-F238E27FC236}">
-                <a16:creationId xmlns:a16="http://schemas.microsoft.com/office/drawing/2014/main" id="{03994EA4-DD05-7341-9AF8-D3A29F1281B4}"/>
+                <a16:creationId xmlns:a16="http://schemas.microsoft.com/office/drawing/2014/main" id="{F394A70A-B3D6-9E41-804C-1341629DB2ED}"/>
               </a:ext>
             </a:extLst>
           </p:cNvPr>
@@ -5341,7 +5372,7 @@
           <p:cNvPr id="4" name="Foliennummernplatzhalter 3">
             <a:extLst>
               <a:ext uri="{FF2B5EF4-FFF2-40B4-BE49-F238E27FC236}">
-                <a16:creationId xmlns:a16="http://schemas.microsoft.com/office/drawing/2014/main" id="{C65CC91A-4A5F-BF40-AFEE-904E3C234B83}"/>
+                <a16:creationId xmlns:a16="http://schemas.microsoft.com/office/drawing/2014/main" id="{A8E1BCF8-A884-CA4A-ACE9-3C1639432213}"/>
               </a:ext>
             </a:extLst>
           </p:cNvPr>
@@ -5371,7 +5402,7 @@
           <p:cNvPr id="5" name="Textplatzhalter 4">
             <a:extLst>
               <a:ext uri="{FF2B5EF4-FFF2-40B4-BE49-F238E27FC236}">
-                <a16:creationId xmlns:a16="http://schemas.microsoft.com/office/drawing/2014/main" id="{1C7DB3A8-38A5-FF4B-BD1C-C441DFC3B018}"/>
+                <a16:creationId xmlns:a16="http://schemas.microsoft.com/office/drawing/2014/main" id="{0DFD92D1-6D37-DD4A-A9C2-67F4185C7866}"/>
               </a:ext>
             </a:extLst>
           </p:cNvPr>
@@ -5382,155 +5413,42 @@
             <p:ph type="body" sz="quarter" idx="12"/>
           </p:nvPr>
         </p:nvSpPr>
-        <p:spPr>
-          <a:xfrm>
-            <a:off x="91579" y="3537283"/>
-            <a:ext cx="8416515" cy="2880677"/>
-          </a:xfrm>
-        </p:spPr>
+        <p:spPr/>
         <p:txBody>
           <a:bodyPr/>
           <a:lstStyle/>
           <a:p>
             <a:r>
               <a:rPr lang="de-DE" dirty="0"/>
-              <a:t>Das Netzwerk bestimmte:</a:t>
-            </a:r>
-          </a:p>
-          <a:p>
-            <a:pPr lvl="1"/>
-            <a:r>
-              <a:rPr lang="de-DE" dirty="0"/>
-              <a:t>alle Evaluationsergebnisse zwischen der dem </a:t>
-            </a:r>
-            <a:r>
-              <a:rPr lang="de-DE" b="1" dirty="0"/>
-              <a:t>oberen und unteren Treppenlauf</a:t>
-            </a:r>
-          </a:p>
-          <a:p>
-            <a:pPr lvl="1"/>
-            <a:r>
-              <a:rPr lang="de-DE" b="1" dirty="0"/>
-              <a:t>abwechselnd</a:t>
-            </a:r>
-            <a:r>
-              <a:rPr lang="de-DE" dirty="0"/>
-              <a:t> größere Positionsfehler (</a:t>
-            </a:r>
-            <a:r>
-              <a:rPr lang="de-DE" i="1" dirty="0"/>
-              <a:t>sichtbarer</a:t>
-            </a:r>
-            <a:r>
-              <a:rPr lang="de-DE" dirty="0"/>
-              <a:t>)</a:t>
-            </a:r>
-          </a:p>
-          <a:p>
-            <a:pPr lvl="1"/>
-            <a:r>
-              <a:rPr lang="de-DE" dirty="0"/>
-              <a:t>Die Orientierung wurde abwechselnd in der </a:t>
-            </a:r>
-            <a:r>
-              <a:rPr lang="de-DE" b="1" dirty="0"/>
-              <a:t>entgegengesetzten Orientierung</a:t>
-            </a:r>
-            <a:r>
-              <a:rPr lang="de-DE" dirty="0"/>
-              <a:t> bestimmt (</a:t>
-            </a:r>
-            <a:r>
-              <a:rPr lang="de-DE" i="1" dirty="0"/>
-              <a:t>sichtbarer</a:t>
-            </a:r>
-            <a:r>
-              <a:rPr lang="de-DE" dirty="0"/>
-              <a:t>)</a:t>
+              <a:t>Diskussion der angewandten Methodik</a:t>
             </a:r>
           </a:p>
           <a:p>
             <a:endParaRPr lang="de-DE" dirty="0"/>
           </a:p>
-        </p:txBody>
-      </p:sp>
-      <p:pic>
-        <p:nvPicPr>
-          <p:cNvPr id="7" name="Grafik 6">
-            <a:extLst>
-              <a:ext uri="{FF2B5EF4-FFF2-40B4-BE49-F238E27FC236}">
-                <a16:creationId xmlns:a16="http://schemas.microsoft.com/office/drawing/2014/main" id="{FEB2E393-B67C-2743-9513-521311D30366}"/>
-              </a:ext>
-            </a:extLst>
-          </p:cNvPr>
-          <p:cNvPicPr>
-            <a:picLocks noChangeAspect="1"/>
-          </p:cNvPicPr>
-          <p:nvPr/>
-        </p:nvPicPr>
-        <p:blipFill>
-          <a:blip r:embed="rId2">
-            <a:extLst>
-              <a:ext uri="{28A0092B-C50C-407E-A947-70E740481C1C}">
-                <a14:useLocalDpi xmlns:a14="http://schemas.microsoft.com/office/drawing/2010/main" val="0"/>
-              </a:ext>
-            </a:extLst>
-          </a:blip>
-          <a:srcRect/>
-          <a:stretch/>
-        </p:blipFill>
-        <p:spPr>
-          <a:xfrm>
-            <a:off x="8518945" y="893139"/>
-            <a:ext cx="3496198" cy="5511800"/>
-          </a:xfrm>
-          <a:prstGeom prst="rect">
-            <a:avLst/>
-          </a:prstGeom>
-        </p:spPr>
-      </p:pic>
-      <p:pic>
-        <p:nvPicPr>
-          <p:cNvPr id="9" name="Grafik 8">
-            <a:extLst>
-              <a:ext uri="{FF2B5EF4-FFF2-40B4-BE49-F238E27FC236}">
-                <a16:creationId xmlns:a16="http://schemas.microsoft.com/office/drawing/2014/main" id="{03643C37-3228-704D-9B09-5BD08D64FC1D}"/>
-              </a:ext>
-            </a:extLst>
-          </p:cNvPr>
-          <p:cNvPicPr>
-            <a:picLocks noChangeAspect="1"/>
-          </p:cNvPicPr>
-          <p:nvPr/>
-        </p:nvPicPr>
-        <p:blipFill>
-          <a:blip r:embed="rId3">
-            <a:extLst>
-              <a:ext uri="{28A0092B-C50C-407E-A947-70E740481C1C}">
-                <a14:useLocalDpi xmlns:a14="http://schemas.microsoft.com/office/drawing/2010/main" val="0"/>
-              </a:ext>
-            </a:extLst>
-          </a:blip>
-          <a:srcRect/>
-          <a:stretch/>
-        </p:blipFill>
-        <p:spPr>
-          <a:xfrm>
-            <a:off x="679748" y="1402585"/>
-            <a:ext cx="7240176" cy="1829507"/>
-          </a:xfrm>
-          <a:prstGeom prst="rect">
-            <a:avLst/>
-          </a:prstGeom>
-        </p:spPr>
-      </p:pic>
-      <p:sp>
-        <p:nvSpPr>
-          <p:cNvPr id="10" name="Rechteck 9">
-            <a:extLst>
-              <a:ext uri="{FF2B5EF4-FFF2-40B4-BE49-F238E27FC236}">
-                <a16:creationId xmlns:a16="http://schemas.microsoft.com/office/drawing/2014/main" id="{806BB677-ADB6-AD43-8AB5-AE3134D56692}"/>
+          <a:p>
+            <a:r>
+              <a:rPr lang="de-DE" dirty="0"/>
+              <a:t>Diskussion der Ergebnisse</a:t>
+            </a:r>
+          </a:p>
+          <a:p>
+            <a:endParaRPr lang="de-DE" dirty="0"/>
+          </a:p>
+          <a:p>
+            <a:r>
+              <a:rPr lang="de-DE" dirty="0"/>
+              <a:t>Empfehlungen für weiterführende Forschung</a:t>
+            </a:r>
+          </a:p>
+        </p:txBody>
+      </p:sp>
+      <p:sp>
+        <p:nvSpPr>
+          <p:cNvPr id="6" name="Rechteck 5">
+            <a:extLst>
+              <a:ext uri="{FF2B5EF4-FFF2-40B4-BE49-F238E27FC236}">
+                <a16:creationId xmlns:a16="http://schemas.microsoft.com/office/drawing/2014/main" id="{C1FE3E27-4784-4C41-AF11-6EB9193AA719}"/>
               </a:ext>
             </a:extLst>
           </p:cNvPr>
@@ -5539,8 +5457,8 @@
         </p:nvSpPr>
         <p:spPr>
           <a:xfrm>
-            <a:off x="8261498" y="6521393"/>
-            <a:ext cx="1853508" cy="336608"/>
+            <a:off x="9360568" y="6521393"/>
+            <a:ext cx="754438" cy="336608"/>
           </a:xfrm>
           <a:prstGeom prst="rect">
             <a:avLst/>
@@ -5579,95 +5497,10 @@
           </a:p>
         </p:txBody>
       </p:sp>
-      <p:sp>
-        <p:nvSpPr>
-          <p:cNvPr id="11" name="Textfeld 10">
-            <a:extLst>
-              <a:ext uri="{FF2B5EF4-FFF2-40B4-BE49-F238E27FC236}">
-                <a16:creationId xmlns:a16="http://schemas.microsoft.com/office/drawing/2014/main" id="{1ED927EF-9B17-0A44-9391-09C16888C6C3}"/>
-              </a:ext>
-            </a:extLst>
-          </p:cNvPr>
-          <p:cNvSpPr txBox="1"/>
-          <p:nvPr/>
-        </p:nvSpPr>
-        <p:spPr>
-          <a:xfrm>
-            <a:off x="2775606" y="1033253"/>
-            <a:ext cx="3048459" cy="369332"/>
-          </a:xfrm>
-          <a:prstGeom prst="rect">
-            <a:avLst/>
-          </a:prstGeom>
-          <a:noFill/>
-        </p:spPr>
-        <p:txBody>
-          <a:bodyPr wrap="square" rtlCol="0">
-            <a:spAutoFit/>
-          </a:bodyPr>
-          <a:lstStyle/>
-          <a:p>
-            <a:r>
-              <a:rPr lang="de-DE" i="1" dirty="0"/>
-              <a:t>Referenzwert: 0.87m, 9.25°</a:t>
-            </a:r>
-          </a:p>
-        </p:txBody>
-      </p:sp>
-      <p:sp>
-        <p:nvSpPr>
-          <p:cNvPr id="12" name="Rahmen 11">
-            <a:extLst>
-              <a:ext uri="{FF2B5EF4-FFF2-40B4-BE49-F238E27FC236}">
-                <a16:creationId xmlns:a16="http://schemas.microsoft.com/office/drawing/2014/main" id="{3EA00BB5-2650-6F42-8767-C63BB7D24481}"/>
-              </a:ext>
-            </a:extLst>
-          </p:cNvPr>
-          <p:cNvSpPr/>
-          <p:nvPr/>
-        </p:nvSpPr>
-        <p:spPr>
-          <a:xfrm>
-            <a:off x="5450306" y="1980449"/>
-            <a:ext cx="1299410" cy="348916"/>
-          </a:xfrm>
-          <a:prstGeom prst="frame">
-            <a:avLst/>
-          </a:prstGeom>
-        </p:spPr>
-        <p:style>
-          <a:lnRef idx="2">
-            <a:schemeClr val="accent6">
-              <a:shade val="50000"/>
-            </a:schemeClr>
-          </a:lnRef>
-          <a:fillRef idx="1">
-            <a:schemeClr val="accent6"/>
-          </a:fillRef>
-          <a:effectRef idx="0">
-            <a:schemeClr val="accent6"/>
-          </a:effectRef>
-          <a:fontRef idx="minor">
-            <a:schemeClr val="lt1"/>
-          </a:fontRef>
-        </p:style>
-        <p:txBody>
-          <a:bodyPr rtlCol="0" anchor="ctr"/>
-          <a:lstStyle/>
-          <a:p>
-            <a:pPr algn="ctr"/>
-            <a:endParaRPr lang="de-DE">
-              <a:solidFill>
-                <a:schemeClr val="tx1"/>
-              </a:solidFill>
-            </a:endParaRPr>
-          </a:p>
-        </p:txBody>
-      </p:sp>
     </p:spTree>
     <p:extLst>
       <p:ext uri="{BB962C8B-B14F-4D97-AF65-F5344CB8AC3E}">
-        <p14:creationId xmlns:p14="http://schemas.microsoft.com/office/powerpoint/2010/main" val="1305096659"/>
+        <p14:creationId xmlns:p14="http://schemas.microsoft.com/office/powerpoint/2010/main" val="401178146"/>
       </p:ext>
     </p:extLst>
   </p:cSld>
@@ -5812,7 +5645,7 @@
           </a:p>
           <a:p>
             <a:r>
-              <a:rPr lang="de-DE" dirty="0"/>
+              <a:rPr lang="de-DE" b="1" dirty="0"/>
               <a:t>Diskussion der Ergebnisse</a:t>
             </a:r>
           </a:p>
@@ -5884,7 +5717,7 @@
     </p:spTree>
     <p:extLst>
       <p:ext uri="{BB962C8B-B14F-4D97-AF65-F5344CB8AC3E}">
-        <p14:creationId xmlns:p14="http://schemas.microsoft.com/office/powerpoint/2010/main" val="401178146"/>
+        <p14:creationId xmlns:p14="http://schemas.microsoft.com/office/powerpoint/2010/main" val="2748287052"/>
       </p:ext>
     </p:extLst>
   </p:cSld>
@@ -5916,7 +5749,7 @@
           <p:cNvPr id="2" name="Titel 1">
             <a:extLst>
               <a:ext uri="{FF2B5EF4-FFF2-40B4-BE49-F238E27FC236}">
-                <a16:creationId xmlns:a16="http://schemas.microsoft.com/office/drawing/2014/main" id="{C8377983-06B6-6243-BF0B-0BC95D5047B9}"/>
+                <a16:creationId xmlns:a16="http://schemas.microsoft.com/office/drawing/2014/main" id="{BD6D5C20-D1DA-E44D-AB6C-936495F1FBFC}"/>
               </a:ext>
             </a:extLst>
           </p:cNvPr>
@@ -5934,7 +5767,7 @@
           <a:p>
             <a:r>
               <a:rPr lang="de-DE" dirty="0"/>
-              <a:t>Diskussion</a:t>
+              <a:t>Diskussion der Ergebnisse</a:t>
             </a:r>
           </a:p>
         </p:txBody>
@@ -5944,7 +5777,7 @@
           <p:cNvPr id="3" name="Datumsplatzhalter 2">
             <a:extLst>
               <a:ext uri="{FF2B5EF4-FFF2-40B4-BE49-F238E27FC236}">
-                <a16:creationId xmlns:a16="http://schemas.microsoft.com/office/drawing/2014/main" id="{F394A70A-B3D6-9E41-804C-1341629DB2ED}"/>
+                <a16:creationId xmlns:a16="http://schemas.microsoft.com/office/drawing/2014/main" id="{46523BF5-B962-2447-ADD7-A23FD964E59B}"/>
               </a:ext>
             </a:extLst>
           </p:cNvPr>
@@ -5973,7 +5806,7 @@
           <p:cNvPr id="4" name="Foliennummernplatzhalter 3">
             <a:extLst>
               <a:ext uri="{FF2B5EF4-FFF2-40B4-BE49-F238E27FC236}">
-                <a16:creationId xmlns:a16="http://schemas.microsoft.com/office/drawing/2014/main" id="{A8E1BCF8-A884-CA4A-ACE9-3C1639432213}"/>
+                <a16:creationId xmlns:a16="http://schemas.microsoft.com/office/drawing/2014/main" id="{19E6069A-5501-0844-AE6F-91F10E2CECF5}"/>
               </a:ext>
             </a:extLst>
           </p:cNvPr>
@@ -6003,7 +5836,7 @@
           <p:cNvPr id="5" name="Textplatzhalter 4">
             <a:extLst>
               <a:ext uri="{FF2B5EF4-FFF2-40B4-BE49-F238E27FC236}">
-                <a16:creationId xmlns:a16="http://schemas.microsoft.com/office/drawing/2014/main" id="{0DFD92D1-6D37-DD4A-A9C2-67F4185C7866}"/>
+                <a16:creationId xmlns:a16="http://schemas.microsoft.com/office/drawing/2014/main" id="{EF255CB2-BD89-1E44-B2CF-A3F47521602A}"/>
               </a:ext>
             </a:extLst>
           </p:cNvPr>
@@ -6014,33 +5847,89 @@
             <p:ph type="body" sz="quarter" idx="12"/>
           </p:nvPr>
         </p:nvSpPr>
-        <p:spPr/>
+        <p:spPr>
+          <a:xfrm>
+            <a:off x="91579" y="1597572"/>
+            <a:ext cx="11934415" cy="1643362"/>
+          </a:xfrm>
+        </p:spPr>
         <p:txBody>
           <a:bodyPr/>
           <a:lstStyle/>
           <a:p>
-            <a:r>
-              <a:rPr lang="de-DE" dirty="0"/>
-              <a:t>Diskussion der angewandten Methodik</a:t>
-            </a:r>
-          </a:p>
-          <a:p>
+            <a:pPr marL="0" indent="0">
+              <a:buNone/>
+            </a:pPr>
             <a:endParaRPr lang="de-DE" dirty="0"/>
           </a:p>
           <a:p>
             <a:r>
+              <a:rPr lang="de-DE" i="1" dirty="0"/>
+              <a:t>HS-</a:t>
+            </a:r>
+            <a:r>
+              <a:rPr lang="de-DE" i="1" dirty="0" err="1"/>
+              <a:t>stairs</a:t>
+            </a:r>
+            <a:r>
+              <a:rPr lang="de-DE" i="1" dirty="0"/>
+              <a:t>-</a:t>
+            </a:r>
+            <a:r>
+              <a:rPr lang="de-DE" i="1" dirty="0" err="1"/>
+              <a:t>up</a:t>
+            </a:r>
+            <a:r>
+              <a:rPr lang="de-DE" i="1" dirty="0"/>
+              <a:t> </a:t>
+            </a:r>
+            <a:r>
+              <a:rPr lang="de-DE" dirty="0"/>
+              <a:t>&amp;</a:t>
+            </a:r>
+            <a:r>
+              <a:rPr lang="de-DE" i="1" dirty="0"/>
+              <a:t> HS-</a:t>
+            </a:r>
+            <a:r>
+              <a:rPr lang="de-DE" i="1" dirty="0" err="1"/>
+              <a:t>stairs</a:t>
+            </a:r>
+            <a:r>
+              <a:rPr lang="de-DE" i="1" dirty="0"/>
+              <a:t>-down</a:t>
+            </a:r>
+          </a:p>
+          <a:p>
+            <a:pPr lvl="1"/>
+            <a:r>
+              <a:rPr lang="de-DE" dirty="0"/>
+              <a:t>keine Generalisierungsfähigkeit zu erkennen </a:t>
+            </a:r>
+            <a:r>
               <a:rPr lang="de-DE" b="1" dirty="0"/>
-              <a:t>Diskussion der Ergebnisse</a:t>
-            </a:r>
-          </a:p>
-          <a:p>
+              <a:t>(</a:t>
+            </a:r>
+            <a:r>
+              <a:rPr lang="de-DE" b="1" i="1" dirty="0" err="1"/>
+              <a:t>perceptual</a:t>
+            </a:r>
+            <a:r>
+              <a:rPr lang="de-DE" b="1" i="1" dirty="0"/>
+              <a:t>-aliasing</a:t>
+            </a:r>
+            <a:r>
+              <a:rPr lang="de-DE" b="1" dirty="0"/>
+              <a:t>)</a:t>
+            </a:r>
+          </a:p>
+          <a:p>
+            <a:pPr lvl="1"/>
             <a:endParaRPr lang="de-DE" dirty="0"/>
           </a:p>
           <a:p>
-            <a:r>
-              <a:rPr lang="de-DE" dirty="0"/>
-              <a:t>Empfehlungen für weiterführende Forschung</a:t>
-            </a:r>
+            <a:pPr lvl="1"/>
+            <a:endParaRPr lang="de-DE" dirty="0"/>
           </a:p>
         </p:txBody>
       </p:sp>
@@ -6049,7 +5938,7 @@
           <p:cNvPr id="6" name="Rechteck 5">
             <a:extLst>
               <a:ext uri="{FF2B5EF4-FFF2-40B4-BE49-F238E27FC236}">
-                <a16:creationId xmlns:a16="http://schemas.microsoft.com/office/drawing/2014/main" id="{C1FE3E27-4784-4C41-AF11-6EB9193AA719}"/>
+                <a16:creationId xmlns:a16="http://schemas.microsoft.com/office/drawing/2014/main" id="{BEED90A5-19B9-8047-9036-01136C2373C1}"/>
               </a:ext>
             </a:extLst>
           </p:cNvPr>
@@ -6098,10 +5987,209 @@
           </a:p>
         </p:txBody>
       </p:sp>
+      <p:pic>
+        <p:nvPicPr>
+          <p:cNvPr id="8" name="Grafik 7">
+            <a:extLst>
+              <a:ext uri="{FF2B5EF4-FFF2-40B4-BE49-F238E27FC236}">
+                <a16:creationId xmlns:a16="http://schemas.microsoft.com/office/drawing/2014/main" id="{C3B5B964-3737-904A-BF12-444A85EDB32B}"/>
+              </a:ext>
+            </a:extLst>
+          </p:cNvPr>
+          <p:cNvPicPr>
+            <a:picLocks noChangeAspect="1"/>
+          </p:cNvPicPr>
+          <p:nvPr/>
+        </p:nvPicPr>
+        <p:blipFill>
+          <a:blip r:embed="rId2">
+            <a:extLst>
+              <a:ext uri="{28A0092B-C50C-407E-A947-70E740481C1C}">
+                <a14:useLocalDpi xmlns:a14="http://schemas.microsoft.com/office/drawing/2010/main" val="0"/>
+              </a:ext>
+            </a:extLst>
+          </a:blip>
+          <a:stretch>
+            <a:fillRect/>
+          </a:stretch>
+        </p:blipFill>
+        <p:spPr>
+          <a:xfrm>
+            <a:off x="1301750" y="986762"/>
+            <a:ext cx="9588500" cy="876300"/>
+          </a:xfrm>
+          <a:prstGeom prst="rect">
+            <a:avLst/>
+          </a:prstGeom>
+        </p:spPr>
+      </p:pic>
+      <p:pic>
+        <p:nvPicPr>
+          <p:cNvPr id="11" name="Grafik 10">
+            <a:extLst>
+              <a:ext uri="{FF2B5EF4-FFF2-40B4-BE49-F238E27FC236}">
+                <a16:creationId xmlns:a16="http://schemas.microsoft.com/office/drawing/2014/main" id="{89248743-F2B8-E14D-9A0D-396E8AA3F889}"/>
+              </a:ext>
+            </a:extLst>
+          </p:cNvPr>
+          <p:cNvPicPr>
+            <a:picLocks noChangeAspect="1"/>
+          </p:cNvPicPr>
+          <p:nvPr/>
+        </p:nvPicPr>
+        <p:blipFill>
+          <a:blip r:embed="rId3">
+            <a:extLst>
+              <a:ext uri="{28A0092B-C50C-407E-A947-70E740481C1C}">
+                <a14:useLocalDpi xmlns:a14="http://schemas.microsoft.com/office/drawing/2010/main" val="0"/>
+              </a:ext>
+            </a:extLst>
+          </a:blip>
+          <a:stretch>
+            <a:fillRect/>
+          </a:stretch>
+        </p:blipFill>
+        <p:spPr>
+          <a:xfrm>
+            <a:off x="91579" y="3414985"/>
+            <a:ext cx="5774998" cy="2840505"/>
+          </a:xfrm>
+          <a:prstGeom prst="rect">
+            <a:avLst/>
+          </a:prstGeom>
+        </p:spPr>
+      </p:pic>
+      <p:pic>
+        <p:nvPicPr>
+          <p:cNvPr id="13" name="Grafik 12">
+            <a:extLst>
+              <a:ext uri="{FF2B5EF4-FFF2-40B4-BE49-F238E27FC236}">
+                <a16:creationId xmlns:a16="http://schemas.microsoft.com/office/drawing/2014/main" id="{FB764A09-7511-B84F-B827-C5B960A7A1A1}"/>
+              </a:ext>
+            </a:extLst>
+          </p:cNvPr>
+          <p:cNvPicPr>
+            <a:picLocks noChangeAspect="1"/>
+          </p:cNvPicPr>
+          <p:nvPr/>
+        </p:nvPicPr>
+        <p:blipFill>
+          <a:blip r:embed="rId4">
+            <a:extLst>
+              <a:ext uri="{28A0092B-C50C-407E-A947-70E740481C1C}">
+                <a14:useLocalDpi xmlns:a14="http://schemas.microsoft.com/office/drawing/2010/main" val="0"/>
+              </a:ext>
+            </a:extLst>
+          </a:blip>
+          <a:stretch>
+            <a:fillRect/>
+          </a:stretch>
+        </p:blipFill>
+        <p:spPr>
+          <a:xfrm>
+            <a:off x="6096000" y="3401419"/>
+            <a:ext cx="5774997" cy="2972738"/>
+          </a:xfrm>
+          <a:prstGeom prst="rect">
+            <a:avLst/>
+          </a:prstGeom>
+        </p:spPr>
+      </p:pic>
+      <p:sp>
+        <p:nvSpPr>
+          <p:cNvPr id="14" name="Textfeld 13">
+            <a:extLst>
+              <a:ext uri="{FF2B5EF4-FFF2-40B4-BE49-F238E27FC236}">
+                <a16:creationId xmlns:a16="http://schemas.microsoft.com/office/drawing/2014/main" id="{25C0CE37-E518-2E4B-BFCE-AD8188216728}"/>
+              </a:ext>
+            </a:extLst>
+          </p:cNvPr>
+          <p:cNvSpPr txBox="1"/>
+          <p:nvPr/>
+        </p:nvSpPr>
+        <p:spPr>
+          <a:xfrm>
+            <a:off x="1792875" y="3087045"/>
+            <a:ext cx="1471448" cy="307777"/>
+          </a:xfrm>
+          <a:prstGeom prst="rect">
+            <a:avLst/>
+          </a:prstGeom>
+          <a:noFill/>
+        </p:spPr>
+        <p:txBody>
+          <a:bodyPr wrap="square" rtlCol="0">
+            <a:spAutoFit/>
+          </a:bodyPr>
+          <a:lstStyle/>
+          <a:p>
+            <a:r>
+              <a:rPr lang="de-DE" sz="1400" i="1" dirty="0"/>
+              <a:t>HS-</a:t>
+            </a:r>
+            <a:r>
+              <a:rPr lang="de-DE" sz="1400" i="1" dirty="0" err="1"/>
+              <a:t>stairs</a:t>
+            </a:r>
+            <a:r>
+              <a:rPr lang="de-DE" sz="1400" i="1" dirty="0"/>
+              <a:t>-</a:t>
+            </a:r>
+            <a:r>
+              <a:rPr lang="de-DE" sz="1400" i="1" dirty="0" err="1"/>
+              <a:t>up</a:t>
+            </a:r>
+            <a:endParaRPr lang="de-DE" sz="1400" i="1" dirty="0"/>
+          </a:p>
+        </p:txBody>
+      </p:sp>
+      <p:sp>
+        <p:nvSpPr>
+          <p:cNvPr id="15" name="Textfeld 14">
+            <a:extLst>
+              <a:ext uri="{FF2B5EF4-FFF2-40B4-BE49-F238E27FC236}">
+                <a16:creationId xmlns:a16="http://schemas.microsoft.com/office/drawing/2014/main" id="{AF8CD212-93E1-D443-B5AC-FC8730A82441}"/>
+              </a:ext>
+            </a:extLst>
+          </p:cNvPr>
+          <p:cNvSpPr txBox="1"/>
+          <p:nvPr/>
+        </p:nvSpPr>
+        <p:spPr>
+          <a:xfrm>
+            <a:off x="8084343" y="3100294"/>
+            <a:ext cx="1798309" cy="307777"/>
+          </a:xfrm>
+          <a:prstGeom prst="rect">
+            <a:avLst/>
+          </a:prstGeom>
+          <a:noFill/>
+        </p:spPr>
+        <p:txBody>
+          <a:bodyPr wrap="square" rtlCol="0">
+            <a:spAutoFit/>
+          </a:bodyPr>
+          <a:lstStyle/>
+          <a:p>
+            <a:r>
+              <a:rPr lang="de-DE" sz="1400" i="1" dirty="0"/>
+              <a:t>HS-</a:t>
+            </a:r>
+            <a:r>
+              <a:rPr lang="de-DE" sz="1400" i="1" dirty="0" err="1"/>
+              <a:t>stairs</a:t>
+            </a:r>
+            <a:r>
+              <a:rPr lang="de-DE" sz="1400" i="1" dirty="0"/>
+              <a:t>-down</a:t>
+            </a:r>
+          </a:p>
+        </p:txBody>
+      </p:sp>
     </p:spTree>
     <p:extLst>
       <p:ext uri="{BB962C8B-B14F-4D97-AF65-F5344CB8AC3E}">
-        <p14:creationId xmlns:p14="http://schemas.microsoft.com/office/powerpoint/2010/main" val="2748287052"/>
+        <p14:creationId xmlns:p14="http://schemas.microsoft.com/office/powerpoint/2010/main" val="3520264171"/>
       </p:ext>
     </p:extLst>
   </p:cSld>
@@ -6231,85 +6319,80 @@
             <p:ph type="body" sz="quarter" idx="12"/>
           </p:nvPr>
         </p:nvSpPr>
-        <p:spPr>
-          <a:xfrm>
-            <a:off x="91579" y="1597572"/>
-            <a:ext cx="11934415" cy="1643362"/>
-          </a:xfrm>
-        </p:spPr>
+        <p:spPr/>
         <p:txBody>
           <a:bodyPr/>
           <a:lstStyle/>
           <a:p>
-            <a:pPr marL="0" indent="0">
-              <a:buNone/>
-            </a:pPr>
-            <a:endParaRPr lang="de-DE" dirty="0"/>
-          </a:p>
-          <a:p>
             <a:r>
               <a:rPr lang="de-DE" i="1" dirty="0"/>
-              <a:t>HS-</a:t>
-            </a:r>
-            <a:r>
-              <a:rPr lang="de-DE" i="1" dirty="0" err="1"/>
-              <a:t>stairs</a:t>
+              <a:t>IC-loop </a:t>
+            </a:r>
+            <a:r>
+              <a:rPr lang="de-DE" dirty="0"/>
+              <a:t>&amp; </a:t>
             </a:r>
             <a:r>
               <a:rPr lang="de-DE" i="1" dirty="0"/>
-              <a:t>-</a:t>
-            </a:r>
-            <a:r>
-              <a:rPr lang="de-DE" i="1" dirty="0" err="1"/>
-              <a:t>up</a:t>
-            </a:r>
-            <a:r>
-              <a:rPr lang="de-DE" i="1" dirty="0"/>
-              <a:t> </a:t>
-            </a:r>
-            <a:r>
-              <a:rPr lang="de-DE" dirty="0"/>
-              <a:t>&amp;</a:t>
-            </a:r>
-            <a:r>
-              <a:rPr lang="de-DE" i="1" dirty="0"/>
-              <a:t> HS-</a:t>
-            </a:r>
-            <a:r>
-              <a:rPr lang="de-DE" i="1" dirty="0" err="1"/>
-              <a:t>stairs</a:t>
-            </a:r>
-            <a:r>
-              <a:rPr lang="de-DE" i="1" dirty="0"/>
-              <a:t>-down</a:t>
+              <a:t>HS-gamma</a:t>
             </a:r>
           </a:p>
           <a:p>
             <a:pPr lvl="1"/>
             <a:r>
               <a:rPr lang="de-DE" dirty="0"/>
-              <a:t>keine Generalisierungsfähigkeit zu erkennen </a:t>
+              <a:t>ca. 5m breiten und 20m bis 30m langen </a:t>
             </a:r>
             <a:r>
               <a:rPr lang="de-DE" b="1" dirty="0"/>
-              <a:t>(</a:t>
-            </a:r>
-            <a:r>
-              <a:rPr lang="de-DE" b="1" i="1" dirty="0" err="1"/>
-              <a:t>perceptual</a:t>
-            </a:r>
-            <a:r>
-              <a:rPr lang="de-DE" b="1" i="1" dirty="0"/>
-              <a:t>-aliasing</a:t>
+              <a:t>Teilbereich</a:t>
+            </a:r>
+          </a:p>
+          <a:p>
+            <a:pPr lvl="1"/>
+            <a:r>
+              <a:rPr lang="de-DE" dirty="0"/>
+              <a:t>nur </a:t>
             </a:r>
             <a:r>
               <a:rPr lang="de-DE" b="1" dirty="0"/>
-              <a:t>)</a:t>
+              <a:t>eine</a:t>
+            </a:r>
+            <a:r>
+              <a:rPr lang="de-DE" dirty="0"/>
+              <a:t> Richtung</a:t>
             </a:r>
           </a:p>
           <a:p>
             <a:pPr lvl="1"/>
-            <a:endParaRPr lang="de-DE" dirty="0"/>
+            <a:r>
+              <a:rPr lang="de-DE" dirty="0"/>
+              <a:t>=&gt; </a:t>
+            </a:r>
+            <a:r>
+              <a:rPr lang="de-DE" b="1" dirty="0"/>
+              <a:t>Parallelen</a:t>
+            </a:r>
+            <a:r>
+              <a:rPr lang="de-DE" dirty="0"/>
+              <a:t> zur </a:t>
+            </a:r>
+            <a:r>
+              <a:rPr lang="de-DE" dirty="0" err="1"/>
+              <a:t>Acharya</a:t>
+            </a:r>
+            <a:r>
+              <a:rPr lang="de-DE" dirty="0"/>
+              <a:t> et </a:t>
+            </a:r>
+            <a:r>
+              <a:rPr lang="de-DE" dirty="0" err="1"/>
+              <a:t>al.‘s</a:t>
+            </a:r>
+            <a:r>
+              <a:rPr lang="de-DE" dirty="0"/>
+              <a:t> Datensatz</a:t>
+            </a:r>
           </a:p>
           <a:p>
             <a:pPr lvl="1"/>
@@ -6373,10 +6456,10 @@
       </p:sp>
       <p:pic>
         <p:nvPicPr>
-          <p:cNvPr id="8" name="Grafik 7">
-            <a:extLst>
-              <a:ext uri="{FF2B5EF4-FFF2-40B4-BE49-F238E27FC236}">
-                <a16:creationId xmlns:a16="http://schemas.microsoft.com/office/drawing/2014/main" id="{C3B5B964-3737-904A-BF12-444A85EDB32B}"/>
+          <p:cNvPr id="10" name="Grafik 9">
+            <a:extLst>
+              <a:ext uri="{FF2B5EF4-FFF2-40B4-BE49-F238E27FC236}">
+                <a16:creationId xmlns:a16="http://schemas.microsoft.com/office/drawing/2014/main" id="{285B82C0-6A90-0544-98AD-5C2E70368471}"/>
               </a:ext>
             </a:extLst>
           </p:cNvPr>
@@ -6399,8 +6482,8 @@
         </p:blipFill>
         <p:spPr>
           <a:xfrm>
-            <a:off x="1301750" y="986762"/>
-            <a:ext cx="9588500" cy="876300"/>
+            <a:off x="3919849" y="3180840"/>
+            <a:ext cx="4711700" cy="1346200"/>
           </a:xfrm>
           <a:prstGeom prst="rect">
             <a:avLst/>
@@ -6409,10 +6492,10 @@
       </p:pic>
       <p:pic>
         <p:nvPicPr>
-          <p:cNvPr id="11" name="Grafik 10">
-            <a:extLst>
-              <a:ext uri="{FF2B5EF4-FFF2-40B4-BE49-F238E27FC236}">
-                <a16:creationId xmlns:a16="http://schemas.microsoft.com/office/drawing/2014/main" id="{89248743-F2B8-E14D-9A0D-396E8AA3F889}"/>
+          <p:cNvPr id="13" name="Grafik 12">
+            <a:extLst>
+              <a:ext uri="{FF2B5EF4-FFF2-40B4-BE49-F238E27FC236}">
+                <a16:creationId xmlns:a16="http://schemas.microsoft.com/office/drawing/2014/main" id="{90650A54-F29D-264A-9622-503CFDC8DD41}"/>
               </a:ext>
             </a:extLst>
           </p:cNvPr>
@@ -6435,8 +6518,8 @@
         </p:blipFill>
         <p:spPr>
           <a:xfrm>
-            <a:off x="91579" y="3414985"/>
-            <a:ext cx="5774998" cy="2840505"/>
+            <a:off x="152024" y="4438623"/>
+            <a:ext cx="4046322" cy="1979338"/>
           </a:xfrm>
           <a:prstGeom prst="rect">
             <a:avLst/>
@@ -6445,10 +6528,10 @@
       </p:pic>
       <p:pic>
         <p:nvPicPr>
-          <p:cNvPr id="13" name="Grafik 12">
-            <a:extLst>
-              <a:ext uri="{FF2B5EF4-FFF2-40B4-BE49-F238E27FC236}">
-                <a16:creationId xmlns:a16="http://schemas.microsoft.com/office/drawing/2014/main" id="{FB764A09-7511-B84F-B827-C5B960A7A1A1}"/>
+          <p:cNvPr id="15" name="Grafik 14">
+            <a:extLst>
+              <a:ext uri="{FF2B5EF4-FFF2-40B4-BE49-F238E27FC236}">
+                <a16:creationId xmlns:a16="http://schemas.microsoft.com/office/drawing/2014/main" id="{64A21090-8872-7D44-98A3-9BFEC5CA39A2}"/>
               </a:ext>
             </a:extLst>
           </p:cNvPr>
@@ -6471,8 +6554,8 @@
         </p:blipFill>
         <p:spPr>
           <a:xfrm>
-            <a:off x="6096000" y="3401419"/>
-            <a:ext cx="5774997" cy="2972738"/>
+            <a:off x="8207398" y="4438623"/>
+            <a:ext cx="3815215" cy="1917917"/>
           </a:xfrm>
           <a:prstGeom prst="rect">
             <a:avLst/>
@@ -6481,10 +6564,10 @@
       </p:pic>
       <p:sp>
         <p:nvSpPr>
-          <p:cNvPr id="14" name="Textfeld 13">
-            <a:extLst>
-              <a:ext uri="{FF2B5EF4-FFF2-40B4-BE49-F238E27FC236}">
-                <a16:creationId xmlns:a16="http://schemas.microsoft.com/office/drawing/2014/main" id="{25C0CE37-E518-2E4B-BFCE-AD8188216728}"/>
+          <p:cNvPr id="16" name="Textfeld 15">
+            <a:extLst>
+              <a:ext uri="{FF2B5EF4-FFF2-40B4-BE49-F238E27FC236}">
+                <a16:creationId xmlns:a16="http://schemas.microsoft.com/office/drawing/2014/main" id="{91EED4D7-38D7-7B4C-85C3-A067F6607D4D}"/>
               </a:ext>
             </a:extLst>
           </p:cNvPr>
@@ -6493,8 +6576,8 @@
         </p:nvSpPr>
         <p:spPr>
           <a:xfrm>
-            <a:off x="1792875" y="3087045"/>
-            <a:ext cx="1471448" cy="307777"/>
+            <a:off x="1670689" y="4168753"/>
+            <a:ext cx="1008992" cy="307777"/>
           </a:xfrm>
           <a:prstGeom prst="rect">
             <a:avLst/>
@@ -6509,30 +6592,18 @@
           <a:p>
             <a:r>
               <a:rPr lang="de-DE" sz="1400" i="1" dirty="0"/>
-              <a:t>HS-</a:t>
-            </a:r>
-            <a:r>
-              <a:rPr lang="de-DE" sz="1400" i="1" dirty="0" err="1"/>
-              <a:t>stairs</a:t>
-            </a:r>
-            <a:r>
-              <a:rPr lang="de-DE" sz="1400" i="1" dirty="0"/>
-              <a:t>-</a:t>
-            </a:r>
-            <a:r>
-              <a:rPr lang="de-DE" sz="1400" i="1" dirty="0" err="1"/>
-              <a:t>up</a:t>
-            </a:r>
-            <a:endParaRPr lang="de-DE" sz="1400" i="1" dirty="0"/>
-          </a:p>
-        </p:txBody>
-      </p:sp>
-      <p:sp>
-        <p:nvSpPr>
-          <p:cNvPr id="15" name="Textfeld 14">
-            <a:extLst>
-              <a:ext uri="{FF2B5EF4-FFF2-40B4-BE49-F238E27FC236}">
-                <a16:creationId xmlns:a16="http://schemas.microsoft.com/office/drawing/2014/main" id="{AF8CD212-93E1-D443-B5AC-FC8730A82441}"/>
+              <a:t>IC-loop</a:t>
+            </a:r>
+            <a:endParaRPr lang="de-DE" i="1" dirty="0"/>
+          </a:p>
+        </p:txBody>
+      </p:sp>
+      <p:sp>
+        <p:nvSpPr>
+          <p:cNvPr id="17" name="Textfeld 16">
+            <a:extLst>
+              <a:ext uri="{FF2B5EF4-FFF2-40B4-BE49-F238E27FC236}">
+                <a16:creationId xmlns:a16="http://schemas.microsoft.com/office/drawing/2014/main" id="{9E5A8C14-465F-9846-8100-27773E4423B0}"/>
               </a:ext>
             </a:extLst>
           </p:cNvPr>
@@ -6541,8 +6612,8 @@
         </p:nvSpPr>
         <p:spPr>
           <a:xfrm>
-            <a:off x="8084343" y="3100294"/>
-            <a:ext cx="1798309" cy="307777"/>
+            <a:off x="9421080" y="4115587"/>
+            <a:ext cx="1387850" cy="307777"/>
           </a:xfrm>
           <a:prstGeom prst="rect">
             <a:avLst/>
@@ -6557,23 +6628,211 @@
           <a:p>
             <a:r>
               <a:rPr lang="de-DE" sz="1400" i="1" dirty="0"/>
-              <a:t>HS-</a:t>
-            </a:r>
+              <a:t>HS-gamma</a:t>
+            </a:r>
+            <a:endParaRPr lang="de-DE" i="1" dirty="0"/>
+          </a:p>
+        </p:txBody>
+      </p:sp>
+      <p:sp>
+        <p:nvSpPr>
+          <p:cNvPr id="18" name="Textfeld 17">
+            <a:extLst>
+              <a:ext uri="{FF2B5EF4-FFF2-40B4-BE49-F238E27FC236}">
+                <a16:creationId xmlns:a16="http://schemas.microsoft.com/office/drawing/2014/main" id="{0C799367-7304-B743-8535-98E2BEBA5D96}"/>
+              </a:ext>
+            </a:extLst>
+          </p:cNvPr>
+          <p:cNvSpPr txBox="1"/>
+          <p:nvPr/>
+        </p:nvSpPr>
+        <p:spPr>
+          <a:xfrm>
+            <a:off x="5414457" y="4556882"/>
+            <a:ext cx="1363086" cy="307777"/>
+          </a:xfrm>
+          <a:prstGeom prst="rect">
+            <a:avLst/>
+          </a:prstGeom>
+          <a:noFill/>
+        </p:spPr>
+        <p:txBody>
+          <a:bodyPr wrap="square" rtlCol="0">
+            <a:spAutoFit/>
+          </a:bodyPr>
+          <a:lstStyle/>
+          <a:p>
             <a:r>
               <a:rPr lang="de-DE" sz="1400" i="1" dirty="0" err="1"/>
-              <a:t>stairs</a:t>
+              <a:t>Acharya</a:t>
             </a:r>
             <a:r>
               <a:rPr lang="de-DE" sz="1400" i="1" dirty="0"/>
-              <a:t>-down</a:t>
-            </a:r>
+              <a:t> et al.</a:t>
+            </a:r>
+          </a:p>
+        </p:txBody>
+      </p:sp>
+      <p:sp>
+        <p:nvSpPr>
+          <p:cNvPr id="19" name="Rechteck 18">
+            <a:extLst>
+              <a:ext uri="{FF2B5EF4-FFF2-40B4-BE49-F238E27FC236}">
+                <a16:creationId xmlns:a16="http://schemas.microsoft.com/office/drawing/2014/main" id="{6D5ED54F-D4E0-E34D-819D-7843402218CB}"/>
+              </a:ext>
+            </a:extLst>
+          </p:cNvPr>
+          <p:cNvSpPr/>
+          <p:nvPr/>
+        </p:nvSpPr>
+        <p:spPr>
+          <a:xfrm>
+            <a:off x="4183574" y="3277507"/>
+            <a:ext cx="4036045" cy="960773"/>
+          </a:xfrm>
+          <a:prstGeom prst="rect">
+            <a:avLst/>
+          </a:prstGeom>
+          <a:noFill/>
+          <a:ln w="50800">
+            <a:solidFill>
+              <a:schemeClr val="accent6"/>
+            </a:solidFill>
+          </a:ln>
+        </p:spPr>
+        <p:style>
+          <a:lnRef idx="2">
+            <a:schemeClr val="accent1">
+              <a:shade val="50000"/>
+            </a:schemeClr>
+          </a:lnRef>
+          <a:fillRef idx="1">
+            <a:schemeClr val="accent1"/>
+          </a:fillRef>
+          <a:effectRef idx="0">
+            <a:schemeClr val="accent1"/>
+          </a:effectRef>
+          <a:fontRef idx="minor">
+            <a:schemeClr val="lt1"/>
+          </a:fontRef>
+        </p:style>
+        <p:txBody>
+          <a:bodyPr rtlCol="0" anchor="ctr"/>
+          <a:lstStyle/>
+          <a:p>
+            <a:pPr algn="ctr"/>
+            <a:endParaRPr lang="de-DE" dirty="0"/>
+          </a:p>
+        </p:txBody>
+      </p:sp>
+      <p:sp>
+        <p:nvSpPr>
+          <p:cNvPr id="21" name="Rechteck 20">
+            <a:extLst>
+              <a:ext uri="{FF2B5EF4-FFF2-40B4-BE49-F238E27FC236}">
+                <a16:creationId xmlns:a16="http://schemas.microsoft.com/office/drawing/2014/main" id="{22B8D3D0-4D09-7648-9A75-8214011C6F71}"/>
+              </a:ext>
+            </a:extLst>
+          </p:cNvPr>
+          <p:cNvSpPr/>
+          <p:nvPr/>
+        </p:nvSpPr>
+        <p:spPr>
+          <a:xfrm>
+            <a:off x="995999" y="5305741"/>
+            <a:ext cx="1683682" cy="369332"/>
+          </a:xfrm>
+          <a:prstGeom prst="rect">
+            <a:avLst/>
+          </a:prstGeom>
+          <a:noFill/>
+          <a:ln w="50800">
+            <a:solidFill>
+              <a:schemeClr val="accent6"/>
+            </a:solidFill>
+          </a:ln>
+        </p:spPr>
+        <p:style>
+          <a:lnRef idx="2">
+            <a:schemeClr val="accent1">
+              <a:shade val="50000"/>
+            </a:schemeClr>
+          </a:lnRef>
+          <a:fillRef idx="1">
+            <a:schemeClr val="accent1"/>
+          </a:fillRef>
+          <a:effectRef idx="0">
+            <a:schemeClr val="accent1"/>
+          </a:effectRef>
+          <a:fontRef idx="minor">
+            <a:schemeClr val="lt1"/>
+          </a:fontRef>
+        </p:style>
+        <p:txBody>
+          <a:bodyPr rtlCol="0" anchor="ctr"/>
+          <a:lstStyle/>
+          <a:p>
+            <a:pPr algn="ctr"/>
+            <a:endParaRPr lang="de-DE" dirty="0"/>
+          </a:p>
+        </p:txBody>
+      </p:sp>
+      <p:sp>
+        <p:nvSpPr>
+          <p:cNvPr id="22" name="Rechteck 21">
+            <a:extLst>
+              <a:ext uri="{FF2B5EF4-FFF2-40B4-BE49-F238E27FC236}">
+                <a16:creationId xmlns:a16="http://schemas.microsoft.com/office/drawing/2014/main" id="{53D27E73-F715-E84E-8D7A-C9929B8AAAA6}"/>
+              </a:ext>
+            </a:extLst>
+          </p:cNvPr>
+          <p:cNvSpPr/>
+          <p:nvPr/>
+        </p:nvSpPr>
+        <p:spPr>
+          <a:xfrm>
+            <a:off x="8834250" y="5103360"/>
+            <a:ext cx="1387850" cy="369332"/>
+          </a:xfrm>
+          <a:prstGeom prst="rect">
+            <a:avLst/>
+          </a:prstGeom>
+          <a:noFill/>
+          <a:ln w="50800">
+            <a:solidFill>
+              <a:schemeClr val="accent6"/>
+            </a:solidFill>
+          </a:ln>
+        </p:spPr>
+        <p:style>
+          <a:lnRef idx="2">
+            <a:schemeClr val="accent1">
+              <a:shade val="50000"/>
+            </a:schemeClr>
+          </a:lnRef>
+          <a:fillRef idx="1">
+            <a:schemeClr val="accent1"/>
+          </a:fillRef>
+          <a:effectRef idx="0">
+            <a:schemeClr val="accent1"/>
+          </a:effectRef>
+          <a:fontRef idx="minor">
+            <a:schemeClr val="lt1"/>
+          </a:fontRef>
+        </p:style>
+        <p:txBody>
+          <a:bodyPr rtlCol="0" anchor="ctr"/>
+          <a:lstStyle/>
+          <a:p>
+            <a:pPr algn="ctr"/>
+            <a:endParaRPr lang="de-DE" dirty="0"/>
           </a:p>
         </p:txBody>
       </p:sp>
     </p:spTree>
     <p:extLst>
       <p:ext uri="{BB962C8B-B14F-4D97-AF65-F5344CB8AC3E}">
-        <p14:creationId xmlns:p14="http://schemas.microsoft.com/office/powerpoint/2010/main" val="3520264171"/>
+        <p14:creationId xmlns:p14="http://schemas.microsoft.com/office/powerpoint/2010/main" val="988368122"/>
       </p:ext>
     </p:extLst>
   </p:cSld>
@@ -6710,56 +6969,77 @@
           <a:p>
             <a:r>
               <a:rPr lang="de-DE" i="1" dirty="0"/>
-              <a:t>IC-loop </a:t>
-            </a:r>
-            <a:r>
-              <a:rPr lang="de-DE" dirty="0"/>
-              <a:t>&amp; </a:t>
-            </a:r>
+              <a:t>IC-loop</a:t>
+            </a:r>
+            <a:r>
+              <a:rPr lang="de-DE" dirty="0"/>
+              <a:t> schlechte Ergebnisse wegen </a:t>
+            </a:r>
+            <a:r>
+              <a:rPr lang="de-DE" i="1" dirty="0" err="1"/>
+              <a:t>perceptual</a:t>
+            </a:r>
+            <a:r>
+              <a:rPr lang="de-DE" i="1" dirty="0"/>
+              <a:t>-aliasing</a:t>
+            </a:r>
+          </a:p>
+          <a:p>
+            <a:pPr lvl="1"/>
+            <a:r>
+              <a:rPr lang="de-DE" dirty="0"/>
+              <a:t>vertikale &amp; horizontale Strecken waren optisch gleich</a:t>
+            </a:r>
+          </a:p>
+          <a:p>
+            <a:endParaRPr lang="de-DE" dirty="0"/>
+          </a:p>
+          <a:p>
             <a:r>
               <a:rPr lang="de-DE" i="1" dirty="0"/>
               <a:t>HS-gamma</a:t>
             </a:r>
+            <a:r>
+              <a:rPr lang="de-DE" dirty="0"/>
+              <a:t> hatte eindeutige Strecken </a:t>
+            </a:r>
           </a:p>
           <a:p>
             <a:pPr lvl="1"/>
             <a:r>
-              <a:rPr lang="de-DE" dirty="0"/>
-              <a:t>ca. 5m breiten und 20m bis 30m langen </a:t>
-            </a:r>
-            <a:r>
               <a:rPr lang="de-DE" b="1" dirty="0"/>
-              <a:t>Teilbereich</a:t>
+              <a:t>eventuell</a:t>
+            </a:r>
+            <a:r>
+              <a:rPr lang="de-DE" dirty="0"/>
+              <a:t>: hohes </a:t>
+            </a:r>
+            <a:r>
+              <a:rPr lang="de-DE" i="1" dirty="0"/>
+              <a:t>Level-</a:t>
+            </a:r>
+            <a:r>
+              <a:rPr lang="de-DE" i="1" dirty="0" err="1"/>
+              <a:t>of</a:t>
+            </a:r>
+            <a:r>
+              <a:rPr lang="de-DE" i="1" dirty="0"/>
+              <a:t>-Detail</a:t>
+            </a:r>
+            <a:r>
+              <a:rPr lang="de-DE" dirty="0"/>
+              <a:t> der HS-Simulation</a:t>
             </a:r>
           </a:p>
           <a:p>
             <a:pPr lvl="1"/>
             <a:r>
-              <a:rPr lang="de-DE" dirty="0"/>
-              <a:t>nur </a:t>
-            </a:r>
-            <a:r>
               <a:rPr lang="de-DE" b="1" dirty="0"/>
-              <a:t>eine</a:t>
-            </a:r>
-            <a:r>
-              <a:rPr lang="de-DE" dirty="0"/>
-              <a:t> Richtung</a:t>
-            </a:r>
-          </a:p>
-          <a:p>
-            <a:pPr lvl="1"/>
-            <a:r>
-              <a:rPr lang="de-DE" dirty="0"/>
-              <a:t>=&gt; </a:t>
-            </a:r>
-            <a:r>
-              <a:rPr lang="de-DE" b="1" dirty="0"/>
-              <a:t>Parallelen</a:t>
-            </a:r>
-            <a:r>
-              <a:rPr lang="de-DE" dirty="0"/>
-              <a:t> zur </a:t>
+              <a:t>aber</a:t>
+            </a:r>
+            <a:r>
+              <a:rPr lang="de-DE" dirty="0"/>
+              <a:t>: Gemeinsamkeiten zu IC-loop &amp; </a:t>
             </a:r>
             <a:r>
               <a:rPr lang="de-DE" dirty="0" err="1"/>
@@ -6767,20 +7047,86 @@
             </a:r>
             <a:r>
               <a:rPr lang="de-DE" dirty="0"/>
-              <a:t> et </a:t>
+              <a:t> et al.</a:t>
+            </a:r>
+          </a:p>
+          <a:p>
+            <a:endParaRPr lang="de-DE" dirty="0"/>
+          </a:p>
+          <a:p>
+            <a:r>
+              <a:rPr lang="de-DE" i="1" dirty="0" err="1"/>
+              <a:t>PoseNet</a:t>
+            </a:r>
+            <a:r>
+              <a:rPr lang="de-DE" dirty="0"/>
+              <a:t> ist </a:t>
+            </a:r>
+            <a:r>
+              <a:rPr lang="de-DE" b="1" dirty="0"/>
+              <a:t>nicht begrenzt</a:t>
+            </a:r>
+          </a:p>
+          <a:p>
+            <a:pPr lvl="1"/>
+            <a:r>
+              <a:rPr lang="de-DE" b="1" dirty="0"/>
+              <a:t>Daten der gleichen Domäne: 				</a:t>
+            </a:r>
+            <a:r>
+              <a:rPr lang="de-DE" dirty="0"/>
+              <a:t>ca. 1m Positionsakkuratesse</a:t>
+            </a:r>
+          </a:p>
+          <a:p>
+            <a:pPr lvl="1"/>
+            <a:r>
+              <a:rPr lang="de-DE" dirty="0"/>
+              <a:t>Walch et al. mit </a:t>
+            </a:r>
+            <a:r>
+              <a:rPr lang="de-DE" i="1" dirty="0"/>
+              <a:t>TUM-Datensatz</a:t>
+            </a:r>
+            <a:r>
+              <a:rPr lang="de-DE" dirty="0"/>
+              <a:t> (</a:t>
+            </a:r>
+            <a:r>
+              <a:rPr lang="de-DE" b="1" dirty="0"/>
+              <a:t>größer</a:t>
+            </a:r>
+            <a:r>
+              <a:rPr lang="de-DE" dirty="0"/>
+              <a:t> als die Obigen): 	ca. 2m Positionsakkuratesse</a:t>
+            </a:r>
+          </a:p>
+          <a:p>
+            <a:pPr lvl="1"/>
+            <a:r>
+              <a:rPr lang="de-DE" dirty="0"/>
+              <a:t>=&gt; </a:t>
+            </a:r>
+            <a:r>
+              <a:rPr lang="de-DE" b="1" dirty="0"/>
+              <a:t>domänenübergreifende</a:t>
+            </a:r>
+            <a:r>
+              <a:rPr lang="de-DE" dirty="0"/>
+              <a:t> Anwendung mit </a:t>
             </a:r>
             <a:r>
               <a:rPr lang="de-DE" dirty="0" err="1"/>
-              <a:t>al.‘s</a:t>
-            </a:r>
-            <a:r>
-              <a:rPr lang="de-DE" dirty="0"/>
-              <a:t> Datensatz</a:t>
-            </a:r>
-          </a:p>
-          <a:p>
-            <a:pPr lvl="1"/>
-            <a:endParaRPr lang="de-DE" dirty="0"/>
+              <a:t>Gradientenbildern</a:t>
+            </a:r>
+            <a:r>
+              <a:rPr lang="de-DE" dirty="0"/>
+              <a:t> kann </a:t>
+            </a:r>
+            <a:r>
+              <a:rPr lang="de-DE" b="1" dirty="0"/>
+              <a:t>begrenzt sein</a:t>
+            </a:r>
           </a:p>
         </p:txBody>
       </p:sp>
@@ -6838,263 +7184,38 @@
           </a:p>
         </p:txBody>
       </p:sp>
-      <p:pic>
-        <p:nvPicPr>
-          <p:cNvPr id="10" name="Grafik 9">
-            <a:extLst>
-              <a:ext uri="{FF2B5EF4-FFF2-40B4-BE49-F238E27FC236}">
-                <a16:creationId xmlns:a16="http://schemas.microsoft.com/office/drawing/2014/main" id="{285B82C0-6A90-0544-98AD-5C2E70368471}"/>
-              </a:ext>
-            </a:extLst>
-          </p:cNvPr>
-          <p:cNvPicPr>
-            <a:picLocks noChangeAspect="1"/>
-          </p:cNvPicPr>
+      <p:sp>
+        <p:nvSpPr>
+          <p:cNvPr id="20" name="Gewitterblitz 19">
+            <a:extLst>
+              <a:ext uri="{FF2B5EF4-FFF2-40B4-BE49-F238E27FC236}">
+                <a16:creationId xmlns:a16="http://schemas.microsoft.com/office/drawing/2014/main" id="{B642E31D-86D3-9E4A-92F0-4AAAE0632470}"/>
+              </a:ext>
+            </a:extLst>
+          </p:cNvPr>
+          <p:cNvSpPr/>
           <p:nvPr/>
-        </p:nvPicPr>
-        <p:blipFill>
-          <a:blip r:embed="rId2">
-            <a:extLst>
-              <a:ext uri="{28A0092B-C50C-407E-A947-70E740481C1C}">
-                <a14:useLocalDpi xmlns:a14="http://schemas.microsoft.com/office/drawing/2010/main" val="0"/>
-              </a:ext>
-            </a:extLst>
-          </a:blip>
-          <a:stretch>
-            <a:fillRect/>
-          </a:stretch>
-        </p:blipFill>
-        <p:spPr>
-          <a:xfrm>
-            <a:off x="3919849" y="3180840"/>
-            <a:ext cx="4711700" cy="1346200"/>
-          </a:xfrm>
-          <a:prstGeom prst="rect">
+        </p:nvSpPr>
+        <p:spPr>
+          <a:xfrm rot="3622919">
+            <a:off x="6905753" y="3033292"/>
+            <a:ext cx="462116" cy="564029"/>
+          </a:xfrm>
+          <a:prstGeom prst="lightningBolt">
             <a:avLst/>
           </a:prstGeom>
         </p:spPr>
-      </p:pic>
-      <p:pic>
-        <p:nvPicPr>
-          <p:cNvPr id="13" name="Grafik 12">
-            <a:extLst>
-              <a:ext uri="{FF2B5EF4-FFF2-40B4-BE49-F238E27FC236}">
-                <a16:creationId xmlns:a16="http://schemas.microsoft.com/office/drawing/2014/main" id="{90650A54-F29D-264A-9622-503CFDC8DD41}"/>
-              </a:ext>
-            </a:extLst>
-          </p:cNvPr>
-          <p:cNvPicPr>
-            <a:picLocks noChangeAspect="1"/>
-          </p:cNvPicPr>
-          <p:nvPr/>
-        </p:nvPicPr>
-        <p:blipFill>
-          <a:blip r:embed="rId3">
-            <a:extLst>
-              <a:ext uri="{28A0092B-C50C-407E-A947-70E740481C1C}">
-                <a14:useLocalDpi xmlns:a14="http://schemas.microsoft.com/office/drawing/2010/main" val="0"/>
-              </a:ext>
-            </a:extLst>
-          </a:blip>
-          <a:stretch>
-            <a:fillRect/>
-          </a:stretch>
-        </p:blipFill>
-        <p:spPr>
-          <a:xfrm>
-            <a:off x="152024" y="4438623"/>
-            <a:ext cx="4046322" cy="1979338"/>
-          </a:xfrm>
-          <a:prstGeom prst="rect">
-            <a:avLst/>
-          </a:prstGeom>
-        </p:spPr>
-      </p:pic>
-      <p:pic>
-        <p:nvPicPr>
-          <p:cNvPr id="15" name="Grafik 14">
-            <a:extLst>
-              <a:ext uri="{FF2B5EF4-FFF2-40B4-BE49-F238E27FC236}">
-                <a16:creationId xmlns:a16="http://schemas.microsoft.com/office/drawing/2014/main" id="{64A21090-8872-7D44-98A3-9BFEC5CA39A2}"/>
-              </a:ext>
-            </a:extLst>
-          </p:cNvPr>
-          <p:cNvPicPr>
-            <a:picLocks noChangeAspect="1"/>
-          </p:cNvPicPr>
-          <p:nvPr/>
-        </p:nvPicPr>
-        <p:blipFill>
-          <a:blip r:embed="rId4">
-            <a:extLst>
-              <a:ext uri="{28A0092B-C50C-407E-A947-70E740481C1C}">
-                <a14:useLocalDpi xmlns:a14="http://schemas.microsoft.com/office/drawing/2010/main" val="0"/>
-              </a:ext>
-            </a:extLst>
-          </a:blip>
-          <a:stretch>
-            <a:fillRect/>
-          </a:stretch>
-        </p:blipFill>
-        <p:spPr>
-          <a:xfrm>
-            <a:off x="8207398" y="4438623"/>
-            <a:ext cx="3815215" cy="1917917"/>
-          </a:xfrm>
-          <a:prstGeom prst="rect">
-            <a:avLst/>
-          </a:prstGeom>
-        </p:spPr>
-      </p:pic>
-      <p:sp>
-        <p:nvSpPr>
-          <p:cNvPr id="16" name="Textfeld 15">
-            <a:extLst>
-              <a:ext uri="{FF2B5EF4-FFF2-40B4-BE49-F238E27FC236}">
-                <a16:creationId xmlns:a16="http://schemas.microsoft.com/office/drawing/2014/main" id="{91EED4D7-38D7-7B4C-85C3-A067F6607D4D}"/>
-              </a:ext>
-            </a:extLst>
-          </p:cNvPr>
-          <p:cNvSpPr txBox="1"/>
-          <p:nvPr/>
-        </p:nvSpPr>
-        <p:spPr>
-          <a:xfrm>
-            <a:off x="1670689" y="4168753"/>
-            <a:ext cx="1008992" cy="307777"/>
-          </a:xfrm>
-          <a:prstGeom prst="rect">
-            <a:avLst/>
-          </a:prstGeom>
-          <a:noFill/>
-        </p:spPr>
-        <p:txBody>
-          <a:bodyPr wrap="square" rtlCol="0">
-            <a:spAutoFit/>
-          </a:bodyPr>
-          <a:lstStyle/>
-          <a:p>
-            <a:r>
-              <a:rPr lang="de-DE" sz="1400" i="1" dirty="0"/>
-              <a:t>IC-loop</a:t>
-            </a:r>
-            <a:endParaRPr lang="de-DE" i="1" dirty="0"/>
-          </a:p>
-        </p:txBody>
-      </p:sp>
-      <p:sp>
-        <p:nvSpPr>
-          <p:cNvPr id="17" name="Textfeld 16">
-            <a:extLst>
-              <a:ext uri="{FF2B5EF4-FFF2-40B4-BE49-F238E27FC236}">
-                <a16:creationId xmlns:a16="http://schemas.microsoft.com/office/drawing/2014/main" id="{9E5A8C14-465F-9846-8100-27773E4423B0}"/>
-              </a:ext>
-            </a:extLst>
-          </p:cNvPr>
-          <p:cNvSpPr txBox="1"/>
-          <p:nvPr/>
-        </p:nvSpPr>
-        <p:spPr>
-          <a:xfrm>
-            <a:off x="9421080" y="4115587"/>
-            <a:ext cx="1387850" cy="307777"/>
-          </a:xfrm>
-          <a:prstGeom prst="rect">
-            <a:avLst/>
-          </a:prstGeom>
-          <a:noFill/>
-        </p:spPr>
-        <p:txBody>
-          <a:bodyPr wrap="square" rtlCol="0">
-            <a:spAutoFit/>
-          </a:bodyPr>
-          <a:lstStyle/>
-          <a:p>
-            <a:r>
-              <a:rPr lang="de-DE" sz="1400" i="1" dirty="0"/>
-              <a:t>HS-gamma</a:t>
-            </a:r>
-            <a:endParaRPr lang="de-DE" i="1" dirty="0"/>
-          </a:p>
-        </p:txBody>
-      </p:sp>
-      <p:sp>
-        <p:nvSpPr>
-          <p:cNvPr id="18" name="Textfeld 17">
-            <a:extLst>
-              <a:ext uri="{FF2B5EF4-FFF2-40B4-BE49-F238E27FC236}">
-                <a16:creationId xmlns:a16="http://schemas.microsoft.com/office/drawing/2014/main" id="{0C799367-7304-B743-8535-98E2BEBA5D96}"/>
-              </a:ext>
-            </a:extLst>
-          </p:cNvPr>
-          <p:cNvSpPr txBox="1"/>
-          <p:nvPr/>
-        </p:nvSpPr>
-        <p:spPr>
-          <a:xfrm>
-            <a:off x="5414457" y="4556882"/>
-            <a:ext cx="1363086" cy="307777"/>
-          </a:xfrm>
-          <a:prstGeom prst="rect">
-            <a:avLst/>
-          </a:prstGeom>
-          <a:noFill/>
-        </p:spPr>
-        <p:txBody>
-          <a:bodyPr wrap="square" rtlCol="0">
-            <a:spAutoFit/>
-          </a:bodyPr>
-          <a:lstStyle/>
-          <a:p>
-            <a:r>
-              <a:rPr lang="de-DE" sz="1400" i="1" dirty="0" err="1"/>
-              <a:t>Acharya</a:t>
-            </a:r>
-            <a:r>
-              <a:rPr lang="de-DE" sz="1400" i="1" dirty="0"/>
-              <a:t> et al.</a:t>
-            </a:r>
-          </a:p>
-        </p:txBody>
-      </p:sp>
-      <p:sp>
-        <p:nvSpPr>
-          <p:cNvPr id="19" name="Rechteck 18">
-            <a:extLst>
-              <a:ext uri="{FF2B5EF4-FFF2-40B4-BE49-F238E27FC236}">
-                <a16:creationId xmlns:a16="http://schemas.microsoft.com/office/drawing/2014/main" id="{6D5ED54F-D4E0-E34D-819D-7843402218CB}"/>
-              </a:ext>
-            </a:extLst>
-          </p:cNvPr>
-          <p:cNvSpPr/>
-          <p:nvPr/>
-        </p:nvSpPr>
-        <p:spPr>
-          <a:xfrm>
-            <a:off x="4183574" y="3277507"/>
-            <a:ext cx="4036045" cy="960773"/>
-          </a:xfrm>
-          <a:prstGeom prst="rect">
-            <a:avLst/>
-          </a:prstGeom>
-          <a:noFill/>
-          <a:ln w="50800">
-            <a:solidFill>
-              <a:schemeClr val="accent6"/>
-            </a:solidFill>
-          </a:ln>
-        </p:spPr>
         <p:style>
           <a:lnRef idx="2">
-            <a:schemeClr val="accent1">
+            <a:schemeClr val="accent4">
               <a:shade val="50000"/>
             </a:schemeClr>
           </a:lnRef>
           <a:fillRef idx="1">
-            <a:schemeClr val="accent1"/>
+            <a:schemeClr val="accent4"/>
           </a:fillRef>
           <a:effectRef idx="0">
-            <a:schemeClr val="accent1"/>
+            <a:schemeClr val="accent4"/>
           </a:effectRef>
           <a:fontRef idx="minor">
             <a:schemeClr val="lt1"/>
@@ -7105,118 +7226,14 @@
           <a:lstStyle/>
           <a:p>
             <a:pPr algn="ctr"/>
-            <a:endParaRPr lang="de-DE" dirty="0"/>
-          </a:p>
-        </p:txBody>
-      </p:sp>
-      <p:sp>
-        <p:nvSpPr>
-          <p:cNvPr id="21" name="Rechteck 20">
-            <a:extLst>
-              <a:ext uri="{FF2B5EF4-FFF2-40B4-BE49-F238E27FC236}">
-                <a16:creationId xmlns:a16="http://schemas.microsoft.com/office/drawing/2014/main" id="{22B8D3D0-4D09-7648-9A75-8214011C6F71}"/>
-              </a:ext>
-            </a:extLst>
-          </p:cNvPr>
-          <p:cNvSpPr/>
-          <p:nvPr/>
-        </p:nvSpPr>
-        <p:spPr>
-          <a:xfrm>
-            <a:off x="995999" y="5305741"/>
-            <a:ext cx="1683682" cy="369332"/>
-          </a:xfrm>
-          <a:prstGeom prst="rect">
-            <a:avLst/>
-          </a:prstGeom>
-          <a:noFill/>
-          <a:ln w="50800">
-            <a:solidFill>
-              <a:schemeClr val="accent6"/>
-            </a:solidFill>
-          </a:ln>
-        </p:spPr>
-        <p:style>
-          <a:lnRef idx="2">
-            <a:schemeClr val="accent1">
-              <a:shade val="50000"/>
-            </a:schemeClr>
-          </a:lnRef>
-          <a:fillRef idx="1">
-            <a:schemeClr val="accent1"/>
-          </a:fillRef>
-          <a:effectRef idx="0">
-            <a:schemeClr val="accent1"/>
-          </a:effectRef>
-          <a:fontRef idx="minor">
-            <a:schemeClr val="lt1"/>
-          </a:fontRef>
-        </p:style>
-        <p:txBody>
-          <a:bodyPr rtlCol="0" anchor="ctr"/>
-          <a:lstStyle/>
-          <a:p>
-            <a:pPr algn="ctr"/>
-            <a:endParaRPr lang="de-DE" dirty="0"/>
-          </a:p>
-        </p:txBody>
-      </p:sp>
-      <p:sp>
-        <p:nvSpPr>
-          <p:cNvPr id="22" name="Rechteck 21">
-            <a:extLst>
-              <a:ext uri="{FF2B5EF4-FFF2-40B4-BE49-F238E27FC236}">
-                <a16:creationId xmlns:a16="http://schemas.microsoft.com/office/drawing/2014/main" id="{53D27E73-F715-E84E-8D7A-C9929B8AAAA6}"/>
-              </a:ext>
-            </a:extLst>
-          </p:cNvPr>
-          <p:cNvSpPr/>
-          <p:nvPr/>
-        </p:nvSpPr>
-        <p:spPr>
-          <a:xfrm>
-            <a:off x="8834250" y="5103360"/>
-            <a:ext cx="1387850" cy="369332"/>
-          </a:xfrm>
-          <a:prstGeom prst="rect">
-            <a:avLst/>
-          </a:prstGeom>
-          <a:noFill/>
-          <a:ln w="50800">
-            <a:solidFill>
-              <a:schemeClr val="accent6"/>
-            </a:solidFill>
-          </a:ln>
-        </p:spPr>
-        <p:style>
-          <a:lnRef idx="2">
-            <a:schemeClr val="accent1">
-              <a:shade val="50000"/>
-            </a:schemeClr>
-          </a:lnRef>
-          <a:fillRef idx="1">
-            <a:schemeClr val="accent1"/>
-          </a:fillRef>
-          <a:effectRef idx="0">
-            <a:schemeClr val="accent1"/>
-          </a:effectRef>
-          <a:fontRef idx="minor">
-            <a:schemeClr val="lt1"/>
-          </a:fontRef>
-        </p:style>
-        <p:txBody>
-          <a:bodyPr rtlCol="0" anchor="ctr"/>
-          <a:lstStyle/>
-          <a:p>
-            <a:pPr algn="ctr"/>
-            <a:endParaRPr lang="de-DE" dirty="0"/>
+            <a:endParaRPr lang="de-DE"/>
           </a:p>
         </p:txBody>
       </p:sp>
     </p:spTree>
     <p:extLst>
       <p:ext uri="{BB962C8B-B14F-4D97-AF65-F5344CB8AC3E}">
-        <p14:creationId xmlns:p14="http://schemas.microsoft.com/office/powerpoint/2010/main" val="988368122"/>
+        <p14:creationId xmlns:p14="http://schemas.microsoft.com/office/powerpoint/2010/main" val="4661681"/>
       </p:ext>
     </p:extLst>
   </p:cSld>
@@ -7248,7 +7265,7 @@
           <p:cNvPr id="2" name="Titel 1">
             <a:extLst>
               <a:ext uri="{FF2B5EF4-FFF2-40B4-BE49-F238E27FC236}">
-                <a16:creationId xmlns:a16="http://schemas.microsoft.com/office/drawing/2014/main" id="{BD6D5C20-D1DA-E44D-AB6C-936495F1FBFC}"/>
+                <a16:creationId xmlns:a16="http://schemas.microsoft.com/office/drawing/2014/main" id="{0C091B4C-329A-2247-80D8-23FEF3B98137}"/>
               </a:ext>
             </a:extLst>
           </p:cNvPr>
@@ -7266,7 +7283,7 @@
           <a:p>
             <a:r>
               <a:rPr lang="de-DE" dirty="0"/>
-              <a:t>Diskussion der Ergebnisse</a:t>
+              <a:t>Fazit</a:t>
             </a:r>
           </a:p>
         </p:txBody>
@@ -7276,7 +7293,7 @@
           <p:cNvPr id="3" name="Datumsplatzhalter 2">
             <a:extLst>
               <a:ext uri="{FF2B5EF4-FFF2-40B4-BE49-F238E27FC236}">
-                <a16:creationId xmlns:a16="http://schemas.microsoft.com/office/drawing/2014/main" id="{46523BF5-B962-2447-ADD7-A23FD964E59B}"/>
+                <a16:creationId xmlns:a16="http://schemas.microsoft.com/office/drawing/2014/main" id="{273A15DC-1699-E74A-BC93-181A13CE18C2}"/>
               </a:ext>
             </a:extLst>
           </p:cNvPr>
@@ -7305,7 +7322,7 @@
           <p:cNvPr id="4" name="Foliennummernplatzhalter 3">
             <a:extLst>
               <a:ext uri="{FF2B5EF4-FFF2-40B4-BE49-F238E27FC236}">
-                <a16:creationId xmlns:a16="http://schemas.microsoft.com/office/drawing/2014/main" id="{19E6069A-5501-0844-AE6F-91F10E2CECF5}"/>
+                <a16:creationId xmlns:a16="http://schemas.microsoft.com/office/drawing/2014/main" id="{FC408FB7-CE97-B547-8D3D-78A71EC14F1A}"/>
               </a:ext>
             </a:extLst>
           </p:cNvPr>
@@ -7335,7 +7352,7 @@
           <p:cNvPr id="5" name="Textplatzhalter 4">
             <a:extLst>
               <a:ext uri="{FF2B5EF4-FFF2-40B4-BE49-F238E27FC236}">
-                <a16:creationId xmlns:a16="http://schemas.microsoft.com/office/drawing/2014/main" id="{EF255CB2-BD89-1E44-B2CF-A3F47521602A}"/>
+                <a16:creationId xmlns:a16="http://schemas.microsoft.com/office/drawing/2014/main" id="{D8A51C1F-D696-AB48-9151-528A8E2F8922}"/>
               </a:ext>
             </a:extLst>
           </p:cNvPr>
@@ -7352,272 +7369,97 @@
           <a:lstStyle/>
           <a:p>
             <a:r>
-              <a:rPr lang="de-DE" i="1" dirty="0"/>
-              <a:t>IC-loop</a:t>
-            </a:r>
-            <a:r>
-              <a:rPr lang="de-DE" dirty="0"/>
-              <a:t> schlechte Ergebnisse wegen </a:t>
-            </a:r>
-            <a:r>
-              <a:rPr lang="de-DE" i="1" dirty="0" err="1"/>
-              <a:t>perceptual</a:t>
-            </a:r>
-            <a:r>
-              <a:rPr lang="de-DE" i="1" dirty="0"/>
-              <a:t>-aliasing</a:t>
+              <a:rPr lang="de-DE" dirty="0"/>
+              <a:t>Insgesamt wurde der Ansatz mit </a:t>
+            </a:r>
+            <a:r>
+              <a:rPr lang="de-DE" b="1" dirty="0"/>
+              <a:t>2 Gebäuden auf 4 Strecken </a:t>
+            </a:r>
+            <a:r>
+              <a:rPr lang="de-DE" dirty="0"/>
+              <a:t>untersucht</a:t>
+            </a:r>
+          </a:p>
+          <a:p>
+            <a:endParaRPr lang="de-DE" dirty="0"/>
+          </a:p>
+          <a:p>
+            <a:r>
+              <a:rPr lang="de-DE" dirty="0"/>
+              <a:t>Durchschnittliche Akkuratesse von ca. 1m, 8° bei </a:t>
+            </a:r>
+            <a:r>
+              <a:rPr lang="de-DE" b="1" dirty="0"/>
+              <a:t>Daten der gleichen Domäne</a:t>
             </a:r>
           </a:p>
           <a:p>
             <a:pPr lvl="1"/>
-            <a:r>
-              <a:rPr lang="de-DE" dirty="0"/>
-              <a:t>vertikale &amp; horizontale Strecken waren optisch gleich</a:t>
-            </a:r>
-          </a:p>
-          <a:p>
+            <a:endParaRPr lang="de-DE" b="1" dirty="0"/>
+          </a:p>
+          <a:p>
+            <a:r>
+              <a:rPr lang="de-DE" dirty="0"/>
+              <a:t>Domänenübergreifend: 10.95m, 49.69°</a:t>
+            </a:r>
+          </a:p>
+          <a:p>
+            <a:pPr lvl="1"/>
+            <a:r>
+              <a:rPr lang="de-DE" b="1" dirty="0"/>
+              <a:t>Parallelen</a:t>
+            </a:r>
+            <a:r>
+              <a:rPr lang="de-DE" dirty="0"/>
+              <a:t> ließen schlussfolgern, dass der Ansatz </a:t>
+            </a:r>
+            <a:r>
+              <a:rPr lang="de-DE" b="1" dirty="0"/>
+              <a:t>begrenzt ist</a:t>
+            </a:r>
+          </a:p>
+          <a:p>
+            <a:pPr lvl="1"/>
             <a:endParaRPr lang="de-DE" dirty="0"/>
           </a:p>
           <a:p>
             <a:r>
-              <a:rPr lang="de-DE" i="1" dirty="0"/>
-              <a:t>HS-gamma</a:t>
-            </a:r>
-            <a:r>
-              <a:rPr lang="de-DE" dirty="0"/>
-              <a:t> hatte eindeutige Strecken </a:t>
+              <a:rPr lang="de-DE" dirty="0"/>
+              <a:t>Lokalisierungsverfahren </a:t>
+            </a:r>
+            <a:r>
+              <a:rPr lang="de-DE" b="1" dirty="0"/>
+              <a:t>undenkbar</a:t>
             </a:r>
           </a:p>
           <a:p>
             <a:pPr lvl="1"/>
             <a:r>
+              <a:rPr lang="de-DE" dirty="0"/>
+              <a:t>Potenzielle Akkuratesse von ca. 1m im direkten Gebrauch </a:t>
+            </a:r>
+            <a:r>
               <a:rPr lang="de-DE" b="1" dirty="0"/>
-              <a:t>eventuell</a:t>
-            </a:r>
-            <a:r>
-              <a:rPr lang="de-DE" dirty="0"/>
-              <a:t>: hohes </a:t>
-            </a:r>
-            <a:r>
-              <a:rPr lang="de-DE" i="1" dirty="0"/>
-              <a:t>Level-</a:t>
-            </a:r>
-            <a:r>
-              <a:rPr lang="de-DE" i="1" dirty="0" err="1"/>
-              <a:t>of</a:t>
-            </a:r>
-            <a:r>
-              <a:rPr lang="de-DE" i="1" dirty="0"/>
-              <a:t>-Detail</a:t>
-            </a:r>
-            <a:r>
-              <a:rPr lang="de-DE" dirty="0"/>
-              <a:t> der HS-Simulation</a:t>
-            </a:r>
-          </a:p>
-          <a:p>
-            <a:pPr lvl="1"/>
-            <a:r>
-              <a:rPr lang="de-DE" b="1" dirty="0"/>
-              <a:t>aber</a:t>
-            </a:r>
-            <a:r>
-              <a:rPr lang="de-DE" dirty="0"/>
-              <a:t>: Gemeinsamkeiten zu IC-loop &amp; </a:t>
-            </a:r>
-            <a:r>
-              <a:rPr lang="de-DE" dirty="0" err="1"/>
-              <a:t>Acharya</a:t>
-            </a:r>
-            <a:r>
-              <a:rPr lang="de-DE" dirty="0"/>
-              <a:t> et al.</a:t>
-            </a:r>
-          </a:p>
-          <a:p>
+              <a:t>ungeeignet</a:t>
+            </a:r>
+            <a:r>
+              <a:rPr lang="de-DE" dirty="0"/>
+              <a:t>, allerdings durch Kaskadeneffekt verbesserbar</a:t>
+            </a:r>
+          </a:p>
+          <a:p>
+            <a:pPr marL="0" indent="0">
+              <a:buNone/>
+            </a:pPr>
             <a:endParaRPr lang="de-DE" dirty="0"/>
-          </a:p>
-          <a:p>
-            <a:r>
-              <a:rPr lang="de-DE" i="1" dirty="0" err="1"/>
-              <a:t>PoseNet</a:t>
-            </a:r>
-            <a:r>
-              <a:rPr lang="de-DE" dirty="0"/>
-              <a:t> ist </a:t>
-            </a:r>
-            <a:r>
-              <a:rPr lang="de-DE" b="1" dirty="0"/>
-              <a:t>nicht begrenzt</a:t>
-            </a:r>
-          </a:p>
-          <a:p>
-            <a:pPr lvl="1"/>
-            <a:r>
-              <a:rPr lang="de-DE" b="1" dirty="0"/>
-              <a:t>Daten der gleichen Domäne: 				</a:t>
-            </a:r>
-            <a:r>
-              <a:rPr lang="de-DE" dirty="0"/>
-              <a:t>ca. 1m Positionsakkuratesse</a:t>
-            </a:r>
-          </a:p>
-          <a:p>
-            <a:pPr lvl="1"/>
-            <a:r>
-              <a:rPr lang="de-DE" dirty="0"/>
-              <a:t>Walch et al. mit </a:t>
-            </a:r>
-            <a:r>
-              <a:rPr lang="de-DE" i="1" dirty="0"/>
-              <a:t>TUM-Datensatz</a:t>
-            </a:r>
-            <a:r>
-              <a:rPr lang="de-DE" dirty="0"/>
-              <a:t> (</a:t>
-            </a:r>
-            <a:r>
-              <a:rPr lang="de-DE" b="1" dirty="0"/>
-              <a:t>größer</a:t>
-            </a:r>
-            <a:r>
-              <a:rPr lang="de-DE" dirty="0"/>
-              <a:t> als die Obigen): 	ca. 2m Positionsakkuratesse</a:t>
-            </a:r>
-          </a:p>
-          <a:p>
-            <a:pPr lvl="1"/>
-            <a:r>
-              <a:rPr lang="de-DE" dirty="0"/>
-              <a:t>=&gt; </a:t>
-            </a:r>
-            <a:r>
-              <a:rPr lang="de-DE" b="1" dirty="0"/>
-              <a:t>domänenübergreifende</a:t>
-            </a:r>
-            <a:r>
-              <a:rPr lang="de-DE" dirty="0"/>
-              <a:t> Anwendung mit </a:t>
-            </a:r>
-            <a:r>
-              <a:rPr lang="de-DE" dirty="0" err="1"/>
-              <a:t>Gradientenbildern</a:t>
-            </a:r>
-            <a:r>
-              <a:rPr lang="de-DE" dirty="0"/>
-              <a:t> kann </a:t>
-            </a:r>
-            <a:r>
-              <a:rPr lang="de-DE" b="1" dirty="0"/>
-              <a:t>begrenzt sein</a:t>
-            </a:r>
-          </a:p>
-        </p:txBody>
-      </p:sp>
-      <p:sp>
-        <p:nvSpPr>
-          <p:cNvPr id="6" name="Rechteck 5">
-            <a:extLst>
-              <a:ext uri="{FF2B5EF4-FFF2-40B4-BE49-F238E27FC236}">
-                <a16:creationId xmlns:a16="http://schemas.microsoft.com/office/drawing/2014/main" id="{BEED90A5-19B9-8047-9036-01136C2373C1}"/>
-              </a:ext>
-            </a:extLst>
-          </p:cNvPr>
-          <p:cNvSpPr/>
-          <p:nvPr/>
-        </p:nvSpPr>
-        <p:spPr>
-          <a:xfrm>
-            <a:off x="9360568" y="6521393"/>
-            <a:ext cx="754438" cy="336608"/>
-          </a:xfrm>
-          <a:prstGeom prst="rect">
-            <a:avLst/>
-          </a:prstGeom>
-          <a:solidFill>
-            <a:schemeClr val="bg2">
-              <a:alpha val="70000"/>
-            </a:schemeClr>
-          </a:solidFill>
-          <a:ln>
-            <a:noFill/>
-          </a:ln>
-        </p:spPr>
-        <p:style>
-          <a:lnRef idx="2">
-            <a:schemeClr val="accent1">
-              <a:shade val="50000"/>
-            </a:schemeClr>
-          </a:lnRef>
-          <a:fillRef idx="1">
-            <a:schemeClr val="accent1"/>
-          </a:fillRef>
-          <a:effectRef idx="0">
-            <a:schemeClr val="accent1"/>
-          </a:effectRef>
-          <a:fontRef idx="minor">
-            <a:schemeClr val="lt1"/>
-          </a:fontRef>
-        </p:style>
-        <p:txBody>
-          <a:bodyPr rtlCol="0" anchor="ctr"/>
-          <a:lstStyle/>
-          <a:p>
-            <a:pPr algn="ctr"/>
-            <a:endParaRPr lang="de-DE"/>
-          </a:p>
-        </p:txBody>
-      </p:sp>
-      <p:sp>
-        <p:nvSpPr>
-          <p:cNvPr id="20" name="Gewitterblitz 19">
-            <a:extLst>
-              <a:ext uri="{FF2B5EF4-FFF2-40B4-BE49-F238E27FC236}">
-                <a16:creationId xmlns:a16="http://schemas.microsoft.com/office/drawing/2014/main" id="{B642E31D-86D3-9E4A-92F0-4AAAE0632470}"/>
-              </a:ext>
-            </a:extLst>
-          </p:cNvPr>
-          <p:cNvSpPr/>
-          <p:nvPr/>
-        </p:nvSpPr>
-        <p:spPr>
-          <a:xfrm rot="3622919">
-            <a:off x="6905753" y="3033292"/>
-            <a:ext cx="462116" cy="564029"/>
-          </a:xfrm>
-          <a:prstGeom prst="lightningBolt">
-            <a:avLst/>
-          </a:prstGeom>
-        </p:spPr>
-        <p:style>
-          <a:lnRef idx="2">
-            <a:schemeClr val="accent4">
-              <a:shade val="50000"/>
-            </a:schemeClr>
-          </a:lnRef>
-          <a:fillRef idx="1">
-            <a:schemeClr val="accent4"/>
-          </a:fillRef>
-          <a:effectRef idx="0">
-            <a:schemeClr val="accent4"/>
-          </a:effectRef>
-          <a:fontRef idx="minor">
-            <a:schemeClr val="lt1"/>
-          </a:fontRef>
-        </p:style>
-        <p:txBody>
-          <a:bodyPr rtlCol="0" anchor="ctr"/>
-          <a:lstStyle/>
-          <a:p>
-            <a:pPr algn="ctr"/>
-            <a:endParaRPr lang="de-DE"/>
           </a:p>
         </p:txBody>
       </p:sp>
     </p:spTree>
     <p:extLst>
       <p:ext uri="{BB962C8B-B14F-4D97-AF65-F5344CB8AC3E}">
-        <p14:creationId xmlns:p14="http://schemas.microsoft.com/office/powerpoint/2010/main" val="4661681"/>
+        <p14:creationId xmlns:p14="http://schemas.microsoft.com/office/powerpoint/2010/main" val="2488980382"/>
       </p:ext>
     </p:extLst>
   </p:cSld>
@@ -7649,7 +7491,7 @@
           <p:cNvPr id="2" name="Titel 1">
             <a:extLst>
               <a:ext uri="{FF2B5EF4-FFF2-40B4-BE49-F238E27FC236}">
-                <a16:creationId xmlns:a16="http://schemas.microsoft.com/office/drawing/2014/main" id="{0C091B4C-329A-2247-80D8-23FEF3B98137}"/>
+                <a16:creationId xmlns:a16="http://schemas.microsoft.com/office/drawing/2014/main" id="{44FB1EF0-8926-404E-A4E1-B683EE1747B2}"/>
               </a:ext>
             </a:extLst>
           </p:cNvPr>
@@ -7677,7 +7519,7 @@
           <p:cNvPr id="3" name="Datumsplatzhalter 2">
             <a:extLst>
               <a:ext uri="{FF2B5EF4-FFF2-40B4-BE49-F238E27FC236}">
-                <a16:creationId xmlns:a16="http://schemas.microsoft.com/office/drawing/2014/main" id="{273A15DC-1699-E74A-BC93-181A13CE18C2}"/>
+                <a16:creationId xmlns:a16="http://schemas.microsoft.com/office/drawing/2014/main" id="{B2FDB867-8874-4446-B079-DD574D4F773C}"/>
               </a:ext>
             </a:extLst>
           </p:cNvPr>
@@ -7706,7 +7548,7 @@
           <p:cNvPr id="4" name="Foliennummernplatzhalter 3">
             <a:extLst>
               <a:ext uri="{FF2B5EF4-FFF2-40B4-BE49-F238E27FC236}">
-                <a16:creationId xmlns:a16="http://schemas.microsoft.com/office/drawing/2014/main" id="{FC408FB7-CE97-B547-8D3D-78A71EC14F1A}"/>
+                <a16:creationId xmlns:a16="http://schemas.microsoft.com/office/drawing/2014/main" id="{ADB292C3-86BF-5344-91F7-4B4E91BC3DBE}"/>
               </a:ext>
             </a:extLst>
           </p:cNvPr>
@@ -7736,7 +7578,7 @@
           <p:cNvPr id="5" name="Textplatzhalter 4">
             <a:extLst>
               <a:ext uri="{FF2B5EF4-FFF2-40B4-BE49-F238E27FC236}">
-                <a16:creationId xmlns:a16="http://schemas.microsoft.com/office/drawing/2014/main" id="{D8A51C1F-D696-AB48-9151-528A8E2F8922}"/>
+                <a16:creationId xmlns:a16="http://schemas.microsoft.com/office/drawing/2014/main" id="{1E97855D-E39A-4B47-8011-CAEF713C81DA}"/>
               </a:ext>
             </a:extLst>
           </p:cNvPr>
@@ -7754,53 +7596,30 @@
           <a:p>
             <a:r>
               <a:rPr lang="de-DE" dirty="0"/>
-              <a:t>Insgesamt wurde der Ansatz mit </a:t>
+              <a:t>Unzureichende Akkuratesse bei domänenübergreifende Evaluation </a:t>
+            </a:r>
+          </a:p>
+          <a:p>
+            <a:pPr lvl="1"/>
+            <a:r>
+              <a:rPr lang="de-DE" dirty="0"/>
+              <a:t>liegt den </a:t>
             </a:r>
             <a:r>
               <a:rPr lang="de-DE" b="1" dirty="0"/>
-              <a:t>2 Gebäuden auf 4 Strecken </a:t>
-            </a:r>
-            <a:r>
-              <a:rPr lang="de-DE" dirty="0"/>
-              <a:t>untersucht</a:t>
-            </a:r>
-          </a:p>
-          <a:p>
-            <a:endParaRPr lang="de-DE" dirty="0"/>
-          </a:p>
-          <a:p>
-            <a:r>
-              <a:rPr lang="de-DE" dirty="0"/>
-              <a:t>Durchschnittliche Akkuratesse von ca. 1m, 8° bei </a:t>
+              <a:t>Simulationsdefiziten</a:t>
+            </a:r>
+            <a:r>
+              <a:rPr lang="de-DE" dirty="0"/>
+              <a:t> und domänenspezifische </a:t>
             </a:r>
             <a:r>
               <a:rPr lang="de-DE" b="1" dirty="0"/>
-              <a:t>Daten der gleichen Domäne</a:t>
-            </a:r>
-          </a:p>
-          <a:p>
-            <a:pPr lvl="1"/>
-            <a:endParaRPr lang="de-DE" b="1" dirty="0"/>
-          </a:p>
-          <a:p>
-            <a:r>
-              <a:rPr lang="de-DE" dirty="0"/>
-              <a:t>Domänenübergreifend: 10.95m, 49.69°</a:t>
-            </a:r>
-          </a:p>
-          <a:p>
-            <a:pPr lvl="1"/>
-            <a:r>
-              <a:rPr lang="de-DE" b="1" dirty="0"/>
-              <a:t>Parallelen</a:t>
-            </a:r>
-            <a:r>
-              <a:rPr lang="de-DE" dirty="0"/>
-              <a:t> ließen schlussfolgern, dass der Ansatz </a:t>
-            </a:r>
-            <a:r>
-              <a:rPr lang="de-DE" b="1" dirty="0"/>
-              <a:t>begrenzt ist</a:t>
+              <a:t>Artefakte</a:t>
+            </a:r>
+            <a:r>
+              <a:rPr lang="de-DE" dirty="0"/>
+              <a:t> zugrunde</a:t>
             </a:r>
           </a:p>
           <a:p>
@@ -7810,32 +7629,40 @@
           <a:p>
             <a:r>
               <a:rPr lang="de-DE" dirty="0"/>
-              <a:t>Lokalisierungsverfahren </a:t>
+              <a:t>Lohnenswerte Untersuchung:</a:t>
+            </a:r>
+          </a:p>
+          <a:p>
+            <a:pPr lvl="1"/>
+            <a:r>
+              <a:rPr lang="de-DE" b="1" dirty="0" err="1"/>
+              <a:t>Diskrepanzminimierung</a:t>
+            </a:r>
+            <a:r>
+              <a:rPr lang="de-DE" dirty="0"/>
+              <a:t> zwischen synth. und realen Daten durch z.B. </a:t>
+            </a:r>
+            <a:r>
+              <a:rPr lang="de-DE" i="1" dirty="0"/>
+              <a:t>GANs</a:t>
+            </a:r>
+          </a:p>
+          <a:p>
+            <a:pPr lvl="1"/>
+            <a:r>
+              <a:rPr lang="de-DE" dirty="0"/>
+              <a:t>Ferner: </a:t>
             </a:r>
             <a:r>
               <a:rPr lang="de-DE" b="1" dirty="0"/>
-              <a:t>undenkbar</a:t>
-            </a:r>
-          </a:p>
-          <a:p>
-            <a:pPr lvl="1"/>
-            <a:r>
-              <a:rPr lang="de-DE" dirty="0"/>
-              <a:t>Potenzielle Akkuratesse von ca. 1m im direkten Gebrauch </a:t>
-            </a:r>
-            <a:r>
-              <a:rPr lang="de-DE" b="1" dirty="0"/>
-              <a:t>ungeeignet</a:t>
-            </a:r>
-            <a:r>
-              <a:rPr lang="de-DE" dirty="0"/>
-              <a:t>, allerdings durch Kaskadeneffekt verbesserbar</a:t>
-            </a:r>
-          </a:p>
-          <a:p>
-            <a:pPr marL="0" indent="0">
-              <a:buNone/>
-            </a:pPr>
+              <a:t>Beschränkungen</a:t>
+            </a:r>
+            <a:r>
+              <a:rPr lang="de-DE" dirty="0"/>
+              <a:t> der möglichen Posen im Trainingsprozess</a:t>
+            </a:r>
+          </a:p>
+          <a:p>
             <a:endParaRPr lang="de-DE" dirty="0"/>
           </a:p>
         </p:txBody>
@@ -7843,7 +7670,7 @@
     </p:spTree>
     <p:extLst>
       <p:ext uri="{BB962C8B-B14F-4D97-AF65-F5344CB8AC3E}">
-        <p14:creationId xmlns:p14="http://schemas.microsoft.com/office/powerpoint/2010/main" val="2488980382"/>
+        <p14:creationId xmlns:p14="http://schemas.microsoft.com/office/powerpoint/2010/main" val="3084898007"/>
       </p:ext>
     </p:extLst>
   </p:cSld>
@@ -7870,191 +7697,107 @@
           <a:chExt cx="0" cy="0"/>
         </a:xfrm>
       </p:grpSpPr>
-      <p:sp>
-        <p:nvSpPr>
-          <p:cNvPr id="2" name="Titel 1">
-            <a:extLst>
-              <a:ext uri="{FF2B5EF4-FFF2-40B4-BE49-F238E27FC236}">
-                <a16:creationId xmlns:a16="http://schemas.microsoft.com/office/drawing/2014/main" id="{44FB1EF0-8926-404E-A4E1-B683EE1747B2}"/>
-              </a:ext>
-            </a:extLst>
-          </p:cNvPr>
-          <p:cNvSpPr>
-            <a:spLocks noGrp="1"/>
-          </p:cNvSpPr>
-          <p:nvPr>
-            <p:ph type="title"/>
-          </p:nvPr>
-        </p:nvSpPr>
-        <p:spPr/>
-        <p:txBody>
-          <a:bodyPr/>
-          <a:lstStyle/>
-          <a:p>
-            <a:r>
-              <a:rPr lang="de-DE" dirty="0"/>
-              <a:t>Fazit</a:t>
-            </a:r>
-          </a:p>
-        </p:txBody>
-      </p:sp>
-      <p:sp>
-        <p:nvSpPr>
-          <p:cNvPr id="3" name="Datumsplatzhalter 2">
-            <a:extLst>
-              <a:ext uri="{FF2B5EF4-FFF2-40B4-BE49-F238E27FC236}">
-                <a16:creationId xmlns:a16="http://schemas.microsoft.com/office/drawing/2014/main" id="{B2FDB867-8874-4446-B079-DD574D4F773C}"/>
-              </a:ext>
-            </a:extLst>
-          </p:cNvPr>
-          <p:cNvSpPr>
-            <a:spLocks noGrp="1"/>
-          </p:cNvSpPr>
-          <p:nvPr>
-            <p:ph type="dt" sz="half" idx="10"/>
-          </p:nvPr>
-        </p:nvSpPr>
-        <p:spPr/>
-        <p:txBody>
-          <a:bodyPr/>
-          <a:lstStyle/>
-          <a:p>
-            <a:r>
-              <a:rPr lang="de-DE" b="0"/>
-              <a:t>24.09.2019</a:t>
-            </a:r>
-            <a:endParaRPr lang="de-DE" b="0" dirty="0"/>
-          </a:p>
-        </p:txBody>
-      </p:sp>
-      <p:sp>
-        <p:nvSpPr>
-          <p:cNvPr id="4" name="Foliennummernplatzhalter 3">
-            <a:extLst>
-              <a:ext uri="{FF2B5EF4-FFF2-40B4-BE49-F238E27FC236}">
-                <a16:creationId xmlns:a16="http://schemas.microsoft.com/office/drawing/2014/main" id="{ADB292C3-86BF-5344-91F7-4B4E91BC3DBE}"/>
-              </a:ext>
-            </a:extLst>
-          </p:cNvPr>
-          <p:cNvSpPr>
-            <a:spLocks noGrp="1"/>
-          </p:cNvSpPr>
-          <p:nvPr>
-            <p:ph type="sldNum" sz="quarter" idx="11"/>
-          </p:nvPr>
-        </p:nvSpPr>
-        <p:spPr/>
-        <p:txBody>
-          <a:bodyPr/>
-          <a:lstStyle/>
-          <a:p>
-            <a:fld id="{4A80ED0F-F732-4A14-9F84-E00593EFD72C}" type="slidenum">
-              <a:rPr lang="de-DE" smtClean="0"/>
-              <a:pPr/>
-              <a:t>19</a:t>
-            </a:fld>
-            <a:endParaRPr lang="de-DE" dirty="0"/>
-          </a:p>
-        </p:txBody>
-      </p:sp>
-      <p:sp>
-        <p:nvSpPr>
-          <p:cNvPr id="5" name="Textplatzhalter 4">
-            <a:extLst>
-              <a:ext uri="{FF2B5EF4-FFF2-40B4-BE49-F238E27FC236}">
-                <a16:creationId xmlns:a16="http://schemas.microsoft.com/office/drawing/2014/main" id="{1E97855D-E39A-4B47-8011-CAEF713C81DA}"/>
-              </a:ext>
-            </a:extLst>
-          </p:cNvPr>
-          <p:cNvSpPr>
-            <a:spLocks noGrp="1"/>
-          </p:cNvSpPr>
-          <p:nvPr>
-            <p:ph type="body" sz="quarter" idx="12"/>
-          </p:nvPr>
-        </p:nvSpPr>
-        <p:spPr/>
-        <p:txBody>
-          <a:bodyPr/>
-          <a:lstStyle/>
-          <a:p>
-            <a:r>
-              <a:rPr lang="de-DE" dirty="0"/>
-              <a:t>Unzureichende Akkuratesse bei domänenübergreifende Evaluation </a:t>
-            </a:r>
-          </a:p>
-          <a:p>
-            <a:pPr lvl="1"/>
-            <a:r>
-              <a:rPr lang="de-DE" dirty="0"/>
-              <a:t>liegt den </a:t>
-            </a:r>
-            <a:r>
-              <a:rPr lang="de-DE" b="1" dirty="0"/>
-              <a:t>Simulationsdefiziten</a:t>
-            </a:r>
-            <a:r>
-              <a:rPr lang="de-DE" dirty="0"/>
-              <a:t> und domänenspezifische </a:t>
-            </a:r>
-            <a:r>
-              <a:rPr lang="de-DE" b="1" dirty="0"/>
-              <a:t>Artefakte</a:t>
-            </a:r>
-            <a:r>
-              <a:rPr lang="de-DE" dirty="0"/>
-              <a:t> zugrunde</a:t>
-            </a:r>
-          </a:p>
-          <a:p>
-            <a:pPr lvl="1"/>
-            <a:endParaRPr lang="de-DE" dirty="0"/>
-          </a:p>
-          <a:p>
-            <a:r>
-              <a:rPr lang="de-DE" dirty="0"/>
-              <a:t>Lohnenswerte Untersuchung:</a:t>
-            </a:r>
-          </a:p>
-          <a:p>
-            <a:pPr lvl="1"/>
-            <a:r>
-              <a:rPr lang="de-DE" b="1" dirty="0" err="1"/>
-              <a:t>Diskrepanzminimierung</a:t>
-            </a:r>
-            <a:r>
-              <a:rPr lang="de-DE" dirty="0"/>
-              <a:t> zwischen synth. und realen Daten durch z.B. </a:t>
-            </a:r>
-            <a:r>
-              <a:rPr lang="de-DE" i="1" dirty="0"/>
-              <a:t>GANs</a:t>
-            </a:r>
-          </a:p>
-          <a:p>
-            <a:pPr lvl="1"/>
-            <a:r>
-              <a:rPr lang="de-DE" dirty="0"/>
-              <a:t>Ferner: </a:t>
-            </a:r>
-            <a:r>
-              <a:rPr lang="de-DE" b="1" dirty="0"/>
-              <a:t>Beschränkungen</a:t>
-            </a:r>
-            <a:r>
-              <a:rPr lang="de-DE" dirty="0"/>
-              <a:t> der möglichen Posen im Trainingsprozess</a:t>
-            </a:r>
-          </a:p>
-          <a:p>
-            <a:endParaRPr lang="de-DE" dirty="0"/>
+      <p:pic>
+        <p:nvPicPr>
+          <p:cNvPr id="4" name="Grafik 3">
+            <a:extLst>
+              <a:ext uri="{FF2B5EF4-FFF2-40B4-BE49-F238E27FC236}">
+                <a16:creationId xmlns:a16="http://schemas.microsoft.com/office/drawing/2014/main" id="{7EB71337-EE95-DA45-81F7-3421378E4382}"/>
+              </a:ext>
+            </a:extLst>
+          </p:cNvPr>
+          <p:cNvPicPr>
+            <a:picLocks noChangeAspect="1"/>
+          </p:cNvPicPr>
+          <p:nvPr/>
+        </p:nvPicPr>
+        <p:blipFill>
+          <a:blip r:embed="rId3">
+            <a:extLst>
+              <a:ext uri="{28A0092B-C50C-407E-A947-70E740481C1C}">
+                <a14:useLocalDpi xmlns:a14="http://schemas.microsoft.com/office/drawing/2010/main" val="0"/>
+              </a:ext>
+            </a:extLst>
+          </a:blip>
+          <a:stretch>
+            <a:fillRect/>
+          </a:stretch>
+        </p:blipFill>
+        <p:spPr>
+          <a:xfrm>
+            <a:off x="-1464635" y="0"/>
+            <a:ext cx="15121270" cy="6873305"/>
+          </a:xfrm>
+          <a:prstGeom prst="rect">
+            <a:avLst/>
+          </a:prstGeom>
+        </p:spPr>
+      </p:pic>
+      <p:sp>
+        <p:nvSpPr>
+          <p:cNvPr id="5" name="Rechteck 4">
+            <a:extLst>
+              <a:ext uri="{FF2B5EF4-FFF2-40B4-BE49-F238E27FC236}">
+                <a16:creationId xmlns:a16="http://schemas.microsoft.com/office/drawing/2014/main" id="{47779C69-BE1B-104B-8F26-4DC10BAD1A34}"/>
+              </a:ext>
+            </a:extLst>
+          </p:cNvPr>
+          <p:cNvSpPr/>
+          <p:nvPr/>
+        </p:nvSpPr>
+        <p:spPr>
+          <a:xfrm>
+            <a:off x="1" y="-15305"/>
+            <a:ext cx="12191999" cy="6873305"/>
+          </a:xfrm>
+          <a:prstGeom prst="rect">
+            <a:avLst/>
+          </a:prstGeom>
+          <a:solidFill>
+            <a:schemeClr val="accent1">
+              <a:alpha val="62000"/>
+            </a:schemeClr>
+          </a:solidFill>
+        </p:spPr>
+        <p:style>
+          <a:lnRef idx="2">
+            <a:schemeClr val="accent1">
+              <a:shade val="50000"/>
+            </a:schemeClr>
+          </a:lnRef>
+          <a:fillRef idx="1">
+            <a:schemeClr val="accent1"/>
+          </a:fillRef>
+          <a:effectRef idx="0">
+            <a:schemeClr val="accent1"/>
+          </a:effectRef>
+          <a:fontRef idx="minor">
+            <a:schemeClr val="lt1"/>
+          </a:fontRef>
+        </p:style>
+        <p:txBody>
+          <a:bodyPr rtlCol="0" anchor="ctr"/>
+          <a:lstStyle/>
+          <a:p>
+            <a:pPr algn="ctr"/>
+            <a:r>
+              <a:rPr lang="de-DE" sz="5400" b="1" dirty="0"/>
+              <a:t>Vielen Dank </a:t>
+            </a:r>
+          </a:p>
+          <a:p>
+            <a:pPr algn="ctr"/>
+            <a:r>
+              <a:rPr lang="de-DE" sz="5400" b="1" dirty="0"/>
+              <a:t>für eure Aufmerksamkeit!</a:t>
+            </a:r>
           </a:p>
         </p:txBody>
       </p:sp>
     </p:spTree>
     <p:extLst>
       <p:ext uri="{BB962C8B-B14F-4D97-AF65-F5344CB8AC3E}">
-        <p14:creationId xmlns:p14="http://schemas.microsoft.com/office/powerpoint/2010/main" val="3084898007"/>
+        <p14:creationId xmlns:p14="http://schemas.microsoft.com/office/powerpoint/2010/main" val="40890220"/>
       </p:ext>
     </p:extLst>
   </p:cSld>
@@ -8564,133 +8307,6 @@
           <a:chExt cx="0" cy="0"/>
         </a:xfrm>
       </p:grpSpPr>
-      <p:pic>
-        <p:nvPicPr>
-          <p:cNvPr id="4" name="Grafik 3">
-            <a:extLst>
-              <a:ext uri="{FF2B5EF4-FFF2-40B4-BE49-F238E27FC236}">
-                <a16:creationId xmlns:a16="http://schemas.microsoft.com/office/drawing/2014/main" id="{7EB71337-EE95-DA45-81F7-3421378E4382}"/>
-              </a:ext>
-            </a:extLst>
-          </p:cNvPr>
-          <p:cNvPicPr>
-            <a:picLocks noChangeAspect="1"/>
-          </p:cNvPicPr>
-          <p:nvPr/>
-        </p:nvPicPr>
-        <p:blipFill>
-          <a:blip r:embed="rId3">
-            <a:extLst>
-              <a:ext uri="{28A0092B-C50C-407E-A947-70E740481C1C}">
-                <a14:useLocalDpi xmlns:a14="http://schemas.microsoft.com/office/drawing/2010/main" val="0"/>
-              </a:ext>
-            </a:extLst>
-          </a:blip>
-          <a:stretch>
-            <a:fillRect/>
-          </a:stretch>
-        </p:blipFill>
-        <p:spPr>
-          <a:xfrm>
-            <a:off x="-1464635" y="0"/>
-            <a:ext cx="15121270" cy="6873305"/>
-          </a:xfrm>
-          <a:prstGeom prst="rect">
-            <a:avLst/>
-          </a:prstGeom>
-        </p:spPr>
-      </p:pic>
-      <p:sp>
-        <p:nvSpPr>
-          <p:cNvPr id="5" name="Rechteck 4">
-            <a:extLst>
-              <a:ext uri="{FF2B5EF4-FFF2-40B4-BE49-F238E27FC236}">
-                <a16:creationId xmlns:a16="http://schemas.microsoft.com/office/drawing/2014/main" id="{47779C69-BE1B-104B-8F26-4DC10BAD1A34}"/>
-              </a:ext>
-            </a:extLst>
-          </p:cNvPr>
-          <p:cNvSpPr/>
-          <p:nvPr/>
-        </p:nvSpPr>
-        <p:spPr>
-          <a:xfrm>
-            <a:off x="1" y="-15305"/>
-            <a:ext cx="12191999" cy="6873305"/>
-          </a:xfrm>
-          <a:prstGeom prst="rect">
-            <a:avLst/>
-          </a:prstGeom>
-          <a:solidFill>
-            <a:schemeClr val="accent1">
-              <a:alpha val="62000"/>
-            </a:schemeClr>
-          </a:solidFill>
-        </p:spPr>
-        <p:style>
-          <a:lnRef idx="2">
-            <a:schemeClr val="accent1">
-              <a:shade val="50000"/>
-            </a:schemeClr>
-          </a:lnRef>
-          <a:fillRef idx="1">
-            <a:schemeClr val="accent1"/>
-          </a:fillRef>
-          <a:effectRef idx="0">
-            <a:schemeClr val="accent1"/>
-          </a:effectRef>
-          <a:fontRef idx="minor">
-            <a:schemeClr val="lt1"/>
-          </a:fontRef>
-        </p:style>
-        <p:txBody>
-          <a:bodyPr rtlCol="0" anchor="ctr"/>
-          <a:lstStyle/>
-          <a:p>
-            <a:pPr algn="ctr"/>
-            <a:r>
-              <a:rPr lang="de-DE" sz="5400" b="1" dirty="0"/>
-              <a:t>Vielen Dank </a:t>
-            </a:r>
-          </a:p>
-          <a:p>
-            <a:pPr algn="ctr"/>
-            <a:r>
-              <a:rPr lang="de-DE" sz="5400" b="1" dirty="0"/>
-              <a:t>für eure Aufmerksamkeit!</a:t>
-            </a:r>
-          </a:p>
-        </p:txBody>
-      </p:sp>
-    </p:spTree>
-    <p:extLst>
-      <p:ext uri="{BB962C8B-B14F-4D97-AF65-F5344CB8AC3E}">
-        <p14:creationId xmlns:p14="http://schemas.microsoft.com/office/powerpoint/2010/main" val="40890220"/>
-      </p:ext>
-    </p:extLst>
-  </p:cSld>
-  <p:clrMapOvr>
-    <a:masterClrMapping/>
-  </p:clrMapOvr>
-</p:sld>
-</file>
-
-<file path=ppt/slides/slide21.xml><?xml version="1.0" encoding="utf-8"?>
-<p:sld xmlns:a="http://schemas.openxmlformats.org/drawingml/2006/main" xmlns:r="http://schemas.openxmlformats.org/officeDocument/2006/relationships" xmlns:p="http://schemas.openxmlformats.org/presentationml/2006/main">
-  <p:cSld>
-    <p:spTree>
-      <p:nvGrpSpPr>
-        <p:cNvPr id="1" name=""/>
-        <p:cNvGrpSpPr/>
-        <p:nvPr/>
-      </p:nvGrpSpPr>
-      <p:grpSpPr>
-        <a:xfrm>
-          <a:off x="0" y="0"/>
-          <a:ext cx="0" cy="0"/>
-          <a:chOff x="0" y="0"/>
-          <a:chExt cx="0" cy="0"/>
-        </a:xfrm>
-      </p:grpSpPr>
       <p:sp>
         <p:nvSpPr>
           <p:cNvPr id="2" name="Titel 1">
@@ -8777,7 +8393,7 @@
             <a:fld id="{4A80ED0F-F732-4A14-9F84-E00593EFD72C}" type="slidenum">
               <a:rPr lang="de-DE" smtClean="0"/>
               <a:pPr/>
-              <a:t>21</a:t>
+              <a:t>20</a:t>
             </a:fld>
             <a:endParaRPr lang="de-DE" dirty="0"/>
           </a:p>
@@ -9515,7 +9131,7 @@
 </p:sld>
 </file>
 
-<file path=ppt/slides/slide22.xml><?xml version="1.0" encoding="utf-8"?>
+<file path=ppt/slides/slide21.xml><?xml version="1.0" encoding="utf-8"?>
 <p:sld xmlns:a="http://schemas.openxmlformats.org/drawingml/2006/main" xmlns:r="http://schemas.openxmlformats.org/officeDocument/2006/relationships" xmlns:p="http://schemas.openxmlformats.org/presentationml/2006/main">
   <p:cSld>
     <p:spTree>
@@ -9613,7 +9229,7 @@
             <a:fld id="{4A80ED0F-F732-4A14-9F84-E00593EFD72C}" type="slidenum">
               <a:rPr lang="de-DE" smtClean="0"/>
               <a:pPr/>
-              <a:t>22</a:t>
+              <a:t>21</a:t>
             </a:fld>
             <a:endParaRPr lang="de-DE" dirty="0"/>
           </a:p>
@@ -10000,6 +9616,374 @@
     <p:extLst>
       <p:ext uri="{BB962C8B-B14F-4D97-AF65-F5344CB8AC3E}">
         <p14:creationId xmlns:p14="http://schemas.microsoft.com/office/powerpoint/2010/main" val="3927690452"/>
+      </p:ext>
+    </p:extLst>
+  </p:cSld>
+  <p:clrMapOvr>
+    <a:masterClrMapping/>
+  </p:clrMapOvr>
+</p:sld>
+</file>
+
+<file path=ppt/slides/slide22.xml><?xml version="1.0" encoding="utf-8"?>
+<p:sld xmlns:a="http://schemas.openxmlformats.org/drawingml/2006/main" xmlns:r="http://schemas.openxmlformats.org/officeDocument/2006/relationships" xmlns:p="http://schemas.openxmlformats.org/presentationml/2006/main">
+  <p:cSld>
+    <p:spTree>
+      <p:nvGrpSpPr>
+        <p:cNvPr id="1" name=""/>
+        <p:cNvGrpSpPr/>
+        <p:nvPr/>
+      </p:nvGrpSpPr>
+      <p:grpSpPr>
+        <a:xfrm>
+          <a:off x="0" y="0"/>
+          <a:ext cx="0" cy="0"/>
+          <a:chOff x="0" y="0"/>
+          <a:chExt cx="0" cy="0"/>
+        </a:xfrm>
+      </p:grpSpPr>
+      <p:sp>
+        <p:nvSpPr>
+          <p:cNvPr id="2" name="Titel 1">
+            <a:extLst>
+              <a:ext uri="{FF2B5EF4-FFF2-40B4-BE49-F238E27FC236}">
+                <a16:creationId xmlns:a16="http://schemas.microsoft.com/office/drawing/2014/main" id="{039E12BA-7B87-244E-BE5F-2E113E214E2F}"/>
+              </a:ext>
+            </a:extLst>
+          </p:cNvPr>
+          <p:cNvSpPr>
+            <a:spLocks noGrp="1"/>
+          </p:cNvSpPr>
+          <p:nvPr>
+            <p:ph type="title"/>
+          </p:nvPr>
+        </p:nvSpPr>
+        <p:spPr/>
+        <p:txBody>
+          <a:bodyPr/>
+          <a:lstStyle/>
+          <a:p>
+            <a:r>
+              <a:rPr lang="de-DE" dirty="0"/>
+              <a:t>Generierung der synth. Daten</a:t>
+            </a:r>
+          </a:p>
+        </p:txBody>
+      </p:sp>
+      <p:sp>
+        <p:nvSpPr>
+          <p:cNvPr id="3" name="Datumsplatzhalter 2">
+            <a:extLst>
+              <a:ext uri="{FF2B5EF4-FFF2-40B4-BE49-F238E27FC236}">
+                <a16:creationId xmlns:a16="http://schemas.microsoft.com/office/drawing/2014/main" id="{6C9DD39D-35F9-0A49-B61C-047833C05F0E}"/>
+              </a:ext>
+            </a:extLst>
+          </p:cNvPr>
+          <p:cNvSpPr>
+            <a:spLocks noGrp="1"/>
+          </p:cNvSpPr>
+          <p:nvPr>
+            <p:ph type="dt" sz="half" idx="10"/>
+          </p:nvPr>
+        </p:nvSpPr>
+        <p:spPr/>
+        <p:txBody>
+          <a:bodyPr/>
+          <a:lstStyle/>
+          <a:p>
+            <a:r>
+              <a:rPr lang="de-DE" b="0"/>
+              <a:t>24.09.2019</a:t>
+            </a:r>
+            <a:endParaRPr lang="de-DE" b="0" dirty="0"/>
+          </a:p>
+        </p:txBody>
+      </p:sp>
+      <p:sp>
+        <p:nvSpPr>
+          <p:cNvPr id="4" name="Foliennummernplatzhalter 3">
+            <a:extLst>
+              <a:ext uri="{FF2B5EF4-FFF2-40B4-BE49-F238E27FC236}">
+                <a16:creationId xmlns:a16="http://schemas.microsoft.com/office/drawing/2014/main" id="{F89FD8B0-3065-6844-B44D-C913E80915E4}"/>
+              </a:ext>
+            </a:extLst>
+          </p:cNvPr>
+          <p:cNvSpPr>
+            <a:spLocks noGrp="1"/>
+          </p:cNvSpPr>
+          <p:nvPr>
+            <p:ph type="sldNum" sz="quarter" idx="11"/>
+          </p:nvPr>
+        </p:nvSpPr>
+        <p:spPr/>
+        <p:txBody>
+          <a:bodyPr/>
+          <a:lstStyle/>
+          <a:p>
+            <a:fld id="{4A80ED0F-F732-4A14-9F84-E00593EFD72C}" type="slidenum">
+              <a:rPr lang="de-DE" smtClean="0"/>
+              <a:pPr/>
+              <a:t>22</a:t>
+            </a:fld>
+            <a:endParaRPr lang="de-DE" dirty="0"/>
+          </a:p>
+        </p:txBody>
+      </p:sp>
+      <p:sp>
+        <p:nvSpPr>
+          <p:cNvPr id="5" name="Textplatzhalter 4">
+            <a:extLst>
+              <a:ext uri="{FF2B5EF4-FFF2-40B4-BE49-F238E27FC236}">
+                <a16:creationId xmlns:a16="http://schemas.microsoft.com/office/drawing/2014/main" id="{8FD69D42-6ADE-6642-B970-44C140D8F70C}"/>
+              </a:ext>
+            </a:extLst>
+          </p:cNvPr>
+          <p:cNvSpPr>
+            <a:spLocks noGrp="1"/>
+          </p:cNvSpPr>
+          <p:nvPr>
+            <p:ph type="body" sz="quarter" idx="12"/>
+          </p:nvPr>
+        </p:nvSpPr>
+        <p:spPr>
+          <a:xfrm>
+            <a:off x="91579" y="1219201"/>
+            <a:ext cx="8962859" cy="5198760"/>
+          </a:xfrm>
+        </p:spPr>
+        <p:txBody>
+          <a:bodyPr/>
+          <a:lstStyle/>
+          <a:p>
+            <a:r>
+              <a:rPr lang="de-DE" dirty="0"/>
+              <a:t>3D-Gebäudesmodell aus BIM in Blender v. 2.79b simuliert</a:t>
+            </a:r>
+          </a:p>
+          <a:p>
+            <a:endParaRPr lang="de-DE" dirty="0"/>
+          </a:p>
+          <a:p>
+            <a:r>
+              <a:rPr lang="de-DE" dirty="0"/>
+              <a:t>(</a:t>
+            </a:r>
+            <a:r>
+              <a:rPr lang="de-DE" i="1" dirty="0"/>
+              <a:t>bestmögliche</a:t>
+            </a:r>
+            <a:r>
+              <a:rPr lang="de-DE" dirty="0"/>
+              <a:t>) Imitation der Aufnahmestrecken</a:t>
+            </a:r>
+          </a:p>
+          <a:p>
+            <a:pPr lvl="1"/>
+            <a:r>
+              <a:rPr lang="de-DE" dirty="0"/>
+              <a:t>0.05m Intervallen mit +/- 10° Neigung in je </a:t>
+            </a:r>
+            <a:r>
+              <a:rPr lang="de-DE" dirty="0" err="1"/>
+              <a:t>y</a:t>
+            </a:r>
+            <a:r>
+              <a:rPr lang="de-DE" dirty="0"/>
+              <a:t>- und </a:t>
+            </a:r>
+            <a:r>
+              <a:rPr lang="de-DE" dirty="0" err="1"/>
+              <a:t>z</a:t>
+            </a:r>
+            <a:r>
+              <a:rPr lang="de-DE" dirty="0"/>
+              <a:t>-Achse</a:t>
+            </a:r>
+          </a:p>
+          <a:p>
+            <a:pPr marL="0" indent="0">
+              <a:buNone/>
+            </a:pPr>
+            <a:endParaRPr lang="de-DE" dirty="0"/>
+          </a:p>
+          <a:p>
+            <a:r>
+              <a:rPr lang="de-DE" dirty="0"/>
+              <a:t>Insgesamt 3 Typen (</a:t>
+            </a:r>
+            <a:r>
+              <a:rPr lang="de-DE" i="1" dirty="0"/>
+              <a:t>angelehnt an </a:t>
+            </a:r>
+            <a:r>
+              <a:rPr lang="de-DE" i="1" dirty="0" err="1"/>
+              <a:t>Acharya</a:t>
+            </a:r>
+            <a:r>
+              <a:rPr lang="de-DE" i="1" dirty="0"/>
+              <a:t> et al.</a:t>
+            </a:r>
+            <a:r>
+              <a:rPr lang="de-DE" dirty="0"/>
+              <a:t>)</a:t>
+            </a:r>
+          </a:p>
+          <a:p>
+            <a:pPr lvl="1"/>
+            <a:r>
+              <a:rPr lang="de-DE" i="1" dirty="0" err="1"/>
+              <a:t>cartoon</a:t>
+            </a:r>
+            <a:r>
+              <a:rPr lang="de-DE" i="1" dirty="0"/>
+              <a:t>, </a:t>
+            </a:r>
+            <a:r>
+              <a:rPr lang="de-DE" i="1" dirty="0" err="1"/>
+              <a:t>edge</a:t>
+            </a:r>
+            <a:r>
+              <a:rPr lang="de-DE" dirty="0"/>
+              <a:t>, </a:t>
+            </a:r>
+            <a:r>
+              <a:rPr lang="de-DE" i="1" dirty="0" err="1"/>
+              <a:t>photoreal</a:t>
+            </a:r>
+            <a:endParaRPr lang="de-DE" dirty="0"/>
+          </a:p>
+        </p:txBody>
+      </p:sp>
+      <p:pic>
+        <p:nvPicPr>
+          <p:cNvPr id="7" name="Grafik 6">
+            <a:extLst>
+              <a:ext uri="{FF2B5EF4-FFF2-40B4-BE49-F238E27FC236}">
+                <a16:creationId xmlns:a16="http://schemas.microsoft.com/office/drawing/2014/main" id="{158C176A-5AD8-7646-9A20-755E186E94BE}"/>
+              </a:ext>
+            </a:extLst>
+          </p:cNvPr>
+          <p:cNvPicPr>
+            <a:picLocks noChangeAspect="1"/>
+          </p:cNvPicPr>
+          <p:nvPr/>
+        </p:nvPicPr>
+        <p:blipFill>
+          <a:blip r:embed="rId2">
+            <a:extLst>
+              <a:ext uri="{28A0092B-C50C-407E-A947-70E740481C1C}">
+                <a14:useLocalDpi xmlns:a14="http://schemas.microsoft.com/office/drawing/2010/main" val="0"/>
+              </a:ext>
+            </a:extLst>
+          </a:blip>
+          <a:stretch>
+            <a:fillRect/>
+          </a:stretch>
+        </p:blipFill>
+        <p:spPr>
+          <a:xfrm>
+            <a:off x="1214453" y="4816791"/>
+            <a:ext cx="7003115" cy="1362769"/>
+          </a:xfrm>
+          <a:prstGeom prst="rect">
+            <a:avLst/>
+          </a:prstGeom>
+        </p:spPr>
+      </p:pic>
+      <p:pic>
+        <p:nvPicPr>
+          <p:cNvPr id="13" name="Grafik 12">
+            <a:extLst>
+              <a:ext uri="{FF2B5EF4-FFF2-40B4-BE49-F238E27FC236}">
+                <a16:creationId xmlns:a16="http://schemas.microsoft.com/office/drawing/2014/main" id="{D700D537-56D8-634E-8B51-2A1AA65541AA}"/>
+              </a:ext>
+            </a:extLst>
+          </p:cNvPr>
+          <p:cNvPicPr>
+            <a:picLocks noChangeAspect="1"/>
+          </p:cNvPicPr>
+          <p:nvPr/>
+        </p:nvPicPr>
+        <p:blipFill>
+          <a:blip r:embed="rId3">
+            <a:extLst>
+              <a:ext uri="{28A0092B-C50C-407E-A947-70E740481C1C}">
+                <a14:useLocalDpi xmlns:a14="http://schemas.microsoft.com/office/drawing/2010/main" val="0"/>
+              </a:ext>
+            </a:extLst>
+          </a:blip>
+          <a:stretch>
+            <a:fillRect/>
+          </a:stretch>
+        </p:blipFill>
+        <p:spPr>
+          <a:xfrm>
+            <a:off x="9421128" y="890251"/>
+            <a:ext cx="2770872" cy="5608511"/>
+          </a:xfrm>
+          <a:prstGeom prst="rect">
+            <a:avLst/>
+          </a:prstGeom>
+        </p:spPr>
+      </p:pic>
+      <p:sp>
+        <p:nvSpPr>
+          <p:cNvPr id="14" name="Rechteck 13">
+            <a:extLst>
+              <a:ext uri="{FF2B5EF4-FFF2-40B4-BE49-F238E27FC236}">
+                <a16:creationId xmlns:a16="http://schemas.microsoft.com/office/drawing/2014/main" id="{F698A0E3-0F1D-9144-979F-25CF1334ADF4}"/>
+              </a:ext>
+            </a:extLst>
+          </p:cNvPr>
+          <p:cNvSpPr/>
+          <p:nvPr/>
+        </p:nvSpPr>
+        <p:spPr>
+          <a:xfrm>
+            <a:off x="7112738" y="6521393"/>
+            <a:ext cx="3002268" cy="336608"/>
+          </a:xfrm>
+          <a:prstGeom prst="rect">
+            <a:avLst/>
+          </a:prstGeom>
+          <a:solidFill>
+            <a:schemeClr val="bg2">
+              <a:alpha val="70000"/>
+            </a:schemeClr>
+          </a:solidFill>
+          <a:ln>
+            <a:noFill/>
+          </a:ln>
+        </p:spPr>
+        <p:style>
+          <a:lnRef idx="2">
+            <a:schemeClr val="accent1">
+              <a:shade val="50000"/>
+            </a:schemeClr>
+          </a:lnRef>
+          <a:fillRef idx="1">
+            <a:schemeClr val="accent1"/>
+          </a:fillRef>
+          <a:effectRef idx="0">
+            <a:schemeClr val="accent1"/>
+          </a:effectRef>
+          <a:fontRef idx="minor">
+            <a:schemeClr val="lt1"/>
+          </a:fontRef>
+        </p:style>
+        <p:txBody>
+          <a:bodyPr rtlCol="0" anchor="ctr"/>
+          <a:lstStyle/>
+          <a:p>
+            <a:pPr algn="ctr"/>
+            <a:endParaRPr lang="de-DE"/>
+          </a:p>
+        </p:txBody>
+      </p:sp>
+    </p:spTree>
+    <p:extLst>
+      <p:ext uri="{BB962C8B-B14F-4D97-AF65-F5344CB8AC3E}">
+        <p14:creationId xmlns:p14="http://schemas.microsoft.com/office/powerpoint/2010/main" val="2534344392"/>
       </p:ext>
     </p:extLst>
   </p:cSld>
@@ -10031,7 +10015,7 @@
           <p:cNvPr id="2" name="Titel 1">
             <a:extLst>
               <a:ext uri="{FF2B5EF4-FFF2-40B4-BE49-F238E27FC236}">
-                <a16:creationId xmlns:a16="http://schemas.microsoft.com/office/drawing/2014/main" id="{039E12BA-7B87-244E-BE5F-2E113E214E2F}"/>
+                <a16:creationId xmlns:a16="http://schemas.microsoft.com/office/drawing/2014/main" id="{B10405F6-5D67-964D-B0D7-7662B14A370D}"/>
               </a:ext>
             </a:extLst>
           </p:cNvPr>
@@ -10049,7 +10033,7 @@
           <a:p>
             <a:r>
               <a:rPr lang="de-DE" dirty="0"/>
-              <a:t>Generierung der synth. Daten</a:t>
+              <a:t>Verarbeitung der Daten</a:t>
             </a:r>
           </a:p>
         </p:txBody>
@@ -10059,7 +10043,7 @@
           <p:cNvPr id="3" name="Datumsplatzhalter 2">
             <a:extLst>
               <a:ext uri="{FF2B5EF4-FFF2-40B4-BE49-F238E27FC236}">
-                <a16:creationId xmlns:a16="http://schemas.microsoft.com/office/drawing/2014/main" id="{6C9DD39D-35F9-0A49-B61C-047833C05F0E}"/>
+                <a16:creationId xmlns:a16="http://schemas.microsoft.com/office/drawing/2014/main" id="{FBBBC918-848C-BF48-9985-5BD982239191}"/>
               </a:ext>
             </a:extLst>
           </p:cNvPr>
@@ -10088,7 +10072,7 @@
           <p:cNvPr id="4" name="Foliennummernplatzhalter 3">
             <a:extLst>
               <a:ext uri="{FF2B5EF4-FFF2-40B4-BE49-F238E27FC236}">
-                <a16:creationId xmlns:a16="http://schemas.microsoft.com/office/drawing/2014/main" id="{F89FD8B0-3065-6844-B44D-C913E80915E4}"/>
+                <a16:creationId xmlns:a16="http://schemas.microsoft.com/office/drawing/2014/main" id="{6064E051-DB36-8242-89AA-1EA9FDF83854}"/>
               </a:ext>
             </a:extLst>
           </p:cNvPr>
@@ -10118,7 +10102,7 @@
           <p:cNvPr id="5" name="Textplatzhalter 4">
             <a:extLst>
               <a:ext uri="{FF2B5EF4-FFF2-40B4-BE49-F238E27FC236}">
-                <a16:creationId xmlns:a16="http://schemas.microsoft.com/office/drawing/2014/main" id="{8FD69D42-6ADE-6642-B970-44C140D8F70C}"/>
+                <a16:creationId xmlns:a16="http://schemas.microsoft.com/office/drawing/2014/main" id="{5618BB61-46BF-F74A-B27A-E3C8E4DAEE67}"/>
               </a:ext>
             </a:extLst>
           </p:cNvPr>
@@ -10131,8 +10115,8 @@
         </p:nvSpPr>
         <p:spPr>
           <a:xfrm>
-            <a:off x="91579" y="1219201"/>
-            <a:ext cx="8962859" cy="5198760"/>
+            <a:off x="91580" y="1219201"/>
+            <a:ext cx="4973298" cy="5198760"/>
           </a:xfrm>
         </p:spPr>
         <p:txBody>
@@ -10140,101 +10124,38 @@
           <a:lstStyle/>
           <a:p>
             <a:r>
-              <a:rPr lang="de-DE" dirty="0"/>
-              <a:t>3D-Gebäudesmodell aus BIM in Blender v. 2.79b simuliert</a:t>
-            </a:r>
-          </a:p>
-          <a:p>
+              <a:rPr lang="de-DE" dirty="0" err="1"/>
+              <a:t>Gradientenbild</a:t>
+            </a:r>
             <a:endParaRPr lang="de-DE" dirty="0"/>
           </a:p>
           <a:p>
-            <a:r>
-              <a:rPr lang="de-DE" dirty="0"/>
-              <a:t>(</a:t>
-            </a:r>
-            <a:r>
-              <a:rPr lang="de-DE" i="1" dirty="0"/>
-              <a:t>bestmögliche</a:t>
-            </a:r>
-            <a:r>
-              <a:rPr lang="de-DE" dirty="0"/>
-              <a:t>) Imitation der Aufnahmestrecken</a:t>
+            <a:endParaRPr lang="de-DE" dirty="0"/>
+          </a:p>
+          <a:p>
+            <a:r>
+              <a:rPr lang="de-DE" dirty="0" err="1"/>
+              <a:t>Treshold</a:t>
+            </a:r>
+            <a:r>
+              <a:rPr lang="de-DE" dirty="0"/>
+              <a:t>-Verfahren</a:t>
             </a:r>
           </a:p>
           <a:p>
             <a:pPr lvl="1"/>
             <a:r>
               <a:rPr lang="de-DE" dirty="0"/>
-              <a:t>0.05m Intervallen mit +/- 10° Neigung in je </a:t>
-            </a:r>
-            <a:r>
-              <a:rPr lang="de-DE" dirty="0" err="1"/>
-              <a:t>y</a:t>
-            </a:r>
-            <a:r>
-              <a:rPr lang="de-DE" dirty="0"/>
-              <a:t>- und </a:t>
-            </a:r>
-            <a:r>
-              <a:rPr lang="de-DE" dirty="0" err="1"/>
-              <a:t>z</a:t>
-            </a:r>
-            <a:r>
-              <a:rPr lang="de-DE" dirty="0"/>
-              <a:t>-Achse</a:t>
-            </a:r>
-          </a:p>
-          <a:p>
-            <a:pPr marL="0" indent="0">
-              <a:buNone/>
-            </a:pPr>
-            <a:endParaRPr lang="de-DE" dirty="0"/>
-          </a:p>
-          <a:p>
-            <a:r>
-              <a:rPr lang="de-DE" dirty="0"/>
-              <a:t>Insgesamt 3 Typen (</a:t>
-            </a:r>
-            <a:r>
-              <a:rPr lang="de-DE" i="1" dirty="0"/>
-              <a:t>angelehnt an </a:t>
-            </a:r>
-            <a:r>
-              <a:rPr lang="de-DE" i="1" dirty="0" err="1"/>
-              <a:t>Acharya</a:t>
-            </a:r>
-            <a:r>
-              <a:rPr lang="de-DE" i="1" dirty="0"/>
-              <a:t> et al.</a:t>
-            </a:r>
-            <a:r>
-              <a:rPr lang="de-DE" dirty="0"/>
-              <a:t>)</a:t>
+              <a:t>Unterdrückung der durch die synth. Lichter entstandenen </a:t>
+            </a:r>
+            <a:r>
+              <a:rPr lang="de-DE" b="1" dirty="0"/>
+              <a:t>Artefakte</a:t>
             </a:r>
           </a:p>
           <a:p>
             <a:pPr lvl="1"/>
-            <a:r>
-              <a:rPr lang="de-DE" i="1" dirty="0" err="1"/>
-              <a:t>cartoon</a:t>
-            </a:r>
-            <a:r>
-              <a:rPr lang="de-DE" i="1" dirty="0"/>
-              <a:t>, </a:t>
-            </a:r>
-            <a:r>
-              <a:rPr lang="de-DE" i="1" dirty="0" err="1"/>
-              <a:t>edge</a:t>
-            </a:r>
-            <a:r>
-              <a:rPr lang="de-DE" dirty="0"/>
-              <a:t>, </a:t>
-            </a:r>
-            <a:r>
-              <a:rPr lang="de-DE" i="1" dirty="0" err="1"/>
-              <a:t>photoreal</a:t>
-            </a:r>
-            <a:endParaRPr lang="de-DE" dirty="0"/>
+            <a:endParaRPr lang="de-DE" b="1" dirty="0"/>
           </a:p>
         </p:txBody>
       </p:sp>
@@ -10243,7 +10164,7 @@
           <p:cNvPr id="7" name="Grafik 6">
             <a:extLst>
               <a:ext uri="{FF2B5EF4-FFF2-40B4-BE49-F238E27FC236}">
-                <a16:creationId xmlns:a16="http://schemas.microsoft.com/office/drawing/2014/main" id="{158C176A-5AD8-7646-9A20-755E186E94BE}"/>
+                <a16:creationId xmlns:a16="http://schemas.microsoft.com/office/drawing/2014/main" id="{082F530F-680E-E041-96A6-E0EB4B6879C1}"/>
               </a:ext>
             </a:extLst>
           </p:cNvPr>
@@ -10266,8 +10187,8 @@
         </p:blipFill>
         <p:spPr>
           <a:xfrm>
-            <a:off x="1214453" y="4816791"/>
-            <a:ext cx="7003115" cy="1362769"/>
+            <a:off x="5064877" y="970810"/>
+            <a:ext cx="6961117" cy="1384738"/>
           </a:xfrm>
           <a:prstGeom prst="rect">
             <a:avLst/>
@@ -10276,10 +10197,10 @@
       </p:pic>
       <p:pic>
         <p:nvPicPr>
-          <p:cNvPr id="13" name="Grafik 12">
-            <a:extLst>
-              <a:ext uri="{FF2B5EF4-FFF2-40B4-BE49-F238E27FC236}">
-                <a16:creationId xmlns:a16="http://schemas.microsoft.com/office/drawing/2014/main" id="{D700D537-56D8-634E-8B51-2A1AA65541AA}"/>
+          <p:cNvPr id="9" name="Grafik 8">
+            <a:extLst>
+              <a:ext uri="{FF2B5EF4-FFF2-40B4-BE49-F238E27FC236}">
+                <a16:creationId xmlns:a16="http://schemas.microsoft.com/office/drawing/2014/main" id="{156B8A6C-36EE-1943-A496-7C742CBAC3B2}"/>
               </a:ext>
             </a:extLst>
           </p:cNvPr>
@@ -10302,8 +10223,8 @@
         </p:blipFill>
         <p:spPr>
           <a:xfrm>
-            <a:off x="9421128" y="890251"/>
-            <a:ext cx="2770872" cy="5608511"/>
+            <a:off x="5064877" y="2762411"/>
+            <a:ext cx="6935388" cy="3560413"/>
           </a:xfrm>
           <a:prstGeom prst="rect">
             <a:avLst/>
@@ -10312,10 +10233,10 @@
       </p:pic>
       <p:sp>
         <p:nvSpPr>
-          <p:cNvPr id="14" name="Rechteck 13">
-            <a:extLst>
-              <a:ext uri="{FF2B5EF4-FFF2-40B4-BE49-F238E27FC236}">
-                <a16:creationId xmlns:a16="http://schemas.microsoft.com/office/drawing/2014/main" id="{F698A0E3-0F1D-9144-979F-25CF1334ADF4}"/>
+          <p:cNvPr id="10" name="Rechteck 9">
+            <a:extLst>
+              <a:ext uri="{FF2B5EF4-FFF2-40B4-BE49-F238E27FC236}">
+                <a16:creationId xmlns:a16="http://schemas.microsoft.com/office/drawing/2014/main" id="{4A71855A-4705-BB49-AFCB-9D86C4557E91}"/>
               </a:ext>
             </a:extLst>
           </p:cNvPr>
@@ -10364,10 +10285,59 @@
           </a:p>
         </p:txBody>
       </p:sp>
+      <p:sp>
+        <p:nvSpPr>
+          <p:cNvPr id="6" name="Pfeil nach rechts 5">
+            <a:extLst>
+              <a:ext uri="{FF2B5EF4-FFF2-40B4-BE49-F238E27FC236}">
+                <a16:creationId xmlns:a16="http://schemas.microsoft.com/office/drawing/2014/main" id="{8374425F-0750-0A44-A20E-E92959A3C3BA}"/>
+              </a:ext>
+            </a:extLst>
+          </p:cNvPr>
+          <p:cNvSpPr/>
+          <p:nvPr/>
+        </p:nvSpPr>
+        <p:spPr>
+          <a:xfrm>
+            <a:off x="1288026" y="4286865"/>
+            <a:ext cx="2546555" cy="924232"/>
+          </a:xfrm>
+          <a:prstGeom prst="rightArrow">
+            <a:avLst/>
+          </a:prstGeom>
+        </p:spPr>
+        <p:style>
+          <a:lnRef idx="2">
+            <a:schemeClr val="accent6">
+              <a:shade val="50000"/>
+            </a:schemeClr>
+          </a:lnRef>
+          <a:fillRef idx="1">
+            <a:schemeClr val="accent6"/>
+          </a:fillRef>
+          <a:effectRef idx="0">
+            <a:schemeClr val="accent6"/>
+          </a:effectRef>
+          <a:fontRef idx="minor">
+            <a:schemeClr val="lt1"/>
+          </a:fontRef>
+        </p:style>
+        <p:txBody>
+          <a:bodyPr rtlCol="0" anchor="ctr"/>
+          <a:lstStyle/>
+          <a:p>
+            <a:pPr algn="ctr"/>
+            <a:r>
+              <a:rPr lang="de-DE" dirty="0"/>
+              <a:t>Beispiele</a:t>
+            </a:r>
+          </a:p>
+        </p:txBody>
+      </p:sp>
     </p:spTree>
     <p:extLst>
       <p:ext uri="{BB962C8B-B14F-4D97-AF65-F5344CB8AC3E}">
-        <p14:creationId xmlns:p14="http://schemas.microsoft.com/office/powerpoint/2010/main" val="2534344392"/>
+        <p14:creationId xmlns:p14="http://schemas.microsoft.com/office/powerpoint/2010/main" val="1178824378"/>
       </p:ext>
     </p:extLst>
   </p:cSld>
@@ -12237,7 +12207,7 @@
           </a:p>
           <a:p>
             <a:r>
-              <a:rPr lang="de-DE" b="1" dirty="0"/>
+              <a:rPr lang="de-DE" dirty="0"/>
               <a:t>Verarbeitung der Daten</a:t>
             </a:r>
           </a:p>
@@ -12386,7 +12356,7 @@
           <p:cNvPr id="2" name="Titel 1">
             <a:extLst>
               <a:ext uri="{FF2B5EF4-FFF2-40B4-BE49-F238E27FC236}">
-                <a16:creationId xmlns:a16="http://schemas.microsoft.com/office/drawing/2014/main" id="{B10405F6-5D67-964D-B0D7-7662B14A370D}"/>
+                <a16:creationId xmlns:a16="http://schemas.microsoft.com/office/drawing/2014/main" id="{36D97C75-F26F-684B-BFBE-0D8476667FAD}"/>
               </a:ext>
             </a:extLst>
           </p:cNvPr>
@@ -12404,7 +12374,7 @@
           <a:p>
             <a:r>
               <a:rPr lang="de-DE" dirty="0"/>
-              <a:t>Verarbeitung der Daten</a:t>
+              <a:t>Datensätze</a:t>
             </a:r>
           </a:p>
         </p:txBody>
@@ -12414,7 +12384,7 @@
           <p:cNvPr id="3" name="Datumsplatzhalter 2">
             <a:extLst>
               <a:ext uri="{FF2B5EF4-FFF2-40B4-BE49-F238E27FC236}">
-                <a16:creationId xmlns:a16="http://schemas.microsoft.com/office/drawing/2014/main" id="{FBBBC918-848C-BF48-9985-5BD982239191}"/>
+                <a16:creationId xmlns:a16="http://schemas.microsoft.com/office/drawing/2014/main" id="{102D406D-448A-FF4D-AFF6-DB24B5A87BE9}"/>
               </a:ext>
             </a:extLst>
           </p:cNvPr>
@@ -12443,7 +12413,7 @@
           <p:cNvPr id="4" name="Foliennummernplatzhalter 3">
             <a:extLst>
               <a:ext uri="{FF2B5EF4-FFF2-40B4-BE49-F238E27FC236}">
-                <a16:creationId xmlns:a16="http://schemas.microsoft.com/office/drawing/2014/main" id="{6064E051-DB36-8242-89AA-1EA9FDF83854}"/>
+                <a16:creationId xmlns:a16="http://schemas.microsoft.com/office/drawing/2014/main" id="{FD5CCFAB-E5AF-A947-B554-A47B77AB1C90}"/>
               </a:ext>
             </a:extLst>
           </p:cNvPr>
@@ -12473,7 +12443,7 @@
           <p:cNvPr id="5" name="Textplatzhalter 4">
             <a:extLst>
               <a:ext uri="{FF2B5EF4-FFF2-40B4-BE49-F238E27FC236}">
-                <a16:creationId xmlns:a16="http://schemas.microsoft.com/office/drawing/2014/main" id="{5618BB61-46BF-F74A-B27A-E3C8E4DAEE67}"/>
+                <a16:creationId xmlns:a16="http://schemas.microsoft.com/office/drawing/2014/main" id="{5CAF1D60-44CE-DD41-9D95-22EAF008B975}"/>
               </a:ext>
             </a:extLst>
           </p:cNvPr>
@@ -12486,8 +12456,8 @@
         </p:nvSpPr>
         <p:spPr>
           <a:xfrm>
-            <a:off x="91580" y="1219201"/>
-            <a:ext cx="4973298" cy="5198760"/>
+            <a:off x="91579" y="1219201"/>
+            <a:ext cx="6714985" cy="5198760"/>
           </a:xfrm>
         </p:spPr>
         <p:txBody>
@@ -12495,38 +12465,55 @@
           <a:lstStyle/>
           <a:p>
             <a:r>
-              <a:rPr lang="de-DE" dirty="0" err="1"/>
-              <a:t>Gradientenbild</a:t>
-            </a:r>
+              <a:rPr lang="de-DE" b="1" dirty="0"/>
+              <a:t>Ziel: länger</a:t>
+            </a:r>
+            <a:r>
+              <a:rPr lang="de-DE" dirty="0"/>
+              <a:t>, in mehrere </a:t>
+            </a:r>
+            <a:r>
+              <a:rPr lang="de-DE" b="1" dirty="0"/>
+              <a:t>Richtungen</a:t>
+            </a:r>
+            <a:r>
+              <a:rPr lang="de-DE" dirty="0"/>
+              <a:t> verlaufend und auf mehrere </a:t>
+            </a:r>
+            <a:r>
+              <a:rPr lang="de-DE" b="1" dirty="0"/>
+              <a:t>Etagenebenen</a:t>
+            </a:r>
+            <a:r>
+              <a:rPr lang="de-DE" dirty="0"/>
+              <a:t> erstreckend</a:t>
+            </a:r>
+          </a:p>
+          <a:p>
             <a:endParaRPr lang="de-DE" dirty="0"/>
           </a:p>
           <a:p>
+            <a:r>
+              <a:rPr lang="de-DE" dirty="0"/>
+              <a:t>Daten erhoben:</a:t>
+            </a:r>
+          </a:p>
+          <a:p>
+            <a:pPr lvl="1"/>
+            <a:r>
+              <a:rPr lang="de-DE" dirty="0"/>
+              <a:t>nördliche Hälfe des 6. Stockwerkes des ICs</a:t>
+            </a:r>
+          </a:p>
+          <a:p>
+            <a:pPr lvl="1"/>
+            <a:r>
+              <a:rPr lang="de-DE" dirty="0"/>
+              <a:t>Seminargebäude der Hochschule Bochum (HS)</a:t>
+            </a:r>
+          </a:p>
+          <a:p>
             <a:endParaRPr lang="de-DE" dirty="0"/>
-          </a:p>
-          <a:p>
-            <a:r>
-              <a:rPr lang="de-DE" dirty="0" err="1"/>
-              <a:t>Treshold</a:t>
-            </a:r>
-            <a:r>
-              <a:rPr lang="de-DE" dirty="0"/>
-              <a:t>-Verfahren</a:t>
-            </a:r>
-          </a:p>
-          <a:p>
-            <a:pPr lvl="1"/>
-            <a:r>
-              <a:rPr lang="de-DE" dirty="0"/>
-              <a:t>Unterdrückung der durch die synth. Lichter entstandenen </a:t>
-            </a:r>
-            <a:r>
-              <a:rPr lang="de-DE" b="1" dirty="0"/>
-              <a:t>Artefakte</a:t>
-            </a:r>
-          </a:p>
-          <a:p>
-            <a:pPr lvl="1"/>
-            <a:endParaRPr lang="de-DE" b="1" dirty="0"/>
           </a:p>
         </p:txBody>
       </p:sp>
@@ -12535,7 +12522,7 @@
           <p:cNvPr id="7" name="Grafik 6">
             <a:extLst>
               <a:ext uri="{FF2B5EF4-FFF2-40B4-BE49-F238E27FC236}">
-                <a16:creationId xmlns:a16="http://schemas.microsoft.com/office/drawing/2014/main" id="{082F530F-680E-E041-96A6-E0EB4B6879C1}"/>
+                <a16:creationId xmlns:a16="http://schemas.microsoft.com/office/drawing/2014/main" id="{2BF74C23-9993-D445-B632-579C941B393A}"/>
               </a:ext>
             </a:extLst>
           </p:cNvPr>
@@ -12558,8 +12545,8 @@
         </p:blipFill>
         <p:spPr>
           <a:xfrm>
-            <a:off x="5064877" y="970810"/>
-            <a:ext cx="6961117" cy="1384738"/>
+            <a:off x="474018" y="4424208"/>
+            <a:ext cx="5950108" cy="1993753"/>
           </a:xfrm>
           <a:prstGeom prst="rect">
             <a:avLst/>
@@ -12571,7 +12558,7 @@
           <p:cNvPr id="9" name="Grafik 8">
             <a:extLst>
               <a:ext uri="{FF2B5EF4-FFF2-40B4-BE49-F238E27FC236}">
-                <a16:creationId xmlns:a16="http://schemas.microsoft.com/office/drawing/2014/main" id="{156B8A6C-36EE-1943-A496-7C742CBAC3B2}"/>
+                <a16:creationId xmlns:a16="http://schemas.microsoft.com/office/drawing/2014/main" id="{EC016BA6-63D5-F34A-BD8F-5D2BAE7BA109}"/>
               </a:ext>
             </a:extLst>
           </p:cNvPr>
@@ -12594,8 +12581,8 @@
         </p:blipFill>
         <p:spPr>
           <a:xfrm>
-            <a:off x="5064877" y="2762411"/>
-            <a:ext cx="6935388" cy="3560413"/>
+            <a:off x="6806564" y="893139"/>
+            <a:ext cx="5219430" cy="5524822"/>
           </a:xfrm>
           <a:prstGeom prst="rect">
             <a:avLst/>
@@ -12607,7 +12594,7 @@
           <p:cNvPr id="10" name="Rechteck 9">
             <a:extLst>
               <a:ext uri="{FF2B5EF4-FFF2-40B4-BE49-F238E27FC236}">
-                <a16:creationId xmlns:a16="http://schemas.microsoft.com/office/drawing/2014/main" id="{4A71855A-4705-BB49-AFCB-9D86C4557E91}"/>
+                <a16:creationId xmlns:a16="http://schemas.microsoft.com/office/drawing/2014/main" id="{66147B74-9586-B649-A61B-C07ECC8FD805}"/>
               </a:ext>
             </a:extLst>
           </p:cNvPr>
@@ -12656,59 +12643,10 @@
           </a:p>
         </p:txBody>
       </p:sp>
-      <p:sp>
-        <p:nvSpPr>
-          <p:cNvPr id="6" name="Pfeil nach rechts 5">
-            <a:extLst>
-              <a:ext uri="{FF2B5EF4-FFF2-40B4-BE49-F238E27FC236}">
-                <a16:creationId xmlns:a16="http://schemas.microsoft.com/office/drawing/2014/main" id="{8374425F-0750-0A44-A20E-E92959A3C3BA}"/>
-              </a:ext>
-            </a:extLst>
-          </p:cNvPr>
-          <p:cNvSpPr/>
-          <p:nvPr/>
-        </p:nvSpPr>
-        <p:spPr>
-          <a:xfrm>
-            <a:off x="1288026" y="4286865"/>
-            <a:ext cx="2546555" cy="924232"/>
-          </a:xfrm>
-          <a:prstGeom prst="rightArrow">
-            <a:avLst/>
-          </a:prstGeom>
-        </p:spPr>
-        <p:style>
-          <a:lnRef idx="2">
-            <a:schemeClr val="accent6">
-              <a:shade val="50000"/>
-            </a:schemeClr>
-          </a:lnRef>
-          <a:fillRef idx="1">
-            <a:schemeClr val="accent6"/>
-          </a:fillRef>
-          <a:effectRef idx="0">
-            <a:schemeClr val="accent6"/>
-          </a:effectRef>
-          <a:fontRef idx="minor">
-            <a:schemeClr val="lt1"/>
-          </a:fontRef>
-        </p:style>
-        <p:txBody>
-          <a:bodyPr rtlCol="0" anchor="ctr"/>
-          <a:lstStyle/>
-          <a:p>
-            <a:pPr algn="ctr"/>
-            <a:r>
-              <a:rPr lang="de-DE" dirty="0"/>
-              <a:t>Beispiele</a:t>
-            </a:r>
-          </a:p>
-        </p:txBody>
-      </p:sp>
     </p:spTree>
     <p:extLst>
       <p:ext uri="{BB962C8B-B14F-4D97-AF65-F5344CB8AC3E}">
-        <p14:creationId xmlns:p14="http://schemas.microsoft.com/office/powerpoint/2010/main" val="1178824378"/>
+        <p14:creationId xmlns:p14="http://schemas.microsoft.com/office/powerpoint/2010/main" val="1505822127"/>
       </p:ext>
     </p:extLst>
   </p:cSld>
@@ -12740,7 +12678,7 @@
           <p:cNvPr id="2" name="Titel 1">
             <a:extLst>
               <a:ext uri="{FF2B5EF4-FFF2-40B4-BE49-F238E27FC236}">
-                <a16:creationId xmlns:a16="http://schemas.microsoft.com/office/drawing/2014/main" id="{36D97C75-F26F-684B-BFBE-0D8476667FAD}"/>
+                <a16:creationId xmlns:a16="http://schemas.microsoft.com/office/drawing/2014/main" id="{187C2D52-72E3-6741-ADF1-F066AEBA38A6}"/>
               </a:ext>
             </a:extLst>
           </p:cNvPr>
@@ -12758,7 +12696,7 @@
           <a:p>
             <a:r>
               <a:rPr lang="de-DE" dirty="0"/>
-              <a:t>Datensätze</a:t>
+              <a:t>Ergebnisse</a:t>
             </a:r>
           </a:p>
         </p:txBody>
@@ -12768,7 +12706,7 @@
           <p:cNvPr id="3" name="Datumsplatzhalter 2">
             <a:extLst>
               <a:ext uri="{FF2B5EF4-FFF2-40B4-BE49-F238E27FC236}">
-                <a16:creationId xmlns:a16="http://schemas.microsoft.com/office/drawing/2014/main" id="{102D406D-448A-FF4D-AFF6-DB24B5A87BE9}"/>
+                <a16:creationId xmlns:a16="http://schemas.microsoft.com/office/drawing/2014/main" id="{0DF37704-8DE6-2A4B-ADFF-79CE28863D98}"/>
               </a:ext>
             </a:extLst>
           </p:cNvPr>
@@ -12797,7 +12735,7 @@
           <p:cNvPr id="4" name="Foliennummernplatzhalter 3">
             <a:extLst>
               <a:ext uri="{FF2B5EF4-FFF2-40B4-BE49-F238E27FC236}">
-                <a16:creationId xmlns:a16="http://schemas.microsoft.com/office/drawing/2014/main" id="{FD5CCFAB-E5AF-A947-B554-A47B77AB1C90}"/>
+                <a16:creationId xmlns:a16="http://schemas.microsoft.com/office/drawing/2014/main" id="{58CEDD4B-D8E9-944D-87B9-9B8642FD1657}"/>
               </a:ext>
             </a:extLst>
           </p:cNvPr>
@@ -12827,7 +12765,7 @@
           <p:cNvPr id="5" name="Textplatzhalter 4">
             <a:extLst>
               <a:ext uri="{FF2B5EF4-FFF2-40B4-BE49-F238E27FC236}">
-                <a16:creationId xmlns:a16="http://schemas.microsoft.com/office/drawing/2014/main" id="{5CAF1D60-44CE-DD41-9D95-22EAF008B975}"/>
+                <a16:creationId xmlns:a16="http://schemas.microsoft.com/office/drawing/2014/main" id="{89882CFA-3474-0742-B47B-C675F0C8F3E2}"/>
               </a:ext>
             </a:extLst>
           </p:cNvPr>
@@ -12838,147 +12776,117 @@
             <p:ph type="body" sz="quarter" idx="12"/>
           </p:nvPr>
         </p:nvSpPr>
-        <p:spPr>
-          <a:xfrm>
-            <a:off x="91579" y="1219201"/>
-            <a:ext cx="6714985" cy="5198760"/>
-          </a:xfrm>
-        </p:spPr>
+        <p:spPr/>
         <p:txBody>
           <a:bodyPr/>
           <a:lstStyle/>
           <a:p>
             <a:r>
+              <a:rPr lang="de-DE" dirty="0"/>
+              <a:t>Evaluationsergebnis </a:t>
+            </a:r>
+          </a:p>
+          <a:p>
+            <a:pPr lvl="1"/>
+            <a:r>
+              <a:rPr lang="de-DE" dirty="0"/>
+              <a:t>werden anhand der Positionsfehler verglichen</a:t>
+            </a:r>
+          </a:p>
+          <a:p>
+            <a:endParaRPr lang="de-DE" dirty="0"/>
+          </a:p>
+          <a:p>
+            <a:r>
               <a:rPr lang="de-DE" b="1" dirty="0"/>
-              <a:t>Ziel: länger</a:t>
-            </a:r>
-            <a:r>
-              <a:rPr lang="de-DE" dirty="0"/>
-              <a:t>, in mehrere </a:t>
+              <a:t>Akkuratesse </a:t>
+            </a:r>
+            <a:r>
+              <a:rPr lang="de-DE" dirty="0"/>
+              <a:t>eines Netzwerkes gibt an:</a:t>
+            </a:r>
+          </a:p>
+          <a:p>
+            <a:pPr lvl="1"/>
+            <a:r>
+              <a:rPr lang="de-DE" dirty="0"/>
+              <a:t>Median der Evaluationsergebnisse</a:t>
+            </a:r>
+          </a:p>
+          <a:p>
+            <a:pPr lvl="1"/>
+            <a:endParaRPr lang="de-DE" dirty="0"/>
+          </a:p>
+          <a:p>
+            <a:r>
+              <a:rPr lang="de-DE" dirty="0"/>
+              <a:t>Evaluation</a:t>
+            </a:r>
+          </a:p>
+          <a:p>
+            <a:pPr lvl="1"/>
+            <a:r>
+              <a:rPr lang="de-DE" dirty="0"/>
+              <a:t>1.: </a:t>
+            </a:r>
+            <a:r>
+              <a:rPr lang="de-DE" dirty="0" err="1"/>
+              <a:t>Gradientenbilder</a:t>
+            </a:r>
+            <a:r>
+              <a:rPr lang="de-DE" dirty="0"/>
+              <a:t> der korrespondierenden </a:t>
             </a:r>
             <a:r>
               <a:rPr lang="de-DE" b="1" dirty="0"/>
-              <a:t>Richtungen</a:t>
-            </a:r>
-            <a:r>
-              <a:rPr lang="de-DE" dirty="0"/>
-              <a:t> verlaufend und auf mehrere </a:t>
+              <a:t>synthetischen Evaluationsdaten</a:t>
+            </a:r>
+          </a:p>
+          <a:p>
+            <a:pPr lvl="1"/>
+            <a:r>
+              <a:rPr lang="de-DE" dirty="0"/>
+              <a:t>2.: </a:t>
+            </a:r>
+            <a:r>
+              <a:rPr lang="de-DE" dirty="0" err="1"/>
+              <a:t>Gradientenbilder</a:t>
+            </a:r>
+            <a:r>
+              <a:rPr lang="de-DE" dirty="0"/>
+              <a:t> der </a:t>
             </a:r>
             <a:r>
               <a:rPr lang="de-DE" b="1" dirty="0"/>
-              <a:t>Etagenebenen</a:t>
-            </a:r>
-            <a:r>
-              <a:rPr lang="de-DE" dirty="0"/>
-              <a:t> erstreckend</a:t>
-            </a:r>
-          </a:p>
-          <a:p>
-            <a:endParaRPr lang="de-DE" dirty="0"/>
-          </a:p>
-          <a:p>
-            <a:r>
-              <a:rPr lang="de-DE" dirty="0"/>
-              <a:t>Daten erhoben:</a:t>
+              <a:t>realen Evaluationsdaten</a:t>
             </a:r>
           </a:p>
           <a:p>
             <a:pPr lvl="1"/>
-            <a:r>
-              <a:rPr lang="de-DE" dirty="0"/>
-              <a:t>nördliche Hälfe des 6. Stockwerkes des ICs</a:t>
-            </a:r>
+            <a:endParaRPr lang="de-DE" b="1" dirty="0"/>
+          </a:p>
+          <a:p>
+            <a:r>
+              <a:rPr lang="de-DE" dirty="0"/>
+              <a:t>Referenzwert</a:t>
+            </a:r>
+            <a:endParaRPr lang="de-DE" b="1" dirty="0"/>
           </a:p>
           <a:p>
             <a:pPr lvl="1"/>
             <a:r>
               <a:rPr lang="de-DE" dirty="0"/>
-              <a:t>Seminargebäude der Hochschule Bochum (HS)</a:t>
-            </a:r>
-          </a:p>
-          <a:p>
-            <a:endParaRPr lang="de-DE" dirty="0"/>
-          </a:p>
-        </p:txBody>
-      </p:sp>
-      <p:pic>
-        <p:nvPicPr>
-          <p:cNvPr id="7" name="Grafik 6">
-            <a:extLst>
-              <a:ext uri="{FF2B5EF4-FFF2-40B4-BE49-F238E27FC236}">
-                <a16:creationId xmlns:a16="http://schemas.microsoft.com/office/drawing/2014/main" id="{2BF74C23-9993-D445-B632-579C941B393A}"/>
-              </a:ext>
-            </a:extLst>
-          </p:cNvPr>
-          <p:cNvPicPr>
-            <a:picLocks noChangeAspect="1"/>
-          </p:cNvPicPr>
-          <p:nvPr/>
-        </p:nvPicPr>
-        <p:blipFill>
-          <a:blip r:embed="rId2">
-            <a:extLst>
-              <a:ext uri="{28A0092B-C50C-407E-A947-70E740481C1C}">
-                <a14:useLocalDpi xmlns:a14="http://schemas.microsoft.com/office/drawing/2010/main" val="0"/>
-              </a:ext>
-            </a:extLst>
-          </a:blip>
-          <a:stretch>
-            <a:fillRect/>
-          </a:stretch>
-        </p:blipFill>
-        <p:spPr>
-          <a:xfrm>
-            <a:off x="474018" y="4424208"/>
-            <a:ext cx="5950108" cy="1993753"/>
-          </a:xfrm>
-          <a:prstGeom prst="rect">
-            <a:avLst/>
-          </a:prstGeom>
-        </p:spPr>
-      </p:pic>
-      <p:pic>
-        <p:nvPicPr>
-          <p:cNvPr id="9" name="Grafik 8">
-            <a:extLst>
-              <a:ext uri="{FF2B5EF4-FFF2-40B4-BE49-F238E27FC236}">
-                <a16:creationId xmlns:a16="http://schemas.microsoft.com/office/drawing/2014/main" id="{EC016BA6-63D5-F34A-BD8F-5D2BAE7BA109}"/>
-              </a:ext>
-            </a:extLst>
-          </p:cNvPr>
-          <p:cNvPicPr>
-            <a:picLocks noChangeAspect="1"/>
-          </p:cNvPicPr>
-          <p:nvPr/>
-        </p:nvPicPr>
-        <p:blipFill>
-          <a:blip r:embed="rId3">
-            <a:extLst>
-              <a:ext uri="{28A0092B-C50C-407E-A947-70E740481C1C}">
-                <a14:useLocalDpi xmlns:a14="http://schemas.microsoft.com/office/drawing/2010/main" val="0"/>
-              </a:ext>
-            </a:extLst>
-          </a:blip>
-          <a:stretch>
-            <a:fillRect/>
-          </a:stretch>
-        </p:blipFill>
-        <p:spPr>
-          <a:xfrm>
-            <a:off x="6806564" y="893139"/>
-            <a:ext cx="5219430" cy="5524822"/>
-          </a:xfrm>
-          <a:prstGeom prst="rect">
-            <a:avLst/>
-          </a:prstGeom>
-        </p:spPr>
-      </p:pic>
-      <p:sp>
-        <p:nvSpPr>
-          <p:cNvPr id="10" name="Rechteck 9">
-            <a:extLst>
-              <a:ext uri="{FF2B5EF4-FFF2-40B4-BE49-F238E27FC236}">
-                <a16:creationId xmlns:a16="http://schemas.microsoft.com/office/drawing/2014/main" id="{66147B74-9586-B649-A61B-C07ECC8FD805}"/>
+              <a:t>erhaltene Werte bei der Hyperparameterbestimmung</a:t>
+            </a:r>
+          </a:p>
+        </p:txBody>
+      </p:sp>
+      <p:sp>
+        <p:nvSpPr>
+          <p:cNvPr id="6" name="Rechteck 5">
+            <a:extLst>
+              <a:ext uri="{FF2B5EF4-FFF2-40B4-BE49-F238E27FC236}">
+                <a16:creationId xmlns:a16="http://schemas.microsoft.com/office/drawing/2014/main" id="{051FA9AB-3753-2041-8152-A9F2BB18136C}"/>
               </a:ext>
             </a:extLst>
           </p:cNvPr>
@@ -12987,8 +12895,8 @@
         </p:nvSpPr>
         <p:spPr>
           <a:xfrm>
-            <a:off x="7112738" y="6521393"/>
-            <a:ext cx="3002268" cy="336608"/>
+            <a:off x="8261498" y="6521393"/>
+            <a:ext cx="1853508" cy="336608"/>
           </a:xfrm>
           <a:prstGeom prst="rect">
             <a:avLst/>
@@ -13030,7 +12938,7 @@
     </p:spTree>
     <p:extLst>
       <p:ext uri="{BB962C8B-B14F-4D97-AF65-F5344CB8AC3E}">
-        <p14:creationId xmlns:p14="http://schemas.microsoft.com/office/powerpoint/2010/main" val="1505822127"/>
+        <p14:creationId xmlns:p14="http://schemas.microsoft.com/office/powerpoint/2010/main" val="650176097"/>
       </p:ext>
     </p:extLst>
   </p:cSld>
@@ -13062,7 +12970,7 @@
           <p:cNvPr id="2" name="Titel 1">
             <a:extLst>
               <a:ext uri="{FF2B5EF4-FFF2-40B4-BE49-F238E27FC236}">
-                <a16:creationId xmlns:a16="http://schemas.microsoft.com/office/drawing/2014/main" id="{187C2D52-72E3-6741-ADF1-F066AEBA38A6}"/>
+                <a16:creationId xmlns:a16="http://schemas.microsoft.com/office/drawing/2014/main" id="{2492AD53-96E2-0B45-811F-EA4AA69BE975}"/>
               </a:ext>
             </a:extLst>
           </p:cNvPr>
@@ -13080,7 +12988,7 @@
           <a:p>
             <a:r>
               <a:rPr lang="de-DE" dirty="0"/>
-              <a:t>Ergebnisse</a:t>
+              <a:t>IC-loop</a:t>
             </a:r>
           </a:p>
         </p:txBody>
@@ -13090,7 +12998,7 @@
           <p:cNvPr id="3" name="Datumsplatzhalter 2">
             <a:extLst>
               <a:ext uri="{FF2B5EF4-FFF2-40B4-BE49-F238E27FC236}">
-                <a16:creationId xmlns:a16="http://schemas.microsoft.com/office/drawing/2014/main" id="{0DF37704-8DE6-2A4B-ADFF-79CE28863D98}"/>
+                <a16:creationId xmlns:a16="http://schemas.microsoft.com/office/drawing/2014/main" id="{03994EA4-DD05-7341-9AF8-D3A29F1281B4}"/>
               </a:ext>
             </a:extLst>
           </p:cNvPr>
@@ -13119,7 +13027,7 @@
           <p:cNvPr id="4" name="Foliennummernplatzhalter 3">
             <a:extLst>
               <a:ext uri="{FF2B5EF4-FFF2-40B4-BE49-F238E27FC236}">
-                <a16:creationId xmlns:a16="http://schemas.microsoft.com/office/drawing/2014/main" id="{58CEDD4B-D8E9-944D-87B9-9B8642FD1657}"/>
+                <a16:creationId xmlns:a16="http://schemas.microsoft.com/office/drawing/2014/main" id="{C65CC91A-4A5F-BF40-AFEE-904E3C234B83}"/>
               </a:ext>
             </a:extLst>
           </p:cNvPr>
@@ -13149,7 +13057,7 @@
           <p:cNvPr id="5" name="Textplatzhalter 4">
             <a:extLst>
               <a:ext uri="{FF2B5EF4-FFF2-40B4-BE49-F238E27FC236}">
-                <a16:creationId xmlns:a16="http://schemas.microsoft.com/office/drawing/2014/main" id="{89882CFA-3474-0742-B47B-C675F0C8F3E2}"/>
+                <a16:creationId xmlns:a16="http://schemas.microsoft.com/office/drawing/2014/main" id="{1C7DB3A8-38A5-FF4B-BD1C-C441DFC3B018}"/>
               </a:ext>
             </a:extLst>
           </p:cNvPr>
@@ -13160,117 +13068,123 @@
             <p:ph type="body" sz="quarter" idx="12"/>
           </p:nvPr>
         </p:nvSpPr>
-        <p:spPr/>
+        <p:spPr>
+          <a:xfrm>
+            <a:off x="91579" y="3537283"/>
+            <a:ext cx="8416515" cy="2880677"/>
+          </a:xfrm>
+        </p:spPr>
         <p:txBody>
           <a:bodyPr/>
           <a:lstStyle/>
           <a:p>
             <a:r>
               <a:rPr lang="de-DE" dirty="0"/>
-              <a:t>Evaluationsergebnis </a:t>
+              <a:t>Das Netzwerk bestimmte:</a:t>
             </a:r>
           </a:p>
           <a:p>
             <a:pPr lvl="1"/>
             <a:r>
               <a:rPr lang="de-DE" dirty="0"/>
-              <a:t>werden anhand der Positionsfehler verglichen</a:t>
-            </a:r>
-          </a:p>
-          <a:p>
-            <a:endParaRPr lang="de-DE" dirty="0"/>
-          </a:p>
-          <a:p>
+              <a:t>alle Evaluationsdaten in einem ca. 5m x 30m großen </a:t>
+            </a:r>
             <a:r>
               <a:rPr lang="de-DE" b="1" dirty="0"/>
-              <a:t>Akkuratesse </a:t>
-            </a:r>
-            <a:r>
-              <a:rPr lang="de-DE" dirty="0"/>
-              <a:t>eines Netzwerkes gibt an:</a:t>
+              <a:t>Teilbereich</a:t>
             </a:r>
           </a:p>
           <a:p>
             <a:pPr lvl="1"/>
             <a:r>
               <a:rPr lang="de-DE" dirty="0"/>
-              <a:t>Median der Evaluationsergebnisse</a:t>
-            </a:r>
-          </a:p>
-          <a:p>
-            <a:pPr lvl="1"/>
-            <a:endParaRPr lang="de-DE" dirty="0"/>
-          </a:p>
-          <a:p>
-            <a:r>
-              <a:rPr lang="de-DE" dirty="0"/>
-              <a:t>Evaluation</a:t>
-            </a:r>
-          </a:p>
-          <a:p>
-            <a:pPr lvl="1"/>
-            <a:r>
-              <a:rPr lang="de-DE" dirty="0"/>
-              <a:t>1.: </a:t>
-            </a:r>
-            <a:r>
-              <a:rPr lang="de-DE" dirty="0" err="1"/>
-              <a:t>Gradientenbilder</a:t>
-            </a:r>
-            <a:r>
-              <a:rPr lang="de-DE" dirty="0"/>
-              <a:t> der korrespondierenden </a:t>
+              <a:t>Die Orientierung als die Aufnahmerichtung der </a:t>
             </a:r>
             <a:r>
               <a:rPr lang="de-DE" b="1" dirty="0"/>
-              <a:t>synthetischen Evaluationsdaten</a:t>
-            </a:r>
-          </a:p>
-          <a:p>
-            <a:pPr lvl="1"/>
-            <a:r>
-              <a:rPr lang="de-DE" dirty="0"/>
-              <a:t>2.: </a:t>
-            </a:r>
-            <a:r>
-              <a:rPr lang="de-DE" dirty="0" err="1"/>
-              <a:t>Gradientenbilder</a:t>
-            </a:r>
-            <a:r>
-              <a:rPr lang="de-DE" dirty="0"/>
-              <a:t> der </a:t>
-            </a:r>
-            <a:r>
-              <a:rPr lang="de-DE" b="1" dirty="0"/>
-              <a:t>realen Evaluationsdaten</a:t>
-            </a:r>
-          </a:p>
-          <a:p>
-            <a:pPr lvl="1"/>
-            <a:endParaRPr lang="de-DE" b="1" dirty="0"/>
-          </a:p>
-          <a:p>
-            <a:r>
-              <a:rPr lang="de-DE" dirty="0"/>
-              <a:t>Referenzwert</a:t>
-            </a:r>
-            <a:endParaRPr lang="de-DE" b="1" dirty="0"/>
-          </a:p>
-          <a:p>
-            <a:pPr lvl="1"/>
-            <a:r>
-              <a:rPr lang="de-DE" dirty="0"/>
-              <a:t>erhaltene Werte bei der Hyperparameterbestimmung</a:t>
-            </a:r>
-          </a:p>
-        </p:txBody>
-      </p:sp>
-      <p:sp>
-        <p:nvSpPr>
-          <p:cNvPr id="6" name="Rechteck 5">
-            <a:extLst>
-              <a:ext uri="{FF2B5EF4-FFF2-40B4-BE49-F238E27FC236}">
-                <a16:creationId xmlns:a16="http://schemas.microsoft.com/office/drawing/2014/main" id="{051FA9AB-3753-2041-8152-A9F2BB18136C}"/>
+              <a:t>unteren horizontalen Strecke </a:t>
+            </a:r>
+          </a:p>
+        </p:txBody>
+      </p:sp>
+      <p:pic>
+        <p:nvPicPr>
+          <p:cNvPr id="7" name="Grafik 6">
+            <a:extLst>
+              <a:ext uri="{FF2B5EF4-FFF2-40B4-BE49-F238E27FC236}">
+                <a16:creationId xmlns:a16="http://schemas.microsoft.com/office/drawing/2014/main" id="{FEB2E393-B67C-2743-9513-521311D30366}"/>
+              </a:ext>
+            </a:extLst>
+          </p:cNvPr>
+          <p:cNvPicPr>
+            <a:picLocks noChangeAspect="1"/>
+          </p:cNvPicPr>
+          <p:nvPr/>
+        </p:nvPicPr>
+        <p:blipFill>
+          <a:blip r:embed="rId2">
+            <a:extLst>
+              <a:ext uri="{28A0092B-C50C-407E-A947-70E740481C1C}">
+                <a14:useLocalDpi xmlns:a14="http://schemas.microsoft.com/office/drawing/2010/main" val="0"/>
+              </a:ext>
+            </a:extLst>
+          </a:blip>
+          <a:stretch>
+            <a:fillRect/>
+          </a:stretch>
+        </p:blipFill>
+        <p:spPr>
+          <a:xfrm>
+            <a:off x="8508094" y="893139"/>
+            <a:ext cx="3517900" cy="5511800"/>
+          </a:xfrm>
+          <a:prstGeom prst="rect">
+            <a:avLst/>
+          </a:prstGeom>
+        </p:spPr>
+      </p:pic>
+      <p:pic>
+        <p:nvPicPr>
+          <p:cNvPr id="9" name="Grafik 8">
+            <a:extLst>
+              <a:ext uri="{FF2B5EF4-FFF2-40B4-BE49-F238E27FC236}">
+                <a16:creationId xmlns:a16="http://schemas.microsoft.com/office/drawing/2014/main" id="{03643C37-3228-704D-9B09-5BD08D64FC1D}"/>
+              </a:ext>
+            </a:extLst>
+          </p:cNvPr>
+          <p:cNvPicPr>
+            <a:picLocks noChangeAspect="1"/>
+          </p:cNvPicPr>
+          <p:nvPr/>
+        </p:nvPicPr>
+        <p:blipFill>
+          <a:blip r:embed="rId3">
+            <a:extLst>
+              <a:ext uri="{28A0092B-C50C-407E-A947-70E740481C1C}">
+                <a14:useLocalDpi xmlns:a14="http://schemas.microsoft.com/office/drawing/2010/main" val="0"/>
+              </a:ext>
+            </a:extLst>
+          </a:blip>
+          <a:stretch>
+            <a:fillRect/>
+          </a:stretch>
+        </p:blipFill>
+        <p:spPr>
+          <a:xfrm>
+            <a:off x="570457" y="1402585"/>
+            <a:ext cx="7458759" cy="1829507"/>
+          </a:xfrm>
+          <a:prstGeom prst="rect">
+            <a:avLst/>
+          </a:prstGeom>
+        </p:spPr>
+      </p:pic>
+      <p:sp>
+        <p:nvSpPr>
+          <p:cNvPr id="10" name="Rechteck 9">
+            <a:extLst>
+              <a:ext uri="{FF2B5EF4-FFF2-40B4-BE49-F238E27FC236}">
+                <a16:creationId xmlns:a16="http://schemas.microsoft.com/office/drawing/2014/main" id="{806BB677-ADB6-AD43-8AB5-AE3134D56692}"/>
               </a:ext>
             </a:extLst>
           </p:cNvPr>
@@ -13319,10 +13233,95 @@
           </a:p>
         </p:txBody>
       </p:sp>
+      <p:sp>
+        <p:nvSpPr>
+          <p:cNvPr id="11" name="Textfeld 10">
+            <a:extLst>
+              <a:ext uri="{FF2B5EF4-FFF2-40B4-BE49-F238E27FC236}">
+                <a16:creationId xmlns:a16="http://schemas.microsoft.com/office/drawing/2014/main" id="{1ED927EF-9B17-0A44-9391-09C16888C6C3}"/>
+              </a:ext>
+            </a:extLst>
+          </p:cNvPr>
+          <p:cNvSpPr txBox="1"/>
+          <p:nvPr/>
+        </p:nvSpPr>
+        <p:spPr>
+          <a:xfrm>
+            <a:off x="2775606" y="1033253"/>
+            <a:ext cx="3048459" cy="369332"/>
+          </a:xfrm>
+          <a:prstGeom prst="rect">
+            <a:avLst/>
+          </a:prstGeom>
+          <a:noFill/>
+        </p:spPr>
+        <p:txBody>
+          <a:bodyPr wrap="square" rtlCol="0">
+            <a:spAutoFit/>
+          </a:bodyPr>
+          <a:lstStyle/>
+          <a:p>
+            <a:r>
+              <a:rPr lang="de-DE" i="1" dirty="0"/>
+              <a:t>Referenzwert: 1.93m, 4.26°</a:t>
+            </a:r>
+          </a:p>
+        </p:txBody>
+      </p:sp>
+      <p:sp>
+        <p:nvSpPr>
+          <p:cNvPr id="13" name="Rahmen 12">
+            <a:extLst>
+              <a:ext uri="{FF2B5EF4-FFF2-40B4-BE49-F238E27FC236}">
+                <a16:creationId xmlns:a16="http://schemas.microsoft.com/office/drawing/2014/main" id="{9C724038-1595-AF4E-A8AF-499A0D4CFB46}"/>
+              </a:ext>
+            </a:extLst>
+          </p:cNvPr>
+          <p:cNvSpPr/>
+          <p:nvPr/>
+        </p:nvSpPr>
+        <p:spPr>
+          <a:xfrm>
+            <a:off x="5450305" y="2461718"/>
+            <a:ext cx="1395663" cy="348916"/>
+          </a:xfrm>
+          <a:prstGeom prst="frame">
+            <a:avLst/>
+          </a:prstGeom>
+        </p:spPr>
+        <p:style>
+          <a:lnRef idx="2">
+            <a:schemeClr val="accent6">
+              <a:shade val="50000"/>
+            </a:schemeClr>
+          </a:lnRef>
+          <a:fillRef idx="1">
+            <a:schemeClr val="accent6"/>
+          </a:fillRef>
+          <a:effectRef idx="0">
+            <a:schemeClr val="accent6"/>
+          </a:effectRef>
+          <a:fontRef idx="minor">
+            <a:schemeClr val="lt1"/>
+          </a:fontRef>
+        </p:style>
+        <p:txBody>
+          <a:bodyPr rtlCol="0" anchor="ctr"/>
+          <a:lstStyle/>
+          <a:p>
+            <a:pPr algn="ctr"/>
+            <a:endParaRPr lang="de-DE">
+              <a:solidFill>
+                <a:schemeClr val="tx1"/>
+              </a:solidFill>
+            </a:endParaRPr>
+          </a:p>
+        </p:txBody>
+      </p:sp>
     </p:spTree>
     <p:extLst>
       <p:ext uri="{BB962C8B-B14F-4D97-AF65-F5344CB8AC3E}">
-        <p14:creationId xmlns:p14="http://schemas.microsoft.com/office/powerpoint/2010/main" val="650176097"/>
+        <p14:creationId xmlns:p14="http://schemas.microsoft.com/office/powerpoint/2010/main" val="262058393"/>
       </p:ext>
     </p:extLst>
   </p:cSld>
@@ -13372,7 +13371,7 @@
           <a:p>
             <a:r>
               <a:rPr lang="de-DE" dirty="0"/>
-              <a:t>IC-loop</a:t>
+              <a:t>HS-gamma</a:t>
             </a:r>
           </a:p>
         </p:txBody>
@@ -13471,7 +13470,7 @@
             <a:pPr lvl="1"/>
             <a:r>
               <a:rPr lang="de-DE" dirty="0"/>
-              <a:t>alle Evaluationsdaten in einem ca. 5m x 30m großen </a:t>
+              <a:t>alle Evaluationsdaten in einem ca. 5m x 20m großen </a:t>
             </a:r>
             <a:r>
               <a:rPr lang="de-DE" b="1" dirty="0"/>
@@ -13482,12 +13481,15 @@
             <a:pPr lvl="1"/>
             <a:r>
               <a:rPr lang="de-DE" dirty="0"/>
-              <a:t>Die Orientierung als die Aufnahmerichtung der </a:t>
+              <a:t>Die Orientierung als die Aufnahmerichtung </a:t>
             </a:r>
             <a:r>
               <a:rPr lang="de-DE" b="1" dirty="0"/>
-              <a:t>unteren horizontalen Strecke </a:t>
-            </a:r>
+              <a:t>der horizontalen Strecken</a:t>
+            </a:r>
+          </a:p>
+          <a:p>
+            <a:endParaRPr lang="de-DE" dirty="0"/>
           </a:p>
         </p:txBody>
       </p:sp>
@@ -13513,14 +13515,13 @@
               </a:ext>
             </a:extLst>
           </a:blip>
-          <a:stretch>
-            <a:fillRect/>
-          </a:stretch>
+          <a:srcRect/>
+          <a:stretch/>
         </p:blipFill>
         <p:spPr>
           <a:xfrm>
-            <a:off x="8508094" y="893139"/>
-            <a:ext cx="3517900" cy="5511800"/>
+            <a:off x="8516163" y="893139"/>
+            <a:ext cx="3501762" cy="5511800"/>
           </a:xfrm>
           <a:prstGeom prst="rect">
             <a:avLst/>
@@ -13549,14 +13550,13 @@
               </a:ext>
             </a:extLst>
           </a:blip>
-          <a:stretch>
-            <a:fillRect/>
-          </a:stretch>
+          <a:srcRect/>
+          <a:stretch/>
         </p:blipFill>
         <p:spPr>
           <a:xfrm>
-            <a:off x="570457" y="1402585"/>
-            <a:ext cx="7458759" cy="1829507"/>
+            <a:off x="570457" y="1439257"/>
+            <a:ext cx="7458759" cy="1756162"/>
           </a:xfrm>
           <a:prstGeom prst="rect">
             <a:avLst/>
@@ -13647,7 +13647,7 @@
           <a:p>
             <a:r>
               <a:rPr lang="de-DE" i="1" dirty="0"/>
-              <a:t>Referenzwert: 1.93m, 4.26°</a:t>
+              <a:t>Referenzwert: 0.95m, 7.53°</a:t>
             </a:r>
           </a:p>
         </p:txBody>
@@ -13657,7 +13657,7 @@
           <p:cNvPr id="13" name="Rahmen 12">
             <a:extLst>
               <a:ext uri="{FF2B5EF4-FFF2-40B4-BE49-F238E27FC236}">
-                <a16:creationId xmlns:a16="http://schemas.microsoft.com/office/drawing/2014/main" id="{9C724038-1595-AF4E-A8AF-499A0D4CFB46}"/>
+                <a16:creationId xmlns:a16="http://schemas.microsoft.com/office/drawing/2014/main" id="{3F9A6040-3DCD-1F4E-AD5F-F87C6B64B47E}"/>
               </a:ext>
             </a:extLst>
           </p:cNvPr>
@@ -13666,8 +13666,8 @@
         </p:nvSpPr>
         <p:spPr>
           <a:xfrm>
-            <a:off x="5450305" y="2461718"/>
-            <a:ext cx="1395663" cy="348916"/>
+            <a:off x="5426242" y="1944358"/>
+            <a:ext cx="1335505" cy="348916"/>
           </a:xfrm>
           <a:prstGeom prst="frame">
             <a:avLst/>
@@ -13705,7 +13705,7 @@
     </p:spTree>
     <p:extLst>
       <p:ext uri="{BB962C8B-B14F-4D97-AF65-F5344CB8AC3E}">
-        <p14:creationId xmlns:p14="http://schemas.microsoft.com/office/powerpoint/2010/main" val="262058393"/>
+        <p14:creationId xmlns:p14="http://schemas.microsoft.com/office/powerpoint/2010/main" val="2973086913"/>
       </p:ext>
     </p:extLst>
   </p:cSld>
@@ -14587,18 +14587,18 @@
 
 <file path=customXml/item1.xml><?xml version="1.0" encoding="utf-8"?>
 <Control xmlns="http://schemas.microsoft.com/VisualStudio/2011/storyboarding/control">
-  <Id Name="System.Storyboarding.Backgrounds.WindowsPhone" Revision="1" Stencil="System.Storyboarding.Backgrounds" StencilVersion="0.1"/>
+  <Id Name="System.Storyboarding.Common.DataGrid" Revision="1" Stencil="System.Storyboarding.Common" StencilVersion="0.1"/>
 </Control>
 </file>
 
 <file path=customXml/item2.xml><?xml version="1.0" encoding="utf-8"?>
 <Control xmlns="http://schemas.microsoft.com/VisualStudio/2011/storyboarding/control">
-  <Id Name="System.Storyboarding.Common.DataGrid" Revision="1" Stencil="System.Storyboarding.Common" StencilVersion="0.1"/>
+  <Id Name="System.Storyboarding.Backgrounds.WindowsPhone" Revision="1" Stencil="System.Storyboarding.Backgrounds" StencilVersion="0.1"/>
 </Control>
 </file>
 
 <file path=customXml/itemProps1.xml><?xml version="1.0" encoding="utf-8"?>
-<ds:datastoreItem xmlns:ds="http://schemas.openxmlformats.org/officeDocument/2006/customXml" ds:itemID="{7051CCCD-5D9D-4AB6-88A9-57155298ABD4}">
+<ds:datastoreItem xmlns:ds="http://schemas.openxmlformats.org/officeDocument/2006/customXml" ds:itemID="{92627A13-A711-4245-B1B7-39DE081CC96D}">
   <ds:schemaRefs>
     <ds:schemaRef ds:uri="http://schemas.microsoft.com/VisualStudio/2011/storyboarding/control"/>
   </ds:schemaRefs>
@@ -14606,7 +14606,7 @@
 </file>
 
 <file path=customXml/itemProps2.xml><?xml version="1.0" encoding="utf-8"?>
-<ds:datastoreItem xmlns:ds="http://schemas.openxmlformats.org/officeDocument/2006/customXml" ds:itemID="{92627A13-A711-4245-B1B7-39DE081CC96D}">
+<ds:datastoreItem xmlns:ds="http://schemas.openxmlformats.org/officeDocument/2006/customXml" ds:itemID="{7051CCCD-5D9D-4AB6-88A9-57155298ABD4}">
   <ds:schemaRefs>
     <ds:schemaRef ds:uri="http://schemas.microsoft.com/VisualStudio/2011/storyboarding/control"/>
   </ds:schemaRefs>

--- a/bachelor/kolloquium.pptx
+++ b/bachelor/kolloquium.pptx
@@ -186,7 +186,7 @@
           <p:cNvPr id="2" name="Kopfzeilenplatzhalter 1">
             <a:extLst>
               <a:ext uri="{FF2B5EF4-FFF2-40B4-BE49-F238E27FC236}">
-                <a16:creationId xmlns:a16="http://schemas.microsoft.com/office/drawing/2014/main" id="{7F577B03-E7E4-49EA-B793-E6082E964B1A}"/>
+                <a16:creationId xmlns:a16="http://schemas.microsoft.com/office/drawing/2014/main" xmlns="" id="{7F577B03-E7E4-49EA-B793-E6082E964B1A}"/>
               </a:ext>
             </a:extLst>
           </p:cNvPr>
@@ -223,7 +223,7 @@
           <p:cNvPr id="3" name="Datumsplatzhalter 2">
             <a:extLst>
               <a:ext uri="{FF2B5EF4-FFF2-40B4-BE49-F238E27FC236}">
-                <a16:creationId xmlns:a16="http://schemas.microsoft.com/office/drawing/2014/main" id="{1C829798-809B-484F-A373-48B3B7EDC6C0}"/>
+                <a16:creationId xmlns:a16="http://schemas.microsoft.com/office/drawing/2014/main" xmlns="" id="{1C829798-809B-484F-A373-48B3B7EDC6C0}"/>
               </a:ext>
             </a:extLst>
           </p:cNvPr>
@@ -253,7 +253,7 @@
           <a:p>
             <a:fld id="{BBD87DEA-88C7-7A42-91BE-619EBB13BEE9}" type="datetime1">
               <a:rPr lang="de-DE" smtClean="0"/>
-              <a:t>22.09.19</a:t>
+              <a:t>23.09.2019</a:t>
             </a:fld>
             <a:endParaRPr lang="de-DE"/>
           </a:p>
@@ -264,7 +264,7 @@
           <p:cNvPr id="4" name="Fußzeilenplatzhalter 3">
             <a:extLst>
               <a:ext uri="{FF2B5EF4-FFF2-40B4-BE49-F238E27FC236}">
-                <a16:creationId xmlns:a16="http://schemas.microsoft.com/office/drawing/2014/main" id="{0FF7101D-94E6-476B-A853-D0371F5F4097}"/>
+                <a16:creationId xmlns:a16="http://schemas.microsoft.com/office/drawing/2014/main" xmlns="" id="{0FF7101D-94E6-476B-A853-D0371F5F4097}"/>
               </a:ext>
             </a:extLst>
           </p:cNvPr>
@@ -301,7 +301,7 @@
           <p:cNvPr id="5" name="Foliennummernplatzhalter 4">
             <a:extLst>
               <a:ext uri="{FF2B5EF4-FFF2-40B4-BE49-F238E27FC236}">
-                <a16:creationId xmlns:a16="http://schemas.microsoft.com/office/drawing/2014/main" id="{372DDE48-D75A-4F03-B72E-A2F1645B6C0B}"/>
+                <a16:creationId xmlns:a16="http://schemas.microsoft.com/office/drawing/2014/main" xmlns="" id="{372DDE48-D75A-4F03-B72E-A2F1645B6C0B}"/>
               </a:ext>
             </a:extLst>
           </p:cNvPr>
@@ -431,7 +431,7 @@
           <a:p>
             <a:fld id="{16B1017B-A3BB-844B-ADCA-29BE2BF7ADF1}" type="datetime1">
               <a:rPr lang="de-DE" smtClean="0"/>
-              <a:t>22.09.19</a:t>
+              <a:t>23.09.2019</a:t>
             </a:fld>
             <a:endParaRPr lang="de-DE"/>
           </a:p>
@@ -775,7 +775,7 @@
           <p:cNvPr id="5" name="Datumsplatzhalter 4">
             <a:extLst>
               <a:ext uri="{FF2B5EF4-FFF2-40B4-BE49-F238E27FC236}">
-                <a16:creationId xmlns:a16="http://schemas.microsoft.com/office/drawing/2014/main" id="{32664DF7-BB10-2E43-A6FF-07799901916E}"/>
+                <a16:creationId xmlns:a16="http://schemas.microsoft.com/office/drawing/2014/main" xmlns="" id="{32664DF7-BB10-2E43-A6FF-07799901916E}"/>
               </a:ext>
             </a:extLst>
           </p:cNvPr>
@@ -793,7 +793,7 @@
           <a:p>
             <a:fld id="{5359629F-E229-8749-ADCC-A6A59F042E97}" type="datetime1">
               <a:rPr lang="de-DE" smtClean="0"/>
-              <a:t>22.09.19</a:t>
+              <a:t>23.09.2019</a:t>
             </a:fld>
             <a:endParaRPr lang="de-DE"/>
           </a:p>
@@ -877,7 +877,7 @@
           <a:p>
             <a:fld id="{16B1017B-A3BB-844B-ADCA-29BE2BF7ADF1}" type="datetime1">
               <a:rPr lang="de-DE" smtClean="0"/>
-              <a:t>22.09.19</a:t>
+              <a:t>23.09.2019</a:t>
             </a:fld>
             <a:endParaRPr lang="de-DE"/>
           </a:p>
@@ -984,7 +984,7 @@
           <a:p>
             <a:fld id="{16B1017B-A3BB-844B-ADCA-29BE2BF7ADF1}" type="datetime1">
               <a:rPr lang="de-DE" smtClean="0"/>
-              <a:t>22.09.19</a:t>
+              <a:t>23.09.2019</a:t>
             </a:fld>
             <a:endParaRPr lang="de-DE"/>
           </a:p>
@@ -1091,7 +1091,7 @@
           <a:p>
             <a:fld id="{16B1017B-A3BB-844B-ADCA-29BE2BF7ADF1}" type="datetime1">
               <a:rPr lang="de-DE" smtClean="0"/>
-              <a:t>22.09.19</a:t>
+              <a:t>23.09.2019</a:t>
             </a:fld>
             <a:endParaRPr lang="de-DE"/>
           </a:p>
@@ -1198,7 +1198,7 @@
           <a:p>
             <a:fld id="{16B1017B-A3BB-844B-ADCA-29BE2BF7ADF1}" type="datetime1">
               <a:rPr lang="de-DE" smtClean="0"/>
-              <a:t>22.09.19</a:t>
+              <a:t>23.09.2019</a:t>
             </a:fld>
             <a:endParaRPr lang="de-DE"/>
           </a:p>
@@ -1305,7 +1305,7 @@
           <a:p>
             <a:fld id="{16B1017B-A3BB-844B-ADCA-29BE2BF7ADF1}" type="datetime1">
               <a:rPr lang="de-DE" smtClean="0"/>
-              <a:t>22.09.19</a:t>
+              <a:t>23.09.2019</a:t>
             </a:fld>
             <a:endParaRPr lang="de-DE"/>
           </a:p>
@@ -1412,7 +1412,7 @@
           <a:p>
             <a:fld id="{16B1017B-A3BB-844B-ADCA-29BE2BF7ADF1}" type="datetime1">
               <a:rPr lang="de-DE" smtClean="0"/>
-              <a:t>22.09.19</a:t>
+              <a:t>23.09.2019</a:t>
             </a:fld>
             <a:endParaRPr lang="de-DE"/>
           </a:p>
@@ -1519,7 +1519,7 @@
           <a:p>
             <a:fld id="{16B1017B-A3BB-844B-ADCA-29BE2BF7ADF1}" type="datetime1">
               <a:rPr lang="de-DE" smtClean="0"/>
-              <a:t>22.09.19</a:t>
+              <a:t>23.09.2019</a:t>
             </a:fld>
             <a:endParaRPr lang="de-DE"/>
           </a:p>
@@ -1583,7 +1583,7 @@
           <p:cNvPr id="3" name="Rechteck 2">
             <a:extLst>
               <a:ext uri="{FF2B5EF4-FFF2-40B4-BE49-F238E27FC236}">
-                <a16:creationId xmlns:a16="http://schemas.microsoft.com/office/drawing/2014/main" id="{10E09C6D-345E-41D3-A08B-45E06D20164A}"/>
+                <a16:creationId xmlns:a16="http://schemas.microsoft.com/office/drawing/2014/main" xmlns="" id="{10E09C6D-345E-41D3-A08B-45E06D20164A}"/>
               </a:ext>
             </a:extLst>
           </p:cNvPr>
@@ -1638,7 +1638,7 @@
           <p:cNvPr id="13" name="Titel 12">
             <a:extLst>
               <a:ext uri="{FF2B5EF4-FFF2-40B4-BE49-F238E27FC236}">
-                <a16:creationId xmlns:a16="http://schemas.microsoft.com/office/drawing/2014/main" id="{E93EDE70-68E4-43D5-AB80-3BBDECDB7034}"/>
+                <a16:creationId xmlns:a16="http://schemas.microsoft.com/office/drawing/2014/main" xmlns="" id="{E93EDE70-68E4-43D5-AB80-3BBDECDB7034}"/>
               </a:ext>
             </a:extLst>
           </p:cNvPr>
@@ -1714,7 +1714,7 @@
           <p:cNvPr id="2" name="Titel 1">
             <a:extLst>
               <a:ext uri="{FF2B5EF4-FFF2-40B4-BE49-F238E27FC236}">
-                <a16:creationId xmlns:a16="http://schemas.microsoft.com/office/drawing/2014/main" id="{213AE566-310A-4406-8360-4724CC824016}"/>
+                <a16:creationId xmlns:a16="http://schemas.microsoft.com/office/drawing/2014/main" xmlns="" id="{213AE566-310A-4406-8360-4724CC824016}"/>
               </a:ext>
             </a:extLst>
           </p:cNvPr>
@@ -1751,7 +1751,7 @@
           <p:cNvPr id="3" name="Datumsplatzhalter 2">
             <a:extLst>
               <a:ext uri="{FF2B5EF4-FFF2-40B4-BE49-F238E27FC236}">
-                <a16:creationId xmlns:a16="http://schemas.microsoft.com/office/drawing/2014/main" id="{298A3BD9-85CC-489D-A1A6-3E84D6A90FE8}"/>
+                <a16:creationId xmlns:a16="http://schemas.microsoft.com/office/drawing/2014/main" xmlns="" id="{298A3BD9-85CC-489D-A1A6-3E84D6A90FE8}"/>
               </a:ext>
             </a:extLst>
           </p:cNvPr>
@@ -1779,7 +1779,7 @@
           <p:cNvPr id="4" name="Foliennummernplatzhalter 3">
             <a:extLst>
               <a:ext uri="{FF2B5EF4-FFF2-40B4-BE49-F238E27FC236}">
-                <a16:creationId xmlns:a16="http://schemas.microsoft.com/office/drawing/2014/main" id="{96DC5F97-D6CC-4F16-962D-9F4DB36B0863}"/>
+                <a16:creationId xmlns:a16="http://schemas.microsoft.com/office/drawing/2014/main" xmlns="" id="{96DC5F97-D6CC-4F16-962D-9F4DB36B0863}"/>
               </a:ext>
             </a:extLst>
           </p:cNvPr>
@@ -1809,7 +1809,7 @@
           <p:cNvPr id="11" name="Textplatzhalter 10">
             <a:extLst>
               <a:ext uri="{FF2B5EF4-FFF2-40B4-BE49-F238E27FC236}">
-                <a16:creationId xmlns:a16="http://schemas.microsoft.com/office/drawing/2014/main" id="{5F1DD4AA-198C-4C90-B414-C1FDCCFE14D1}"/>
+                <a16:creationId xmlns:a16="http://schemas.microsoft.com/office/drawing/2014/main" xmlns="" id="{5F1DD4AA-198C-4C90-B414-C1FDCCFE14D1}"/>
               </a:ext>
             </a:extLst>
           </p:cNvPr>
@@ -1847,7 +1847,7 @@
           <p:cNvPr id="13" name="Textplatzhalter 6">
             <a:extLst>
               <a:ext uri="{FF2B5EF4-FFF2-40B4-BE49-F238E27FC236}">
-                <a16:creationId xmlns:a16="http://schemas.microsoft.com/office/drawing/2014/main" id="{E7D4294D-8FB0-4771-9E86-18B9A52AEF7B}"/>
+                <a16:creationId xmlns:a16="http://schemas.microsoft.com/office/drawing/2014/main" xmlns="" id="{E7D4294D-8FB0-4771-9E86-18B9A52AEF7B}"/>
               </a:ext>
             </a:extLst>
           </p:cNvPr>
@@ -1910,7 +1910,7 @@
           <p:cNvPr id="2" name="Titel 1">
             <a:extLst>
               <a:ext uri="{FF2B5EF4-FFF2-40B4-BE49-F238E27FC236}">
-                <a16:creationId xmlns:a16="http://schemas.microsoft.com/office/drawing/2014/main" id="{213AE566-310A-4406-8360-4724CC824016}"/>
+                <a16:creationId xmlns:a16="http://schemas.microsoft.com/office/drawing/2014/main" xmlns="" id="{213AE566-310A-4406-8360-4724CC824016}"/>
               </a:ext>
             </a:extLst>
           </p:cNvPr>
@@ -1944,7 +1944,7 @@
           <p:cNvPr id="3" name="Datumsplatzhalter 2">
             <a:extLst>
               <a:ext uri="{FF2B5EF4-FFF2-40B4-BE49-F238E27FC236}">
-                <a16:creationId xmlns:a16="http://schemas.microsoft.com/office/drawing/2014/main" id="{298A3BD9-85CC-489D-A1A6-3E84D6A90FE8}"/>
+                <a16:creationId xmlns:a16="http://schemas.microsoft.com/office/drawing/2014/main" xmlns="" id="{298A3BD9-85CC-489D-A1A6-3E84D6A90FE8}"/>
               </a:ext>
             </a:extLst>
           </p:cNvPr>
@@ -1972,7 +1972,7 @@
           <p:cNvPr id="4" name="Foliennummernplatzhalter 3">
             <a:extLst>
               <a:ext uri="{FF2B5EF4-FFF2-40B4-BE49-F238E27FC236}">
-                <a16:creationId xmlns:a16="http://schemas.microsoft.com/office/drawing/2014/main" id="{96DC5F97-D6CC-4F16-962D-9F4DB36B0863}"/>
+                <a16:creationId xmlns:a16="http://schemas.microsoft.com/office/drawing/2014/main" xmlns="" id="{96DC5F97-D6CC-4F16-962D-9F4DB36B0863}"/>
               </a:ext>
             </a:extLst>
           </p:cNvPr>
@@ -2002,7 +2002,7 @@
           <p:cNvPr id="6" name="Textplatzhalter 6">
             <a:extLst>
               <a:ext uri="{FF2B5EF4-FFF2-40B4-BE49-F238E27FC236}">
-                <a16:creationId xmlns:a16="http://schemas.microsoft.com/office/drawing/2014/main" id="{1F62119C-B3E5-4A45-B685-91BC833CE433}"/>
+                <a16:creationId xmlns:a16="http://schemas.microsoft.com/office/drawing/2014/main" xmlns="" id="{1F62119C-B3E5-4A45-B685-91BC833CE433}"/>
               </a:ext>
             </a:extLst>
           </p:cNvPr>
@@ -2066,7 +2066,7 @@
           <p:cNvPr id="6" name="Grafik 5" descr="Ein Bild, das Gebäude, draußen, Himmel, Baum enthält.&#10;&#10;Mit sehr hoher Zuverlässigkeit generierte Beschreibung">
             <a:extLst>
               <a:ext uri="{FF2B5EF4-FFF2-40B4-BE49-F238E27FC236}">
-                <a16:creationId xmlns:a16="http://schemas.microsoft.com/office/drawing/2014/main" id="{D320495B-4D4A-4D8B-9F22-666B81C92468}"/>
+                <a16:creationId xmlns:a16="http://schemas.microsoft.com/office/drawing/2014/main" xmlns="" id="{D320495B-4D4A-4D8B-9F22-666B81C92468}"/>
               </a:ext>
             </a:extLst>
           </p:cNvPr>
@@ -2101,7 +2101,7 @@
           <p:cNvPr id="8" name="Inhaltsplatzhalter 5" descr="Label_RUB_WEISS-BLAU_srgb.jpg">
             <a:extLst>
               <a:ext uri="{FF2B5EF4-FFF2-40B4-BE49-F238E27FC236}">
-                <a16:creationId xmlns:a16="http://schemas.microsoft.com/office/drawing/2014/main" id="{A68B3443-4C22-43F5-A1B9-C894CE49FC6B}"/>
+                <a16:creationId xmlns:a16="http://schemas.microsoft.com/office/drawing/2014/main" xmlns="" id="{A68B3443-4C22-43F5-A1B9-C894CE49FC6B}"/>
               </a:ext>
             </a:extLst>
           </p:cNvPr>
@@ -2131,7 +2131,7 @@
           <p:cNvPr id="9" name="Ellipse 8">
             <a:extLst>
               <a:ext uri="{FF2B5EF4-FFF2-40B4-BE49-F238E27FC236}">
-                <a16:creationId xmlns:a16="http://schemas.microsoft.com/office/drawing/2014/main" id="{DF054888-DD8B-4D91-A16D-6D8AA73E94B6}"/>
+                <a16:creationId xmlns:a16="http://schemas.microsoft.com/office/drawing/2014/main" xmlns="" id="{DF054888-DD8B-4D91-A16D-6D8AA73E94B6}"/>
               </a:ext>
             </a:extLst>
           </p:cNvPr>
@@ -2185,7 +2185,7 @@
           <p:cNvPr id="11" name="Textplatzhalter 10">
             <a:extLst>
               <a:ext uri="{FF2B5EF4-FFF2-40B4-BE49-F238E27FC236}">
-                <a16:creationId xmlns:a16="http://schemas.microsoft.com/office/drawing/2014/main" id="{E42B3B72-40B7-4825-B131-25B5C2C24F51}"/>
+                <a16:creationId xmlns:a16="http://schemas.microsoft.com/office/drawing/2014/main" xmlns="" id="{E42B3B72-40B7-4825-B131-25B5C2C24F51}"/>
               </a:ext>
             </a:extLst>
           </p:cNvPr>
@@ -2252,7 +2252,7 @@
           <p:cNvPr id="13" name="Gerader Verbinder 12">
             <a:extLst>
               <a:ext uri="{FF2B5EF4-FFF2-40B4-BE49-F238E27FC236}">
-                <a16:creationId xmlns:a16="http://schemas.microsoft.com/office/drawing/2014/main" id="{E8283255-D1EC-44A3-BC23-E0929A46A6EB}"/>
+                <a16:creationId xmlns:a16="http://schemas.microsoft.com/office/drawing/2014/main" xmlns="" id="{E8283255-D1EC-44A3-BC23-E0929A46A6EB}"/>
               </a:ext>
             </a:extLst>
           </p:cNvPr>
@@ -2289,7 +2289,7 @@
           <p:cNvPr id="15" name="Textplatzhalter 14">
             <a:extLst>
               <a:ext uri="{FF2B5EF4-FFF2-40B4-BE49-F238E27FC236}">
-                <a16:creationId xmlns:a16="http://schemas.microsoft.com/office/drawing/2014/main" id="{1D878358-E92F-4897-9A4F-DFA2F3824548}"/>
+                <a16:creationId xmlns:a16="http://schemas.microsoft.com/office/drawing/2014/main" xmlns="" id="{1D878358-E92F-4897-9A4F-DFA2F3824548}"/>
               </a:ext>
             </a:extLst>
           </p:cNvPr>
@@ -2342,7 +2342,7 @@
           <p:cNvPr id="20" name="Datumsplatzhalter 19">
             <a:extLst>
               <a:ext uri="{FF2B5EF4-FFF2-40B4-BE49-F238E27FC236}">
-                <a16:creationId xmlns:a16="http://schemas.microsoft.com/office/drawing/2014/main" id="{80FF0E3F-3C14-4A3C-921B-3C5351E24881}"/>
+                <a16:creationId xmlns:a16="http://schemas.microsoft.com/office/drawing/2014/main" xmlns="" id="{80FF0E3F-3C14-4A3C-921B-3C5351E24881}"/>
               </a:ext>
             </a:extLst>
           </p:cNvPr>
@@ -2392,7 +2392,7 @@
           <p:cNvPr id="3" name="Grafik 2">
             <a:extLst>
               <a:ext uri="{FF2B5EF4-FFF2-40B4-BE49-F238E27FC236}">
-                <a16:creationId xmlns:a16="http://schemas.microsoft.com/office/drawing/2014/main" id="{B4D806E1-8D6A-BE4E-A266-7C47916B2DA4}"/>
+                <a16:creationId xmlns:a16="http://schemas.microsoft.com/office/drawing/2014/main" xmlns="" id="{B4D806E1-8D6A-BE4E-A266-7C47916B2DA4}"/>
               </a:ext>
             </a:extLst>
           </p:cNvPr>
@@ -2428,7 +2428,7 @@
           <p:cNvPr id="14" name="Textfeld 13">
             <a:extLst>
               <a:ext uri="{FF2B5EF4-FFF2-40B4-BE49-F238E27FC236}">
-                <a16:creationId xmlns:a16="http://schemas.microsoft.com/office/drawing/2014/main" id="{BF0F4FAD-85F7-BB4F-9DB8-8771B34F48CD}"/>
+                <a16:creationId xmlns:a16="http://schemas.microsoft.com/office/drawing/2014/main" xmlns="" id="{BF0F4FAD-85F7-BB4F-9DB8-8771B34F48CD}"/>
               </a:ext>
             </a:extLst>
           </p:cNvPr>
@@ -2479,7 +2479,7 @@
           <p:cNvPr id="23" name="Textplatzhalter 22">
             <a:extLst>
               <a:ext uri="{FF2B5EF4-FFF2-40B4-BE49-F238E27FC236}">
-                <a16:creationId xmlns:a16="http://schemas.microsoft.com/office/drawing/2014/main" id="{E747CCBB-8E2F-B145-8180-40D449F13655}"/>
+                <a16:creationId xmlns:a16="http://schemas.microsoft.com/office/drawing/2014/main" xmlns="" id="{E747CCBB-8E2F-B145-8180-40D449F13655}"/>
               </a:ext>
             </a:extLst>
           </p:cNvPr>
@@ -2550,7 +2550,7 @@
           <p:cNvPr id="4" name="Bildplatzhalter 3">
             <a:extLst>
               <a:ext uri="{FF2B5EF4-FFF2-40B4-BE49-F238E27FC236}">
-                <a16:creationId xmlns:a16="http://schemas.microsoft.com/office/drawing/2014/main" id="{166C1734-FAD7-0743-9BC7-BC84A0884EEB}"/>
+                <a16:creationId xmlns:a16="http://schemas.microsoft.com/office/drawing/2014/main" xmlns="" id="{166C1734-FAD7-0743-9BC7-BC84A0884EEB}"/>
               </a:ext>
             </a:extLst>
           </p:cNvPr>
@@ -2580,7 +2580,7 @@
           <p:cNvPr id="8" name="Inhaltsplatzhalter 5" descr="Label_RUB_WEISS-BLAU_srgb.jpg">
             <a:extLst>
               <a:ext uri="{FF2B5EF4-FFF2-40B4-BE49-F238E27FC236}">
-                <a16:creationId xmlns:a16="http://schemas.microsoft.com/office/drawing/2014/main" id="{A68B3443-4C22-43F5-A1B9-C894CE49FC6B}"/>
+                <a16:creationId xmlns:a16="http://schemas.microsoft.com/office/drawing/2014/main" xmlns="" id="{A68B3443-4C22-43F5-A1B9-C894CE49FC6B}"/>
               </a:ext>
             </a:extLst>
           </p:cNvPr>
@@ -2610,7 +2610,7 @@
           <p:cNvPr id="9" name="Ellipse 8">
             <a:extLst>
               <a:ext uri="{FF2B5EF4-FFF2-40B4-BE49-F238E27FC236}">
-                <a16:creationId xmlns:a16="http://schemas.microsoft.com/office/drawing/2014/main" id="{DF054888-DD8B-4D91-A16D-6D8AA73E94B6}"/>
+                <a16:creationId xmlns:a16="http://schemas.microsoft.com/office/drawing/2014/main" xmlns="" id="{DF054888-DD8B-4D91-A16D-6D8AA73E94B6}"/>
               </a:ext>
             </a:extLst>
           </p:cNvPr>
@@ -2664,7 +2664,7 @@
           <p:cNvPr id="11" name="Textplatzhalter 10">
             <a:extLst>
               <a:ext uri="{FF2B5EF4-FFF2-40B4-BE49-F238E27FC236}">
-                <a16:creationId xmlns:a16="http://schemas.microsoft.com/office/drawing/2014/main" id="{E42B3B72-40B7-4825-B131-25B5C2C24F51}"/>
+                <a16:creationId xmlns:a16="http://schemas.microsoft.com/office/drawing/2014/main" xmlns="" id="{E42B3B72-40B7-4825-B131-25B5C2C24F51}"/>
               </a:ext>
             </a:extLst>
           </p:cNvPr>
@@ -2731,7 +2731,7 @@
           <p:cNvPr id="13" name="Gerader Verbinder 12">
             <a:extLst>
               <a:ext uri="{FF2B5EF4-FFF2-40B4-BE49-F238E27FC236}">
-                <a16:creationId xmlns:a16="http://schemas.microsoft.com/office/drawing/2014/main" id="{E8283255-D1EC-44A3-BC23-E0929A46A6EB}"/>
+                <a16:creationId xmlns:a16="http://schemas.microsoft.com/office/drawing/2014/main" xmlns="" id="{E8283255-D1EC-44A3-BC23-E0929A46A6EB}"/>
               </a:ext>
             </a:extLst>
           </p:cNvPr>
@@ -2768,7 +2768,7 @@
           <p:cNvPr id="15" name="Textplatzhalter 14">
             <a:extLst>
               <a:ext uri="{FF2B5EF4-FFF2-40B4-BE49-F238E27FC236}">
-                <a16:creationId xmlns:a16="http://schemas.microsoft.com/office/drawing/2014/main" id="{1D878358-E92F-4897-9A4F-DFA2F3824548}"/>
+                <a16:creationId xmlns:a16="http://schemas.microsoft.com/office/drawing/2014/main" xmlns="" id="{1D878358-E92F-4897-9A4F-DFA2F3824548}"/>
               </a:ext>
             </a:extLst>
           </p:cNvPr>
@@ -2821,7 +2821,7 @@
           <p:cNvPr id="20" name="Datumsplatzhalter 19">
             <a:extLst>
               <a:ext uri="{FF2B5EF4-FFF2-40B4-BE49-F238E27FC236}">
-                <a16:creationId xmlns:a16="http://schemas.microsoft.com/office/drawing/2014/main" id="{80FF0E3F-3C14-4A3C-921B-3C5351E24881}"/>
+                <a16:creationId xmlns:a16="http://schemas.microsoft.com/office/drawing/2014/main" xmlns="" id="{80FF0E3F-3C14-4A3C-921B-3C5351E24881}"/>
               </a:ext>
             </a:extLst>
           </p:cNvPr>
@@ -2871,7 +2871,7 @@
           <p:cNvPr id="3" name="Grafik 2">
             <a:extLst>
               <a:ext uri="{FF2B5EF4-FFF2-40B4-BE49-F238E27FC236}">
-                <a16:creationId xmlns:a16="http://schemas.microsoft.com/office/drawing/2014/main" id="{B4D806E1-8D6A-BE4E-A266-7C47916B2DA4}"/>
+                <a16:creationId xmlns:a16="http://schemas.microsoft.com/office/drawing/2014/main" xmlns="" id="{B4D806E1-8D6A-BE4E-A266-7C47916B2DA4}"/>
               </a:ext>
             </a:extLst>
           </p:cNvPr>
@@ -2907,7 +2907,7 @@
           <p:cNvPr id="14" name="Textfeld 13">
             <a:extLst>
               <a:ext uri="{FF2B5EF4-FFF2-40B4-BE49-F238E27FC236}">
-                <a16:creationId xmlns:a16="http://schemas.microsoft.com/office/drawing/2014/main" id="{BF0F4FAD-85F7-BB4F-9DB8-8771B34F48CD}"/>
+                <a16:creationId xmlns:a16="http://schemas.microsoft.com/office/drawing/2014/main" xmlns="" id="{BF0F4FAD-85F7-BB4F-9DB8-8771B34F48CD}"/>
               </a:ext>
             </a:extLst>
           </p:cNvPr>
@@ -2958,7 +2958,7 @@
           <p:cNvPr id="23" name="Textplatzhalter 22">
             <a:extLst>
               <a:ext uri="{FF2B5EF4-FFF2-40B4-BE49-F238E27FC236}">
-                <a16:creationId xmlns:a16="http://schemas.microsoft.com/office/drawing/2014/main" id="{E747CCBB-8E2F-B145-8180-40D449F13655}"/>
+                <a16:creationId xmlns:a16="http://schemas.microsoft.com/office/drawing/2014/main" xmlns="" id="{E747CCBB-8E2F-B145-8180-40D449F13655}"/>
               </a:ext>
             </a:extLst>
           </p:cNvPr>
@@ -3034,7 +3034,7 @@
           <p:cNvPr id="3" name="Textplatzhalter 2">
             <a:extLst>
               <a:ext uri="{FF2B5EF4-FFF2-40B4-BE49-F238E27FC236}">
-                <a16:creationId xmlns:a16="http://schemas.microsoft.com/office/drawing/2014/main" id="{F14BF38C-1FF6-4ED9-9F6C-3467623E6961}"/>
+                <a16:creationId xmlns:a16="http://schemas.microsoft.com/office/drawing/2014/main" xmlns="" id="{F14BF38C-1FF6-4ED9-9F6C-3467623E6961}"/>
               </a:ext>
             </a:extLst>
           </p:cNvPr>
@@ -3101,7 +3101,7 @@
           <p:cNvPr id="7" name="Rechteck 6">
             <a:extLst>
               <a:ext uri="{FF2B5EF4-FFF2-40B4-BE49-F238E27FC236}">
-                <a16:creationId xmlns:a16="http://schemas.microsoft.com/office/drawing/2014/main" id="{FD5ED78F-8D4C-42A1-8E19-2CB1EA91A6C2}"/>
+                <a16:creationId xmlns:a16="http://schemas.microsoft.com/office/drawing/2014/main" xmlns="" id="{FD5ED78F-8D4C-42A1-8E19-2CB1EA91A6C2}"/>
               </a:ext>
             </a:extLst>
           </p:cNvPr>
@@ -3153,7 +3153,7 @@
           <p:cNvPr id="2" name="Titelplatzhalter 1">
             <a:extLst>
               <a:ext uri="{FF2B5EF4-FFF2-40B4-BE49-F238E27FC236}">
-                <a16:creationId xmlns:a16="http://schemas.microsoft.com/office/drawing/2014/main" id="{2BB06196-B5BE-4B31-9854-283F5D2E4BB0}"/>
+                <a16:creationId xmlns:a16="http://schemas.microsoft.com/office/drawing/2014/main" xmlns="" id="{2BB06196-B5BE-4B31-9854-283F5D2E4BB0}"/>
               </a:ext>
             </a:extLst>
           </p:cNvPr>
@@ -3191,7 +3191,7 @@
           <p:cNvPr id="11" name="Rechteck 10">
             <a:extLst>
               <a:ext uri="{FF2B5EF4-FFF2-40B4-BE49-F238E27FC236}">
-                <a16:creationId xmlns:a16="http://schemas.microsoft.com/office/drawing/2014/main" id="{DC066E45-065A-4AFF-A5FD-3A11139CBB22}"/>
+                <a16:creationId xmlns:a16="http://schemas.microsoft.com/office/drawing/2014/main" xmlns="" id="{DC066E45-065A-4AFF-A5FD-3A11139CBB22}"/>
               </a:ext>
             </a:extLst>
           </p:cNvPr>
@@ -3243,7 +3243,7 @@
           <p:cNvPr id="4" name="Datumsplatzhalter 3">
             <a:extLst>
               <a:ext uri="{FF2B5EF4-FFF2-40B4-BE49-F238E27FC236}">
-                <a16:creationId xmlns:a16="http://schemas.microsoft.com/office/drawing/2014/main" id="{09E1F336-A87E-40C9-BF69-311ECC9B30AC}"/>
+                <a16:creationId xmlns:a16="http://schemas.microsoft.com/office/drawing/2014/main" xmlns="" id="{09E1F336-A87E-40C9-BF69-311ECC9B30AC}"/>
               </a:ext>
             </a:extLst>
           </p:cNvPr>
@@ -3287,7 +3287,7 @@
           <p:cNvPr id="6" name="Foliennummernplatzhalter 5">
             <a:extLst>
               <a:ext uri="{FF2B5EF4-FFF2-40B4-BE49-F238E27FC236}">
-                <a16:creationId xmlns:a16="http://schemas.microsoft.com/office/drawing/2014/main" id="{CDDF289C-4B63-4070-B45F-07D28327E660}"/>
+                <a16:creationId xmlns:a16="http://schemas.microsoft.com/office/drawing/2014/main" xmlns="" id="{CDDF289C-4B63-4070-B45F-07D28327E660}"/>
               </a:ext>
             </a:extLst>
           </p:cNvPr>
@@ -3333,7 +3333,7 @@
           <p:cNvPr id="9" name="Rechteck 8">
             <a:extLst>
               <a:ext uri="{FF2B5EF4-FFF2-40B4-BE49-F238E27FC236}">
-                <a16:creationId xmlns:a16="http://schemas.microsoft.com/office/drawing/2014/main" id="{DF874260-AF10-4303-A710-8BC40389240D}"/>
+                <a16:creationId xmlns:a16="http://schemas.microsoft.com/office/drawing/2014/main" xmlns="" id="{DF874260-AF10-4303-A710-8BC40389240D}"/>
               </a:ext>
             </a:extLst>
           </p:cNvPr>
@@ -3400,7 +3400,7 @@
           <p:cNvPr id="13" name="Grafik 12">
             <a:extLst>
               <a:ext uri="{FF2B5EF4-FFF2-40B4-BE49-F238E27FC236}">
-                <a16:creationId xmlns:a16="http://schemas.microsoft.com/office/drawing/2014/main" id="{614001D8-4019-1445-A412-C155451C47BB}"/>
+                <a16:creationId xmlns:a16="http://schemas.microsoft.com/office/drawing/2014/main" xmlns="" id="{614001D8-4019-1445-A412-C155451C47BB}"/>
               </a:ext>
             </a:extLst>
           </p:cNvPr>
@@ -3436,7 +3436,7 @@
           <p:cNvPr id="15" name="Textfeld 14">
             <a:extLst>
               <a:ext uri="{FF2B5EF4-FFF2-40B4-BE49-F238E27FC236}">
-                <a16:creationId xmlns:a16="http://schemas.microsoft.com/office/drawing/2014/main" id="{BC97CCDC-42CE-854B-8AE2-2C2C77575233}"/>
+                <a16:creationId xmlns:a16="http://schemas.microsoft.com/office/drawing/2014/main" xmlns="" id="{BC97CCDC-42CE-854B-8AE2-2C2C77575233}"/>
               </a:ext>
             </a:extLst>
           </p:cNvPr>
@@ -3486,7 +3486,7 @@
           <p:cNvPr id="21" name="Textplatzhalter 9">
             <a:extLst>
               <a:ext uri="{FF2B5EF4-FFF2-40B4-BE49-F238E27FC236}">
-                <a16:creationId xmlns:a16="http://schemas.microsoft.com/office/drawing/2014/main" id="{DC1288AB-7394-174C-A179-DBD0FEF5CD72}"/>
+                <a16:creationId xmlns:a16="http://schemas.microsoft.com/office/drawing/2014/main" xmlns="" id="{DC1288AB-7394-174C-A179-DBD0FEF5CD72}"/>
               </a:ext>
             </a:extLst>
           </p:cNvPr>
@@ -3712,7 +3712,7 @@
           <p:cNvPr id="22" name="Oval 21">
             <a:extLst>
               <a:ext uri="{FF2B5EF4-FFF2-40B4-BE49-F238E27FC236}">
-                <a16:creationId xmlns:a16="http://schemas.microsoft.com/office/drawing/2014/main" id="{E1CBC5BA-68DE-8D47-998C-9E84CEBB2A7D}"/>
+                <a16:creationId xmlns:a16="http://schemas.microsoft.com/office/drawing/2014/main" xmlns="" id="{E1CBC5BA-68DE-8D47-998C-9E84CEBB2A7D}"/>
               </a:ext>
             </a:extLst>
           </p:cNvPr>
@@ -3766,7 +3766,7 @@
           <p:cNvPr id="23" name="Oval 22">
             <a:extLst>
               <a:ext uri="{FF2B5EF4-FFF2-40B4-BE49-F238E27FC236}">
-                <a16:creationId xmlns:a16="http://schemas.microsoft.com/office/drawing/2014/main" id="{B1D93D9C-46DC-F240-9AEE-6A01B3347BBB}"/>
+                <a16:creationId xmlns:a16="http://schemas.microsoft.com/office/drawing/2014/main" xmlns="" id="{B1D93D9C-46DC-F240-9AEE-6A01B3347BBB}"/>
               </a:ext>
             </a:extLst>
           </p:cNvPr>
@@ -3820,7 +3820,7 @@
           <p:cNvPr id="24" name="Oval 23">
             <a:extLst>
               <a:ext uri="{FF2B5EF4-FFF2-40B4-BE49-F238E27FC236}">
-                <a16:creationId xmlns:a16="http://schemas.microsoft.com/office/drawing/2014/main" id="{CDE19495-946E-7649-B154-B9E15539DEA7}"/>
+                <a16:creationId xmlns:a16="http://schemas.microsoft.com/office/drawing/2014/main" xmlns="" id="{CDE19495-946E-7649-B154-B9E15539DEA7}"/>
               </a:ext>
             </a:extLst>
           </p:cNvPr>
@@ -3874,7 +3874,7 @@
           <p:cNvPr id="25" name="Oval 24">
             <a:extLst>
               <a:ext uri="{FF2B5EF4-FFF2-40B4-BE49-F238E27FC236}">
-                <a16:creationId xmlns:a16="http://schemas.microsoft.com/office/drawing/2014/main" id="{7DFDCC60-A529-604E-BB54-6B4CA9E95F10}"/>
+                <a16:creationId xmlns:a16="http://schemas.microsoft.com/office/drawing/2014/main" xmlns="" id="{7DFDCC60-A529-604E-BB54-6B4CA9E95F10}"/>
               </a:ext>
             </a:extLst>
           </p:cNvPr>
@@ -3928,7 +3928,7 @@
           <p:cNvPr id="26" name="Oval 25">
             <a:extLst>
               <a:ext uri="{FF2B5EF4-FFF2-40B4-BE49-F238E27FC236}">
-                <a16:creationId xmlns:a16="http://schemas.microsoft.com/office/drawing/2014/main" id="{019115FD-1725-3B47-94CA-6EEDD046BAA1}"/>
+                <a16:creationId xmlns:a16="http://schemas.microsoft.com/office/drawing/2014/main" xmlns="" id="{019115FD-1725-3B47-94CA-6EEDD046BAA1}"/>
               </a:ext>
             </a:extLst>
           </p:cNvPr>
@@ -4313,7 +4313,7 @@
           <p:cNvPr id="2" name="Textplatzhalter 1">
             <a:extLst>
               <a:ext uri="{FF2B5EF4-FFF2-40B4-BE49-F238E27FC236}">
-                <a16:creationId xmlns:a16="http://schemas.microsoft.com/office/drawing/2014/main" id="{8A9396C6-7885-7A49-AC68-3ACED4856B8B}"/>
+                <a16:creationId xmlns:a16="http://schemas.microsoft.com/office/drawing/2014/main" xmlns="" id="{8A9396C6-7885-7A49-AC68-3ACED4856B8B}"/>
               </a:ext>
             </a:extLst>
           </p:cNvPr>
@@ -4365,7 +4365,7 @@
           <p:cNvPr id="3" name="Textplatzhalter 2">
             <a:extLst>
               <a:ext uri="{FF2B5EF4-FFF2-40B4-BE49-F238E27FC236}">
-                <a16:creationId xmlns:a16="http://schemas.microsoft.com/office/drawing/2014/main" id="{F3F97E93-60D7-EF47-B00A-F8ADA459A56E}"/>
+                <a16:creationId xmlns:a16="http://schemas.microsoft.com/office/drawing/2014/main" xmlns="" id="{F3F97E93-60D7-EF47-B00A-F8ADA459A56E}"/>
               </a:ext>
             </a:extLst>
           </p:cNvPr>
@@ -4397,7 +4397,7 @@
           <p:cNvPr id="4" name="Datumsplatzhalter 3">
             <a:extLst>
               <a:ext uri="{FF2B5EF4-FFF2-40B4-BE49-F238E27FC236}">
-                <a16:creationId xmlns:a16="http://schemas.microsoft.com/office/drawing/2014/main" id="{DE87CF70-6508-5C41-9B44-C45708400DED}"/>
+                <a16:creationId xmlns:a16="http://schemas.microsoft.com/office/drawing/2014/main" xmlns="" id="{DE87CF70-6508-5C41-9B44-C45708400DED}"/>
               </a:ext>
             </a:extLst>
           </p:cNvPr>
@@ -4425,7 +4425,7 @@
           <p:cNvPr id="5" name="Textplatzhalter 4">
             <a:extLst>
               <a:ext uri="{FF2B5EF4-FFF2-40B4-BE49-F238E27FC236}">
-                <a16:creationId xmlns:a16="http://schemas.microsoft.com/office/drawing/2014/main" id="{0D785034-873E-BB41-9D56-99B86CB64421}"/>
+                <a16:creationId xmlns:a16="http://schemas.microsoft.com/office/drawing/2014/main" xmlns="" id="{0D785034-873E-BB41-9D56-99B86CB64421}"/>
               </a:ext>
             </a:extLst>
           </p:cNvPr>
@@ -4458,6 +4458,13 @@
   <p:clrMapOvr>
     <a:masterClrMapping/>
   </p:clrMapOvr>
+  <p:timing>
+    <p:tnLst>
+      <p:par>
+        <p:cTn id="1" dur="indefinite" restart="never" nodeType="tmRoot"/>
+      </p:par>
+    </p:tnLst>
+  </p:timing>
 </p:sld>
 </file>
 
@@ -4483,7 +4490,7 @@
           <p:cNvPr id="2" name="Titel 1">
             <a:extLst>
               <a:ext uri="{FF2B5EF4-FFF2-40B4-BE49-F238E27FC236}">
-                <a16:creationId xmlns:a16="http://schemas.microsoft.com/office/drawing/2014/main" id="{2492AD53-96E2-0B45-811F-EA4AA69BE975}"/>
+                <a16:creationId xmlns:a16="http://schemas.microsoft.com/office/drawing/2014/main" xmlns="" id="{2492AD53-96E2-0B45-811F-EA4AA69BE975}"/>
               </a:ext>
             </a:extLst>
           </p:cNvPr>
@@ -4524,7 +4531,7 @@
           <p:cNvPr id="3" name="Datumsplatzhalter 2">
             <a:extLst>
               <a:ext uri="{FF2B5EF4-FFF2-40B4-BE49-F238E27FC236}">
-                <a16:creationId xmlns:a16="http://schemas.microsoft.com/office/drawing/2014/main" id="{03994EA4-DD05-7341-9AF8-D3A29F1281B4}"/>
+                <a16:creationId xmlns:a16="http://schemas.microsoft.com/office/drawing/2014/main" xmlns="" id="{03994EA4-DD05-7341-9AF8-D3A29F1281B4}"/>
               </a:ext>
             </a:extLst>
           </p:cNvPr>
@@ -4553,7 +4560,7 @@
           <p:cNvPr id="4" name="Foliennummernplatzhalter 3">
             <a:extLst>
               <a:ext uri="{FF2B5EF4-FFF2-40B4-BE49-F238E27FC236}">
-                <a16:creationId xmlns:a16="http://schemas.microsoft.com/office/drawing/2014/main" id="{C65CC91A-4A5F-BF40-AFEE-904E3C234B83}"/>
+                <a16:creationId xmlns:a16="http://schemas.microsoft.com/office/drawing/2014/main" xmlns="" id="{C65CC91A-4A5F-BF40-AFEE-904E3C234B83}"/>
               </a:ext>
             </a:extLst>
           </p:cNvPr>
@@ -4583,7 +4590,7 @@
           <p:cNvPr id="5" name="Textplatzhalter 4">
             <a:extLst>
               <a:ext uri="{FF2B5EF4-FFF2-40B4-BE49-F238E27FC236}">
-                <a16:creationId xmlns:a16="http://schemas.microsoft.com/office/drawing/2014/main" id="{1C7DB3A8-38A5-FF4B-BD1C-C441DFC3B018}"/>
+                <a16:creationId xmlns:a16="http://schemas.microsoft.com/office/drawing/2014/main" xmlns="" id="{1C7DB3A8-38A5-FF4B-BD1C-C441DFC3B018}"/>
               </a:ext>
             </a:extLst>
           </p:cNvPr>
@@ -4653,7 +4660,7 @@
           <p:cNvPr id="7" name="Grafik 6">
             <a:extLst>
               <a:ext uri="{FF2B5EF4-FFF2-40B4-BE49-F238E27FC236}">
-                <a16:creationId xmlns:a16="http://schemas.microsoft.com/office/drawing/2014/main" id="{FEB2E393-B67C-2743-9513-521311D30366}"/>
+                <a16:creationId xmlns:a16="http://schemas.microsoft.com/office/drawing/2014/main" xmlns="" id="{FEB2E393-B67C-2743-9513-521311D30366}"/>
               </a:ext>
             </a:extLst>
           </p:cNvPr>
@@ -4688,7 +4695,7 @@
           <p:cNvPr id="9" name="Grafik 8">
             <a:extLst>
               <a:ext uri="{FF2B5EF4-FFF2-40B4-BE49-F238E27FC236}">
-                <a16:creationId xmlns:a16="http://schemas.microsoft.com/office/drawing/2014/main" id="{03643C37-3228-704D-9B09-5BD08D64FC1D}"/>
+                <a16:creationId xmlns:a16="http://schemas.microsoft.com/office/drawing/2014/main" xmlns="" id="{03643C37-3228-704D-9B09-5BD08D64FC1D}"/>
               </a:ext>
             </a:extLst>
           </p:cNvPr>
@@ -4723,7 +4730,7 @@
           <p:cNvPr id="10" name="Rechteck 9">
             <a:extLst>
               <a:ext uri="{FF2B5EF4-FFF2-40B4-BE49-F238E27FC236}">
-                <a16:creationId xmlns:a16="http://schemas.microsoft.com/office/drawing/2014/main" id="{806BB677-ADB6-AD43-8AB5-AE3134D56692}"/>
+                <a16:creationId xmlns:a16="http://schemas.microsoft.com/office/drawing/2014/main" xmlns="" id="{806BB677-ADB6-AD43-8AB5-AE3134D56692}"/>
               </a:ext>
             </a:extLst>
           </p:cNvPr>
@@ -4777,7 +4784,7 @@
           <p:cNvPr id="11" name="Textfeld 10">
             <a:extLst>
               <a:ext uri="{FF2B5EF4-FFF2-40B4-BE49-F238E27FC236}">
-                <a16:creationId xmlns:a16="http://schemas.microsoft.com/office/drawing/2014/main" id="{1ED927EF-9B17-0A44-9391-09C16888C6C3}"/>
+                <a16:creationId xmlns:a16="http://schemas.microsoft.com/office/drawing/2014/main" xmlns="" id="{1ED927EF-9B17-0A44-9391-09C16888C6C3}"/>
               </a:ext>
             </a:extLst>
           </p:cNvPr>
@@ -4812,7 +4819,7 @@
           <p:cNvPr id="12" name="Rahmen 11">
             <a:extLst>
               <a:ext uri="{FF2B5EF4-FFF2-40B4-BE49-F238E27FC236}">
-                <a16:creationId xmlns:a16="http://schemas.microsoft.com/office/drawing/2014/main" id="{68189A1F-8E38-1148-8028-A652292A8F6D}"/>
+                <a16:creationId xmlns:a16="http://schemas.microsoft.com/office/drawing/2014/main" xmlns="" id="{68189A1F-8E38-1148-8028-A652292A8F6D}"/>
               </a:ext>
             </a:extLst>
           </p:cNvPr>
@@ -4867,6 +4874,13 @@
   <p:clrMapOvr>
     <a:masterClrMapping/>
   </p:clrMapOvr>
+  <p:timing>
+    <p:tnLst>
+      <p:par>
+        <p:cTn id="1" dur="indefinite" restart="never" nodeType="tmRoot"/>
+      </p:par>
+    </p:tnLst>
+  </p:timing>
 </p:sld>
 </file>
 
@@ -4892,7 +4906,7 @@
           <p:cNvPr id="2" name="Titel 1">
             <a:extLst>
               <a:ext uri="{FF2B5EF4-FFF2-40B4-BE49-F238E27FC236}">
-                <a16:creationId xmlns:a16="http://schemas.microsoft.com/office/drawing/2014/main" id="{2492AD53-96E2-0B45-811F-EA4AA69BE975}"/>
+                <a16:creationId xmlns:a16="http://schemas.microsoft.com/office/drawing/2014/main" xmlns="" id="{2492AD53-96E2-0B45-811F-EA4AA69BE975}"/>
               </a:ext>
             </a:extLst>
           </p:cNvPr>
@@ -4928,7 +4942,7 @@
           <p:cNvPr id="3" name="Datumsplatzhalter 2">
             <a:extLst>
               <a:ext uri="{FF2B5EF4-FFF2-40B4-BE49-F238E27FC236}">
-                <a16:creationId xmlns:a16="http://schemas.microsoft.com/office/drawing/2014/main" id="{03994EA4-DD05-7341-9AF8-D3A29F1281B4}"/>
+                <a16:creationId xmlns:a16="http://schemas.microsoft.com/office/drawing/2014/main" xmlns="" id="{03994EA4-DD05-7341-9AF8-D3A29F1281B4}"/>
               </a:ext>
             </a:extLst>
           </p:cNvPr>
@@ -4957,7 +4971,7 @@
           <p:cNvPr id="4" name="Foliennummernplatzhalter 3">
             <a:extLst>
               <a:ext uri="{FF2B5EF4-FFF2-40B4-BE49-F238E27FC236}">
-                <a16:creationId xmlns:a16="http://schemas.microsoft.com/office/drawing/2014/main" id="{C65CC91A-4A5F-BF40-AFEE-904E3C234B83}"/>
+                <a16:creationId xmlns:a16="http://schemas.microsoft.com/office/drawing/2014/main" xmlns="" id="{C65CC91A-4A5F-BF40-AFEE-904E3C234B83}"/>
               </a:ext>
             </a:extLst>
           </p:cNvPr>
@@ -4987,7 +5001,7 @@
           <p:cNvPr id="5" name="Textplatzhalter 4">
             <a:extLst>
               <a:ext uri="{FF2B5EF4-FFF2-40B4-BE49-F238E27FC236}">
-                <a16:creationId xmlns:a16="http://schemas.microsoft.com/office/drawing/2014/main" id="{1C7DB3A8-38A5-FF4B-BD1C-C441DFC3B018}"/>
+                <a16:creationId xmlns:a16="http://schemas.microsoft.com/office/drawing/2014/main" xmlns="" id="{1C7DB3A8-38A5-FF4B-BD1C-C441DFC3B018}"/>
               </a:ext>
             </a:extLst>
           </p:cNvPr>
@@ -5076,7 +5090,7 @@
           <p:cNvPr id="7" name="Grafik 6">
             <a:extLst>
               <a:ext uri="{FF2B5EF4-FFF2-40B4-BE49-F238E27FC236}">
-                <a16:creationId xmlns:a16="http://schemas.microsoft.com/office/drawing/2014/main" id="{FEB2E393-B67C-2743-9513-521311D30366}"/>
+                <a16:creationId xmlns:a16="http://schemas.microsoft.com/office/drawing/2014/main" xmlns="" id="{FEB2E393-B67C-2743-9513-521311D30366}"/>
               </a:ext>
             </a:extLst>
           </p:cNvPr>
@@ -5111,7 +5125,7 @@
           <p:cNvPr id="9" name="Grafik 8">
             <a:extLst>
               <a:ext uri="{FF2B5EF4-FFF2-40B4-BE49-F238E27FC236}">
-                <a16:creationId xmlns:a16="http://schemas.microsoft.com/office/drawing/2014/main" id="{03643C37-3228-704D-9B09-5BD08D64FC1D}"/>
+                <a16:creationId xmlns:a16="http://schemas.microsoft.com/office/drawing/2014/main" xmlns="" id="{03643C37-3228-704D-9B09-5BD08D64FC1D}"/>
               </a:ext>
             </a:extLst>
           </p:cNvPr>
@@ -5146,7 +5160,7 @@
           <p:cNvPr id="10" name="Rechteck 9">
             <a:extLst>
               <a:ext uri="{FF2B5EF4-FFF2-40B4-BE49-F238E27FC236}">
-                <a16:creationId xmlns:a16="http://schemas.microsoft.com/office/drawing/2014/main" id="{806BB677-ADB6-AD43-8AB5-AE3134D56692}"/>
+                <a16:creationId xmlns:a16="http://schemas.microsoft.com/office/drawing/2014/main" xmlns="" id="{806BB677-ADB6-AD43-8AB5-AE3134D56692}"/>
               </a:ext>
             </a:extLst>
           </p:cNvPr>
@@ -5200,7 +5214,7 @@
           <p:cNvPr id="11" name="Textfeld 10">
             <a:extLst>
               <a:ext uri="{FF2B5EF4-FFF2-40B4-BE49-F238E27FC236}">
-                <a16:creationId xmlns:a16="http://schemas.microsoft.com/office/drawing/2014/main" id="{1ED927EF-9B17-0A44-9391-09C16888C6C3}"/>
+                <a16:creationId xmlns:a16="http://schemas.microsoft.com/office/drawing/2014/main" xmlns="" id="{1ED927EF-9B17-0A44-9391-09C16888C6C3}"/>
               </a:ext>
             </a:extLst>
           </p:cNvPr>
@@ -5235,7 +5249,7 @@
           <p:cNvPr id="12" name="Rahmen 11">
             <a:extLst>
               <a:ext uri="{FF2B5EF4-FFF2-40B4-BE49-F238E27FC236}">
-                <a16:creationId xmlns:a16="http://schemas.microsoft.com/office/drawing/2014/main" id="{3EA00BB5-2650-6F42-8767-C63BB7D24481}"/>
+                <a16:creationId xmlns:a16="http://schemas.microsoft.com/office/drawing/2014/main" xmlns="" id="{3EA00BB5-2650-6F42-8767-C63BB7D24481}"/>
               </a:ext>
             </a:extLst>
           </p:cNvPr>
@@ -5290,6 +5304,13 @@
   <p:clrMapOvr>
     <a:masterClrMapping/>
   </p:clrMapOvr>
+  <p:timing>
+    <p:tnLst>
+      <p:par>
+        <p:cTn id="1" dur="indefinite" restart="never" nodeType="tmRoot"/>
+      </p:par>
+    </p:tnLst>
+  </p:timing>
 </p:sld>
 </file>
 
@@ -5315,7 +5336,7 @@
           <p:cNvPr id="2" name="Titel 1">
             <a:extLst>
               <a:ext uri="{FF2B5EF4-FFF2-40B4-BE49-F238E27FC236}">
-                <a16:creationId xmlns:a16="http://schemas.microsoft.com/office/drawing/2014/main" id="{C8377983-06B6-6243-BF0B-0BC95D5047B9}"/>
+                <a16:creationId xmlns:a16="http://schemas.microsoft.com/office/drawing/2014/main" xmlns="" id="{C8377983-06B6-6243-BF0B-0BC95D5047B9}"/>
               </a:ext>
             </a:extLst>
           </p:cNvPr>
@@ -5343,7 +5364,7 @@
           <p:cNvPr id="3" name="Datumsplatzhalter 2">
             <a:extLst>
               <a:ext uri="{FF2B5EF4-FFF2-40B4-BE49-F238E27FC236}">
-                <a16:creationId xmlns:a16="http://schemas.microsoft.com/office/drawing/2014/main" id="{F394A70A-B3D6-9E41-804C-1341629DB2ED}"/>
+                <a16:creationId xmlns:a16="http://schemas.microsoft.com/office/drawing/2014/main" xmlns="" id="{F394A70A-B3D6-9E41-804C-1341629DB2ED}"/>
               </a:ext>
             </a:extLst>
           </p:cNvPr>
@@ -5372,7 +5393,7 @@
           <p:cNvPr id="4" name="Foliennummernplatzhalter 3">
             <a:extLst>
               <a:ext uri="{FF2B5EF4-FFF2-40B4-BE49-F238E27FC236}">
-                <a16:creationId xmlns:a16="http://schemas.microsoft.com/office/drawing/2014/main" id="{A8E1BCF8-A884-CA4A-ACE9-3C1639432213}"/>
+                <a16:creationId xmlns:a16="http://schemas.microsoft.com/office/drawing/2014/main" xmlns="" id="{A8E1BCF8-A884-CA4A-ACE9-3C1639432213}"/>
               </a:ext>
             </a:extLst>
           </p:cNvPr>
@@ -5402,7 +5423,7 @@
           <p:cNvPr id="5" name="Textplatzhalter 4">
             <a:extLst>
               <a:ext uri="{FF2B5EF4-FFF2-40B4-BE49-F238E27FC236}">
-                <a16:creationId xmlns:a16="http://schemas.microsoft.com/office/drawing/2014/main" id="{0DFD92D1-6D37-DD4A-A9C2-67F4185C7866}"/>
+                <a16:creationId xmlns:a16="http://schemas.microsoft.com/office/drawing/2014/main" xmlns="" id="{0DFD92D1-6D37-DD4A-A9C2-67F4185C7866}"/>
               </a:ext>
             </a:extLst>
           </p:cNvPr>
@@ -5448,7 +5469,7 @@
           <p:cNvPr id="6" name="Rechteck 5">
             <a:extLst>
               <a:ext uri="{FF2B5EF4-FFF2-40B4-BE49-F238E27FC236}">
-                <a16:creationId xmlns:a16="http://schemas.microsoft.com/office/drawing/2014/main" id="{C1FE3E27-4784-4C41-AF11-6EB9193AA719}"/>
+                <a16:creationId xmlns:a16="http://schemas.microsoft.com/office/drawing/2014/main" xmlns="" id="{C1FE3E27-4784-4C41-AF11-6EB9193AA719}"/>
               </a:ext>
             </a:extLst>
           </p:cNvPr>
@@ -5507,6 +5528,13 @@
   <p:clrMapOvr>
     <a:masterClrMapping/>
   </p:clrMapOvr>
+  <p:timing>
+    <p:tnLst>
+      <p:par>
+        <p:cTn id="1" dur="indefinite" restart="never" nodeType="tmRoot"/>
+      </p:par>
+    </p:tnLst>
+  </p:timing>
 </p:sld>
 </file>
 
@@ -5532,7 +5560,7 @@
           <p:cNvPr id="2" name="Titel 1">
             <a:extLst>
               <a:ext uri="{FF2B5EF4-FFF2-40B4-BE49-F238E27FC236}">
-                <a16:creationId xmlns:a16="http://schemas.microsoft.com/office/drawing/2014/main" id="{C8377983-06B6-6243-BF0B-0BC95D5047B9}"/>
+                <a16:creationId xmlns:a16="http://schemas.microsoft.com/office/drawing/2014/main" xmlns="" id="{C8377983-06B6-6243-BF0B-0BC95D5047B9}"/>
               </a:ext>
             </a:extLst>
           </p:cNvPr>
@@ -5560,7 +5588,7 @@
           <p:cNvPr id="3" name="Datumsplatzhalter 2">
             <a:extLst>
               <a:ext uri="{FF2B5EF4-FFF2-40B4-BE49-F238E27FC236}">
-                <a16:creationId xmlns:a16="http://schemas.microsoft.com/office/drawing/2014/main" id="{F394A70A-B3D6-9E41-804C-1341629DB2ED}"/>
+                <a16:creationId xmlns:a16="http://schemas.microsoft.com/office/drawing/2014/main" xmlns="" id="{F394A70A-B3D6-9E41-804C-1341629DB2ED}"/>
               </a:ext>
             </a:extLst>
           </p:cNvPr>
@@ -5589,7 +5617,7 @@
           <p:cNvPr id="4" name="Foliennummernplatzhalter 3">
             <a:extLst>
               <a:ext uri="{FF2B5EF4-FFF2-40B4-BE49-F238E27FC236}">
-                <a16:creationId xmlns:a16="http://schemas.microsoft.com/office/drawing/2014/main" id="{A8E1BCF8-A884-CA4A-ACE9-3C1639432213}"/>
+                <a16:creationId xmlns:a16="http://schemas.microsoft.com/office/drawing/2014/main" xmlns="" id="{A8E1BCF8-A884-CA4A-ACE9-3C1639432213}"/>
               </a:ext>
             </a:extLst>
           </p:cNvPr>
@@ -5619,7 +5647,7 @@
           <p:cNvPr id="5" name="Textplatzhalter 4">
             <a:extLst>
               <a:ext uri="{FF2B5EF4-FFF2-40B4-BE49-F238E27FC236}">
-                <a16:creationId xmlns:a16="http://schemas.microsoft.com/office/drawing/2014/main" id="{0DFD92D1-6D37-DD4A-A9C2-67F4185C7866}"/>
+                <a16:creationId xmlns:a16="http://schemas.microsoft.com/office/drawing/2014/main" xmlns="" id="{0DFD92D1-6D37-DD4A-A9C2-67F4185C7866}"/>
               </a:ext>
             </a:extLst>
           </p:cNvPr>
@@ -5665,7 +5693,7 @@
           <p:cNvPr id="6" name="Rechteck 5">
             <a:extLst>
               <a:ext uri="{FF2B5EF4-FFF2-40B4-BE49-F238E27FC236}">
-                <a16:creationId xmlns:a16="http://schemas.microsoft.com/office/drawing/2014/main" id="{C1FE3E27-4784-4C41-AF11-6EB9193AA719}"/>
+                <a16:creationId xmlns:a16="http://schemas.microsoft.com/office/drawing/2014/main" xmlns="" id="{C1FE3E27-4784-4C41-AF11-6EB9193AA719}"/>
               </a:ext>
             </a:extLst>
           </p:cNvPr>
@@ -5724,6 +5752,13 @@
   <p:clrMapOvr>
     <a:masterClrMapping/>
   </p:clrMapOvr>
+  <p:timing>
+    <p:tnLst>
+      <p:par>
+        <p:cTn id="1" dur="indefinite" restart="never" nodeType="tmRoot"/>
+      </p:par>
+    </p:tnLst>
+  </p:timing>
 </p:sld>
 </file>
 
@@ -5749,7 +5784,7 @@
           <p:cNvPr id="2" name="Titel 1">
             <a:extLst>
               <a:ext uri="{FF2B5EF4-FFF2-40B4-BE49-F238E27FC236}">
-                <a16:creationId xmlns:a16="http://schemas.microsoft.com/office/drawing/2014/main" id="{BD6D5C20-D1DA-E44D-AB6C-936495F1FBFC}"/>
+                <a16:creationId xmlns:a16="http://schemas.microsoft.com/office/drawing/2014/main" xmlns="" id="{BD6D5C20-D1DA-E44D-AB6C-936495F1FBFC}"/>
               </a:ext>
             </a:extLst>
           </p:cNvPr>
@@ -5777,7 +5812,7 @@
           <p:cNvPr id="3" name="Datumsplatzhalter 2">
             <a:extLst>
               <a:ext uri="{FF2B5EF4-FFF2-40B4-BE49-F238E27FC236}">
-                <a16:creationId xmlns:a16="http://schemas.microsoft.com/office/drawing/2014/main" id="{46523BF5-B962-2447-ADD7-A23FD964E59B}"/>
+                <a16:creationId xmlns:a16="http://schemas.microsoft.com/office/drawing/2014/main" xmlns="" id="{46523BF5-B962-2447-ADD7-A23FD964E59B}"/>
               </a:ext>
             </a:extLst>
           </p:cNvPr>
@@ -5806,7 +5841,7 @@
           <p:cNvPr id="4" name="Foliennummernplatzhalter 3">
             <a:extLst>
               <a:ext uri="{FF2B5EF4-FFF2-40B4-BE49-F238E27FC236}">
-                <a16:creationId xmlns:a16="http://schemas.microsoft.com/office/drawing/2014/main" id="{19E6069A-5501-0844-AE6F-91F10E2CECF5}"/>
+                <a16:creationId xmlns:a16="http://schemas.microsoft.com/office/drawing/2014/main" xmlns="" id="{19E6069A-5501-0844-AE6F-91F10E2CECF5}"/>
               </a:ext>
             </a:extLst>
           </p:cNvPr>
@@ -5836,7 +5871,7 @@
           <p:cNvPr id="5" name="Textplatzhalter 4">
             <a:extLst>
               <a:ext uri="{FF2B5EF4-FFF2-40B4-BE49-F238E27FC236}">
-                <a16:creationId xmlns:a16="http://schemas.microsoft.com/office/drawing/2014/main" id="{EF255CB2-BD89-1E44-B2CF-A3F47521602A}"/>
+                <a16:creationId xmlns:a16="http://schemas.microsoft.com/office/drawing/2014/main" xmlns="" id="{EF255CB2-BD89-1E44-B2CF-A3F47521602A}"/>
               </a:ext>
             </a:extLst>
           </p:cNvPr>
@@ -5938,7 +5973,7 @@
           <p:cNvPr id="6" name="Rechteck 5">
             <a:extLst>
               <a:ext uri="{FF2B5EF4-FFF2-40B4-BE49-F238E27FC236}">
-                <a16:creationId xmlns:a16="http://schemas.microsoft.com/office/drawing/2014/main" id="{BEED90A5-19B9-8047-9036-01136C2373C1}"/>
+                <a16:creationId xmlns:a16="http://schemas.microsoft.com/office/drawing/2014/main" xmlns="" id="{BEED90A5-19B9-8047-9036-01136C2373C1}"/>
               </a:ext>
             </a:extLst>
           </p:cNvPr>
@@ -5992,7 +6027,7 @@
           <p:cNvPr id="8" name="Grafik 7">
             <a:extLst>
               <a:ext uri="{FF2B5EF4-FFF2-40B4-BE49-F238E27FC236}">
-                <a16:creationId xmlns:a16="http://schemas.microsoft.com/office/drawing/2014/main" id="{C3B5B964-3737-904A-BF12-444A85EDB32B}"/>
+                <a16:creationId xmlns:a16="http://schemas.microsoft.com/office/drawing/2014/main" xmlns="" id="{C3B5B964-3737-904A-BF12-444A85EDB32B}"/>
               </a:ext>
             </a:extLst>
           </p:cNvPr>
@@ -6028,7 +6063,7 @@
           <p:cNvPr id="11" name="Grafik 10">
             <a:extLst>
               <a:ext uri="{FF2B5EF4-FFF2-40B4-BE49-F238E27FC236}">
-                <a16:creationId xmlns:a16="http://schemas.microsoft.com/office/drawing/2014/main" id="{89248743-F2B8-E14D-9A0D-396E8AA3F889}"/>
+                <a16:creationId xmlns:a16="http://schemas.microsoft.com/office/drawing/2014/main" xmlns="" id="{89248743-F2B8-E14D-9A0D-396E8AA3F889}"/>
               </a:ext>
             </a:extLst>
           </p:cNvPr>
@@ -6064,7 +6099,7 @@
           <p:cNvPr id="13" name="Grafik 12">
             <a:extLst>
               <a:ext uri="{FF2B5EF4-FFF2-40B4-BE49-F238E27FC236}">
-                <a16:creationId xmlns:a16="http://schemas.microsoft.com/office/drawing/2014/main" id="{FB764A09-7511-B84F-B827-C5B960A7A1A1}"/>
+                <a16:creationId xmlns:a16="http://schemas.microsoft.com/office/drawing/2014/main" xmlns="" id="{FB764A09-7511-B84F-B827-C5B960A7A1A1}"/>
               </a:ext>
             </a:extLst>
           </p:cNvPr>
@@ -6100,7 +6135,7 @@
           <p:cNvPr id="14" name="Textfeld 13">
             <a:extLst>
               <a:ext uri="{FF2B5EF4-FFF2-40B4-BE49-F238E27FC236}">
-                <a16:creationId xmlns:a16="http://schemas.microsoft.com/office/drawing/2014/main" id="{25C0CE37-E518-2E4B-BFCE-AD8188216728}"/>
+                <a16:creationId xmlns:a16="http://schemas.microsoft.com/office/drawing/2014/main" xmlns="" id="{25C0CE37-E518-2E4B-BFCE-AD8188216728}"/>
               </a:ext>
             </a:extLst>
           </p:cNvPr>
@@ -6148,7 +6183,7 @@
           <p:cNvPr id="15" name="Textfeld 14">
             <a:extLst>
               <a:ext uri="{FF2B5EF4-FFF2-40B4-BE49-F238E27FC236}">
-                <a16:creationId xmlns:a16="http://schemas.microsoft.com/office/drawing/2014/main" id="{AF8CD212-93E1-D443-B5AC-FC8730A82441}"/>
+                <a16:creationId xmlns:a16="http://schemas.microsoft.com/office/drawing/2014/main" xmlns="" id="{AF8CD212-93E1-D443-B5AC-FC8730A82441}"/>
               </a:ext>
             </a:extLst>
           </p:cNvPr>
@@ -6196,6 +6231,13 @@
   <p:clrMapOvr>
     <a:masterClrMapping/>
   </p:clrMapOvr>
+  <p:timing>
+    <p:tnLst>
+      <p:par>
+        <p:cTn id="1" dur="indefinite" restart="never" nodeType="tmRoot"/>
+      </p:par>
+    </p:tnLst>
+  </p:timing>
 </p:sld>
 </file>
 
@@ -6221,7 +6263,7 @@
           <p:cNvPr id="2" name="Titel 1">
             <a:extLst>
               <a:ext uri="{FF2B5EF4-FFF2-40B4-BE49-F238E27FC236}">
-                <a16:creationId xmlns:a16="http://schemas.microsoft.com/office/drawing/2014/main" id="{BD6D5C20-D1DA-E44D-AB6C-936495F1FBFC}"/>
+                <a16:creationId xmlns:a16="http://schemas.microsoft.com/office/drawing/2014/main" xmlns="" id="{BD6D5C20-D1DA-E44D-AB6C-936495F1FBFC}"/>
               </a:ext>
             </a:extLst>
           </p:cNvPr>
@@ -6249,7 +6291,7 @@
           <p:cNvPr id="3" name="Datumsplatzhalter 2">
             <a:extLst>
               <a:ext uri="{FF2B5EF4-FFF2-40B4-BE49-F238E27FC236}">
-                <a16:creationId xmlns:a16="http://schemas.microsoft.com/office/drawing/2014/main" id="{46523BF5-B962-2447-ADD7-A23FD964E59B}"/>
+                <a16:creationId xmlns:a16="http://schemas.microsoft.com/office/drawing/2014/main" xmlns="" id="{46523BF5-B962-2447-ADD7-A23FD964E59B}"/>
               </a:ext>
             </a:extLst>
           </p:cNvPr>
@@ -6278,7 +6320,7 @@
           <p:cNvPr id="4" name="Foliennummernplatzhalter 3">
             <a:extLst>
               <a:ext uri="{FF2B5EF4-FFF2-40B4-BE49-F238E27FC236}">
-                <a16:creationId xmlns:a16="http://schemas.microsoft.com/office/drawing/2014/main" id="{19E6069A-5501-0844-AE6F-91F10E2CECF5}"/>
+                <a16:creationId xmlns:a16="http://schemas.microsoft.com/office/drawing/2014/main" xmlns="" id="{19E6069A-5501-0844-AE6F-91F10E2CECF5}"/>
               </a:ext>
             </a:extLst>
           </p:cNvPr>
@@ -6308,7 +6350,7 @@
           <p:cNvPr id="5" name="Textplatzhalter 4">
             <a:extLst>
               <a:ext uri="{FF2B5EF4-FFF2-40B4-BE49-F238E27FC236}">
-                <a16:creationId xmlns:a16="http://schemas.microsoft.com/office/drawing/2014/main" id="{EF255CB2-BD89-1E44-B2CF-A3F47521602A}"/>
+                <a16:creationId xmlns:a16="http://schemas.microsoft.com/office/drawing/2014/main" xmlns="" id="{EF255CB2-BD89-1E44-B2CF-A3F47521602A}"/>
               </a:ext>
             </a:extLst>
           </p:cNvPr>
@@ -6405,7 +6447,7 @@
           <p:cNvPr id="6" name="Rechteck 5">
             <a:extLst>
               <a:ext uri="{FF2B5EF4-FFF2-40B4-BE49-F238E27FC236}">
-                <a16:creationId xmlns:a16="http://schemas.microsoft.com/office/drawing/2014/main" id="{BEED90A5-19B9-8047-9036-01136C2373C1}"/>
+                <a16:creationId xmlns:a16="http://schemas.microsoft.com/office/drawing/2014/main" xmlns="" id="{BEED90A5-19B9-8047-9036-01136C2373C1}"/>
               </a:ext>
             </a:extLst>
           </p:cNvPr>
@@ -6459,7 +6501,7 @@
           <p:cNvPr id="10" name="Grafik 9">
             <a:extLst>
               <a:ext uri="{FF2B5EF4-FFF2-40B4-BE49-F238E27FC236}">
-                <a16:creationId xmlns:a16="http://schemas.microsoft.com/office/drawing/2014/main" id="{285B82C0-6A90-0544-98AD-5C2E70368471}"/>
+                <a16:creationId xmlns:a16="http://schemas.microsoft.com/office/drawing/2014/main" xmlns="" id="{285B82C0-6A90-0544-98AD-5C2E70368471}"/>
               </a:ext>
             </a:extLst>
           </p:cNvPr>
@@ -6495,7 +6537,7 @@
           <p:cNvPr id="13" name="Grafik 12">
             <a:extLst>
               <a:ext uri="{FF2B5EF4-FFF2-40B4-BE49-F238E27FC236}">
-                <a16:creationId xmlns:a16="http://schemas.microsoft.com/office/drawing/2014/main" id="{90650A54-F29D-264A-9622-503CFDC8DD41}"/>
+                <a16:creationId xmlns:a16="http://schemas.microsoft.com/office/drawing/2014/main" xmlns="" id="{90650A54-F29D-264A-9622-503CFDC8DD41}"/>
               </a:ext>
             </a:extLst>
           </p:cNvPr>
@@ -6531,7 +6573,7 @@
           <p:cNvPr id="15" name="Grafik 14">
             <a:extLst>
               <a:ext uri="{FF2B5EF4-FFF2-40B4-BE49-F238E27FC236}">
-                <a16:creationId xmlns:a16="http://schemas.microsoft.com/office/drawing/2014/main" id="{64A21090-8872-7D44-98A3-9BFEC5CA39A2}"/>
+                <a16:creationId xmlns:a16="http://schemas.microsoft.com/office/drawing/2014/main" xmlns="" id="{64A21090-8872-7D44-98A3-9BFEC5CA39A2}"/>
               </a:ext>
             </a:extLst>
           </p:cNvPr>
@@ -6567,7 +6609,7 @@
           <p:cNvPr id="16" name="Textfeld 15">
             <a:extLst>
               <a:ext uri="{FF2B5EF4-FFF2-40B4-BE49-F238E27FC236}">
-                <a16:creationId xmlns:a16="http://schemas.microsoft.com/office/drawing/2014/main" id="{91EED4D7-38D7-7B4C-85C3-A067F6607D4D}"/>
+                <a16:creationId xmlns:a16="http://schemas.microsoft.com/office/drawing/2014/main" xmlns="" id="{91EED4D7-38D7-7B4C-85C3-A067F6607D4D}"/>
               </a:ext>
             </a:extLst>
           </p:cNvPr>
@@ -6603,7 +6645,7 @@
           <p:cNvPr id="17" name="Textfeld 16">
             <a:extLst>
               <a:ext uri="{FF2B5EF4-FFF2-40B4-BE49-F238E27FC236}">
-                <a16:creationId xmlns:a16="http://schemas.microsoft.com/office/drawing/2014/main" id="{9E5A8C14-465F-9846-8100-27773E4423B0}"/>
+                <a16:creationId xmlns:a16="http://schemas.microsoft.com/office/drawing/2014/main" xmlns="" id="{9E5A8C14-465F-9846-8100-27773E4423B0}"/>
               </a:ext>
             </a:extLst>
           </p:cNvPr>
@@ -6639,7 +6681,7 @@
           <p:cNvPr id="18" name="Textfeld 17">
             <a:extLst>
               <a:ext uri="{FF2B5EF4-FFF2-40B4-BE49-F238E27FC236}">
-                <a16:creationId xmlns:a16="http://schemas.microsoft.com/office/drawing/2014/main" id="{0C799367-7304-B743-8535-98E2BEBA5D96}"/>
+                <a16:creationId xmlns:a16="http://schemas.microsoft.com/office/drawing/2014/main" xmlns="" id="{0C799367-7304-B743-8535-98E2BEBA5D96}"/>
               </a:ext>
             </a:extLst>
           </p:cNvPr>
@@ -6678,7 +6720,7 @@
           <p:cNvPr id="19" name="Rechteck 18">
             <a:extLst>
               <a:ext uri="{FF2B5EF4-FFF2-40B4-BE49-F238E27FC236}">
-                <a16:creationId xmlns:a16="http://schemas.microsoft.com/office/drawing/2014/main" id="{6D5ED54F-D4E0-E34D-819D-7843402218CB}"/>
+                <a16:creationId xmlns:a16="http://schemas.microsoft.com/office/drawing/2014/main" xmlns="" id="{6D5ED54F-D4E0-E34D-819D-7843402218CB}"/>
               </a:ext>
             </a:extLst>
           </p:cNvPr>
@@ -6730,7 +6772,7 @@
           <p:cNvPr id="21" name="Rechteck 20">
             <a:extLst>
               <a:ext uri="{FF2B5EF4-FFF2-40B4-BE49-F238E27FC236}">
-                <a16:creationId xmlns:a16="http://schemas.microsoft.com/office/drawing/2014/main" id="{22B8D3D0-4D09-7648-9A75-8214011C6F71}"/>
+                <a16:creationId xmlns:a16="http://schemas.microsoft.com/office/drawing/2014/main" xmlns="" id="{22B8D3D0-4D09-7648-9A75-8214011C6F71}"/>
               </a:ext>
             </a:extLst>
           </p:cNvPr>
@@ -6782,7 +6824,7 @@
           <p:cNvPr id="22" name="Rechteck 21">
             <a:extLst>
               <a:ext uri="{FF2B5EF4-FFF2-40B4-BE49-F238E27FC236}">
-                <a16:creationId xmlns:a16="http://schemas.microsoft.com/office/drawing/2014/main" id="{53D27E73-F715-E84E-8D7A-C9929B8AAAA6}"/>
+                <a16:creationId xmlns:a16="http://schemas.microsoft.com/office/drawing/2014/main" xmlns="" id="{53D27E73-F715-E84E-8D7A-C9929B8AAAA6}"/>
               </a:ext>
             </a:extLst>
           </p:cNvPr>
@@ -6839,6 +6881,13 @@
   <p:clrMapOvr>
     <a:masterClrMapping/>
   </p:clrMapOvr>
+  <p:timing>
+    <p:tnLst>
+      <p:par>
+        <p:cTn id="1" dur="indefinite" restart="never" nodeType="tmRoot"/>
+      </p:par>
+    </p:tnLst>
+  </p:timing>
 </p:sld>
 </file>
 
@@ -6864,7 +6913,7 @@
           <p:cNvPr id="2" name="Titel 1">
             <a:extLst>
               <a:ext uri="{FF2B5EF4-FFF2-40B4-BE49-F238E27FC236}">
-                <a16:creationId xmlns:a16="http://schemas.microsoft.com/office/drawing/2014/main" id="{BD6D5C20-D1DA-E44D-AB6C-936495F1FBFC}"/>
+                <a16:creationId xmlns:a16="http://schemas.microsoft.com/office/drawing/2014/main" xmlns="" id="{BD6D5C20-D1DA-E44D-AB6C-936495F1FBFC}"/>
               </a:ext>
             </a:extLst>
           </p:cNvPr>
@@ -6892,7 +6941,7 @@
           <p:cNvPr id="3" name="Datumsplatzhalter 2">
             <a:extLst>
               <a:ext uri="{FF2B5EF4-FFF2-40B4-BE49-F238E27FC236}">
-                <a16:creationId xmlns:a16="http://schemas.microsoft.com/office/drawing/2014/main" id="{46523BF5-B962-2447-ADD7-A23FD964E59B}"/>
+                <a16:creationId xmlns:a16="http://schemas.microsoft.com/office/drawing/2014/main" xmlns="" id="{46523BF5-B962-2447-ADD7-A23FD964E59B}"/>
               </a:ext>
             </a:extLst>
           </p:cNvPr>
@@ -6921,7 +6970,7 @@
           <p:cNvPr id="4" name="Foliennummernplatzhalter 3">
             <a:extLst>
               <a:ext uri="{FF2B5EF4-FFF2-40B4-BE49-F238E27FC236}">
-                <a16:creationId xmlns:a16="http://schemas.microsoft.com/office/drawing/2014/main" id="{19E6069A-5501-0844-AE6F-91F10E2CECF5}"/>
+                <a16:creationId xmlns:a16="http://schemas.microsoft.com/office/drawing/2014/main" xmlns="" id="{19E6069A-5501-0844-AE6F-91F10E2CECF5}"/>
               </a:ext>
             </a:extLst>
           </p:cNvPr>
@@ -6951,7 +7000,7 @@
           <p:cNvPr id="5" name="Textplatzhalter 4">
             <a:extLst>
               <a:ext uri="{FF2B5EF4-FFF2-40B4-BE49-F238E27FC236}">
-                <a16:creationId xmlns:a16="http://schemas.microsoft.com/office/drawing/2014/main" id="{EF255CB2-BD89-1E44-B2CF-A3F47521602A}"/>
+                <a16:creationId xmlns:a16="http://schemas.microsoft.com/office/drawing/2014/main" xmlns="" id="{EF255CB2-BD89-1E44-B2CF-A3F47521602A}"/>
               </a:ext>
             </a:extLst>
           </p:cNvPr>
@@ -7070,41 +7119,7 @@
           <a:p>
             <a:pPr lvl="1"/>
             <a:r>
-              <a:rPr lang="de-DE" b="1" dirty="0"/>
-              <a:t>Daten der gleichen Domäne: 				</a:t>
-            </a:r>
-            <a:r>
-              <a:rPr lang="de-DE" dirty="0"/>
-              <a:t>ca. 1m Positionsakkuratesse</a:t>
-            </a:r>
-          </a:p>
-          <a:p>
-            <a:pPr lvl="1"/>
-            <a:r>
-              <a:rPr lang="de-DE" dirty="0"/>
-              <a:t>Walch et al. mit </a:t>
-            </a:r>
-            <a:r>
-              <a:rPr lang="de-DE" i="1" dirty="0"/>
-              <a:t>TUM-Datensatz</a:t>
-            </a:r>
-            <a:r>
-              <a:rPr lang="de-DE" dirty="0"/>
-              <a:t> (</a:t>
-            </a:r>
-            <a:r>
-              <a:rPr lang="de-DE" b="1" dirty="0"/>
-              <a:t>größer</a:t>
-            </a:r>
-            <a:r>
-              <a:rPr lang="de-DE" dirty="0"/>
-              <a:t> als die Obigen): 	ca. 2m Positionsakkuratesse</a:t>
-            </a:r>
-          </a:p>
-          <a:p>
-            <a:pPr lvl="1"/>
-            <a:r>
-              <a:rPr lang="de-DE" dirty="0"/>
+              <a:rPr lang="de-DE" dirty="0" smtClean="0"/>
               <a:t>=&gt; </a:t>
             </a:r>
             <a:r>
@@ -7135,7 +7150,7 @@
           <p:cNvPr id="6" name="Rechteck 5">
             <a:extLst>
               <a:ext uri="{FF2B5EF4-FFF2-40B4-BE49-F238E27FC236}">
-                <a16:creationId xmlns:a16="http://schemas.microsoft.com/office/drawing/2014/main" id="{BEED90A5-19B9-8047-9036-01136C2373C1}"/>
+                <a16:creationId xmlns:a16="http://schemas.microsoft.com/office/drawing/2014/main" xmlns="" id="{BEED90A5-19B9-8047-9036-01136C2373C1}"/>
               </a:ext>
             </a:extLst>
           </p:cNvPr>
@@ -7189,7 +7204,7 @@
           <p:cNvPr id="20" name="Gewitterblitz 19">
             <a:extLst>
               <a:ext uri="{FF2B5EF4-FFF2-40B4-BE49-F238E27FC236}">
-                <a16:creationId xmlns:a16="http://schemas.microsoft.com/office/drawing/2014/main" id="{B642E31D-86D3-9E4A-92F0-4AAAE0632470}"/>
+                <a16:creationId xmlns:a16="http://schemas.microsoft.com/office/drawing/2014/main" xmlns="" id="{B642E31D-86D3-9E4A-92F0-4AAAE0632470}"/>
               </a:ext>
             </a:extLst>
           </p:cNvPr>
@@ -7240,6 +7255,13 @@
   <p:clrMapOvr>
     <a:masterClrMapping/>
   </p:clrMapOvr>
+  <p:timing>
+    <p:tnLst>
+      <p:par>
+        <p:cTn id="1" dur="indefinite" restart="never" nodeType="tmRoot"/>
+      </p:par>
+    </p:tnLst>
+  </p:timing>
 </p:sld>
 </file>
 
@@ -7265,7 +7287,7 @@
           <p:cNvPr id="2" name="Titel 1">
             <a:extLst>
               <a:ext uri="{FF2B5EF4-FFF2-40B4-BE49-F238E27FC236}">
-                <a16:creationId xmlns:a16="http://schemas.microsoft.com/office/drawing/2014/main" id="{0C091B4C-329A-2247-80D8-23FEF3B98137}"/>
+                <a16:creationId xmlns:a16="http://schemas.microsoft.com/office/drawing/2014/main" xmlns="" id="{0C091B4C-329A-2247-80D8-23FEF3B98137}"/>
               </a:ext>
             </a:extLst>
           </p:cNvPr>
@@ -7293,7 +7315,7 @@
           <p:cNvPr id="3" name="Datumsplatzhalter 2">
             <a:extLst>
               <a:ext uri="{FF2B5EF4-FFF2-40B4-BE49-F238E27FC236}">
-                <a16:creationId xmlns:a16="http://schemas.microsoft.com/office/drawing/2014/main" id="{273A15DC-1699-E74A-BC93-181A13CE18C2}"/>
+                <a16:creationId xmlns:a16="http://schemas.microsoft.com/office/drawing/2014/main" xmlns="" id="{273A15DC-1699-E74A-BC93-181A13CE18C2}"/>
               </a:ext>
             </a:extLst>
           </p:cNvPr>
@@ -7322,7 +7344,7 @@
           <p:cNvPr id="4" name="Foliennummernplatzhalter 3">
             <a:extLst>
               <a:ext uri="{FF2B5EF4-FFF2-40B4-BE49-F238E27FC236}">
-                <a16:creationId xmlns:a16="http://schemas.microsoft.com/office/drawing/2014/main" id="{FC408FB7-CE97-B547-8D3D-78A71EC14F1A}"/>
+                <a16:creationId xmlns:a16="http://schemas.microsoft.com/office/drawing/2014/main" xmlns="" id="{FC408FB7-CE97-B547-8D3D-78A71EC14F1A}"/>
               </a:ext>
             </a:extLst>
           </p:cNvPr>
@@ -7352,7 +7374,7 @@
           <p:cNvPr id="5" name="Textplatzhalter 4">
             <a:extLst>
               <a:ext uri="{FF2B5EF4-FFF2-40B4-BE49-F238E27FC236}">
-                <a16:creationId xmlns:a16="http://schemas.microsoft.com/office/drawing/2014/main" id="{D8A51C1F-D696-AB48-9151-528A8E2F8922}"/>
+                <a16:creationId xmlns:a16="http://schemas.microsoft.com/office/drawing/2014/main" xmlns="" id="{D8A51C1F-D696-AB48-9151-528A8E2F8922}"/>
               </a:ext>
             </a:extLst>
           </p:cNvPr>
@@ -7421,37 +7443,6 @@
           </a:p>
           <a:p>
             <a:pPr lvl="1"/>
-            <a:endParaRPr lang="de-DE" dirty="0"/>
-          </a:p>
-          <a:p>
-            <a:r>
-              <a:rPr lang="de-DE" dirty="0"/>
-              <a:t>Lokalisierungsverfahren </a:t>
-            </a:r>
-            <a:r>
-              <a:rPr lang="de-DE" b="1" dirty="0"/>
-              <a:t>undenkbar</a:t>
-            </a:r>
-          </a:p>
-          <a:p>
-            <a:pPr lvl="1"/>
-            <a:r>
-              <a:rPr lang="de-DE" dirty="0"/>
-              <a:t>Potenzielle Akkuratesse von ca. 1m im direkten Gebrauch </a:t>
-            </a:r>
-            <a:r>
-              <a:rPr lang="de-DE" b="1" dirty="0"/>
-              <a:t>ungeeignet</a:t>
-            </a:r>
-            <a:r>
-              <a:rPr lang="de-DE" dirty="0"/>
-              <a:t>, allerdings durch Kaskadeneffekt verbesserbar</a:t>
-            </a:r>
-          </a:p>
-          <a:p>
-            <a:pPr marL="0" indent="0">
-              <a:buNone/>
-            </a:pPr>
             <a:endParaRPr lang="de-DE" dirty="0"/>
           </a:p>
         </p:txBody>
@@ -7466,6 +7457,13 @@
   <p:clrMapOvr>
     <a:masterClrMapping/>
   </p:clrMapOvr>
+  <p:timing>
+    <p:tnLst>
+      <p:par>
+        <p:cTn id="1" dur="indefinite" restart="never" nodeType="tmRoot"/>
+      </p:par>
+    </p:tnLst>
+  </p:timing>
 </p:sld>
 </file>
 
@@ -7491,7 +7489,7 @@
           <p:cNvPr id="2" name="Titel 1">
             <a:extLst>
               <a:ext uri="{FF2B5EF4-FFF2-40B4-BE49-F238E27FC236}">
-                <a16:creationId xmlns:a16="http://schemas.microsoft.com/office/drawing/2014/main" id="{44FB1EF0-8926-404E-A4E1-B683EE1747B2}"/>
+                <a16:creationId xmlns:a16="http://schemas.microsoft.com/office/drawing/2014/main" xmlns="" id="{44FB1EF0-8926-404E-A4E1-B683EE1747B2}"/>
               </a:ext>
             </a:extLst>
           </p:cNvPr>
@@ -7519,7 +7517,7 @@
           <p:cNvPr id="3" name="Datumsplatzhalter 2">
             <a:extLst>
               <a:ext uri="{FF2B5EF4-FFF2-40B4-BE49-F238E27FC236}">
-                <a16:creationId xmlns:a16="http://schemas.microsoft.com/office/drawing/2014/main" id="{B2FDB867-8874-4446-B079-DD574D4F773C}"/>
+                <a16:creationId xmlns:a16="http://schemas.microsoft.com/office/drawing/2014/main" xmlns="" id="{B2FDB867-8874-4446-B079-DD574D4F773C}"/>
               </a:ext>
             </a:extLst>
           </p:cNvPr>
@@ -7548,7 +7546,7 @@
           <p:cNvPr id="4" name="Foliennummernplatzhalter 3">
             <a:extLst>
               <a:ext uri="{FF2B5EF4-FFF2-40B4-BE49-F238E27FC236}">
-                <a16:creationId xmlns:a16="http://schemas.microsoft.com/office/drawing/2014/main" id="{ADB292C3-86BF-5344-91F7-4B4E91BC3DBE}"/>
+                <a16:creationId xmlns:a16="http://schemas.microsoft.com/office/drawing/2014/main" xmlns="" id="{ADB292C3-86BF-5344-91F7-4B4E91BC3DBE}"/>
               </a:ext>
             </a:extLst>
           </p:cNvPr>
@@ -7578,7 +7576,7 @@
           <p:cNvPr id="5" name="Textplatzhalter 4">
             <a:extLst>
               <a:ext uri="{FF2B5EF4-FFF2-40B4-BE49-F238E27FC236}">
-                <a16:creationId xmlns:a16="http://schemas.microsoft.com/office/drawing/2014/main" id="{1E97855D-E39A-4B47-8011-CAEF713C81DA}"/>
+                <a16:creationId xmlns:a16="http://schemas.microsoft.com/office/drawing/2014/main" xmlns="" id="{1E97855D-E39A-4B47-8011-CAEF713C81DA}"/>
               </a:ext>
             </a:extLst>
           </p:cNvPr>
@@ -7677,6 +7675,13 @@
   <p:clrMapOvr>
     <a:masterClrMapping/>
   </p:clrMapOvr>
+  <p:timing>
+    <p:tnLst>
+      <p:par>
+        <p:cTn id="1" dur="indefinite" restart="never" nodeType="tmRoot"/>
+      </p:par>
+    </p:tnLst>
+  </p:timing>
 </p:sld>
 </file>
 
@@ -7702,7 +7707,7 @@
           <p:cNvPr id="4" name="Grafik 3">
             <a:extLst>
               <a:ext uri="{FF2B5EF4-FFF2-40B4-BE49-F238E27FC236}">
-                <a16:creationId xmlns:a16="http://schemas.microsoft.com/office/drawing/2014/main" id="{7EB71337-EE95-DA45-81F7-3421378E4382}"/>
+                <a16:creationId xmlns:a16="http://schemas.microsoft.com/office/drawing/2014/main" xmlns="" id="{7EB71337-EE95-DA45-81F7-3421378E4382}"/>
               </a:ext>
             </a:extLst>
           </p:cNvPr>
@@ -7738,7 +7743,7 @@
           <p:cNvPr id="5" name="Rechteck 4">
             <a:extLst>
               <a:ext uri="{FF2B5EF4-FFF2-40B4-BE49-F238E27FC236}">
-                <a16:creationId xmlns:a16="http://schemas.microsoft.com/office/drawing/2014/main" id="{47779C69-BE1B-104B-8F26-4DC10BAD1A34}"/>
+                <a16:creationId xmlns:a16="http://schemas.microsoft.com/office/drawing/2014/main" xmlns="" id="{47779C69-BE1B-104B-8F26-4DC10BAD1A34}"/>
               </a:ext>
             </a:extLst>
           </p:cNvPr>
@@ -7804,6 +7809,13 @@
   <p:clrMapOvr>
     <a:masterClrMapping/>
   </p:clrMapOvr>
+  <p:timing>
+    <p:tnLst>
+      <p:par>
+        <p:cTn id="1" dur="indefinite" restart="never" nodeType="tmRoot"/>
+      </p:par>
+    </p:tnLst>
+  </p:timing>
 </p:sld>
 </file>
 
@@ -7829,7 +7841,7 @@
           <p:cNvPr id="2" name="Titel 1">
             <a:extLst>
               <a:ext uri="{FF2B5EF4-FFF2-40B4-BE49-F238E27FC236}">
-                <a16:creationId xmlns:a16="http://schemas.microsoft.com/office/drawing/2014/main" id="{BE949E96-5D3E-D44D-A7E9-B8837D768104}"/>
+                <a16:creationId xmlns:a16="http://schemas.microsoft.com/office/drawing/2014/main" xmlns="" id="{BE949E96-5D3E-D44D-A7E9-B8837D768104}"/>
               </a:ext>
             </a:extLst>
           </p:cNvPr>
@@ -7857,7 +7869,7 @@
           <p:cNvPr id="3" name="Datumsplatzhalter 2">
             <a:extLst>
               <a:ext uri="{FF2B5EF4-FFF2-40B4-BE49-F238E27FC236}">
-                <a16:creationId xmlns:a16="http://schemas.microsoft.com/office/drawing/2014/main" id="{FD7E7A6D-5EB5-AC4C-8D0F-28817365FD3F}"/>
+                <a16:creationId xmlns:a16="http://schemas.microsoft.com/office/drawing/2014/main" xmlns="" id="{FD7E7A6D-5EB5-AC4C-8D0F-28817365FD3F}"/>
               </a:ext>
             </a:extLst>
           </p:cNvPr>
@@ -7886,7 +7898,7 @@
           <p:cNvPr id="4" name="Foliennummernplatzhalter 3">
             <a:extLst>
               <a:ext uri="{FF2B5EF4-FFF2-40B4-BE49-F238E27FC236}">
-                <a16:creationId xmlns:a16="http://schemas.microsoft.com/office/drawing/2014/main" id="{B9068731-4101-1947-8A8D-2BAC6253095D}"/>
+                <a16:creationId xmlns:a16="http://schemas.microsoft.com/office/drawing/2014/main" xmlns="" id="{B9068731-4101-1947-8A8D-2BAC6253095D}"/>
               </a:ext>
             </a:extLst>
           </p:cNvPr>
@@ -7916,7 +7928,7 @@
           <p:cNvPr id="5" name="Textplatzhalter 4">
             <a:extLst>
               <a:ext uri="{FF2B5EF4-FFF2-40B4-BE49-F238E27FC236}">
-                <a16:creationId xmlns:a16="http://schemas.microsoft.com/office/drawing/2014/main" id="{45CB165E-939E-5945-B2B1-3E520ED44FB7}"/>
+                <a16:creationId xmlns:a16="http://schemas.microsoft.com/office/drawing/2014/main" xmlns="" id="{45CB165E-939E-5945-B2B1-3E520ED44FB7}"/>
               </a:ext>
             </a:extLst>
           </p:cNvPr>
@@ -8136,7 +8148,7 @@
           <p:cNvPr id="6" name="Rechteck 5">
             <a:extLst>
               <a:ext uri="{FF2B5EF4-FFF2-40B4-BE49-F238E27FC236}">
-                <a16:creationId xmlns:a16="http://schemas.microsoft.com/office/drawing/2014/main" id="{BCAA46C9-DDA7-534E-BE0B-D1EACDB3DDCC}"/>
+                <a16:creationId xmlns:a16="http://schemas.microsoft.com/office/drawing/2014/main" xmlns="" id="{BCAA46C9-DDA7-534E-BE0B-D1EACDB3DDCC}"/>
               </a:ext>
             </a:extLst>
           </p:cNvPr>
@@ -8190,7 +8202,7 @@
           <p:cNvPr id="7" name="Gewitterblitz 6">
             <a:extLst>
               <a:ext uri="{FF2B5EF4-FFF2-40B4-BE49-F238E27FC236}">
-                <a16:creationId xmlns:a16="http://schemas.microsoft.com/office/drawing/2014/main" id="{A2E711D8-4B17-7549-9F60-68C1CBC04075}"/>
+                <a16:creationId xmlns:a16="http://schemas.microsoft.com/office/drawing/2014/main" xmlns="" id="{A2E711D8-4B17-7549-9F60-68C1CBC04075}"/>
               </a:ext>
             </a:extLst>
           </p:cNvPr>
@@ -8236,7 +8248,7 @@
           <p:cNvPr id="9" name="Gewitterblitz 8">
             <a:extLst>
               <a:ext uri="{FF2B5EF4-FFF2-40B4-BE49-F238E27FC236}">
-                <a16:creationId xmlns:a16="http://schemas.microsoft.com/office/drawing/2014/main" id="{8B596732-30D8-C640-8463-877F38D26A3C}"/>
+                <a16:creationId xmlns:a16="http://schemas.microsoft.com/office/drawing/2014/main" xmlns="" id="{8B596732-30D8-C640-8463-877F38D26A3C}"/>
               </a:ext>
             </a:extLst>
           </p:cNvPr>
@@ -8287,6 +8299,13 @@
   <p:clrMapOvr>
     <a:masterClrMapping/>
   </p:clrMapOvr>
+  <p:timing>
+    <p:tnLst>
+      <p:par>
+        <p:cTn id="1" dur="indefinite" restart="never" nodeType="tmRoot"/>
+      </p:par>
+    </p:tnLst>
+  </p:timing>
 </p:sld>
 </file>
 
@@ -8312,7 +8331,7 @@
           <p:cNvPr id="2" name="Titel 1">
             <a:extLst>
               <a:ext uri="{FF2B5EF4-FFF2-40B4-BE49-F238E27FC236}">
-                <a16:creationId xmlns:a16="http://schemas.microsoft.com/office/drawing/2014/main" id="{13156A7A-C7B6-7D43-8960-6108CE5B18B4}"/>
+                <a16:creationId xmlns:a16="http://schemas.microsoft.com/office/drawing/2014/main" xmlns="" id="{13156A7A-C7B6-7D43-8960-6108CE5B18B4}"/>
               </a:ext>
             </a:extLst>
           </p:cNvPr>
@@ -8345,7 +8364,7 @@
           <p:cNvPr id="3" name="Datumsplatzhalter 2">
             <a:extLst>
               <a:ext uri="{FF2B5EF4-FFF2-40B4-BE49-F238E27FC236}">
-                <a16:creationId xmlns:a16="http://schemas.microsoft.com/office/drawing/2014/main" id="{8787C1C2-E764-EA43-A71B-047BC7A1A20E}"/>
+                <a16:creationId xmlns:a16="http://schemas.microsoft.com/office/drawing/2014/main" xmlns="" id="{8787C1C2-E764-EA43-A71B-047BC7A1A20E}"/>
               </a:ext>
             </a:extLst>
           </p:cNvPr>
@@ -8374,7 +8393,7 @@
           <p:cNvPr id="4" name="Foliennummernplatzhalter 3">
             <a:extLst>
               <a:ext uri="{FF2B5EF4-FFF2-40B4-BE49-F238E27FC236}">
-                <a16:creationId xmlns:a16="http://schemas.microsoft.com/office/drawing/2014/main" id="{2A5A7CCD-7105-8848-9B92-5779C30308FB}"/>
+                <a16:creationId xmlns:a16="http://schemas.microsoft.com/office/drawing/2014/main" xmlns="" id="{2A5A7CCD-7105-8848-9B92-5779C30308FB}"/>
               </a:ext>
             </a:extLst>
           </p:cNvPr>
@@ -8404,7 +8423,7 @@
           <p:cNvPr id="5" name="Textplatzhalter 4">
             <a:extLst>
               <a:ext uri="{FF2B5EF4-FFF2-40B4-BE49-F238E27FC236}">
-                <a16:creationId xmlns:a16="http://schemas.microsoft.com/office/drawing/2014/main" id="{48C62720-C3D1-764C-9367-A70F52C7B151}"/>
+                <a16:creationId xmlns:a16="http://schemas.microsoft.com/office/drawing/2014/main" xmlns="" id="{48C62720-C3D1-764C-9367-A70F52C7B151}"/>
               </a:ext>
             </a:extLst>
           </p:cNvPr>
@@ -8469,7 +8488,7 @@
           <p:cNvPr id="7" name="Grafik 6">
             <a:extLst>
               <a:ext uri="{FF2B5EF4-FFF2-40B4-BE49-F238E27FC236}">
-                <a16:creationId xmlns:a16="http://schemas.microsoft.com/office/drawing/2014/main" id="{2B23B0C7-7350-7F42-8FAC-FABC30370AE7}"/>
+                <a16:creationId xmlns:a16="http://schemas.microsoft.com/office/drawing/2014/main" xmlns="" id="{2B23B0C7-7350-7F42-8FAC-FABC30370AE7}"/>
               </a:ext>
             </a:extLst>
           </p:cNvPr>
@@ -8505,7 +8524,7 @@
           <p:cNvPr id="9" name="Grafik 8">
             <a:extLst>
               <a:ext uri="{FF2B5EF4-FFF2-40B4-BE49-F238E27FC236}">
-                <a16:creationId xmlns:a16="http://schemas.microsoft.com/office/drawing/2014/main" id="{E4220366-A542-E144-937D-00CDAC58BA4A}"/>
+                <a16:creationId xmlns:a16="http://schemas.microsoft.com/office/drawing/2014/main" xmlns="" id="{E4220366-A542-E144-937D-00CDAC58BA4A}"/>
               </a:ext>
             </a:extLst>
           </p:cNvPr>
@@ -8541,7 +8560,7 @@
           <p:cNvPr id="10" name="Rechteck 9">
             <a:extLst>
               <a:ext uri="{FF2B5EF4-FFF2-40B4-BE49-F238E27FC236}">
-                <a16:creationId xmlns:a16="http://schemas.microsoft.com/office/drawing/2014/main" id="{3C540B1D-AE94-0146-8C3F-C49180C15BEB}"/>
+                <a16:creationId xmlns:a16="http://schemas.microsoft.com/office/drawing/2014/main" xmlns="" id="{3C540B1D-AE94-0146-8C3F-C49180C15BEB}"/>
               </a:ext>
             </a:extLst>
           </p:cNvPr>
@@ -8595,7 +8614,7 @@
           <p:cNvPr id="8" name="Grafik 7">
             <a:extLst>
               <a:ext uri="{FF2B5EF4-FFF2-40B4-BE49-F238E27FC236}">
-                <a16:creationId xmlns:a16="http://schemas.microsoft.com/office/drawing/2014/main" id="{3A5C28C3-8DB7-264B-B4EF-6A4240EB1A8E}"/>
+                <a16:creationId xmlns:a16="http://schemas.microsoft.com/office/drawing/2014/main" xmlns="" id="{3A5C28C3-8DB7-264B-B4EF-6A4240EB1A8E}"/>
               </a:ext>
             </a:extLst>
           </p:cNvPr>
@@ -8631,7 +8650,7 @@
           <p:cNvPr id="12" name="Textplatzhalter 4">
             <a:extLst>
               <a:ext uri="{FF2B5EF4-FFF2-40B4-BE49-F238E27FC236}">
-                <a16:creationId xmlns:a16="http://schemas.microsoft.com/office/drawing/2014/main" id="{1C4FF972-64EE-3541-95DF-DA961C161C8C}"/>
+                <a16:creationId xmlns:a16="http://schemas.microsoft.com/office/drawing/2014/main" xmlns="" id="{1C4FF972-64EE-3541-95DF-DA961C161C8C}"/>
               </a:ext>
             </a:extLst>
           </p:cNvPr>
@@ -8856,7 +8875,7 @@
           <p:cNvPr id="13" name="Textplatzhalter 4">
             <a:extLst>
               <a:ext uri="{FF2B5EF4-FFF2-40B4-BE49-F238E27FC236}">
-                <a16:creationId xmlns:a16="http://schemas.microsoft.com/office/drawing/2014/main" id="{79E8374A-B722-5C4F-A6F9-FD06254B8570}"/>
+                <a16:creationId xmlns:a16="http://schemas.microsoft.com/office/drawing/2014/main" xmlns="" id="{79E8374A-B722-5C4F-A6F9-FD06254B8570}"/>
               </a:ext>
             </a:extLst>
           </p:cNvPr>
@@ -9077,7 +9096,7 @@
           <p:cNvPr id="14" name="Pfeil nach oben 13">
             <a:extLst>
               <a:ext uri="{FF2B5EF4-FFF2-40B4-BE49-F238E27FC236}">
-                <a16:creationId xmlns:a16="http://schemas.microsoft.com/office/drawing/2014/main" id="{101215CD-A44B-FD48-AE8D-A0FDB1A43B0C}"/>
+                <a16:creationId xmlns:a16="http://schemas.microsoft.com/office/drawing/2014/main" xmlns="" id="{101215CD-A44B-FD48-AE8D-A0FDB1A43B0C}"/>
               </a:ext>
             </a:extLst>
           </p:cNvPr>
@@ -9128,6 +9147,13 @@
   <p:clrMapOvr>
     <a:masterClrMapping/>
   </p:clrMapOvr>
+  <p:timing>
+    <p:tnLst>
+      <p:par>
+        <p:cTn id="1" dur="indefinite" restart="never" nodeType="tmRoot"/>
+      </p:par>
+    </p:tnLst>
+  </p:timing>
 </p:sld>
 </file>
 
@@ -9153,7 +9179,7 @@
           <p:cNvPr id="2" name="Titel 1">
             <a:extLst>
               <a:ext uri="{FF2B5EF4-FFF2-40B4-BE49-F238E27FC236}">
-                <a16:creationId xmlns:a16="http://schemas.microsoft.com/office/drawing/2014/main" id="{29D6D287-4A68-004E-B6D4-6788E4B5CC8E}"/>
+                <a16:creationId xmlns:a16="http://schemas.microsoft.com/office/drawing/2014/main" xmlns="" id="{29D6D287-4A68-004E-B6D4-6788E4B5CC8E}"/>
               </a:ext>
             </a:extLst>
           </p:cNvPr>
@@ -9181,7 +9207,7 @@
           <p:cNvPr id="3" name="Datumsplatzhalter 2">
             <a:extLst>
               <a:ext uri="{FF2B5EF4-FFF2-40B4-BE49-F238E27FC236}">
-                <a16:creationId xmlns:a16="http://schemas.microsoft.com/office/drawing/2014/main" id="{F18F1A6F-A1D6-224D-BDB7-B3EE233FAA4A}"/>
+                <a16:creationId xmlns:a16="http://schemas.microsoft.com/office/drawing/2014/main" xmlns="" id="{F18F1A6F-A1D6-224D-BDB7-B3EE233FAA4A}"/>
               </a:ext>
             </a:extLst>
           </p:cNvPr>
@@ -9210,7 +9236,7 @@
           <p:cNvPr id="4" name="Foliennummernplatzhalter 3">
             <a:extLst>
               <a:ext uri="{FF2B5EF4-FFF2-40B4-BE49-F238E27FC236}">
-                <a16:creationId xmlns:a16="http://schemas.microsoft.com/office/drawing/2014/main" id="{1CB04A3E-CC3B-C345-8678-CA1FC076E12F}"/>
+                <a16:creationId xmlns:a16="http://schemas.microsoft.com/office/drawing/2014/main" xmlns="" id="{1CB04A3E-CC3B-C345-8678-CA1FC076E12F}"/>
               </a:ext>
             </a:extLst>
           </p:cNvPr>
@@ -9240,7 +9266,7 @@
           <p:cNvPr id="5" name="Textplatzhalter 4">
             <a:extLst>
               <a:ext uri="{FF2B5EF4-FFF2-40B4-BE49-F238E27FC236}">
-                <a16:creationId xmlns:a16="http://schemas.microsoft.com/office/drawing/2014/main" id="{D48547CA-0668-A54A-B1A9-7B4EFD36792F}"/>
+                <a16:creationId xmlns:a16="http://schemas.microsoft.com/office/drawing/2014/main" xmlns="" id="{D48547CA-0668-A54A-B1A9-7B4EFD36792F}"/>
               </a:ext>
             </a:extLst>
           </p:cNvPr>
@@ -9322,7 +9348,7 @@
           <p:cNvPr id="7" name="Grafik 6">
             <a:extLst>
               <a:ext uri="{FF2B5EF4-FFF2-40B4-BE49-F238E27FC236}">
-                <a16:creationId xmlns:a16="http://schemas.microsoft.com/office/drawing/2014/main" id="{63B54DF6-73A9-1143-99AD-A9AF57554A04}"/>
+                <a16:creationId xmlns:a16="http://schemas.microsoft.com/office/drawing/2014/main" xmlns="" id="{63B54DF6-73A9-1143-99AD-A9AF57554A04}"/>
               </a:ext>
             </a:extLst>
           </p:cNvPr>
@@ -9358,7 +9384,7 @@
           <p:cNvPr id="9" name="Grafik 8">
             <a:extLst>
               <a:ext uri="{FF2B5EF4-FFF2-40B4-BE49-F238E27FC236}">
-                <a16:creationId xmlns:a16="http://schemas.microsoft.com/office/drawing/2014/main" id="{F626A719-53D9-7C4E-825E-CFFB58FBAE03}"/>
+                <a16:creationId xmlns:a16="http://schemas.microsoft.com/office/drawing/2014/main" xmlns="" id="{F626A719-53D9-7C4E-825E-CFFB58FBAE03}"/>
               </a:ext>
             </a:extLst>
           </p:cNvPr>
@@ -9394,7 +9420,7 @@
           <p:cNvPr id="10" name="Textfeld 9">
             <a:extLst>
               <a:ext uri="{FF2B5EF4-FFF2-40B4-BE49-F238E27FC236}">
-                <a16:creationId xmlns:a16="http://schemas.microsoft.com/office/drawing/2014/main" id="{91829F01-511C-FB4D-B5E6-943E100C94CA}"/>
+                <a16:creationId xmlns:a16="http://schemas.microsoft.com/office/drawing/2014/main" xmlns="" id="{91829F01-511C-FB4D-B5E6-943E100C94CA}"/>
               </a:ext>
             </a:extLst>
           </p:cNvPr>
@@ -9435,7 +9461,7 @@
           <p:cNvPr id="12" name="Gerade Verbindung mit Pfeil 11">
             <a:extLst>
               <a:ext uri="{FF2B5EF4-FFF2-40B4-BE49-F238E27FC236}">
-                <a16:creationId xmlns:a16="http://schemas.microsoft.com/office/drawing/2014/main" id="{1C92F462-BEE2-D943-95C0-0C7E217EE98D}"/>
+                <a16:creationId xmlns:a16="http://schemas.microsoft.com/office/drawing/2014/main" xmlns="" id="{1C92F462-BEE2-D943-95C0-0C7E217EE98D}"/>
               </a:ext>
             </a:extLst>
           </p:cNvPr>
@@ -9476,7 +9502,7 @@
           <p:cNvPr id="14" name="Gerade Verbindung mit Pfeil 13">
             <a:extLst>
               <a:ext uri="{FF2B5EF4-FFF2-40B4-BE49-F238E27FC236}">
-                <a16:creationId xmlns:a16="http://schemas.microsoft.com/office/drawing/2014/main" id="{14990052-2F5E-1048-90E7-DBD15D6A6169}"/>
+                <a16:creationId xmlns:a16="http://schemas.microsoft.com/office/drawing/2014/main" xmlns="" id="{14990052-2F5E-1048-90E7-DBD15D6A6169}"/>
               </a:ext>
             </a:extLst>
           </p:cNvPr>
@@ -9517,7 +9543,7 @@
           <p:cNvPr id="17" name="Rechteck 16">
             <a:extLst>
               <a:ext uri="{FF2B5EF4-FFF2-40B4-BE49-F238E27FC236}">
-                <a16:creationId xmlns:a16="http://schemas.microsoft.com/office/drawing/2014/main" id="{451F1E62-0729-1E44-8F82-5E2CC035EF03}"/>
+                <a16:creationId xmlns:a16="http://schemas.microsoft.com/office/drawing/2014/main" xmlns="" id="{451F1E62-0729-1E44-8F82-5E2CC035EF03}"/>
               </a:ext>
             </a:extLst>
           </p:cNvPr>
@@ -9571,7 +9597,7 @@
           <p:cNvPr id="6" name="Gewitterblitz 5">
             <a:extLst>
               <a:ext uri="{FF2B5EF4-FFF2-40B4-BE49-F238E27FC236}">
-                <a16:creationId xmlns:a16="http://schemas.microsoft.com/office/drawing/2014/main" id="{ACF07603-F218-2B4B-B5BB-A3A81FE8C202}"/>
+                <a16:creationId xmlns:a16="http://schemas.microsoft.com/office/drawing/2014/main" xmlns="" id="{ACF07603-F218-2B4B-B5BB-A3A81FE8C202}"/>
               </a:ext>
             </a:extLst>
           </p:cNvPr>
@@ -9622,6 +9648,13 @@
   <p:clrMapOvr>
     <a:masterClrMapping/>
   </p:clrMapOvr>
+  <p:timing>
+    <p:tnLst>
+      <p:par>
+        <p:cTn id="1" dur="indefinite" restart="never" nodeType="tmRoot"/>
+      </p:par>
+    </p:tnLst>
+  </p:timing>
 </p:sld>
 </file>
 
@@ -9647,7 +9680,7 @@
           <p:cNvPr id="2" name="Titel 1">
             <a:extLst>
               <a:ext uri="{FF2B5EF4-FFF2-40B4-BE49-F238E27FC236}">
-                <a16:creationId xmlns:a16="http://schemas.microsoft.com/office/drawing/2014/main" id="{039E12BA-7B87-244E-BE5F-2E113E214E2F}"/>
+                <a16:creationId xmlns:a16="http://schemas.microsoft.com/office/drawing/2014/main" xmlns="" id="{039E12BA-7B87-244E-BE5F-2E113E214E2F}"/>
               </a:ext>
             </a:extLst>
           </p:cNvPr>
@@ -9675,7 +9708,7 @@
           <p:cNvPr id="3" name="Datumsplatzhalter 2">
             <a:extLst>
               <a:ext uri="{FF2B5EF4-FFF2-40B4-BE49-F238E27FC236}">
-                <a16:creationId xmlns:a16="http://schemas.microsoft.com/office/drawing/2014/main" id="{6C9DD39D-35F9-0A49-B61C-047833C05F0E}"/>
+                <a16:creationId xmlns:a16="http://schemas.microsoft.com/office/drawing/2014/main" xmlns="" id="{6C9DD39D-35F9-0A49-B61C-047833C05F0E}"/>
               </a:ext>
             </a:extLst>
           </p:cNvPr>
@@ -9704,7 +9737,7 @@
           <p:cNvPr id="4" name="Foliennummernplatzhalter 3">
             <a:extLst>
               <a:ext uri="{FF2B5EF4-FFF2-40B4-BE49-F238E27FC236}">
-                <a16:creationId xmlns:a16="http://schemas.microsoft.com/office/drawing/2014/main" id="{F89FD8B0-3065-6844-B44D-C913E80915E4}"/>
+                <a16:creationId xmlns:a16="http://schemas.microsoft.com/office/drawing/2014/main" xmlns="" id="{F89FD8B0-3065-6844-B44D-C913E80915E4}"/>
               </a:ext>
             </a:extLst>
           </p:cNvPr>
@@ -9734,7 +9767,7 @@
           <p:cNvPr id="5" name="Textplatzhalter 4">
             <a:extLst>
               <a:ext uri="{FF2B5EF4-FFF2-40B4-BE49-F238E27FC236}">
-                <a16:creationId xmlns:a16="http://schemas.microsoft.com/office/drawing/2014/main" id="{8FD69D42-6ADE-6642-B970-44C140D8F70C}"/>
+                <a16:creationId xmlns:a16="http://schemas.microsoft.com/office/drawing/2014/main" xmlns="" id="{8FD69D42-6ADE-6642-B970-44C140D8F70C}"/>
               </a:ext>
             </a:extLst>
           </p:cNvPr>
@@ -9859,7 +9892,7 @@
           <p:cNvPr id="7" name="Grafik 6">
             <a:extLst>
               <a:ext uri="{FF2B5EF4-FFF2-40B4-BE49-F238E27FC236}">
-                <a16:creationId xmlns:a16="http://schemas.microsoft.com/office/drawing/2014/main" id="{158C176A-5AD8-7646-9A20-755E186E94BE}"/>
+                <a16:creationId xmlns:a16="http://schemas.microsoft.com/office/drawing/2014/main" xmlns="" id="{158C176A-5AD8-7646-9A20-755E186E94BE}"/>
               </a:ext>
             </a:extLst>
           </p:cNvPr>
@@ -9895,7 +9928,7 @@
           <p:cNvPr id="13" name="Grafik 12">
             <a:extLst>
               <a:ext uri="{FF2B5EF4-FFF2-40B4-BE49-F238E27FC236}">
-                <a16:creationId xmlns:a16="http://schemas.microsoft.com/office/drawing/2014/main" id="{D700D537-56D8-634E-8B51-2A1AA65541AA}"/>
+                <a16:creationId xmlns:a16="http://schemas.microsoft.com/office/drawing/2014/main" xmlns="" id="{D700D537-56D8-634E-8B51-2A1AA65541AA}"/>
               </a:ext>
             </a:extLst>
           </p:cNvPr>
@@ -9931,7 +9964,7 @@
           <p:cNvPr id="14" name="Rechteck 13">
             <a:extLst>
               <a:ext uri="{FF2B5EF4-FFF2-40B4-BE49-F238E27FC236}">
-                <a16:creationId xmlns:a16="http://schemas.microsoft.com/office/drawing/2014/main" id="{F698A0E3-0F1D-9144-979F-25CF1334ADF4}"/>
+                <a16:creationId xmlns:a16="http://schemas.microsoft.com/office/drawing/2014/main" xmlns="" id="{F698A0E3-0F1D-9144-979F-25CF1334ADF4}"/>
               </a:ext>
             </a:extLst>
           </p:cNvPr>
@@ -9990,6 +10023,13 @@
   <p:clrMapOvr>
     <a:masterClrMapping/>
   </p:clrMapOvr>
+  <p:timing>
+    <p:tnLst>
+      <p:par>
+        <p:cTn id="1" dur="indefinite" restart="never" nodeType="tmRoot"/>
+      </p:par>
+    </p:tnLst>
+  </p:timing>
 </p:sld>
 </file>
 
@@ -10015,7 +10055,7 @@
           <p:cNvPr id="2" name="Titel 1">
             <a:extLst>
               <a:ext uri="{FF2B5EF4-FFF2-40B4-BE49-F238E27FC236}">
-                <a16:creationId xmlns:a16="http://schemas.microsoft.com/office/drawing/2014/main" id="{B10405F6-5D67-964D-B0D7-7662B14A370D}"/>
+                <a16:creationId xmlns:a16="http://schemas.microsoft.com/office/drawing/2014/main" xmlns="" id="{B10405F6-5D67-964D-B0D7-7662B14A370D}"/>
               </a:ext>
             </a:extLst>
           </p:cNvPr>
@@ -10043,7 +10083,7 @@
           <p:cNvPr id="3" name="Datumsplatzhalter 2">
             <a:extLst>
               <a:ext uri="{FF2B5EF4-FFF2-40B4-BE49-F238E27FC236}">
-                <a16:creationId xmlns:a16="http://schemas.microsoft.com/office/drawing/2014/main" id="{FBBBC918-848C-BF48-9985-5BD982239191}"/>
+                <a16:creationId xmlns:a16="http://schemas.microsoft.com/office/drawing/2014/main" xmlns="" id="{FBBBC918-848C-BF48-9985-5BD982239191}"/>
               </a:ext>
             </a:extLst>
           </p:cNvPr>
@@ -10072,7 +10112,7 @@
           <p:cNvPr id="4" name="Foliennummernplatzhalter 3">
             <a:extLst>
               <a:ext uri="{FF2B5EF4-FFF2-40B4-BE49-F238E27FC236}">
-                <a16:creationId xmlns:a16="http://schemas.microsoft.com/office/drawing/2014/main" id="{6064E051-DB36-8242-89AA-1EA9FDF83854}"/>
+                <a16:creationId xmlns:a16="http://schemas.microsoft.com/office/drawing/2014/main" xmlns="" id="{6064E051-DB36-8242-89AA-1EA9FDF83854}"/>
               </a:ext>
             </a:extLst>
           </p:cNvPr>
@@ -10102,7 +10142,7 @@
           <p:cNvPr id="5" name="Textplatzhalter 4">
             <a:extLst>
               <a:ext uri="{FF2B5EF4-FFF2-40B4-BE49-F238E27FC236}">
-                <a16:creationId xmlns:a16="http://schemas.microsoft.com/office/drawing/2014/main" id="{5618BB61-46BF-F74A-B27A-E3C8E4DAEE67}"/>
+                <a16:creationId xmlns:a16="http://schemas.microsoft.com/office/drawing/2014/main" xmlns="" id="{5618BB61-46BF-F74A-B27A-E3C8E4DAEE67}"/>
               </a:ext>
             </a:extLst>
           </p:cNvPr>
@@ -10164,7 +10204,7 @@
           <p:cNvPr id="7" name="Grafik 6">
             <a:extLst>
               <a:ext uri="{FF2B5EF4-FFF2-40B4-BE49-F238E27FC236}">
-                <a16:creationId xmlns:a16="http://schemas.microsoft.com/office/drawing/2014/main" id="{082F530F-680E-E041-96A6-E0EB4B6879C1}"/>
+                <a16:creationId xmlns:a16="http://schemas.microsoft.com/office/drawing/2014/main" xmlns="" id="{082F530F-680E-E041-96A6-E0EB4B6879C1}"/>
               </a:ext>
             </a:extLst>
           </p:cNvPr>
@@ -10200,7 +10240,7 @@
           <p:cNvPr id="9" name="Grafik 8">
             <a:extLst>
               <a:ext uri="{FF2B5EF4-FFF2-40B4-BE49-F238E27FC236}">
-                <a16:creationId xmlns:a16="http://schemas.microsoft.com/office/drawing/2014/main" id="{156B8A6C-36EE-1943-A496-7C742CBAC3B2}"/>
+                <a16:creationId xmlns:a16="http://schemas.microsoft.com/office/drawing/2014/main" xmlns="" id="{156B8A6C-36EE-1943-A496-7C742CBAC3B2}"/>
               </a:ext>
             </a:extLst>
           </p:cNvPr>
@@ -10236,7 +10276,7 @@
           <p:cNvPr id="10" name="Rechteck 9">
             <a:extLst>
               <a:ext uri="{FF2B5EF4-FFF2-40B4-BE49-F238E27FC236}">
-                <a16:creationId xmlns:a16="http://schemas.microsoft.com/office/drawing/2014/main" id="{4A71855A-4705-BB49-AFCB-9D86C4557E91}"/>
+                <a16:creationId xmlns:a16="http://schemas.microsoft.com/office/drawing/2014/main" xmlns="" id="{4A71855A-4705-BB49-AFCB-9D86C4557E91}"/>
               </a:ext>
             </a:extLst>
           </p:cNvPr>
@@ -10290,7 +10330,7 @@
           <p:cNvPr id="6" name="Pfeil nach rechts 5">
             <a:extLst>
               <a:ext uri="{FF2B5EF4-FFF2-40B4-BE49-F238E27FC236}">
-                <a16:creationId xmlns:a16="http://schemas.microsoft.com/office/drawing/2014/main" id="{8374425F-0750-0A44-A20E-E92959A3C3BA}"/>
+                <a16:creationId xmlns:a16="http://schemas.microsoft.com/office/drawing/2014/main" xmlns="" id="{8374425F-0750-0A44-A20E-E92959A3C3BA}"/>
               </a:ext>
             </a:extLst>
           </p:cNvPr>
@@ -10344,6 +10384,13 @@
   <p:clrMapOvr>
     <a:masterClrMapping/>
   </p:clrMapOvr>
+  <p:timing>
+    <p:tnLst>
+      <p:par>
+        <p:cTn id="1" dur="indefinite" restart="never" nodeType="tmRoot"/>
+      </p:par>
+    </p:tnLst>
+  </p:timing>
 </p:sld>
 </file>
 
@@ -10369,7 +10416,7 @@
           <p:cNvPr id="2" name="Titel 1">
             <a:extLst>
               <a:ext uri="{FF2B5EF4-FFF2-40B4-BE49-F238E27FC236}">
-                <a16:creationId xmlns:a16="http://schemas.microsoft.com/office/drawing/2014/main" id="{89C3DDEC-AE1A-AA4A-AD6C-93563954AC25}"/>
+                <a16:creationId xmlns:a16="http://schemas.microsoft.com/office/drawing/2014/main" xmlns="" id="{89C3DDEC-AE1A-AA4A-AD6C-93563954AC25}"/>
               </a:ext>
             </a:extLst>
           </p:cNvPr>
@@ -10397,7 +10444,7 @@
           <p:cNvPr id="3" name="Datumsplatzhalter 2">
             <a:extLst>
               <a:ext uri="{FF2B5EF4-FFF2-40B4-BE49-F238E27FC236}">
-                <a16:creationId xmlns:a16="http://schemas.microsoft.com/office/drawing/2014/main" id="{7C73244A-B9A4-2C41-8621-62A0F8CEB6E6}"/>
+                <a16:creationId xmlns:a16="http://schemas.microsoft.com/office/drawing/2014/main" xmlns="" id="{7C73244A-B9A4-2C41-8621-62A0F8CEB6E6}"/>
               </a:ext>
             </a:extLst>
           </p:cNvPr>
@@ -10426,7 +10473,7 @@
           <p:cNvPr id="4" name="Foliennummernplatzhalter 3">
             <a:extLst>
               <a:ext uri="{FF2B5EF4-FFF2-40B4-BE49-F238E27FC236}">
-                <a16:creationId xmlns:a16="http://schemas.microsoft.com/office/drawing/2014/main" id="{1697AECB-0285-B44E-802C-2D2C7120F347}"/>
+                <a16:creationId xmlns:a16="http://schemas.microsoft.com/office/drawing/2014/main" xmlns="" id="{1697AECB-0285-B44E-802C-2D2C7120F347}"/>
               </a:ext>
             </a:extLst>
           </p:cNvPr>
@@ -10456,7 +10503,7 @@
           <p:cNvPr id="5" name="Textplatzhalter 4">
             <a:extLst>
               <a:ext uri="{FF2B5EF4-FFF2-40B4-BE49-F238E27FC236}">
-                <a16:creationId xmlns:a16="http://schemas.microsoft.com/office/drawing/2014/main" id="{D04DCF65-C636-7648-A6B9-685CB378150C}"/>
+                <a16:creationId xmlns:a16="http://schemas.microsoft.com/office/drawing/2014/main" xmlns="" id="{D04DCF65-C636-7648-A6B9-685CB378150C}"/>
               </a:ext>
             </a:extLst>
           </p:cNvPr>
@@ -10556,7 +10603,7 @@
           <p:cNvPr id="7" name="Grafik 6">
             <a:extLst>
               <a:ext uri="{FF2B5EF4-FFF2-40B4-BE49-F238E27FC236}">
-                <a16:creationId xmlns:a16="http://schemas.microsoft.com/office/drawing/2014/main" id="{E98785E3-916B-BC4E-AB45-ED9BFFBE16FA}"/>
+                <a16:creationId xmlns:a16="http://schemas.microsoft.com/office/drawing/2014/main" xmlns="" id="{E98785E3-916B-BC4E-AB45-ED9BFFBE16FA}"/>
               </a:ext>
             </a:extLst>
           </p:cNvPr>
@@ -10592,7 +10639,7 @@
           <p:cNvPr id="8" name="Rechteck 7">
             <a:extLst>
               <a:ext uri="{FF2B5EF4-FFF2-40B4-BE49-F238E27FC236}">
-                <a16:creationId xmlns:a16="http://schemas.microsoft.com/office/drawing/2014/main" id="{C468D75A-022F-C443-8AB4-318FF525505B}"/>
+                <a16:creationId xmlns:a16="http://schemas.microsoft.com/office/drawing/2014/main" xmlns="" id="{C468D75A-022F-C443-8AB4-318FF525505B}"/>
               </a:ext>
             </a:extLst>
           </p:cNvPr>
@@ -10651,6 +10698,13 @@
   <p:clrMapOvr>
     <a:masterClrMapping/>
   </p:clrMapOvr>
+  <p:timing>
+    <p:tnLst>
+      <p:par>
+        <p:cTn id="1" dur="indefinite" restart="never" nodeType="tmRoot"/>
+      </p:par>
+    </p:tnLst>
+  </p:timing>
 </p:sld>
 </file>
 
@@ -10676,7 +10730,7 @@
           <p:cNvPr id="2" name="Titel 1">
             <a:extLst>
               <a:ext uri="{FF2B5EF4-FFF2-40B4-BE49-F238E27FC236}">
-                <a16:creationId xmlns:a16="http://schemas.microsoft.com/office/drawing/2014/main" id="{AF352561-0611-8A4D-9CD3-3FE12448DD06}"/>
+                <a16:creationId xmlns:a16="http://schemas.microsoft.com/office/drawing/2014/main" xmlns="" id="{AF352561-0611-8A4D-9CD3-3FE12448DD06}"/>
               </a:ext>
             </a:extLst>
           </p:cNvPr>
@@ -10704,7 +10758,7 @@
           <p:cNvPr id="3" name="Datumsplatzhalter 2">
             <a:extLst>
               <a:ext uri="{FF2B5EF4-FFF2-40B4-BE49-F238E27FC236}">
-                <a16:creationId xmlns:a16="http://schemas.microsoft.com/office/drawing/2014/main" id="{D213FA1D-7700-6D4D-B757-44BA36CA86F7}"/>
+                <a16:creationId xmlns:a16="http://schemas.microsoft.com/office/drawing/2014/main" xmlns="" id="{D213FA1D-7700-6D4D-B757-44BA36CA86F7}"/>
               </a:ext>
             </a:extLst>
           </p:cNvPr>
@@ -10733,7 +10787,7 @@
           <p:cNvPr id="4" name="Foliennummernplatzhalter 3">
             <a:extLst>
               <a:ext uri="{FF2B5EF4-FFF2-40B4-BE49-F238E27FC236}">
-                <a16:creationId xmlns:a16="http://schemas.microsoft.com/office/drawing/2014/main" id="{98783067-92CF-8648-8E8E-20E0D27A095B}"/>
+                <a16:creationId xmlns:a16="http://schemas.microsoft.com/office/drawing/2014/main" xmlns="" id="{98783067-92CF-8648-8E8E-20E0D27A095B}"/>
               </a:ext>
             </a:extLst>
           </p:cNvPr>
@@ -10763,7 +10817,7 @@
           <p:cNvPr id="5" name="Textplatzhalter 4">
             <a:extLst>
               <a:ext uri="{FF2B5EF4-FFF2-40B4-BE49-F238E27FC236}">
-                <a16:creationId xmlns:a16="http://schemas.microsoft.com/office/drawing/2014/main" id="{62E3DD4E-D165-2440-90EB-A3B82412EE9E}"/>
+                <a16:creationId xmlns:a16="http://schemas.microsoft.com/office/drawing/2014/main" xmlns="" id="{62E3DD4E-D165-2440-90EB-A3B82412EE9E}"/>
               </a:ext>
             </a:extLst>
           </p:cNvPr>
@@ -10852,7 +10906,7 @@
           <p:cNvPr id="10" name="Rechteck 9">
             <a:extLst>
               <a:ext uri="{FF2B5EF4-FFF2-40B4-BE49-F238E27FC236}">
-                <a16:creationId xmlns:a16="http://schemas.microsoft.com/office/drawing/2014/main" id="{BBA5E3E9-B896-5042-802C-DCDEFCA5CC2A}"/>
+                <a16:creationId xmlns:a16="http://schemas.microsoft.com/office/drawing/2014/main" xmlns="" id="{BBA5E3E9-B896-5042-802C-DCDEFCA5CC2A}"/>
               </a:ext>
             </a:extLst>
           </p:cNvPr>
@@ -10906,7 +10960,7 @@
           <p:cNvPr id="9" name="Grafik 8">
             <a:extLst>
               <a:ext uri="{FF2B5EF4-FFF2-40B4-BE49-F238E27FC236}">
-                <a16:creationId xmlns:a16="http://schemas.microsoft.com/office/drawing/2014/main" id="{E6FB22BF-43FE-F740-9B92-0B97A0DE0436}"/>
+                <a16:creationId xmlns:a16="http://schemas.microsoft.com/office/drawing/2014/main" xmlns="" id="{E6FB22BF-43FE-F740-9B92-0B97A0DE0436}"/>
               </a:ext>
             </a:extLst>
           </p:cNvPr>
@@ -10947,6 +11001,13 @@
   <p:clrMapOvr>
     <a:masterClrMapping/>
   </p:clrMapOvr>
+  <p:timing>
+    <p:tnLst>
+      <p:par>
+        <p:cTn id="1" dur="indefinite" restart="never" nodeType="tmRoot"/>
+      </p:par>
+    </p:tnLst>
+  </p:timing>
 </p:sld>
 </file>
 
@@ -10972,7 +11033,7 @@
           <p:cNvPr id="2" name="Titel 1">
             <a:extLst>
               <a:ext uri="{FF2B5EF4-FFF2-40B4-BE49-F238E27FC236}">
-                <a16:creationId xmlns:a16="http://schemas.microsoft.com/office/drawing/2014/main" id="{0A02A76E-A190-094D-868E-ED86C95E88DF}"/>
+                <a16:creationId xmlns:a16="http://schemas.microsoft.com/office/drawing/2014/main" xmlns="" id="{0A02A76E-A190-094D-868E-ED86C95E88DF}"/>
               </a:ext>
             </a:extLst>
           </p:cNvPr>
@@ -11000,7 +11061,7 @@
           <p:cNvPr id="3" name="Datumsplatzhalter 2">
             <a:extLst>
               <a:ext uri="{FF2B5EF4-FFF2-40B4-BE49-F238E27FC236}">
-                <a16:creationId xmlns:a16="http://schemas.microsoft.com/office/drawing/2014/main" id="{BB8DCA00-9D4B-7144-A003-4F6BC70C3C06}"/>
+                <a16:creationId xmlns:a16="http://schemas.microsoft.com/office/drawing/2014/main" xmlns="" id="{BB8DCA00-9D4B-7144-A003-4F6BC70C3C06}"/>
               </a:ext>
             </a:extLst>
           </p:cNvPr>
@@ -11029,7 +11090,7 @@
           <p:cNvPr id="4" name="Foliennummernplatzhalter 3">
             <a:extLst>
               <a:ext uri="{FF2B5EF4-FFF2-40B4-BE49-F238E27FC236}">
-                <a16:creationId xmlns:a16="http://schemas.microsoft.com/office/drawing/2014/main" id="{F15EBB48-2BD2-F849-87E1-FC2BC11AB0D5}"/>
+                <a16:creationId xmlns:a16="http://schemas.microsoft.com/office/drawing/2014/main" xmlns="" id="{F15EBB48-2BD2-F849-87E1-FC2BC11AB0D5}"/>
               </a:ext>
             </a:extLst>
           </p:cNvPr>
@@ -11059,7 +11120,7 @@
           <p:cNvPr id="5" name="Textplatzhalter 4">
             <a:extLst>
               <a:ext uri="{FF2B5EF4-FFF2-40B4-BE49-F238E27FC236}">
-                <a16:creationId xmlns:a16="http://schemas.microsoft.com/office/drawing/2014/main" id="{0863D14F-FCD1-B548-A2B8-7A18F182A6E5}"/>
+                <a16:creationId xmlns:a16="http://schemas.microsoft.com/office/drawing/2014/main" xmlns="" id="{0863D14F-FCD1-B548-A2B8-7A18F182A6E5}"/>
               </a:ext>
             </a:extLst>
           </p:cNvPr>
@@ -11136,7 +11197,7 @@
           <p:cNvPr id="6" name="Rechteck 5">
             <a:extLst>
               <a:ext uri="{FF2B5EF4-FFF2-40B4-BE49-F238E27FC236}">
-                <a16:creationId xmlns:a16="http://schemas.microsoft.com/office/drawing/2014/main" id="{F0FA9FFA-187D-AD4A-99BE-C4678F15FB2A}"/>
+                <a16:creationId xmlns:a16="http://schemas.microsoft.com/office/drawing/2014/main" xmlns="" id="{F0FA9FFA-187D-AD4A-99BE-C4678F15FB2A}"/>
               </a:ext>
             </a:extLst>
           </p:cNvPr>
@@ -11195,6 +11256,13 @@
   <p:clrMapOvr>
     <a:masterClrMapping/>
   </p:clrMapOvr>
+  <p:timing>
+    <p:tnLst>
+      <p:par>
+        <p:cTn id="1" dur="indefinite" restart="never" nodeType="tmRoot"/>
+      </p:par>
+    </p:tnLst>
+  </p:timing>
 </p:sld>
 </file>
 
@@ -11220,7 +11288,7 @@
           <p:cNvPr id="2" name="Titel 1">
             <a:extLst>
               <a:ext uri="{FF2B5EF4-FFF2-40B4-BE49-F238E27FC236}">
-                <a16:creationId xmlns:a16="http://schemas.microsoft.com/office/drawing/2014/main" id="{3FB5B477-3655-D14D-8376-129B00BECA66}"/>
+                <a16:creationId xmlns:a16="http://schemas.microsoft.com/office/drawing/2014/main" xmlns="" id="{3FB5B477-3655-D14D-8376-129B00BECA66}"/>
               </a:ext>
             </a:extLst>
           </p:cNvPr>
@@ -11256,7 +11324,7 @@
           <p:cNvPr id="3" name="Datumsplatzhalter 2">
             <a:extLst>
               <a:ext uri="{FF2B5EF4-FFF2-40B4-BE49-F238E27FC236}">
-                <a16:creationId xmlns:a16="http://schemas.microsoft.com/office/drawing/2014/main" id="{C8E459B4-4492-0D4E-828D-B923BB6AA9C7}"/>
+                <a16:creationId xmlns:a16="http://schemas.microsoft.com/office/drawing/2014/main" xmlns="" id="{C8E459B4-4492-0D4E-828D-B923BB6AA9C7}"/>
               </a:ext>
             </a:extLst>
           </p:cNvPr>
@@ -11285,7 +11353,7 @@
           <p:cNvPr id="4" name="Foliennummernplatzhalter 3">
             <a:extLst>
               <a:ext uri="{FF2B5EF4-FFF2-40B4-BE49-F238E27FC236}">
-                <a16:creationId xmlns:a16="http://schemas.microsoft.com/office/drawing/2014/main" id="{83E6DF95-7B2A-814B-882B-7379EA5712BE}"/>
+                <a16:creationId xmlns:a16="http://schemas.microsoft.com/office/drawing/2014/main" xmlns="" id="{83E6DF95-7B2A-814B-882B-7379EA5712BE}"/>
               </a:ext>
             </a:extLst>
           </p:cNvPr>
@@ -11315,7 +11383,7 @@
           <p:cNvPr id="5" name="Textplatzhalter 4">
             <a:extLst>
               <a:ext uri="{FF2B5EF4-FFF2-40B4-BE49-F238E27FC236}">
-                <a16:creationId xmlns:a16="http://schemas.microsoft.com/office/drawing/2014/main" id="{F0C87E7B-BABA-A34B-B071-7075A1FE4B8E}"/>
+                <a16:creationId xmlns:a16="http://schemas.microsoft.com/office/drawing/2014/main" xmlns="" id="{F0C87E7B-BABA-A34B-B071-7075A1FE4B8E}"/>
               </a:ext>
             </a:extLst>
           </p:cNvPr>
@@ -11387,7 +11455,7 @@
           <p:cNvPr id="6" name="Rechteck 5">
             <a:extLst>
               <a:ext uri="{FF2B5EF4-FFF2-40B4-BE49-F238E27FC236}">
-                <a16:creationId xmlns:a16="http://schemas.microsoft.com/office/drawing/2014/main" id="{C7A6EC24-B5A7-E140-BF92-BE67A98BEBBA}"/>
+                <a16:creationId xmlns:a16="http://schemas.microsoft.com/office/drawing/2014/main" xmlns="" id="{C7A6EC24-B5A7-E140-BF92-BE67A98BEBBA}"/>
               </a:ext>
             </a:extLst>
           </p:cNvPr>
@@ -11446,6 +11514,13 @@
   <p:clrMapOvr>
     <a:masterClrMapping/>
   </p:clrMapOvr>
+  <p:timing>
+    <p:tnLst>
+      <p:par>
+        <p:cTn id="1" dur="indefinite" restart="never" nodeType="tmRoot"/>
+      </p:par>
+    </p:tnLst>
+  </p:timing>
 </p:sld>
 </file>
 
@@ -11471,7 +11546,7 @@
           <p:cNvPr id="2" name="Titel 1">
             <a:extLst>
               <a:ext uri="{FF2B5EF4-FFF2-40B4-BE49-F238E27FC236}">
-                <a16:creationId xmlns:a16="http://schemas.microsoft.com/office/drawing/2014/main" id="{50C85C7F-D438-0C40-BF5C-DA9B0BD7A6A6}"/>
+                <a16:creationId xmlns:a16="http://schemas.microsoft.com/office/drawing/2014/main" xmlns="" id="{50C85C7F-D438-0C40-BF5C-DA9B0BD7A6A6}"/>
               </a:ext>
             </a:extLst>
           </p:cNvPr>
@@ -11499,7 +11574,7 @@
           <p:cNvPr id="3" name="Datumsplatzhalter 2">
             <a:extLst>
               <a:ext uri="{FF2B5EF4-FFF2-40B4-BE49-F238E27FC236}">
-                <a16:creationId xmlns:a16="http://schemas.microsoft.com/office/drawing/2014/main" id="{F08E0BFC-668D-4249-A4BD-AEC9CEA23BEB}"/>
+                <a16:creationId xmlns:a16="http://schemas.microsoft.com/office/drawing/2014/main" xmlns="" id="{F08E0BFC-668D-4249-A4BD-AEC9CEA23BEB}"/>
               </a:ext>
             </a:extLst>
           </p:cNvPr>
@@ -11528,7 +11603,7 @@
           <p:cNvPr id="4" name="Foliennummernplatzhalter 3">
             <a:extLst>
               <a:ext uri="{FF2B5EF4-FFF2-40B4-BE49-F238E27FC236}">
-                <a16:creationId xmlns:a16="http://schemas.microsoft.com/office/drawing/2014/main" id="{CB123D5F-265D-5347-A68F-DA090AE35F6D}"/>
+                <a16:creationId xmlns:a16="http://schemas.microsoft.com/office/drawing/2014/main" xmlns="" id="{CB123D5F-265D-5347-A68F-DA090AE35F6D}"/>
               </a:ext>
             </a:extLst>
           </p:cNvPr>
@@ -11558,7 +11633,7 @@
           <p:cNvPr id="5" name="Textplatzhalter 4">
             <a:extLst>
               <a:ext uri="{FF2B5EF4-FFF2-40B4-BE49-F238E27FC236}">
-                <a16:creationId xmlns:a16="http://schemas.microsoft.com/office/drawing/2014/main" id="{75909268-3CC1-DD4C-AB54-840344F9BBAD}"/>
+                <a16:creationId xmlns:a16="http://schemas.microsoft.com/office/drawing/2014/main" xmlns="" id="{75909268-3CC1-DD4C-AB54-840344F9BBAD}"/>
               </a:ext>
             </a:extLst>
           </p:cNvPr>
@@ -11684,7 +11759,7 @@
           <p:cNvPr id="6" name="Rechteck 5">
             <a:extLst>
               <a:ext uri="{FF2B5EF4-FFF2-40B4-BE49-F238E27FC236}">
-                <a16:creationId xmlns:a16="http://schemas.microsoft.com/office/drawing/2014/main" id="{C5C8C7E1-3DD3-524B-962D-4A395D3E3480}"/>
+                <a16:creationId xmlns:a16="http://schemas.microsoft.com/office/drawing/2014/main" xmlns="" id="{C5C8C7E1-3DD3-524B-962D-4A395D3E3480}"/>
               </a:ext>
             </a:extLst>
           </p:cNvPr>
@@ -11738,7 +11813,7 @@
           <p:cNvPr id="8" name="Grafik 7">
             <a:extLst>
               <a:ext uri="{FF2B5EF4-FFF2-40B4-BE49-F238E27FC236}">
-                <a16:creationId xmlns:a16="http://schemas.microsoft.com/office/drawing/2014/main" id="{0B6DDE3C-B86B-F042-AEEE-1E5780AB2A6E}"/>
+                <a16:creationId xmlns:a16="http://schemas.microsoft.com/office/drawing/2014/main" xmlns="" id="{0B6DDE3C-B86B-F042-AEEE-1E5780AB2A6E}"/>
               </a:ext>
             </a:extLst>
           </p:cNvPr>
@@ -11779,6 +11854,13 @@
   <p:clrMapOvr>
     <a:masterClrMapping/>
   </p:clrMapOvr>
+  <p:timing>
+    <p:tnLst>
+      <p:par>
+        <p:cTn id="1" dur="indefinite" restart="never" nodeType="tmRoot"/>
+      </p:par>
+    </p:tnLst>
+  </p:timing>
 </p:sld>
 </file>
 
@@ -11804,7 +11886,7 @@
           <p:cNvPr id="2" name="Titel 1">
             <a:extLst>
               <a:ext uri="{FF2B5EF4-FFF2-40B4-BE49-F238E27FC236}">
-                <a16:creationId xmlns:a16="http://schemas.microsoft.com/office/drawing/2014/main" id="{3A0B2BFD-622E-5D41-A4E2-DFF675BFA198}"/>
+                <a16:creationId xmlns:a16="http://schemas.microsoft.com/office/drawing/2014/main" xmlns="" id="{3A0B2BFD-622E-5D41-A4E2-DFF675BFA198}"/>
               </a:ext>
             </a:extLst>
           </p:cNvPr>
@@ -11832,7 +11914,7 @@
           <p:cNvPr id="3" name="Datumsplatzhalter 2">
             <a:extLst>
               <a:ext uri="{FF2B5EF4-FFF2-40B4-BE49-F238E27FC236}">
-                <a16:creationId xmlns:a16="http://schemas.microsoft.com/office/drawing/2014/main" id="{930AA41F-BF18-FB4C-8735-DD5FD63B410E}"/>
+                <a16:creationId xmlns:a16="http://schemas.microsoft.com/office/drawing/2014/main" xmlns="" id="{930AA41F-BF18-FB4C-8735-DD5FD63B410E}"/>
               </a:ext>
             </a:extLst>
           </p:cNvPr>
@@ -11861,7 +11943,7 @@
           <p:cNvPr id="4" name="Foliennummernplatzhalter 3">
             <a:extLst>
               <a:ext uri="{FF2B5EF4-FFF2-40B4-BE49-F238E27FC236}">
-                <a16:creationId xmlns:a16="http://schemas.microsoft.com/office/drawing/2014/main" id="{20E1428C-9EDA-4343-B139-0C88069AE3FA}"/>
+                <a16:creationId xmlns:a16="http://schemas.microsoft.com/office/drawing/2014/main" xmlns="" id="{20E1428C-9EDA-4343-B139-0C88069AE3FA}"/>
               </a:ext>
             </a:extLst>
           </p:cNvPr>
@@ -11891,7 +11973,7 @@
           <p:cNvPr id="5" name="Textplatzhalter 4">
             <a:extLst>
               <a:ext uri="{FF2B5EF4-FFF2-40B4-BE49-F238E27FC236}">
-                <a16:creationId xmlns:a16="http://schemas.microsoft.com/office/drawing/2014/main" id="{C22408AC-3A01-864B-A344-AB7C0EE638C6}"/>
+                <a16:creationId xmlns:a16="http://schemas.microsoft.com/office/drawing/2014/main" xmlns="" id="{C22408AC-3A01-864B-A344-AB7C0EE638C6}"/>
               </a:ext>
             </a:extLst>
           </p:cNvPr>
@@ -11960,7 +12042,7 @@
           <p:cNvPr id="6" name="Rechteck 5">
             <a:extLst>
               <a:ext uri="{FF2B5EF4-FFF2-40B4-BE49-F238E27FC236}">
-                <a16:creationId xmlns:a16="http://schemas.microsoft.com/office/drawing/2014/main" id="{032B6A1D-5861-3C42-9E4F-CC673F300EDC}"/>
+                <a16:creationId xmlns:a16="http://schemas.microsoft.com/office/drawing/2014/main" xmlns="" id="{032B6A1D-5861-3C42-9E4F-CC673F300EDC}"/>
               </a:ext>
             </a:extLst>
           </p:cNvPr>
@@ -12014,7 +12096,7 @@
           <p:cNvPr id="8" name="Grafik 7">
             <a:extLst>
               <a:ext uri="{FF2B5EF4-FFF2-40B4-BE49-F238E27FC236}">
-                <a16:creationId xmlns:a16="http://schemas.microsoft.com/office/drawing/2014/main" id="{D1EA4A4B-C0FD-FC48-930F-C2FA663F460D}"/>
+                <a16:creationId xmlns:a16="http://schemas.microsoft.com/office/drawing/2014/main" xmlns="" id="{D1EA4A4B-C0FD-FC48-930F-C2FA663F460D}"/>
               </a:ext>
             </a:extLst>
           </p:cNvPr>
@@ -12055,6 +12137,13 @@
   <p:clrMapOvr>
     <a:masterClrMapping/>
   </p:clrMapOvr>
+  <p:timing>
+    <p:tnLst>
+      <p:par>
+        <p:cTn id="1" dur="indefinite" restart="never" nodeType="tmRoot"/>
+      </p:par>
+    </p:tnLst>
+  </p:timing>
 </p:sld>
 </file>
 
@@ -12080,7 +12169,7 @@
           <p:cNvPr id="2" name="Titel 1">
             <a:extLst>
               <a:ext uri="{FF2B5EF4-FFF2-40B4-BE49-F238E27FC236}">
-                <a16:creationId xmlns:a16="http://schemas.microsoft.com/office/drawing/2014/main" id="{3A0B2BFD-622E-5D41-A4E2-DFF675BFA198}"/>
+                <a16:creationId xmlns:a16="http://schemas.microsoft.com/office/drawing/2014/main" xmlns="" id="{3A0B2BFD-622E-5D41-A4E2-DFF675BFA198}"/>
               </a:ext>
             </a:extLst>
           </p:cNvPr>
@@ -12108,7 +12197,7 @@
           <p:cNvPr id="3" name="Datumsplatzhalter 2">
             <a:extLst>
               <a:ext uri="{FF2B5EF4-FFF2-40B4-BE49-F238E27FC236}">
-                <a16:creationId xmlns:a16="http://schemas.microsoft.com/office/drawing/2014/main" id="{930AA41F-BF18-FB4C-8735-DD5FD63B410E}"/>
+                <a16:creationId xmlns:a16="http://schemas.microsoft.com/office/drawing/2014/main" xmlns="" id="{930AA41F-BF18-FB4C-8735-DD5FD63B410E}"/>
               </a:ext>
             </a:extLst>
           </p:cNvPr>
@@ -12137,7 +12226,7 @@
           <p:cNvPr id="4" name="Foliennummernplatzhalter 3">
             <a:extLst>
               <a:ext uri="{FF2B5EF4-FFF2-40B4-BE49-F238E27FC236}">
-                <a16:creationId xmlns:a16="http://schemas.microsoft.com/office/drawing/2014/main" id="{20E1428C-9EDA-4343-B139-0C88069AE3FA}"/>
+                <a16:creationId xmlns:a16="http://schemas.microsoft.com/office/drawing/2014/main" xmlns="" id="{20E1428C-9EDA-4343-B139-0C88069AE3FA}"/>
               </a:ext>
             </a:extLst>
           </p:cNvPr>
@@ -12167,7 +12256,7 @@
           <p:cNvPr id="5" name="Textplatzhalter 4">
             <a:extLst>
               <a:ext uri="{FF2B5EF4-FFF2-40B4-BE49-F238E27FC236}">
-                <a16:creationId xmlns:a16="http://schemas.microsoft.com/office/drawing/2014/main" id="{C22408AC-3A01-864B-A344-AB7C0EE638C6}"/>
+                <a16:creationId xmlns:a16="http://schemas.microsoft.com/office/drawing/2014/main" xmlns="" id="{C22408AC-3A01-864B-A344-AB7C0EE638C6}"/>
               </a:ext>
             </a:extLst>
           </p:cNvPr>
@@ -12236,7 +12325,7 @@
           <p:cNvPr id="6" name="Rechteck 5">
             <a:extLst>
               <a:ext uri="{FF2B5EF4-FFF2-40B4-BE49-F238E27FC236}">
-                <a16:creationId xmlns:a16="http://schemas.microsoft.com/office/drawing/2014/main" id="{032B6A1D-5861-3C42-9E4F-CC673F300EDC}"/>
+                <a16:creationId xmlns:a16="http://schemas.microsoft.com/office/drawing/2014/main" xmlns="" id="{032B6A1D-5861-3C42-9E4F-CC673F300EDC}"/>
               </a:ext>
             </a:extLst>
           </p:cNvPr>
@@ -12290,7 +12379,7 @@
           <p:cNvPr id="8" name="Grafik 7">
             <a:extLst>
               <a:ext uri="{FF2B5EF4-FFF2-40B4-BE49-F238E27FC236}">
-                <a16:creationId xmlns:a16="http://schemas.microsoft.com/office/drawing/2014/main" id="{D1EA4A4B-C0FD-FC48-930F-C2FA663F460D}"/>
+                <a16:creationId xmlns:a16="http://schemas.microsoft.com/office/drawing/2014/main" xmlns="" id="{D1EA4A4B-C0FD-FC48-930F-C2FA663F460D}"/>
               </a:ext>
             </a:extLst>
           </p:cNvPr>
@@ -12331,6 +12420,13 @@
   <p:clrMapOvr>
     <a:masterClrMapping/>
   </p:clrMapOvr>
+  <p:timing>
+    <p:tnLst>
+      <p:par>
+        <p:cTn id="1" dur="indefinite" restart="never" nodeType="tmRoot"/>
+      </p:par>
+    </p:tnLst>
+  </p:timing>
 </p:sld>
 </file>
 
@@ -12356,7 +12452,7 @@
           <p:cNvPr id="2" name="Titel 1">
             <a:extLst>
               <a:ext uri="{FF2B5EF4-FFF2-40B4-BE49-F238E27FC236}">
-                <a16:creationId xmlns:a16="http://schemas.microsoft.com/office/drawing/2014/main" id="{36D97C75-F26F-684B-BFBE-0D8476667FAD}"/>
+                <a16:creationId xmlns:a16="http://schemas.microsoft.com/office/drawing/2014/main" xmlns="" id="{36D97C75-F26F-684B-BFBE-0D8476667FAD}"/>
               </a:ext>
             </a:extLst>
           </p:cNvPr>
@@ -12384,7 +12480,7 @@
           <p:cNvPr id="3" name="Datumsplatzhalter 2">
             <a:extLst>
               <a:ext uri="{FF2B5EF4-FFF2-40B4-BE49-F238E27FC236}">
-                <a16:creationId xmlns:a16="http://schemas.microsoft.com/office/drawing/2014/main" id="{102D406D-448A-FF4D-AFF6-DB24B5A87BE9}"/>
+                <a16:creationId xmlns:a16="http://schemas.microsoft.com/office/drawing/2014/main" xmlns="" id="{102D406D-448A-FF4D-AFF6-DB24B5A87BE9}"/>
               </a:ext>
             </a:extLst>
           </p:cNvPr>
@@ -12413,7 +12509,7 @@
           <p:cNvPr id="4" name="Foliennummernplatzhalter 3">
             <a:extLst>
               <a:ext uri="{FF2B5EF4-FFF2-40B4-BE49-F238E27FC236}">
-                <a16:creationId xmlns:a16="http://schemas.microsoft.com/office/drawing/2014/main" id="{FD5CCFAB-E5AF-A947-B554-A47B77AB1C90}"/>
+                <a16:creationId xmlns:a16="http://schemas.microsoft.com/office/drawing/2014/main" xmlns="" id="{FD5CCFAB-E5AF-A947-B554-A47B77AB1C90}"/>
               </a:ext>
             </a:extLst>
           </p:cNvPr>
@@ -12443,7 +12539,7 @@
           <p:cNvPr id="5" name="Textplatzhalter 4">
             <a:extLst>
               <a:ext uri="{FF2B5EF4-FFF2-40B4-BE49-F238E27FC236}">
-                <a16:creationId xmlns:a16="http://schemas.microsoft.com/office/drawing/2014/main" id="{5CAF1D60-44CE-DD41-9D95-22EAF008B975}"/>
+                <a16:creationId xmlns:a16="http://schemas.microsoft.com/office/drawing/2014/main" xmlns="" id="{5CAF1D60-44CE-DD41-9D95-22EAF008B975}"/>
               </a:ext>
             </a:extLst>
           </p:cNvPr>
@@ -12522,7 +12618,7 @@
           <p:cNvPr id="7" name="Grafik 6">
             <a:extLst>
               <a:ext uri="{FF2B5EF4-FFF2-40B4-BE49-F238E27FC236}">
-                <a16:creationId xmlns:a16="http://schemas.microsoft.com/office/drawing/2014/main" id="{2BF74C23-9993-D445-B632-579C941B393A}"/>
+                <a16:creationId xmlns:a16="http://schemas.microsoft.com/office/drawing/2014/main" xmlns="" id="{2BF74C23-9993-D445-B632-579C941B393A}"/>
               </a:ext>
             </a:extLst>
           </p:cNvPr>
@@ -12558,7 +12654,7 @@
           <p:cNvPr id="9" name="Grafik 8">
             <a:extLst>
               <a:ext uri="{FF2B5EF4-FFF2-40B4-BE49-F238E27FC236}">
-                <a16:creationId xmlns:a16="http://schemas.microsoft.com/office/drawing/2014/main" id="{EC016BA6-63D5-F34A-BD8F-5D2BAE7BA109}"/>
+                <a16:creationId xmlns:a16="http://schemas.microsoft.com/office/drawing/2014/main" xmlns="" id="{EC016BA6-63D5-F34A-BD8F-5D2BAE7BA109}"/>
               </a:ext>
             </a:extLst>
           </p:cNvPr>
@@ -12594,7 +12690,7 @@
           <p:cNvPr id="10" name="Rechteck 9">
             <a:extLst>
               <a:ext uri="{FF2B5EF4-FFF2-40B4-BE49-F238E27FC236}">
-                <a16:creationId xmlns:a16="http://schemas.microsoft.com/office/drawing/2014/main" id="{66147B74-9586-B649-A61B-C07ECC8FD805}"/>
+                <a16:creationId xmlns:a16="http://schemas.microsoft.com/office/drawing/2014/main" xmlns="" id="{66147B74-9586-B649-A61B-C07ECC8FD805}"/>
               </a:ext>
             </a:extLst>
           </p:cNvPr>
@@ -12653,6 +12749,13 @@
   <p:clrMapOvr>
     <a:masterClrMapping/>
   </p:clrMapOvr>
+  <p:timing>
+    <p:tnLst>
+      <p:par>
+        <p:cTn id="1" dur="indefinite" restart="never" nodeType="tmRoot"/>
+      </p:par>
+    </p:tnLst>
+  </p:timing>
 </p:sld>
 </file>
 
@@ -12678,7 +12781,7 @@
           <p:cNvPr id="2" name="Titel 1">
             <a:extLst>
               <a:ext uri="{FF2B5EF4-FFF2-40B4-BE49-F238E27FC236}">
-                <a16:creationId xmlns:a16="http://schemas.microsoft.com/office/drawing/2014/main" id="{187C2D52-72E3-6741-ADF1-F066AEBA38A6}"/>
+                <a16:creationId xmlns:a16="http://schemas.microsoft.com/office/drawing/2014/main" xmlns="" id="{187C2D52-72E3-6741-ADF1-F066AEBA38A6}"/>
               </a:ext>
             </a:extLst>
           </p:cNvPr>
@@ -12706,7 +12809,7 @@
           <p:cNvPr id="3" name="Datumsplatzhalter 2">
             <a:extLst>
               <a:ext uri="{FF2B5EF4-FFF2-40B4-BE49-F238E27FC236}">
-                <a16:creationId xmlns:a16="http://schemas.microsoft.com/office/drawing/2014/main" id="{0DF37704-8DE6-2A4B-ADFF-79CE28863D98}"/>
+                <a16:creationId xmlns:a16="http://schemas.microsoft.com/office/drawing/2014/main" xmlns="" id="{0DF37704-8DE6-2A4B-ADFF-79CE28863D98}"/>
               </a:ext>
             </a:extLst>
           </p:cNvPr>
@@ -12735,7 +12838,7 @@
           <p:cNvPr id="4" name="Foliennummernplatzhalter 3">
             <a:extLst>
               <a:ext uri="{FF2B5EF4-FFF2-40B4-BE49-F238E27FC236}">
-                <a16:creationId xmlns:a16="http://schemas.microsoft.com/office/drawing/2014/main" id="{58CEDD4B-D8E9-944D-87B9-9B8642FD1657}"/>
+                <a16:creationId xmlns:a16="http://schemas.microsoft.com/office/drawing/2014/main" xmlns="" id="{58CEDD4B-D8E9-944D-87B9-9B8642FD1657}"/>
               </a:ext>
             </a:extLst>
           </p:cNvPr>
@@ -12765,7 +12868,7 @@
           <p:cNvPr id="5" name="Textplatzhalter 4">
             <a:extLst>
               <a:ext uri="{FF2B5EF4-FFF2-40B4-BE49-F238E27FC236}">
-                <a16:creationId xmlns:a16="http://schemas.microsoft.com/office/drawing/2014/main" id="{89882CFA-3474-0742-B47B-C675F0C8F3E2}"/>
+                <a16:creationId xmlns:a16="http://schemas.microsoft.com/office/drawing/2014/main" xmlns="" id="{89882CFA-3474-0742-B47B-C675F0C8F3E2}"/>
               </a:ext>
             </a:extLst>
           </p:cNvPr>
@@ -12826,8 +12929,12 @@
           <a:p>
             <a:pPr lvl="1"/>
             <a:r>
-              <a:rPr lang="de-DE" dirty="0"/>
-              <a:t>1.: </a:t>
+              <a:rPr lang="de-DE" b="1" dirty="0"/>
+              <a:t>1</a:t>
+            </a:r>
+            <a:r>
+              <a:rPr lang="de-DE" dirty="0"/>
+              <a:t>.: </a:t>
             </a:r>
             <a:r>
               <a:rPr lang="de-DE" dirty="0" err="1"/>
@@ -12845,8 +12952,12 @@
           <a:p>
             <a:pPr lvl="1"/>
             <a:r>
-              <a:rPr lang="de-DE" dirty="0"/>
-              <a:t>2.: </a:t>
+              <a:rPr lang="de-DE" b="1" dirty="0"/>
+              <a:t>2</a:t>
+            </a:r>
+            <a:r>
+              <a:rPr lang="de-DE" dirty="0"/>
+              <a:t>.: </a:t>
             </a:r>
             <a:r>
               <a:rPr lang="de-DE" dirty="0" err="1"/>
@@ -12886,7 +12997,7 @@
           <p:cNvPr id="6" name="Rechteck 5">
             <a:extLst>
               <a:ext uri="{FF2B5EF4-FFF2-40B4-BE49-F238E27FC236}">
-                <a16:creationId xmlns:a16="http://schemas.microsoft.com/office/drawing/2014/main" id="{051FA9AB-3753-2041-8152-A9F2BB18136C}"/>
+                <a16:creationId xmlns:a16="http://schemas.microsoft.com/office/drawing/2014/main" xmlns="" id="{051FA9AB-3753-2041-8152-A9F2BB18136C}"/>
               </a:ext>
             </a:extLst>
           </p:cNvPr>
@@ -12945,6 +13056,13 @@
   <p:clrMapOvr>
     <a:masterClrMapping/>
   </p:clrMapOvr>
+  <p:timing>
+    <p:tnLst>
+      <p:par>
+        <p:cTn id="1" dur="indefinite" restart="never" nodeType="tmRoot"/>
+      </p:par>
+    </p:tnLst>
+  </p:timing>
 </p:sld>
 </file>
 
@@ -12970,7 +13088,7 @@
           <p:cNvPr id="2" name="Titel 1">
             <a:extLst>
               <a:ext uri="{FF2B5EF4-FFF2-40B4-BE49-F238E27FC236}">
-                <a16:creationId xmlns:a16="http://schemas.microsoft.com/office/drawing/2014/main" id="{2492AD53-96E2-0B45-811F-EA4AA69BE975}"/>
+                <a16:creationId xmlns:a16="http://schemas.microsoft.com/office/drawing/2014/main" xmlns="" id="{2492AD53-96E2-0B45-811F-EA4AA69BE975}"/>
               </a:ext>
             </a:extLst>
           </p:cNvPr>
@@ -12998,7 +13116,7 @@
           <p:cNvPr id="3" name="Datumsplatzhalter 2">
             <a:extLst>
               <a:ext uri="{FF2B5EF4-FFF2-40B4-BE49-F238E27FC236}">
-                <a16:creationId xmlns:a16="http://schemas.microsoft.com/office/drawing/2014/main" id="{03994EA4-DD05-7341-9AF8-D3A29F1281B4}"/>
+                <a16:creationId xmlns:a16="http://schemas.microsoft.com/office/drawing/2014/main" xmlns="" id="{03994EA4-DD05-7341-9AF8-D3A29F1281B4}"/>
               </a:ext>
             </a:extLst>
           </p:cNvPr>
@@ -13027,7 +13145,7 @@
           <p:cNvPr id="4" name="Foliennummernplatzhalter 3">
             <a:extLst>
               <a:ext uri="{FF2B5EF4-FFF2-40B4-BE49-F238E27FC236}">
-                <a16:creationId xmlns:a16="http://schemas.microsoft.com/office/drawing/2014/main" id="{C65CC91A-4A5F-BF40-AFEE-904E3C234B83}"/>
+                <a16:creationId xmlns:a16="http://schemas.microsoft.com/office/drawing/2014/main" xmlns="" id="{C65CC91A-4A5F-BF40-AFEE-904E3C234B83}"/>
               </a:ext>
             </a:extLst>
           </p:cNvPr>
@@ -13057,7 +13175,7 @@
           <p:cNvPr id="5" name="Textplatzhalter 4">
             <a:extLst>
               <a:ext uri="{FF2B5EF4-FFF2-40B4-BE49-F238E27FC236}">
-                <a16:creationId xmlns:a16="http://schemas.microsoft.com/office/drawing/2014/main" id="{1C7DB3A8-38A5-FF4B-BD1C-C441DFC3B018}"/>
+                <a16:creationId xmlns:a16="http://schemas.microsoft.com/office/drawing/2014/main" xmlns="" id="{1C7DB3A8-38A5-FF4B-BD1C-C441DFC3B018}"/>
               </a:ext>
             </a:extLst>
           </p:cNvPr>
@@ -13112,7 +13230,7 @@
           <p:cNvPr id="7" name="Grafik 6">
             <a:extLst>
               <a:ext uri="{FF2B5EF4-FFF2-40B4-BE49-F238E27FC236}">
-                <a16:creationId xmlns:a16="http://schemas.microsoft.com/office/drawing/2014/main" id="{FEB2E393-B67C-2743-9513-521311D30366}"/>
+                <a16:creationId xmlns:a16="http://schemas.microsoft.com/office/drawing/2014/main" xmlns="" id="{FEB2E393-B67C-2743-9513-521311D30366}"/>
               </a:ext>
             </a:extLst>
           </p:cNvPr>
@@ -13148,7 +13266,7 @@
           <p:cNvPr id="9" name="Grafik 8">
             <a:extLst>
               <a:ext uri="{FF2B5EF4-FFF2-40B4-BE49-F238E27FC236}">
-                <a16:creationId xmlns:a16="http://schemas.microsoft.com/office/drawing/2014/main" id="{03643C37-3228-704D-9B09-5BD08D64FC1D}"/>
+                <a16:creationId xmlns:a16="http://schemas.microsoft.com/office/drawing/2014/main" xmlns="" id="{03643C37-3228-704D-9B09-5BD08D64FC1D}"/>
               </a:ext>
             </a:extLst>
           </p:cNvPr>
@@ -13184,7 +13302,7 @@
           <p:cNvPr id="10" name="Rechteck 9">
             <a:extLst>
               <a:ext uri="{FF2B5EF4-FFF2-40B4-BE49-F238E27FC236}">
-                <a16:creationId xmlns:a16="http://schemas.microsoft.com/office/drawing/2014/main" id="{806BB677-ADB6-AD43-8AB5-AE3134D56692}"/>
+                <a16:creationId xmlns:a16="http://schemas.microsoft.com/office/drawing/2014/main" xmlns="" id="{806BB677-ADB6-AD43-8AB5-AE3134D56692}"/>
               </a:ext>
             </a:extLst>
           </p:cNvPr>
@@ -13238,7 +13356,7 @@
           <p:cNvPr id="11" name="Textfeld 10">
             <a:extLst>
               <a:ext uri="{FF2B5EF4-FFF2-40B4-BE49-F238E27FC236}">
-                <a16:creationId xmlns:a16="http://schemas.microsoft.com/office/drawing/2014/main" id="{1ED927EF-9B17-0A44-9391-09C16888C6C3}"/>
+                <a16:creationId xmlns:a16="http://schemas.microsoft.com/office/drawing/2014/main" xmlns="" id="{1ED927EF-9B17-0A44-9391-09C16888C6C3}"/>
               </a:ext>
             </a:extLst>
           </p:cNvPr>
@@ -13273,7 +13391,7 @@
           <p:cNvPr id="13" name="Rahmen 12">
             <a:extLst>
               <a:ext uri="{FF2B5EF4-FFF2-40B4-BE49-F238E27FC236}">
-                <a16:creationId xmlns:a16="http://schemas.microsoft.com/office/drawing/2014/main" id="{9C724038-1595-AF4E-A8AF-499A0D4CFB46}"/>
+                <a16:creationId xmlns:a16="http://schemas.microsoft.com/office/drawing/2014/main" xmlns="" id="{9C724038-1595-AF4E-A8AF-499A0D4CFB46}"/>
               </a:ext>
             </a:extLst>
           </p:cNvPr>
@@ -13328,6 +13446,13 @@
   <p:clrMapOvr>
     <a:masterClrMapping/>
   </p:clrMapOvr>
+  <p:timing>
+    <p:tnLst>
+      <p:par>
+        <p:cTn id="1" dur="indefinite" restart="never" nodeType="tmRoot"/>
+      </p:par>
+    </p:tnLst>
+  </p:timing>
 </p:sld>
 </file>
 
@@ -13353,7 +13478,7 @@
           <p:cNvPr id="2" name="Titel 1">
             <a:extLst>
               <a:ext uri="{FF2B5EF4-FFF2-40B4-BE49-F238E27FC236}">
-                <a16:creationId xmlns:a16="http://schemas.microsoft.com/office/drawing/2014/main" id="{2492AD53-96E2-0B45-811F-EA4AA69BE975}"/>
+                <a16:creationId xmlns:a16="http://schemas.microsoft.com/office/drawing/2014/main" xmlns="" id="{2492AD53-96E2-0B45-811F-EA4AA69BE975}"/>
               </a:ext>
             </a:extLst>
           </p:cNvPr>
@@ -13381,7 +13506,7 @@
           <p:cNvPr id="3" name="Datumsplatzhalter 2">
             <a:extLst>
               <a:ext uri="{FF2B5EF4-FFF2-40B4-BE49-F238E27FC236}">
-                <a16:creationId xmlns:a16="http://schemas.microsoft.com/office/drawing/2014/main" id="{03994EA4-DD05-7341-9AF8-D3A29F1281B4}"/>
+                <a16:creationId xmlns:a16="http://schemas.microsoft.com/office/drawing/2014/main" xmlns="" id="{03994EA4-DD05-7341-9AF8-D3A29F1281B4}"/>
               </a:ext>
             </a:extLst>
           </p:cNvPr>
@@ -13410,7 +13535,7 @@
           <p:cNvPr id="4" name="Foliennummernplatzhalter 3">
             <a:extLst>
               <a:ext uri="{FF2B5EF4-FFF2-40B4-BE49-F238E27FC236}">
-                <a16:creationId xmlns:a16="http://schemas.microsoft.com/office/drawing/2014/main" id="{C65CC91A-4A5F-BF40-AFEE-904E3C234B83}"/>
+                <a16:creationId xmlns:a16="http://schemas.microsoft.com/office/drawing/2014/main" xmlns="" id="{C65CC91A-4A5F-BF40-AFEE-904E3C234B83}"/>
               </a:ext>
             </a:extLst>
           </p:cNvPr>
@@ -13440,7 +13565,7 @@
           <p:cNvPr id="5" name="Textplatzhalter 4">
             <a:extLst>
               <a:ext uri="{FF2B5EF4-FFF2-40B4-BE49-F238E27FC236}">
-                <a16:creationId xmlns:a16="http://schemas.microsoft.com/office/drawing/2014/main" id="{1C7DB3A8-38A5-FF4B-BD1C-C441DFC3B018}"/>
+                <a16:creationId xmlns:a16="http://schemas.microsoft.com/office/drawing/2014/main" xmlns="" id="{1C7DB3A8-38A5-FF4B-BD1C-C441DFC3B018}"/>
               </a:ext>
             </a:extLst>
           </p:cNvPr>
@@ -13498,7 +13623,7 @@
           <p:cNvPr id="7" name="Grafik 6">
             <a:extLst>
               <a:ext uri="{FF2B5EF4-FFF2-40B4-BE49-F238E27FC236}">
-                <a16:creationId xmlns:a16="http://schemas.microsoft.com/office/drawing/2014/main" id="{FEB2E393-B67C-2743-9513-521311D30366}"/>
+                <a16:creationId xmlns:a16="http://schemas.microsoft.com/office/drawing/2014/main" xmlns="" id="{FEB2E393-B67C-2743-9513-521311D30366}"/>
               </a:ext>
             </a:extLst>
           </p:cNvPr>
@@ -13533,7 +13658,7 @@
           <p:cNvPr id="9" name="Grafik 8">
             <a:extLst>
               <a:ext uri="{FF2B5EF4-FFF2-40B4-BE49-F238E27FC236}">
-                <a16:creationId xmlns:a16="http://schemas.microsoft.com/office/drawing/2014/main" id="{03643C37-3228-704D-9B09-5BD08D64FC1D}"/>
+                <a16:creationId xmlns:a16="http://schemas.microsoft.com/office/drawing/2014/main" xmlns="" id="{03643C37-3228-704D-9B09-5BD08D64FC1D}"/>
               </a:ext>
             </a:extLst>
           </p:cNvPr>
@@ -13568,7 +13693,7 @@
           <p:cNvPr id="10" name="Rechteck 9">
             <a:extLst>
               <a:ext uri="{FF2B5EF4-FFF2-40B4-BE49-F238E27FC236}">
-                <a16:creationId xmlns:a16="http://schemas.microsoft.com/office/drawing/2014/main" id="{806BB677-ADB6-AD43-8AB5-AE3134D56692}"/>
+                <a16:creationId xmlns:a16="http://schemas.microsoft.com/office/drawing/2014/main" xmlns="" id="{806BB677-ADB6-AD43-8AB5-AE3134D56692}"/>
               </a:ext>
             </a:extLst>
           </p:cNvPr>
@@ -13622,7 +13747,7 @@
           <p:cNvPr id="11" name="Textfeld 10">
             <a:extLst>
               <a:ext uri="{FF2B5EF4-FFF2-40B4-BE49-F238E27FC236}">
-                <a16:creationId xmlns:a16="http://schemas.microsoft.com/office/drawing/2014/main" id="{1ED927EF-9B17-0A44-9391-09C16888C6C3}"/>
+                <a16:creationId xmlns:a16="http://schemas.microsoft.com/office/drawing/2014/main" xmlns="" id="{1ED927EF-9B17-0A44-9391-09C16888C6C3}"/>
               </a:ext>
             </a:extLst>
           </p:cNvPr>
@@ -13657,7 +13782,7 @@
           <p:cNvPr id="13" name="Rahmen 12">
             <a:extLst>
               <a:ext uri="{FF2B5EF4-FFF2-40B4-BE49-F238E27FC236}">
-                <a16:creationId xmlns:a16="http://schemas.microsoft.com/office/drawing/2014/main" id="{3F9A6040-3DCD-1F4E-AD5F-F87C6B64B47E}"/>
+                <a16:creationId xmlns:a16="http://schemas.microsoft.com/office/drawing/2014/main" xmlns="" id="{3F9A6040-3DCD-1F4E-AD5F-F87C6B64B47E}"/>
               </a:ext>
             </a:extLst>
           </p:cNvPr>
@@ -13712,6 +13837,13 @@
   <p:clrMapOvr>
     <a:masterClrMapping/>
   </p:clrMapOvr>
+  <p:timing>
+    <p:tnLst>
+      <p:par>
+        <p:cTn id="1" dur="indefinite" restart="never" nodeType="tmRoot"/>
+      </p:par>
+    </p:tnLst>
+  </p:timing>
 </p:sld>
 </file>
 
@@ -14587,18 +14719,18 @@
 
 <file path=customXml/item1.xml><?xml version="1.0" encoding="utf-8"?>
 <Control xmlns="http://schemas.microsoft.com/VisualStudio/2011/storyboarding/control">
-  <Id Name="System.Storyboarding.Common.DataGrid" Revision="1" Stencil="System.Storyboarding.Common" StencilVersion="0.1"/>
+  <Id Name="System.Storyboarding.Backgrounds.WindowsPhone" Revision="1" Stencil="System.Storyboarding.Backgrounds" StencilVersion="0.1"/>
 </Control>
 </file>
 
 <file path=customXml/item2.xml><?xml version="1.0" encoding="utf-8"?>
 <Control xmlns="http://schemas.microsoft.com/VisualStudio/2011/storyboarding/control">
-  <Id Name="System.Storyboarding.Backgrounds.WindowsPhone" Revision="1" Stencil="System.Storyboarding.Backgrounds" StencilVersion="0.1"/>
+  <Id Name="System.Storyboarding.Common.DataGrid" Revision="1" Stencil="System.Storyboarding.Common" StencilVersion="0.1"/>
 </Control>
 </file>
 
 <file path=customXml/itemProps1.xml><?xml version="1.0" encoding="utf-8"?>
-<ds:datastoreItem xmlns:ds="http://schemas.openxmlformats.org/officeDocument/2006/customXml" ds:itemID="{92627A13-A711-4245-B1B7-39DE081CC96D}">
+<ds:datastoreItem xmlns:ds="http://schemas.openxmlformats.org/officeDocument/2006/customXml" ds:itemID="{7051CCCD-5D9D-4AB6-88A9-57155298ABD4}">
   <ds:schemaRefs>
     <ds:schemaRef ds:uri="http://schemas.microsoft.com/VisualStudio/2011/storyboarding/control"/>
   </ds:schemaRefs>
@@ -14606,7 +14738,7 @@
 </file>
 
 <file path=customXml/itemProps2.xml><?xml version="1.0" encoding="utf-8"?>
-<ds:datastoreItem xmlns:ds="http://schemas.openxmlformats.org/officeDocument/2006/customXml" ds:itemID="{7051CCCD-5D9D-4AB6-88A9-57155298ABD4}">
+<ds:datastoreItem xmlns:ds="http://schemas.openxmlformats.org/officeDocument/2006/customXml" ds:itemID="{92627A13-A711-4245-B1B7-39DE081CC96D}">
   <ds:schemaRefs>
     <ds:schemaRef ds:uri="http://schemas.microsoft.com/VisualStudio/2011/storyboarding/control"/>
   </ds:schemaRefs>
